--- a/Digital control - lecture 4.pptx
+++ b/Digital control - lecture 4.pptx
@@ -15,11 +15,13 @@
     <p:sldId id="281" r:id="rId9"/>
     <p:sldId id="282" r:id="rId10"/>
     <p:sldId id="283" r:id="rId11"/>
-    <p:sldId id="275" r:id="rId12"/>
-    <p:sldId id="284" r:id="rId13"/>
-    <p:sldId id="276" r:id="rId14"/>
-    <p:sldId id="277" r:id="rId15"/>
-    <p:sldId id="285" r:id="rId16"/>
+    <p:sldId id="286" r:id="rId12"/>
+    <p:sldId id="287" r:id="rId13"/>
+    <p:sldId id="275" r:id="rId14"/>
+    <p:sldId id="284" r:id="rId15"/>
+    <p:sldId id="276" r:id="rId16"/>
+    <p:sldId id="277" r:id="rId17"/>
+    <p:sldId id="285" r:id="rId18"/>
   </p:sldIdLst>
   <p:sldSz cx="12192000" cy="6858000"/>
   <p:notesSz cx="6858000" cy="9144000"/>
@@ -273,7 +275,7 @@
           <a:p>
             <a:fld id="{EE9644A6-59D6-464D-AD1A-3A8F82524950}" type="datetimeFigureOut">
               <a:rPr lang="en-US" smtClean="0"/>
-              <a:t>3/11/2019</a:t>
+              <a:t>3/17/2019</a:t>
             </a:fld>
             <a:endParaRPr lang="en-US"/>
           </a:p>
@@ -471,7 +473,7 @@
           <a:p>
             <a:fld id="{EE9644A6-59D6-464D-AD1A-3A8F82524950}" type="datetimeFigureOut">
               <a:rPr lang="en-US" smtClean="0"/>
-              <a:t>3/11/2019</a:t>
+              <a:t>3/17/2019</a:t>
             </a:fld>
             <a:endParaRPr lang="en-US"/>
           </a:p>
@@ -679,7 +681,7 @@
           <a:p>
             <a:fld id="{EE9644A6-59D6-464D-AD1A-3A8F82524950}" type="datetimeFigureOut">
               <a:rPr lang="en-US" smtClean="0"/>
-              <a:t>3/11/2019</a:t>
+              <a:t>3/17/2019</a:t>
             </a:fld>
             <a:endParaRPr lang="en-US"/>
           </a:p>
@@ -877,7 +879,7 @@
           <a:p>
             <a:fld id="{EE9644A6-59D6-464D-AD1A-3A8F82524950}" type="datetimeFigureOut">
               <a:rPr lang="en-US" smtClean="0"/>
-              <a:t>3/11/2019</a:t>
+              <a:t>3/17/2019</a:t>
             </a:fld>
             <a:endParaRPr lang="en-US"/>
           </a:p>
@@ -1152,7 +1154,7 @@
           <a:p>
             <a:fld id="{EE9644A6-59D6-464D-AD1A-3A8F82524950}" type="datetimeFigureOut">
               <a:rPr lang="en-US" smtClean="0"/>
-              <a:t>3/11/2019</a:t>
+              <a:t>3/17/2019</a:t>
             </a:fld>
             <a:endParaRPr lang="en-US"/>
           </a:p>
@@ -1417,7 +1419,7 @@
           <a:p>
             <a:fld id="{EE9644A6-59D6-464D-AD1A-3A8F82524950}" type="datetimeFigureOut">
               <a:rPr lang="en-US" smtClean="0"/>
-              <a:t>3/11/2019</a:t>
+              <a:t>3/17/2019</a:t>
             </a:fld>
             <a:endParaRPr lang="en-US"/>
           </a:p>
@@ -1829,7 +1831,7 @@
           <a:p>
             <a:fld id="{EE9644A6-59D6-464D-AD1A-3A8F82524950}" type="datetimeFigureOut">
               <a:rPr lang="en-US" smtClean="0"/>
-              <a:t>3/11/2019</a:t>
+              <a:t>3/17/2019</a:t>
             </a:fld>
             <a:endParaRPr lang="en-US"/>
           </a:p>
@@ -1970,7 +1972,7 @@
           <a:p>
             <a:fld id="{EE9644A6-59D6-464D-AD1A-3A8F82524950}" type="datetimeFigureOut">
               <a:rPr lang="en-US" smtClean="0"/>
-              <a:t>3/11/2019</a:t>
+              <a:t>3/17/2019</a:t>
             </a:fld>
             <a:endParaRPr lang="en-US"/>
           </a:p>
@@ -2083,7 +2085,7 @@
           <a:p>
             <a:fld id="{EE9644A6-59D6-464D-AD1A-3A8F82524950}" type="datetimeFigureOut">
               <a:rPr lang="en-US" smtClean="0"/>
-              <a:t>3/11/2019</a:t>
+              <a:t>3/17/2019</a:t>
             </a:fld>
             <a:endParaRPr lang="en-US"/>
           </a:p>
@@ -2394,7 +2396,7 @@
           <a:p>
             <a:fld id="{EE9644A6-59D6-464D-AD1A-3A8F82524950}" type="datetimeFigureOut">
               <a:rPr lang="en-US" smtClean="0"/>
-              <a:t>3/11/2019</a:t>
+              <a:t>3/17/2019</a:t>
             </a:fld>
             <a:endParaRPr lang="en-US"/>
           </a:p>
@@ -2682,7 +2684,7 @@
           <a:p>
             <a:fld id="{EE9644A6-59D6-464D-AD1A-3A8F82524950}" type="datetimeFigureOut">
               <a:rPr lang="en-US" smtClean="0"/>
-              <a:t>3/11/2019</a:t>
+              <a:t>3/17/2019</a:t>
             </a:fld>
             <a:endParaRPr lang="en-US"/>
           </a:p>
@@ -2923,7 +2925,7 @@
           <a:p>
             <a:fld id="{EE9644A6-59D6-464D-AD1A-3A8F82524950}" type="datetimeFigureOut">
               <a:rPr lang="en-US" smtClean="0"/>
-              <a:t>3/11/2019</a:t>
+              <a:t>3/17/2019</a:t>
             </a:fld>
             <a:endParaRPr lang="en-US"/>
           </a:p>
@@ -3933,6 +3935,7427 @@
                   <a:srgbClr val="FF0000"/>
                 </a:solidFill>
               </a:rPr>
+              <a:t>الماسك من الدرجة صفر </a:t>
+            </a:r>
+            <a:r>
+              <a:rPr lang="en-US" sz="3600" b="1" dirty="0">
+                <a:solidFill>
+                  <a:srgbClr val="FF0000"/>
+                </a:solidFill>
+              </a:rPr>
+              <a:t>ZOH</a:t>
+            </a:r>
+          </a:p>
+        </p:txBody>
+      </p:sp>
+      <p:sp>
+        <p:nvSpPr>
+          <p:cNvPr id="15" name="مربع نص 9">
+            <a:extLst>
+              <a:ext uri="{FF2B5EF4-FFF2-40B4-BE49-F238E27FC236}">
+                <a16:creationId xmlns:a16="http://schemas.microsoft.com/office/drawing/2014/main" id="{A206645D-6416-422E-8FBA-033E312E6224}"/>
+              </a:ext>
+            </a:extLst>
+          </p:cNvPr>
+          <p:cNvSpPr txBox="1"/>
+          <p:nvPr/>
+        </p:nvSpPr>
+        <p:spPr>
+          <a:xfrm>
+            <a:off x="5415337" y="820463"/>
+            <a:ext cx="6172200" cy="461665"/>
+          </a:xfrm>
+          <a:prstGeom prst="rect">
+            <a:avLst/>
+          </a:prstGeom>
+          <a:noFill/>
+        </p:spPr>
+        <p:txBody>
+          <a:bodyPr wrap="square" rtlCol="1">
+            <a:spAutoFit/>
+          </a:bodyPr>
+          <a:lstStyle/>
+          <a:p>
+            <a:pPr algn="just" rtl="1"/>
+            <a:r>
+              <a:rPr lang="ar-SY" sz="2400" b="1" dirty="0">
+                <a:solidFill>
+                  <a:srgbClr val="FF0000"/>
+                </a:solidFill>
+                <a:latin typeface="Times New Roman" pitchFamily="18" charset="0"/>
+              </a:rPr>
+              <a:t>تمرين: </a:t>
+            </a:r>
+            <a:r>
+              <a:rPr lang="ar-SY" sz="2400" b="1" dirty="0">
+                <a:latin typeface="Times New Roman" pitchFamily="18" charset="0"/>
+              </a:rPr>
+              <a:t>نظام مستمر تابع انتقاله:</a:t>
+            </a:r>
+            <a:endParaRPr lang="ar-SY" sz="2400" b="1" dirty="0">
+              <a:latin typeface="Times New Roman" pitchFamily="18" charset="0"/>
+              <a:sym typeface="Symbol"/>
+            </a:endParaRPr>
+          </a:p>
+        </p:txBody>
+      </p:sp>
+      <mc:AlternateContent xmlns:mc="http://schemas.openxmlformats.org/markup-compatibility/2006">
+        <mc:Choice xmlns:a14="http://schemas.microsoft.com/office/drawing/2010/main" Requires="a14">
+          <p:sp>
+            <p:nvSpPr>
+              <p:cNvPr id="16" name="Object 5">
+                <a:extLst>
+                  <a:ext uri="{FF2B5EF4-FFF2-40B4-BE49-F238E27FC236}">
+                    <a16:creationId xmlns:a16="http://schemas.microsoft.com/office/drawing/2014/main" id="{86650439-665B-4954-BBC5-EF8CAF32D3C4}"/>
+                  </a:ext>
+                </a:extLst>
+              </p:cNvPr>
+              <p:cNvSpPr txBox="1"/>
+              <p:nvPr/>
+            </p:nvSpPr>
+            <p:spPr bwMode="auto">
+              <a:xfrm>
+                <a:off x="4846636" y="1054918"/>
+                <a:ext cx="2498725" cy="919162"/>
+              </a:xfrm>
+              <a:prstGeom prst="rect">
+                <a:avLst/>
+              </a:prstGeom>
+              <a:noFill/>
+            </p:spPr>
+            <p:txBody>
+              <a:bodyPr>
+                <a:normAutofit/>
+              </a:bodyPr>
+              <a:lstStyle/>
+              <a:p>
+                <a:pPr/>
+                <a14:m>
+                  <m:oMathPara xmlns:m="http://schemas.openxmlformats.org/officeDocument/2006/math">
+                    <m:oMathParaPr>
+                      <m:jc m:val="center"/>
+                    </m:oMathParaPr>
+                    <m:oMath xmlns:m="http://schemas.openxmlformats.org/officeDocument/2006/math">
+                      <m:r>
+                        <a:rPr lang="en-US" sz="2400" i="1">
+                          <a:solidFill>
+                            <a:srgbClr val="000000"/>
+                          </a:solidFill>
+                          <a:latin typeface="Cambria Math" panose="02040503050406030204" pitchFamily="18" charset="0"/>
+                        </a:rPr>
+                        <m:t>𝐻</m:t>
+                      </m:r>
+                      <m:r>
+                        <a:rPr lang="en-US" sz="2400" i="1">
+                          <a:solidFill>
+                            <a:srgbClr val="000000"/>
+                          </a:solidFill>
+                          <a:latin typeface="Cambria Math" panose="02040503050406030204" pitchFamily="18" charset="0"/>
+                        </a:rPr>
+                        <m:t>(</m:t>
+                      </m:r>
+                      <m:r>
+                        <a:rPr lang="en-US" sz="2400" i="1">
+                          <a:solidFill>
+                            <a:srgbClr val="000000"/>
+                          </a:solidFill>
+                          <a:latin typeface="Cambria Math" panose="02040503050406030204" pitchFamily="18" charset="0"/>
+                        </a:rPr>
+                        <m:t>𝑆</m:t>
+                      </m:r>
+                      <m:r>
+                        <a:rPr lang="en-US" sz="2400" i="1">
+                          <a:solidFill>
+                            <a:srgbClr val="000000"/>
+                          </a:solidFill>
+                          <a:latin typeface="Cambria Math" panose="02040503050406030204" pitchFamily="18" charset="0"/>
+                        </a:rPr>
+                        <m:t>)=</m:t>
+                      </m:r>
+                      <m:f>
+                        <m:fPr>
+                          <m:ctrlPr>
+                            <a:rPr lang="en-US" sz="2400" i="1">
+                              <a:solidFill>
+                                <a:srgbClr val="000000"/>
+                              </a:solidFill>
+                              <a:latin typeface="Cambria Math" panose="02040503050406030204" pitchFamily="18" charset="0"/>
+                            </a:rPr>
+                          </m:ctrlPr>
+                        </m:fPr>
+                        <m:num>
+                          <m:r>
+                            <a:rPr lang="en-US" sz="2400" i="1">
+                              <a:solidFill>
+                                <a:srgbClr val="000000"/>
+                              </a:solidFill>
+                              <a:latin typeface="Cambria Math" panose="02040503050406030204" pitchFamily="18" charset="0"/>
+                            </a:rPr>
+                            <m:t>4</m:t>
+                          </m:r>
+                        </m:num>
+                        <m:den>
+                          <m:sSup>
+                            <m:sSupPr>
+                              <m:ctrlPr>
+                                <a:rPr lang="en-US" sz="2400" i="1">
+                                  <a:solidFill>
+                                    <a:srgbClr val="000000"/>
+                                  </a:solidFill>
+                                  <a:latin typeface="Cambria Math" panose="02040503050406030204" pitchFamily="18" charset="0"/>
+                                </a:rPr>
+                              </m:ctrlPr>
+                            </m:sSupPr>
+                            <m:e>
+                              <m:r>
+                                <a:rPr lang="en-US" sz="2400" i="1">
+                                  <a:solidFill>
+                                    <a:srgbClr val="000000"/>
+                                  </a:solidFill>
+                                  <a:latin typeface="Cambria Math" panose="02040503050406030204" pitchFamily="18" charset="0"/>
+                                </a:rPr>
+                                <m:t>𝑆</m:t>
+                              </m:r>
+                            </m:e>
+                            <m:sup>
+                              <m:r>
+                                <a:rPr lang="en-US" sz="2400" i="1">
+                                  <a:solidFill>
+                                    <a:srgbClr val="000000"/>
+                                  </a:solidFill>
+                                  <a:latin typeface="Cambria Math" panose="02040503050406030204" pitchFamily="18" charset="0"/>
+                                </a:rPr>
+                                <m:t>2</m:t>
+                              </m:r>
+                            </m:sup>
+                          </m:sSup>
+                          <m:r>
+                            <a:rPr lang="en-US" sz="2400" i="1">
+                              <a:solidFill>
+                                <a:srgbClr val="000000"/>
+                              </a:solidFill>
+                              <a:latin typeface="Cambria Math" panose="02040503050406030204" pitchFamily="18" charset="0"/>
+                            </a:rPr>
+                            <m:t>+</m:t>
+                          </m:r>
+                          <m:r>
+                            <a:rPr lang="en-US" sz="2400" i="1">
+                              <a:solidFill>
+                                <a:srgbClr val="000000"/>
+                              </a:solidFill>
+                              <a:latin typeface="Cambria Math" panose="02040503050406030204" pitchFamily="18" charset="0"/>
+                            </a:rPr>
+                            <m:t>2</m:t>
+                          </m:r>
+                          <m:r>
+                            <a:rPr lang="en-US" sz="2400" i="1">
+                              <a:solidFill>
+                                <a:srgbClr val="000000"/>
+                              </a:solidFill>
+                              <a:latin typeface="Cambria Math" panose="02040503050406030204" pitchFamily="18" charset="0"/>
+                            </a:rPr>
+                            <m:t>𝑆</m:t>
+                          </m:r>
+                        </m:den>
+                      </m:f>
+                    </m:oMath>
+                  </m:oMathPara>
+                </a14:m>
+                <a:endParaRPr lang="en-US" sz="2400" dirty="0"/>
+              </a:p>
+            </p:txBody>
+          </p:sp>
+        </mc:Choice>
+        <mc:Fallback>
+          <p:sp>
+            <p:nvSpPr>
+              <p:cNvPr id="16" name="Object 5">
+                <a:extLst>
+                  <a:ext uri="{FF2B5EF4-FFF2-40B4-BE49-F238E27FC236}">
+                    <a16:creationId xmlns:a16="http://schemas.microsoft.com/office/drawing/2014/main" id="{86650439-665B-4954-BBC5-EF8CAF32D3C4}"/>
+                  </a:ext>
+                </a:extLst>
+              </p:cNvPr>
+              <p:cNvSpPr txBox="1">
+                <a:spLocks noRot="1" noChangeAspect="1" noMove="1" noResize="1" noEditPoints="1" noAdjustHandles="1" noChangeArrowheads="1" noChangeShapeType="1" noTextEdit="1"/>
+              </p:cNvSpPr>
+              <p:nvPr/>
+            </p:nvSpPr>
+            <p:spPr bwMode="auto">
+              <a:xfrm>
+                <a:off x="4846636" y="1054918"/>
+                <a:ext cx="2498725" cy="919162"/>
+              </a:xfrm>
+              <a:prstGeom prst="rect">
+                <a:avLst/>
+              </a:prstGeom>
+              <a:blipFill>
+                <a:blip r:embed="rId2"/>
+                <a:stretch>
+                  <a:fillRect/>
+                </a:stretch>
+              </a:blipFill>
+            </p:spPr>
+            <p:txBody>
+              <a:bodyPr/>
+              <a:lstStyle/>
+              <a:p>
+                <a:r>
+                  <a:rPr lang="en-US">
+                    <a:noFill/>
+                  </a:rPr>
+                  <a:t> </a:t>
+                </a:r>
+              </a:p>
+            </p:txBody>
+          </p:sp>
+        </mc:Fallback>
+      </mc:AlternateContent>
+      <p:sp>
+        <p:nvSpPr>
+          <p:cNvPr id="18" name="مربع نص 12">
+            <a:extLst>
+              <a:ext uri="{FF2B5EF4-FFF2-40B4-BE49-F238E27FC236}">
+                <a16:creationId xmlns:a16="http://schemas.microsoft.com/office/drawing/2014/main" id="{C895AD7A-671B-4588-8B86-6ABB2ECAC959}"/>
+              </a:ext>
+            </a:extLst>
+          </p:cNvPr>
+          <p:cNvSpPr txBox="1"/>
+          <p:nvPr/>
+        </p:nvSpPr>
+        <p:spPr>
+          <a:xfrm>
+            <a:off x="9758737" y="2835712"/>
+            <a:ext cx="1828800" cy="461665"/>
+          </a:xfrm>
+          <a:prstGeom prst="rect">
+            <a:avLst/>
+          </a:prstGeom>
+          <a:noFill/>
+        </p:spPr>
+        <p:txBody>
+          <a:bodyPr wrap="square" rtlCol="1">
+            <a:spAutoFit/>
+          </a:bodyPr>
+          <a:lstStyle/>
+          <a:p>
+            <a:pPr algn="just" rtl="1"/>
+            <a:r>
+              <a:rPr lang="ar-SY" sz="2400" b="1" dirty="0" err="1">
+                <a:solidFill>
+                  <a:srgbClr val="FF0000"/>
+                </a:solidFill>
+                <a:latin typeface="Times New Roman" pitchFamily="18" charset="0"/>
+              </a:rPr>
+              <a:t>الجواب:</a:t>
+            </a:r>
+            <a:endParaRPr lang="ar-SY" sz="2400" b="1" dirty="0">
+              <a:latin typeface="Times New Roman" pitchFamily="18" charset="0"/>
+              <a:sym typeface="Symbol"/>
+            </a:endParaRPr>
+          </a:p>
+        </p:txBody>
+      </p:sp>
+      <mc:AlternateContent xmlns:mc="http://schemas.openxmlformats.org/markup-compatibility/2006">
+        <mc:Choice xmlns:a14="http://schemas.microsoft.com/office/drawing/2010/main" Requires="a14">
+          <p:sp>
+            <p:nvSpPr>
+              <p:cNvPr id="19" name="Object 7">
+                <a:extLst>
+                  <a:ext uri="{FF2B5EF4-FFF2-40B4-BE49-F238E27FC236}">
+                    <a16:creationId xmlns:a16="http://schemas.microsoft.com/office/drawing/2014/main" id="{E015AF06-125A-401E-B927-474797073FA9}"/>
+                  </a:ext>
+                </a:extLst>
+              </p:cNvPr>
+              <p:cNvSpPr txBox="1"/>
+              <p:nvPr/>
+            </p:nvSpPr>
+            <p:spPr bwMode="auto">
+              <a:xfrm>
+                <a:off x="1326222" y="6263097"/>
+                <a:ext cx="9539555" cy="495072"/>
+              </a:xfrm>
+              <a:prstGeom prst="rect">
+                <a:avLst/>
+              </a:prstGeom>
+              <a:noFill/>
+            </p:spPr>
+            <p:txBody>
+              <a:bodyPr>
+                <a:normAutofit/>
+              </a:bodyPr>
+              <a:lstStyle/>
+              <a:p>
+                <a:pPr algn="ctr"/>
+                <a14:m>
+                  <m:oMathPara xmlns:m="http://schemas.openxmlformats.org/officeDocument/2006/math">
+                    <m:oMathParaPr>
+                      <m:jc m:val="center"/>
+                    </m:oMathParaPr>
+                    <m:oMath xmlns:m="http://schemas.openxmlformats.org/officeDocument/2006/math">
+                      <m:r>
+                        <a:rPr lang="en-US" sz="2000" i="1" smtClean="0">
+                          <a:solidFill>
+                            <a:srgbClr val="FF0000"/>
+                          </a:solidFill>
+                          <a:latin typeface="Cambria Math" panose="02040503050406030204" pitchFamily="18" charset="0"/>
+                        </a:rPr>
+                        <m:t>𝑦</m:t>
+                      </m:r>
+                      <m:r>
+                        <a:rPr lang="en-US" sz="2000" i="1" smtClean="0">
+                          <a:solidFill>
+                            <a:srgbClr val="FF0000"/>
+                          </a:solidFill>
+                          <a:latin typeface="Cambria Math" panose="02040503050406030204" pitchFamily="18" charset="0"/>
+                        </a:rPr>
+                        <m:t>(</m:t>
+                      </m:r>
+                      <m:r>
+                        <a:rPr lang="en-US" sz="2000" i="1" smtClean="0">
+                          <a:solidFill>
+                            <a:srgbClr val="FF0000"/>
+                          </a:solidFill>
+                          <a:latin typeface="Cambria Math" panose="02040503050406030204" pitchFamily="18" charset="0"/>
+                        </a:rPr>
+                        <m:t>𝑘</m:t>
+                      </m:r>
+                      <m:r>
+                        <a:rPr lang="en-US" sz="2000" i="1" smtClean="0">
+                          <a:solidFill>
+                            <a:srgbClr val="FF0000"/>
+                          </a:solidFill>
+                          <a:latin typeface="Cambria Math" panose="02040503050406030204" pitchFamily="18" charset="0"/>
+                        </a:rPr>
+                        <m:t>)−</m:t>
+                      </m:r>
+                      <m:r>
+                        <a:rPr lang="en-US" sz="2000" i="1" smtClean="0">
+                          <a:solidFill>
+                            <a:srgbClr val="FF0000"/>
+                          </a:solidFill>
+                          <a:latin typeface="Cambria Math" panose="02040503050406030204" pitchFamily="18" charset="0"/>
+                        </a:rPr>
+                        <m:t>1</m:t>
+                      </m:r>
+                      <m:r>
+                        <a:rPr lang="en-US" sz="2000" i="1" smtClean="0">
+                          <a:solidFill>
+                            <a:srgbClr val="FF0000"/>
+                          </a:solidFill>
+                          <a:latin typeface="Cambria Math" panose="02040503050406030204" pitchFamily="18" charset="0"/>
+                        </a:rPr>
+                        <m:t>.</m:t>
+                      </m:r>
+                      <m:r>
+                        <a:rPr lang="en-US" sz="2000" i="1" smtClean="0">
+                          <a:solidFill>
+                            <a:srgbClr val="FF0000"/>
+                          </a:solidFill>
+                          <a:latin typeface="Cambria Math" panose="02040503050406030204" pitchFamily="18" charset="0"/>
+                        </a:rPr>
+                        <m:t>95</m:t>
+                      </m:r>
+                      <m:r>
+                        <a:rPr lang="en-US" sz="2000" i="1" smtClean="0">
+                          <a:solidFill>
+                            <a:srgbClr val="FF0000"/>
+                          </a:solidFill>
+                          <a:latin typeface="Cambria Math" panose="02040503050406030204" pitchFamily="18" charset="0"/>
+                        </a:rPr>
+                        <m:t>𝑦</m:t>
+                      </m:r>
+                      <m:r>
+                        <a:rPr lang="en-US" sz="2000" i="1" smtClean="0">
+                          <a:solidFill>
+                            <a:srgbClr val="FF0000"/>
+                          </a:solidFill>
+                          <a:latin typeface="Cambria Math" panose="02040503050406030204" pitchFamily="18" charset="0"/>
+                        </a:rPr>
+                        <m:t>(</m:t>
+                      </m:r>
+                      <m:r>
+                        <a:rPr lang="en-US" sz="2000" i="1" smtClean="0">
+                          <a:solidFill>
+                            <a:srgbClr val="FF0000"/>
+                          </a:solidFill>
+                          <a:latin typeface="Cambria Math" panose="02040503050406030204" pitchFamily="18" charset="0"/>
+                        </a:rPr>
+                        <m:t>𝑘</m:t>
+                      </m:r>
+                      <m:r>
+                        <a:rPr lang="en-US" sz="2000" i="1" smtClean="0">
+                          <a:solidFill>
+                            <a:srgbClr val="FF0000"/>
+                          </a:solidFill>
+                          <a:latin typeface="Cambria Math" panose="02040503050406030204" pitchFamily="18" charset="0"/>
+                        </a:rPr>
+                        <m:t>−</m:t>
+                      </m:r>
+                      <m:r>
+                        <a:rPr lang="en-US" sz="2000" i="1" smtClean="0">
+                          <a:solidFill>
+                            <a:srgbClr val="FF0000"/>
+                          </a:solidFill>
+                          <a:latin typeface="Cambria Math" panose="02040503050406030204" pitchFamily="18" charset="0"/>
+                        </a:rPr>
+                        <m:t>1</m:t>
+                      </m:r>
+                      <m:r>
+                        <a:rPr lang="en-US" sz="2000" i="1" smtClean="0">
+                          <a:solidFill>
+                            <a:srgbClr val="FF0000"/>
+                          </a:solidFill>
+                          <a:latin typeface="Cambria Math" panose="02040503050406030204" pitchFamily="18" charset="0"/>
+                        </a:rPr>
+                        <m:t>)+</m:t>
+                      </m:r>
+                      <m:r>
+                        <a:rPr lang="en-US" sz="2000" i="1" smtClean="0">
+                          <a:solidFill>
+                            <a:srgbClr val="FF0000"/>
+                          </a:solidFill>
+                          <a:latin typeface="Cambria Math" panose="02040503050406030204" pitchFamily="18" charset="0"/>
+                        </a:rPr>
+                        <m:t>0</m:t>
+                      </m:r>
+                      <m:r>
+                        <a:rPr lang="en-US" sz="2000" i="1" smtClean="0">
+                          <a:solidFill>
+                            <a:srgbClr val="FF0000"/>
+                          </a:solidFill>
+                          <a:latin typeface="Cambria Math" panose="02040503050406030204" pitchFamily="18" charset="0"/>
+                        </a:rPr>
+                        <m:t>.</m:t>
+                      </m:r>
+                      <m:r>
+                        <a:rPr lang="en-US" sz="2000" i="1" smtClean="0">
+                          <a:solidFill>
+                            <a:srgbClr val="FF0000"/>
+                          </a:solidFill>
+                          <a:latin typeface="Cambria Math" panose="02040503050406030204" pitchFamily="18" charset="0"/>
+                        </a:rPr>
+                        <m:t>95</m:t>
+                      </m:r>
+                      <m:r>
+                        <a:rPr lang="en-US" sz="2000" i="1" smtClean="0">
+                          <a:solidFill>
+                            <a:srgbClr val="FF0000"/>
+                          </a:solidFill>
+                          <a:latin typeface="Cambria Math" panose="02040503050406030204" pitchFamily="18" charset="0"/>
+                        </a:rPr>
+                        <m:t>𝑦</m:t>
+                      </m:r>
+                      <m:r>
+                        <a:rPr lang="en-US" sz="2000" i="1" smtClean="0">
+                          <a:solidFill>
+                            <a:srgbClr val="FF0000"/>
+                          </a:solidFill>
+                          <a:latin typeface="Cambria Math" panose="02040503050406030204" pitchFamily="18" charset="0"/>
+                        </a:rPr>
+                        <m:t>(</m:t>
+                      </m:r>
+                      <m:r>
+                        <a:rPr lang="en-US" sz="2000" i="1" smtClean="0">
+                          <a:solidFill>
+                            <a:srgbClr val="FF0000"/>
+                          </a:solidFill>
+                          <a:latin typeface="Cambria Math" panose="02040503050406030204" pitchFamily="18" charset="0"/>
+                        </a:rPr>
+                        <m:t>𝑘</m:t>
+                      </m:r>
+                      <m:r>
+                        <a:rPr lang="en-US" sz="2000" i="1" smtClean="0">
+                          <a:solidFill>
+                            <a:srgbClr val="FF0000"/>
+                          </a:solidFill>
+                          <a:latin typeface="Cambria Math" panose="02040503050406030204" pitchFamily="18" charset="0"/>
+                        </a:rPr>
+                        <m:t>−</m:t>
+                      </m:r>
+                      <m:r>
+                        <a:rPr lang="en-US" sz="2000" i="1" smtClean="0">
+                          <a:solidFill>
+                            <a:srgbClr val="FF0000"/>
+                          </a:solidFill>
+                          <a:latin typeface="Cambria Math" panose="02040503050406030204" pitchFamily="18" charset="0"/>
+                        </a:rPr>
+                        <m:t>2</m:t>
+                      </m:r>
+                      <m:r>
+                        <a:rPr lang="en-US" sz="2000" i="1" smtClean="0">
+                          <a:solidFill>
+                            <a:srgbClr val="FF0000"/>
+                          </a:solidFill>
+                          <a:latin typeface="Cambria Math" panose="02040503050406030204" pitchFamily="18" charset="0"/>
+                        </a:rPr>
+                        <m:t>)=</m:t>
+                      </m:r>
+                      <m:r>
+                        <a:rPr lang="en-US" sz="2000" i="1">
+                          <a:solidFill>
+                            <a:srgbClr val="FF0000"/>
+                          </a:solidFill>
+                          <a:latin typeface="Cambria Math" panose="02040503050406030204" pitchFamily="18" charset="0"/>
+                        </a:rPr>
+                        <m:t>0</m:t>
+                      </m:r>
+                      <m:r>
+                        <a:rPr lang="en-US" sz="2000" i="1">
+                          <a:solidFill>
+                            <a:srgbClr val="FF0000"/>
+                          </a:solidFill>
+                          <a:latin typeface="Cambria Math" panose="02040503050406030204" pitchFamily="18" charset="0"/>
+                        </a:rPr>
+                        <m:t>.</m:t>
+                      </m:r>
+                      <m:r>
+                        <a:rPr lang="en-US" sz="2000" i="1">
+                          <a:solidFill>
+                            <a:srgbClr val="FF0000"/>
+                          </a:solidFill>
+                          <a:latin typeface="Cambria Math" panose="02040503050406030204" pitchFamily="18" charset="0"/>
+                        </a:rPr>
+                        <m:t>00123</m:t>
+                      </m:r>
+                      <m:r>
+                        <a:rPr lang="en-US" sz="2000" i="1">
+                          <a:solidFill>
+                            <a:srgbClr val="FF0000"/>
+                          </a:solidFill>
+                          <a:latin typeface="Cambria Math" panose="02040503050406030204" pitchFamily="18" charset="0"/>
+                        </a:rPr>
+                        <m:t>𝑢</m:t>
+                      </m:r>
+                      <m:r>
+                        <a:rPr lang="en-US" sz="2000" i="1">
+                          <a:solidFill>
+                            <a:srgbClr val="FF0000"/>
+                          </a:solidFill>
+                          <a:latin typeface="Cambria Math" panose="02040503050406030204" pitchFamily="18" charset="0"/>
+                        </a:rPr>
+                        <m:t>(</m:t>
+                      </m:r>
+                      <m:r>
+                        <a:rPr lang="en-US" sz="2000" i="1">
+                          <a:solidFill>
+                            <a:srgbClr val="FF0000"/>
+                          </a:solidFill>
+                          <a:latin typeface="Cambria Math" panose="02040503050406030204" pitchFamily="18" charset="0"/>
+                        </a:rPr>
+                        <m:t>𝑘</m:t>
+                      </m:r>
+                      <m:r>
+                        <a:rPr lang="en-US" sz="2000" i="1">
+                          <a:solidFill>
+                            <a:srgbClr val="FF0000"/>
+                          </a:solidFill>
+                          <a:latin typeface="Cambria Math" panose="02040503050406030204" pitchFamily="18" charset="0"/>
+                        </a:rPr>
+                        <m:t>−</m:t>
+                      </m:r>
+                      <m:r>
+                        <a:rPr lang="en-US" sz="2000" i="1">
+                          <a:solidFill>
+                            <a:srgbClr val="FF0000"/>
+                          </a:solidFill>
+                          <a:latin typeface="Cambria Math" panose="02040503050406030204" pitchFamily="18" charset="0"/>
+                        </a:rPr>
+                        <m:t>1</m:t>
+                      </m:r>
+                      <m:r>
+                        <a:rPr lang="en-US" sz="2000" i="1">
+                          <a:solidFill>
+                            <a:srgbClr val="FF0000"/>
+                          </a:solidFill>
+                          <a:latin typeface="Cambria Math" panose="02040503050406030204" pitchFamily="18" charset="0"/>
+                        </a:rPr>
+                        <m:t>)+</m:t>
+                      </m:r>
+                      <m:r>
+                        <a:rPr lang="en-US" sz="2000" i="1">
+                          <a:solidFill>
+                            <a:srgbClr val="FF0000"/>
+                          </a:solidFill>
+                          <a:latin typeface="Cambria Math" panose="02040503050406030204" pitchFamily="18" charset="0"/>
+                        </a:rPr>
+                        <m:t>0</m:t>
+                      </m:r>
+                      <m:r>
+                        <a:rPr lang="en-US" sz="2000" i="1">
+                          <a:solidFill>
+                            <a:srgbClr val="FF0000"/>
+                          </a:solidFill>
+                          <a:latin typeface="Cambria Math" panose="02040503050406030204" pitchFamily="18" charset="0"/>
+                        </a:rPr>
+                        <m:t>.</m:t>
+                      </m:r>
+                      <m:r>
+                        <a:rPr lang="en-US" sz="2000" i="1">
+                          <a:solidFill>
+                            <a:srgbClr val="FF0000"/>
+                          </a:solidFill>
+                          <a:latin typeface="Cambria Math" panose="02040503050406030204" pitchFamily="18" charset="0"/>
+                        </a:rPr>
+                        <m:t>00121</m:t>
+                      </m:r>
+                      <m:r>
+                        <a:rPr lang="en-US" sz="2000" i="1">
+                          <a:solidFill>
+                            <a:srgbClr val="FF0000"/>
+                          </a:solidFill>
+                          <a:latin typeface="Cambria Math" panose="02040503050406030204" pitchFamily="18" charset="0"/>
+                        </a:rPr>
+                        <m:t>𝑢</m:t>
+                      </m:r>
+                      <m:r>
+                        <a:rPr lang="en-US" sz="2000" i="1">
+                          <a:solidFill>
+                            <a:srgbClr val="FF0000"/>
+                          </a:solidFill>
+                          <a:latin typeface="Cambria Math" panose="02040503050406030204" pitchFamily="18" charset="0"/>
+                        </a:rPr>
+                        <m:t>(</m:t>
+                      </m:r>
+                      <m:r>
+                        <a:rPr lang="en-US" sz="2000" i="1">
+                          <a:solidFill>
+                            <a:srgbClr val="FF0000"/>
+                          </a:solidFill>
+                          <a:latin typeface="Cambria Math" panose="02040503050406030204" pitchFamily="18" charset="0"/>
+                        </a:rPr>
+                        <m:t>𝑘</m:t>
+                      </m:r>
+                      <m:r>
+                        <a:rPr lang="en-US" sz="2000" i="1">
+                          <a:solidFill>
+                            <a:srgbClr val="FF0000"/>
+                          </a:solidFill>
+                          <a:latin typeface="Cambria Math" panose="02040503050406030204" pitchFamily="18" charset="0"/>
+                        </a:rPr>
+                        <m:t>−</m:t>
+                      </m:r>
+                      <m:r>
+                        <a:rPr lang="en-US" sz="2000" i="1">
+                          <a:solidFill>
+                            <a:srgbClr val="FF0000"/>
+                          </a:solidFill>
+                          <a:latin typeface="Cambria Math" panose="02040503050406030204" pitchFamily="18" charset="0"/>
+                        </a:rPr>
+                        <m:t>2</m:t>
+                      </m:r>
+                      <m:r>
+                        <a:rPr lang="en-US" sz="2000" i="1">
+                          <a:solidFill>
+                            <a:srgbClr val="FF0000"/>
+                          </a:solidFill>
+                          <a:latin typeface="Cambria Math" panose="02040503050406030204" pitchFamily="18" charset="0"/>
+                        </a:rPr>
+                        <m:t>)</m:t>
+                      </m:r>
+                    </m:oMath>
+                  </m:oMathPara>
+                </a14:m>
+                <a:endParaRPr lang="en-US" sz="2000" dirty="0">
+                  <a:solidFill>
+                    <a:srgbClr val="FF0000"/>
+                  </a:solidFill>
+                </a:endParaRPr>
+              </a:p>
+            </p:txBody>
+          </p:sp>
+        </mc:Choice>
+        <mc:Fallback>
+          <p:sp>
+            <p:nvSpPr>
+              <p:cNvPr id="19" name="Object 7">
+                <a:extLst>
+                  <a:ext uri="{FF2B5EF4-FFF2-40B4-BE49-F238E27FC236}">
+                    <a16:creationId xmlns:a16="http://schemas.microsoft.com/office/drawing/2014/main" id="{E015AF06-125A-401E-B927-474797073FA9}"/>
+                  </a:ext>
+                </a:extLst>
+              </p:cNvPr>
+              <p:cNvSpPr txBox="1">
+                <a:spLocks noRot="1" noChangeAspect="1" noMove="1" noResize="1" noEditPoints="1" noAdjustHandles="1" noChangeArrowheads="1" noChangeShapeType="1" noTextEdit="1"/>
+              </p:cNvSpPr>
+              <p:nvPr/>
+            </p:nvSpPr>
+            <p:spPr bwMode="auto">
+              <a:xfrm>
+                <a:off x="1326222" y="6263097"/>
+                <a:ext cx="9539555" cy="495072"/>
+              </a:xfrm>
+              <a:prstGeom prst="rect">
+                <a:avLst/>
+              </a:prstGeom>
+              <a:blipFill>
+                <a:blip r:embed="rId3"/>
+                <a:stretch>
+                  <a:fillRect/>
+                </a:stretch>
+              </a:blipFill>
+            </p:spPr>
+            <p:txBody>
+              <a:bodyPr/>
+              <a:lstStyle/>
+              <a:p>
+                <a:r>
+                  <a:rPr lang="en-US">
+                    <a:noFill/>
+                  </a:rPr>
+                  <a:t> </a:t>
+                </a:r>
+              </a:p>
+            </p:txBody>
+          </p:sp>
+        </mc:Fallback>
+      </mc:AlternateContent>
+      <mc:AlternateContent xmlns:mc="http://schemas.openxmlformats.org/markup-compatibility/2006">
+        <mc:Choice xmlns:a14="http://schemas.microsoft.com/office/drawing/2010/main" Requires="a14">
+          <p:sp>
+            <p:nvSpPr>
+              <p:cNvPr id="20" name="Object 8">
+                <a:extLst>
+                  <a:ext uri="{FF2B5EF4-FFF2-40B4-BE49-F238E27FC236}">
+                    <a16:creationId xmlns:a16="http://schemas.microsoft.com/office/drawing/2014/main" id="{A6AEF265-651E-450D-8E75-2CB32AD100B8}"/>
+                  </a:ext>
+                </a:extLst>
+              </p:cNvPr>
+              <p:cNvSpPr txBox="1"/>
+              <p:nvPr/>
+            </p:nvSpPr>
+            <p:spPr bwMode="auto">
+              <a:xfrm>
+                <a:off x="1757736" y="3176409"/>
+                <a:ext cx="8676524" cy="920750"/>
+              </a:xfrm>
+              <a:prstGeom prst="rect">
+                <a:avLst/>
+              </a:prstGeom>
+              <a:noFill/>
+            </p:spPr>
+            <p:txBody>
+              <a:bodyPr>
+                <a:normAutofit/>
+              </a:bodyPr>
+              <a:lstStyle/>
+              <a:p>
+                <a:pPr/>
+                <a14:m>
+                  <m:oMathPara xmlns:m="http://schemas.openxmlformats.org/officeDocument/2006/math">
+                    <m:oMathParaPr>
+                      <m:jc m:val="center"/>
+                    </m:oMathParaPr>
+                    <m:oMath xmlns:m="http://schemas.openxmlformats.org/officeDocument/2006/math">
+                      <m:r>
+                        <a:rPr lang="en-US" sz="2000" i="1" smtClean="0">
+                          <a:solidFill>
+                            <a:srgbClr val="000000"/>
+                          </a:solidFill>
+                          <a:latin typeface="Cambria Math" panose="02040503050406030204" pitchFamily="18" charset="0"/>
+                        </a:rPr>
+                        <m:t>𝐻</m:t>
+                      </m:r>
+                      <m:d>
+                        <m:dPr>
+                          <m:ctrlPr>
+                            <a:rPr lang="en-US" sz="2000" i="1">
+                              <a:solidFill>
+                                <a:srgbClr val="000000"/>
+                              </a:solidFill>
+                              <a:latin typeface="Cambria Math" panose="02040503050406030204" pitchFamily="18" charset="0"/>
+                            </a:rPr>
+                          </m:ctrlPr>
+                        </m:dPr>
+                        <m:e>
+                          <m:r>
+                            <a:rPr lang="en-US" sz="2000" i="1">
+                              <a:solidFill>
+                                <a:srgbClr val="000000"/>
+                              </a:solidFill>
+                              <a:latin typeface="Cambria Math" panose="02040503050406030204" pitchFamily="18" charset="0"/>
+                            </a:rPr>
+                            <m:t>𝑍</m:t>
+                          </m:r>
+                        </m:e>
+                      </m:d>
+                      <m:r>
+                        <a:rPr lang="en-US" sz="2000" b="0" i="1" smtClean="0">
+                          <a:solidFill>
+                            <a:srgbClr val="000000"/>
+                          </a:solidFill>
+                          <a:latin typeface="Cambria Math" panose="02040503050406030204" pitchFamily="18" charset="0"/>
+                        </a:rPr>
+                        <m:t>=</m:t>
+                      </m:r>
+                      <m:d>
+                        <m:dPr>
+                          <m:ctrlPr>
+                            <a:rPr lang="en-US" sz="2000" i="1">
+                              <a:solidFill>
+                                <a:srgbClr val="000000"/>
+                              </a:solidFill>
+                              <a:latin typeface="Cambria Math" panose="02040503050406030204" pitchFamily="18" charset="0"/>
+                            </a:rPr>
+                          </m:ctrlPr>
+                        </m:dPr>
+                        <m:e>
+                          <m:f>
+                            <m:fPr>
+                              <m:ctrlPr>
+                                <a:rPr lang="en-US" sz="2000" i="1">
+                                  <a:solidFill>
+                                    <a:srgbClr val="000000"/>
+                                  </a:solidFill>
+                                  <a:latin typeface="Cambria Math" panose="02040503050406030204" pitchFamily="18" charset="0"/>
+                                </a:rPr>
+                              </m:ctrlPr>
+                            </m:fPr>
+                            <m:num>
+                              <m:r>
+                                <a:rPr lang="en-US" sz="2000" i="1">
+                                  <a:solidFill>
+                                    <a:srgbClr val="000000"/>
+                                  </a:solidFill>
+                                  <a:latin typeface="Cambria Math" panose="02040503050406030204" pitchFamily="18" charset="0"/>
+                                </a:rPr>
+                                <m:t>𝑧</m:t>
+                              </m:r>
+                              <m:r>
+                                <a:rPr lang="en-US" sz="2000" i="1">
+                                  <a:solidFill>
+                                    <a:srgbClr val="000000"/>
+                                  </a:solidFill>
+                                  <a:latin typeface="Cambria Math" panose="02040503050406030204" pitchFamily="18" charset="0"/>
+                                </a:rPr>
+                                <m:t>−</m:t>
+                              </m:r>
+                              <m:r>
+                                <a:rPr lang="en-US" sz="2000" i="1">
+                                  <a:solidFill>
+                                    <a:srgbClr val="000000"/>
+                                  </a:solidFill>
+                                  <a:latin typeface="Cambria Math" panose="02040503050406030204" pitchFamily="18" charset="0"/>
+                                </a:rPr>
+                                <m:t>1</m:t>
+                              </m:r>
+                            </m:num>
+                            <m:den>
+                              <m:r>
+                                <a:rPr lang="en-US" sz="2000" i="1">
+                                  <a:solidFill>
+                                    <a:srgbClr val="000000"/>
+                                  </a:solidFill>
+                                  <a:latin typeface="Cambria Math" panose="02040503050406030204" pitchFamily="18" charset="0"/>
+                                </a:rPr>
+                                <m:t>𝑧</m:t>
+                              </m:r>
+                            </m:den>
+                          </m:f>
+                        </m:e>
+                      </m:d>
+                      <m:r>
+                        <m:rPr>
+                          <m:sty m:val="p"/>
+                        </m:rPr>
+                        <a:rPr lang="en-US" sz="2000" i="1">
+                          <a:solidFill>
+                            <a:srgbClr val="000000"/>
+                          </a:solidFill>
+                          <a:latin typeface="Cambria Math" panose="02040503050406030204" pitchFamily="18" charset="0"/>
+                        </a:rPr>
+                        <m:t>Z</m:t>
+                      </m:r>
+                      <m:d>
+                        <m:dPr>
+                          <m:begChr m:val="["/>
+                          <m:endChr m:val="]"/>
+                          <m:ctrlPr>
+                            <a:rPr lang="en-US" sz="2000" i="1">
+                              <a:solidFill>
+                                <a:srgbClr val="000000"/>
+                              </a:solidFill>
+                              <a:latin typeface="Cambria Math" panose="02040503050406030204" pitchFamily="18" charset="0"/>
+                            </a:rPr>
+                          </m:ctrlPr>
+                        </m:dPr>
+                        <m:e>
+                          <m:f>
+                            <m:fPr>
+                              <m:ctrlPr>
+                                <a:rPr lang="en-US" sz="2000" i="1">
+                                  <a:solidFill>
+                                    <a:srgbClr val="000000"/>
+                                  </a:solidFill>
+                                  <a:latin typeface="Cambria Math" panose="02040503050406030204" pitchFamily="18" charset="0"/>
+                                </a:rPr>
+                              </m:ctrlPr>
+                            </m:fPr>
+                            <m:num>
+                              <m:r>
+                                <a:rPr lang="en-US" sz="2000" b="0" i="1" smtClean="0">
+                                  <a:solidFill>
+                                    <a:srgbClr val="000000"/>
+                                  </a:solidFill>
+                                  <a:latin typeface="Cambria Math" panose="02040503050406030204" pitchFamily="18" charset="0"/>
+                                </a:rPr>
+                                <m:t>𝐻</m:t>
+                              </m:r>
+                              <m:r>
+                                <a:rPr lang="en-US" sz="2000" i="1">
+                                  <a:solidFill>
+                                    <a:srgbClr val="000000"/>
+                                  </a:solidFill>
+                                  <a:latin typeface="Cambria Math" panose="02040503050406030204" pitchFamily="18" charset="0"/>
+                                </a:rPr>
+                                <m:t>(</m:t>
+                              </m:r>
+                              <m:r>
+                                <a:rPr lang="en-US" sz="2000" i="1">
+                                  <a:solidFill>
+                                    <a:srgbClr val="000000"/>
+                                  </a:solidFill>
+                                  <a:latin typeface="Cambria Math" panose="02040503050406030204" pitchFamily="18" charset="0"/>
+                                </a:rPr>
+                                <m:t>𝑆</m:t>
+                              </m:r>
+                              <m:r>
+                                <a:rPr lang="en-US" sz="2000" i="1">
+                                  <a:solidFill>
+                                    <a:srgbClr val="000000"/>
+                                  </a:solidFill>
+                                  <a:latin typeface="Cambria Math" panose="02040503050406030204" pitchFamily="18" charset="0"/>
+                                </a:rPr>
+                                <m:t>)</m:t>
+                              </m:r>
+                            </m:num>
+                            <m:den>
+                              <m:r>
+                                <a:rPr lang="en-US" sz="2000" i="1">
+                                  <a:solidFill>
+                                    <a:srgbClr val="000000"/>
+                                  </a:solidFill>
+                                  <a:latin typeface="Cambria Math" panose="02040503050406030204" pitchFamily="18" charset="0"/>
+                                </a:rPr>
+                                <m:t>𝑆</m:t>
+                              </m:r>
+                            </m:den>
+                          </m:f>
+                        </m:e>
+                      </m:d>
+                      <m:r>
+                        <a:rPr lang="en-US" sz="2000" b="0" i="1" smtClean="0">
+                          <a:solidFill>
+                            <a:srgbClr val="000000"/>
+                          </a:solidFill>
+                          <a:latin typeface="Cambria Math" panose="02040503050406030204" pitchFamily="18" charset="0"/>
+                        </a:rPr>
+                        <m:t>,  </m:t>
+                      </m:r>
+                      <m:f>
+                        <m:fPr>
+                          <m:ctrlPr>
+                            <a:rPr lang="en-US" sz="2000" i="1">
+                              <a:solidFill>
+                                <a:srgbClr val="000000"/>
+                              </a:solidFill>
+                              <a:latin typeface="Cambria Math" panose="02040503050406030204" pitchFamily="18" charset="0"/>
+                            </a:rPr>
+                          </m:ctrlPr>
+                        </m:fPr>
+                        <m:num>
+                          <m:r>
+                            <a:rPr lang="en-US" sz="2000" i="1">
+                              <a:solidFill>
+                                <a:srgbClr val="000000"/>
+                              </a:solidFill>
+                              <a:latin typeface="Cambria Math" panose="02040503050406030204" pitchFamily="18" charset="0"/>
+                            </a:rPr>
+                            <m:t>𝐻</m:t>
+                          </m:r>
+                          <m:r>
+                            <a:rPr lang="en-US" sz="2000" i="1">
+                              <a:solidFill>
+                                <a:srgbClr val="000000"/>
+                              </a:solidFill>
+                              <a:latin typeface="Cambria Math" panose="02040503050406030204" pitchFamily="18" charset="0"/>
+                            </a:rPr>
+                            <m:t>(</m:t>
+                          </m:r>
+                          <m:r>
+                            <a:rPr lang="en-US" sz="2000" i="1">
+                              <a:solidFill>
+                                <a:srgbClr val="000000"/>
+                              </a:solidFill>
+                              <a:latin typeface="Cambria Math" panose="02040503050406030204" pitchFamily="18" charset="0"/>
+                            </a:rPr>
+                            <m:t>𝑆</m:t>
+                          </m:r>
+                          <m:r>
+                            <a:rPr lang="en-US" sz="2000" i="1">
+                              <a:solidFill>
+                                <a:srgbClr val="000000"/>
+                              </a:solidFill>
+                              <a:latin typeface="Cambria Math" panose="02040503050406030204" pitchFamily="18" charset="0"/>
+                            </a:rPr>
+                            <m:t>)</m:t>
+                          </m:r>
+                        </m:num>
+                        <m:den>
+                          <m:r>
+                            <a:rPr lang="en-US" sz="2000" i="1">
+                              <a:solidFill>
+                                <a:srgbClr val="000000"/>
+                              </a:solidFill>
+                              <a:latin typeface="Cambria Math" panose="02040503050406030204" pitchFamily="18" charset="0"/>
+                            </a:rPr>
+                            <m:t>𝑆</m:t>
+                          </m:r>
+                        </m:den>
+                      </m:f>
+                      <m:r>
+                        <a:rPr lang="en-US" sz="2000" i="1">
+                          <a:solidFill>
+                            <a:srgbClr val="000000"/>
+                          </a:solidFill>
+                          <a:latin typeface="Cambria Math" panose="02040503050406030204" pitchFamily="18" charset="0"/>
+                        </a:rPr>
+                        <m:t>=</m:t>
+                      </m:r>
+                      <m:f>
+                        <m:fPr>
+                          <m:ctrlPr>
+                            <a:rPr lang="en-US" sz="2000" i="1">
+                              <a:solidFill>
+                                <a:srgbClr val="000000"/>
+                              </a:solidFill>
+                              <a:latin typeface="Cambria Math" panose="02040503050406030204" pitchFamily="18" charset="0"/>
+                            </a:rPr>
+                          </m:ctrlPr>
+                        </m:fPr>
+                        <m:num>
+                          <m:r>
+                            <a:rPr lang="en-US" sz="2000" i="1">
+                              <a:solidFill>
+                                <a:srgbClr val="000000"/>
+                              </a:solidFill>
+                              <a:latin typeface="Cambria Math" panose="02040503050406030204" pitchFamily="18" charset="0"/>
+                            </a:rPr>
+                            <m:t>4</m:t>
+                          </m:r>
+                        </m:num>
+                        <m:den>
+                          <m:sSup>
+                            <m:sSupPr>
+                              <m:ctrlPr>
+                                <a:rPr lang="en-US" sz="2000" i="1">
+                                  <a:solidFill>
+                                    <a:srgbClr val="000000"/>
+                                  </a:solidFill>
+                                  <a:latin typeface="Cambria Math" panose="02040503050406030204" pitchFamily="18" charset="0"/>
+                                </a:rPr>
+                              </m:ctrlPr>
+                            </m:sSupPr>
+                            <m:e>
+                              <m:r>
+                                <a:rPr lang="en-US" sz="2000" i="1">
+                                  <a:solidFill>
+                                    <a:srgbClr val="000000"/>
+                                  </a:solidFill>
+                                  <a:latin typeface="Cambria Math" panose="02040503050406030204" pitchFamily="18" charset="0"/>
+                                </a:rPr>
+                                <m:t>𝑆</m:t>
+                              </m:r>
+                            </m:e>
+                            <m:sup>
+                              <m:r>
+                                <a:rPr lang="en-US" sz="2000" i="1">
+                                  <a:solidFill>
+                                    <a:srgbClr val="000000"/>
+                                  </a:solidFill>
+                                  <a:latin typeface="Cambria Math" panose="02040503050406030204" pitchFamily="18" charset="0"/>
+                                </a:rPr>
+                                <m:t>3</m:t>
+                              </m:r>
+                            </m:sup>
+                          </m:sSup>
+                          <m:r>
+                            <a:rPr lang="en-US" sz="2000" i="1">
+                              <a:solidFill>
+                                <a:srgbClr val="000000"/>
+                              </a:solidFill>
+                              <a:latin typeface="Cambria Math" panose="02040503050406030204" pitchFamily="18" charset="0"/>
+                            </a:rPr>
+                            <m:t>+</m:t>
+                          </m:r>
+                          <m:r>
+                            <a:rPr lang="en-US" sz="2000" i="1">
+                              <a:solidFill>
+                                <a:srgbClr val="000000"/>
+                              </a:solidFill>
+                              <a:latin typeface="Cambria Math" panose="02040503050406030204" pitchFamily="18" charset="0"/>
+                            </a:rPr>
+                            <m:t>2</m:t>
+                          </m:r>
+                          <m:sSup>
+                            <m:sSupPr>
+                              <m:ctrlPr>
+                                <a:rPr lang="en-US" sz="2000" i="1">
+                                  <a:solidFill>
+                                    <a:srgbClr val="000000"/>
+                                  </a:solidFill>
+                                  <a:latin typeface="Cambria Math" panose="02040503050406030204" pitchFamily="18" charset="0"/>
+                                </a:rPr>
+                              </m:ctrlPr>
+                            </m:sSupPr>
+                            <m:e>
+                              <m:r>
+                                <a:rPr lang="en-US" sz="2000" i="1">
+                                  <a:solidFill>
+                                    <a:srgbClr val="000000"/>
+                                  </a:solidFill>
+                                  <a:latin typeface="Cambria Math" panose="02040503050406030204" pitchFamily="18" charset="0"/>
+                                </a:rPr>
+                                <m:t>𝑆</m:t>
+                              </m:r>
+                            </m:e>
+                            <m:sup>
+                              <m:r>
+                                <a:rPr lang="en-US" sz="2000" i="1">
+                                  <a:solidFill>
+                                    <a:srgbClr val="000000"/>
+                                  </a:solidFill>
+                                  <a:latin typeface="Cambria Math" panose="02040503050406030204" pitchFamily="18" charset="0"/>
+                                </a:rPr>
+                                <m:t>2</m:t>
+                              </m:r>
+                            </m:sup>
+                          </m:sSup>
+                        </m:den>
+                      </m:f>
+                      <m:r>
+                        <a:rPr lang="en-US" sz="2000" i="1">
+                          <a:solidFill>
+                            <a:srgbClr val="000000"/>
+                          </a:solidFill>
+                          <a:latin typeface="Cambria Math" panose="02040503050406030204" pitchFamily="18" charset="0"/>
+                        </a:rPr>
+                        <m:t>=</m:t>
+                      </m:r>
+                      <m:f>
+                        <m:fPr>
+                          <m:ctrlPr>
+                            <a:rPr lang="en-US" sz="2000" i="1">
+                              <a:solidFill>
+                                <a:srgbClr val="000000"/>
+                              </a:solidFill>
+                              <a:latin typeface="Cambria Math" panose="02040503050406030204" pitchFamily="18" charset="0"/>
+                            </a:rPr>
+                          </m:ctrlPr>
+                        </m:fPr>
+                        <m:num>
+                          <m:r>
+                            <a:rPr lang="en-US" sz="2000" i="1">
+                              <a:solidFill>
+                                <a:srgbClr val="000000"/>
+                              </a:solidFill>
+                              <a:latin typeface="Cambria Math" panose="02040503050406030204" pitchFamily="18" charset="0"/>
+                            </a:rPr>
+                            <m:t>−</m:t>
+                          </m:r>
+                          <m:r>
+                            <a:rPr lang="en-US" sz="2000" i="1">
+                              <a:solidFill>
+                                <a:srgbClr val="000000"/>
+                              </a:solidFill>
+                              <a:latin typeface="Cambria Math" panose="02040503050406030204" pitchFamily="18" charset="0"/>
+                            </a:rPr>
+                            <m:t>1</m:t>
+                          </m:r>
+                        </m:num>
+                        <m:den>
+                          <m:r>
+                            <a:rPr lang="en-US" sz="2000" i="1">
+                              <a:solidFill>
+                                <a:srgbClr val="000000"/>
+                              </a:solidFill>
+                              <a:latin typeface="Cambria Math" panose="02040503050406030204" pitchFamily="18" charset="0"/>
+                            </a:rPr>
+                            <m:t>𝑆</m:t>
+                          </m:r>
+                        </m:den>
+                      </m:f>
+                      <m:r>
+                        <a:rPr lang="en-US" sz="2000" i="1">
+                          <a:solidFill>
+                            <a:srgbClr val="000000"/>
+                          </a:solidFill>
+                          <a:latin typeface="Cambria Math" panose="02040503050406030204" pitchFamily="18" charset="0"/>
+                        </a:rPr>
+                        <m:t>+</m:t>
+                      </m:r>
+                      <m:f>
+                        <m:fPr>
+                          <m:ctrlPr>
+                            <a:rPr lang="en-US" sz="2000" i="1">
+                              <a:solidFill>
+                                <a:srgbClr val="000000"/>
+                              </a:solidFill>
+                              <a:latin typeface="Cambria Math" panose="02040503050406030204" pitchFamily="18" charset="0"/>
+                            </a:rPr>
+                          </m:ctrlPr>
+                        </m:fPr>
+                        <m:num>
+                          <m:r>
+                            <a:rPr lang="en-US" sz="2000" i="1">
+                              <a:solidFill>
+                                <a:srgbClr val="000000"/>
+                              </a:solidFill>
+                              <a:latin typeface="Cambria Math" panose="02040503050406030204" pitchFamily="18" charset="0"/>
+                            </a:rPr>
+                            <m:t>2</m:t>
+                          </m:r>
+                        </m:num>
+                        <m:den>
+                          <m:sSup>
+                            <m:sSupPr>
+                              <m:ctrlPr>
+                                <a:rPr lang="en-US" sz="2000" i="1">
+                                  <a:solidFill>
+                                    <a:srgbClr val="000000"/>
+                                  </a:solidFill>
+                                  <a:latin typeface="Cambria Math" panose="02040503050406030204" pitchFamily="18" charset="0"/>
+                                </a:rPr>
+                              </m:ctrlPr>
+                            </m:sSupPr>
+                            <m:e>
+                              <m:r>
+                                <a:rPr lang="en-US" sz="2000" i="1">
+                                  <a:solidFill>
+                                    <a:srgbClr val="000000"/>
+                                  </a:solidFill>
+                                  <a:latin typeface="Cambria Math" panose="02040503050406030204" pitchFamily="18" charset="0"/>
+                                </a:rPr>
+                                <m:t>𝑆</m:t>
+                              </m:r>
+                            </m:e>
+                            <m:sup>
+                              <m:r>
+                                <a:rPr lang="en-US" sz="2000" i="1">
+                                  <a:solidFill>
+                                    <a:srgbClr val="000000"/>
+                                  </a:solidFill>
+                                  <a:latin typeface="Cambria Math" panose="02040503050406030204" pitchFamily="18" charset="0"/>
+                                </a:rPr>
+                                <m:t>2</m:t>
+                              </m:r>
+                            </m:sup>
+                          </m:sSup>
+                        </m:den>
+                      </m:f>
+                      <m:r>
+                        <a:rPr lang="en-US" sz="2000" i="1">
+                          <a:solidFill>
+                            <a:srgbClr val="000000"/>
+                          </a:solidFill>
+                          <a:latin typeface="Cambria Math" panose="02040503050406030204" pitchFamily="18" charset="0"/>
+                        </a:rPr>
+                        <m:t>+</m:t>
+                      </m:r>
+                      <m:f>
+                        <m:fPr>
+                          <m:ctrlPr>
+                            <a:rPr lang="en-US" sz="2000" i="1">
+                              <a:solidFill>
+                                <a:srgbClr val="000000"/>
+                              </a:solidFill>
+                              <a:latin typeface="Cambria Math" panose="02040503050406030204" pitchFamily="18" charset="0"/>
+                            </a:rPr>
+                          </m:ctrlPr>
+                        </m:fPr>
+                        <m:num>
+                          <m:r>
+                            <a:rPr lang="en-US" sz="2000" i="1">
+                              <a:solidFill>
+                                <a:srgbClr val="000000"/>
+                              </a:solidFill>
+                              <a:latin typeface="Cambria Math" panose="02040503050406030204" pitchFamily="18" charset="0"/>
+                            </a:rPr>
+                            <m:t>1</m:t>
+                          </m:r>
+                        </m:num>
+                        <m:den>
+                          <m:r>
+                            <a:rPr lang="en-US" sz="2000" i="1">
+                              <a:solidFill>
+                                <a:srgbClr val="000000"/>
+                              </a:solidFill>
+                              <a:latin typeface="Cambria Math" panose="02040503050406030204" pitchFamily="18" charset="0"/>
+                            </a:rPr>
+                            <m:t>𝑆</m:t>
+                          </m:r>
+                          <m:r>
+                            <a:rPr lang="en-US" sz="2000" i="1">
+                              <a:solidFill>
+                                <a:srgbClr val="000000"/>
+                              </a:solidFill>
+                              <a:latin typeface="Cambria Math" panose="02040503050406030204" pitchFamily="18" charset="0"/>
+                            </a:rPr>
+                            <m:t>+</m:t>
+                          </m:r>
+                          <m:r>
+                            <a:rPr lang="en-US" sz="2000" i="1">
+                              <a:solidFill>
+                                <a:srgbClr val="000000"/>
+                              </a:solidFill>
+                              <a:latin typeface="Cambria Math" panose="02040503050406030204" pitchFamily="18" charset="0"/>
+                            </a:rPr>
+                            <m:t>2</m:t>
+                          </m:r>
+                        </m:den>
+                      </m:f>
+                    </m:oMath>
+                  </m:oMathPara>
+                </a14:m>
+                <a:endParaRPr lang="en-US" sz="2000" dirty="0"/>
+              </a:p>
+            </p:txBody>
+          </p:sp>
+        </mc:Choice>
+        <mc:Fallback>
+          <p:sp>
+            <p:nvSpPr>
+              <p:cNvPr id="20" name="Object 8">
+                <a:extLst>
+                  <a:ext uri="{FF2B5EF4-FFF2-40B4-BE49-F238E27FC236}">
+                    <a16:creationId xmlns:a16="http://schemas.microsoft.com/office/drawing/2014/main" id="{A6AEF265-651E-450D-8E75-2CB32AD100B8}"/>
+                  </a:ext>
+                </a:extLst>
+              </p:cNvPr>
+              <p:cNvSpPr txBox="1">
+                <a:spLocks noRot="1" noChangeAspect="1" noMove="1" noResize="1" noEditPoints="1" noAdjustHandles="1" noChangeArrowheads="1" noChangeShapeType="1" noTextEdit="1"/>
+              </p:cNvSpPr>
+              <p:nvPr/>
+            </p:nvSpPr>
+            <p:spPr bwMode="auto">
+              <a:xfrm>
+                <a:off x="1757736" y="3176409"/>
+                <a:ext cx="8676524" cy="920750"/>
+              </a:xfrm>
+              <a:prstGeom prst="rect">
+                <a:avLst/>
+              </a:prstGeom>
+              <a:blipFill>
+                <a:blip r:embed="rId4"/>
+                <a:stretch>
+                  <a:fillRect/>
+                </a:stretch>
+              </a:blipFill>
+            </p:spPr>
+            <p:txBody>
+              <a:bodyPr/>
+              <a:lstStyle/>
+              <a:p>
+                <a:r>
+                  <a:rPr lang="en-US">
+                    <a:noFill/>
+                  </a:rPr>
+                  <a:t> </a:t>
+                </a:r>
+              </a:p>
+            </p:txBody>
+          </p:sp>
+        </mc:Fallback>
+      </mc:AlternateContent>
+      <p:sp>
+        <p:nvSpPr>
+          <p:cNvPr id="22" name="Object 5">
+            <a:extLst>
+              <a:ext uri="{FF2B5EF4-FFF2-40B4-BE49-F238E27FC236}">
+                <a16:creationId xmlns:a16="http://schemas.microsoft.com/office/drawing/2014/main" id="{1B9661DF-D1ED-49B1-AE31-C3B7167E4E30}"/>
+              </a:ext>
+            </a:extLst>
+          </p:cNvPr>
+          <p:cNvSpPr txBox="1"/>
+          <p:nvPr/>
+        </p:nvSpPr>
+        <p:spPr bwMode="auto">
+          <a:xfrm>
+            <a:off x="295275" y="4495800"/>
+            <a:ext cx="2676525" cy="919163"/>
+          </a:xfrm>
+          <a:prstGeom prst="rect">
+            <a:avLst/>
+          </a:prstGeom>
+          <a:noFill/>
+        </p:spPr>
+        <p:txBody>
+          <a:bodyPr>
+            <a:normAutofit/>
+          </a:bodyPr>
+          <a:lstStyle/>
+          <a:p>
+            <a:pPr/>
+            <a:endParaRPr lang="en-US" sz="2400" dirty="0"/>
+          </a:p>
+        </p:txBody>
+      </p:sp>
+      <mc:AlternateContent xmlns:mc="http://schemas.openxmlformats.org/markup-compatibility/2006">
+        <mc:Choice xmlns:a14="http://schemas.microsoft.com/office/drawing/2010/main" Requires="a14">
+          <p:sp>
+            <p:nvSpPr>
+              <p:cNvPr id="24" name="Object 5">
+                <a:extLst>
+                  <a:ext uri="{FF2B5EF4-FFF2-40B4-BE49-F238E27FC236}">
+                    <a16:creationId xmlns:a16="http://schemas.microsoft.com/office/drawing/2014/main" id="{346E1B50-10C8-40F6-86D8-35CA4A3E0CAC}"/>
+                  </a:ext>
+                </a:extLst>
+              </p:cNvPr>
+              <p:cNvSpPr txBox="1"/>
+              <p:nvPr/>
+            </p:nvSpPr>
+            <p:spPr bwMode="auto">
+              <a:xfrm>
+                <a:off x="2176834" y="4176236"/>
+                <a:ext cx="7838326" cy="919164"/>
+              </a:xfrm>
+              <a:prstGeom prst="rect">
+                <a:avLst/>
+              </a:prstGeom>
+              <a:noFill/>
+            </p:spPr>
+            <p:txBody>
+              <a:bodyPr>
+                <a:normAutofit/>
+              </a:bodyPr>
+              <a:lstStyle/>
+              <a:p>
+                <a:pPr/>
+                <a14:m>
+                  <m:oMathPara xmlns:m="http://schemas.openxmlformats.org/officeDocument/2006/math">
+                    <m:oMathParaPr>
+                      <m:jc m:val="left"/>
+                    </m:oMathParaPr>
+                    <m:oMath xmlns:m="http://schemas.openxmlformats.org/officeDocument/2006/math">
+                      <m:r>
+                        <a:rPr lang="en-US" sz="2000" i="1" smtClean="0">
+                          <a:solidFill>
+                            <a:srgbClr val="000000"/>
+                          </a:solidFill>
+                          <a:latin typeface="Cambria Math" panose="02040503050406030204" pitchFamily="18" charset="0"/>
+                        </a:rPr>
+                        <m:t>𝐻</m:t>
+                      </m:r>
+                      <m:d>
+                        <m:dPr>
+                          <m:ctrlPr>
+                            <a:rPr lang="en-US" sz="2000" i="1">
+                              <a:solidFill>
+                                <a:srgbClr val="000000"/>
+                              </a:solidFill>
+                              <a:latin typeface="Cambria Math" panose="02040503050406030204" pitchFamily="18" charset="0"/>
+                            </a:rPr>
+                          </m:ctrlPr>
+                        </m:dPr>
+                        <m:e>
+                          <m:r>
+                            <a:rPr lang="en-US" sz="2000" i="1">
+                              <a:solidFill>
+                                <a:srgbClr val="000000"/>
+                              </a:solidFill>
+                              <a:latin typeface="Cambria Math" panose="02040503050406030204" pitchFamily="18" charset="0"/>
+                            </a:rPr>
+                            <m:t>𝑍</m:t>
+                          </m:r>
+                        </m:e>
+                      </m:d>
+                      <m:r>
+                        <a:rPr lang="en-US" sz="2000" i="1">
+                          <a:solidFill>
+                            <a:srgbClr val="000000"/>
+                          </a:solidFill>
+                          <a:latin typeface="Cambria Math" panose="02040503050406030204" pitchFamily="18" charset="0"/>
+                        </a:rPr>
+                        <m:t>=</m:t>
+                      </m:r>
+                      <m:d>
+                        <m:dPr>
+                          <m:ctrlPr>
+                            <a:rPr lang="en-US" sz="2000" i="1">
+                              <a:solidFill>
+                                <a:srgbClr val="000000"/>
+                              </a:solidFill>
+                              <a:latin typeface="Cambria Math" panose="02040503050406030204" pitchFamily="18" charset="0"/>
+                            </a:rPr>
+                          </m:ctrlPr>
+                        </m:dPr>
+                        <m:e>
+                          <m:r>
+                            <a:rPr lang="en-US" sz="2000" i="1">
+                              <a:solidFill>
+                                <a:srgbClr val="000000"/>
+                              </a:solidFill>
+                              <a:latin typeface="Cambria Math" panose="02040503050406030204" pitchFamily="18" charset="0"/>
+                            </a:rPr>
+                            <m:t>1</m:t>
+                          </m:r>
+                          <m:r>
+                            <a:rPr lang="en-US" sz="2000" i="1">
+                              <a:solidFill>
+                                <a:srgbClr val="000000"/>
+                              </a:solidFill>
+                              <a:latin typeface="Cambria Math" panose="02040503050406030204" pitchFamily="18" charset="0"/>
+                            </a:rPr>
+                            <m:t>−</m:t>
+                          </m:r>
+                          <m:sSup>
+                            <m:sSupPr>
+                              <m:ctrlPr>
+                                <a:rPr lang="en-US" sz="2000" i="1">
+                                  <a:solidFill>
+                                    <a:srgbClr val="000000"/>
+                                  </a:solidFill>
+                                  <a:latin typeface="Cambria Math" panose="02040503050406030204" pitchFamily="18" charset="0"/>
+                                </a:rPr>
+                              </m:ctrlPr>
+                            </m:sSupPr>
+                            <m:e>
+                              <m:r>
+                                <a:rPr lang="en-US" sz="2000" i="1">
+                                  <a:solidFill>
+                                    <a:srgbClr val="000000"/>
+                                  </a:solidFill>
+                                  <a:latin typeface="Cambria Math" panose="02040503050406030204" pitchFamily="18" charset="0"/>
+                                </a:rPr>
+                                <m:t>𝑍</m:t>
+                              </m:r>
+                            </m:e>
+                            <m:sup>
+                              <m:r>
+                                <a:rPr lang="en-US" sz="2000" i="1">
+                                  <a:solidFill>
+                                    <a:srgbClr val="000000"/>
+                                  </a:solidFill>
+                                  <a:latin typeface="Cambria Math" panose="02040503050406030204" pitchFamily="18" charset="0"/>
+                                </a:rPr>
+                                <m:t>−</m:t>
+                              </m:r>
+                              <m:r>
+                                <a:rPr lang="en-US" sz="2000" i="1">
+                                  <a:solidFill>
+                                    <a:srgbClr val="000000"/>
+                                  </a:solidFill>
+                                  <a:latin typeface="Cambria Math" panose="02040503050406030204" pitchFamily="18" charset="0"/>
+                                </a:rPr>
+                                <m:t>1</m:t>
+                              </m:r>
+                            </m:sup>
+                          </m:sSup>
+                        </m:e>
+                      </m:d>
+                      <m:r>
+                        <m:rPr>
+                          <m:sty m:val="p"/>
+                        </m:rPr>
+                        <a:rPr lang="en-US" sz="2000" i="1">
+                          <a:solidFill>
+                            <a:srgbClr val="000000"/>
+                          </a:solidFill>
+                          <a:latin typeface="Cambria Math" panose="02040503050406030204" pitchFamily="18" charset="0"/>
+                        </a:rPr>
+                        <m:t>Z</m:t>
+                      </m:r>
+                      <m:d>
+                        <m:dPr>
+                          <m:begChr m:val="["/>
+                          <m:endChr m:val="]"/>
+                          <m:ctrlPr>
+                            <a:rPr lang="en-US" sz="2000" i="1">
+                              <a:solidFill>
+                                <a:srgbClr val="000000"/>
+                              </a:solidFill>
+                              <a:latin typeface="Cambria Math" panose="02040503050406030204" pitchFamily="18" charset="0"/>
+                            </a:rPr>
+                          </m:ctrlPr>
+                        </m:dPr>
+                        <m:e>
+                          <m:f>
+                            <m:fPr>
+                              <m:ctrlPr>
+                                <a:rPr lang="en-US" sz="2000" i="1">
+                                  <a:solidFill>
+                                    <a:srgbClr val="000000"/>
+                                  </a:solidFill>
+                                  <a:latin typeface="Cambria Math" panose="02040503050406030204" pitchFamily="18" charset="0"/>
+                                </a:rPr>
+                              </m:ctrlPr>
+                            </m:fPr>
+                            <m:num>
+                              <m:r>
+                                <a:rPr lang="en-US" sz="2000" i="1">
+                                  <a:solidFill>
+                                    <a:srgbClr val="000000"/>
+                                  </a:solidFill>
+                                  <a:latin typeface="Cambria Math" panose="02040503050406030204" pitchFamily="18" charset="0"/>
+                                </a:rPr>
+                                <m:t>−</m:t>
+                              </m:r>
+                              <m:r>
+                                <a:rPr lang="en-US" sz="2000" i="1">
+                                  <a:solidFill>
+                                    <a:srgbClr val="000000"/>
+                                  </a:solidFill>
+                                  <a:latin typeface="Cambria Math" panose="02040503050406030204" pitchFamily="18" charset="0"/>
+                                </a:rPr>
+                                <m:t>1</m:t>
+                              </m:r>
+                            </m:num>
+                            <m:den>
+                              <m:r>
+                                <a:rPr lang="en-US" sz="2000" i="1">
+                                  <a:solidFill>
+                                    <a:srgbClr val="000000"/>
+                                  </a:solidFill>
+                                  <a:latin typeface="Cambria Math" panose="02040503050406030204" pitchFamily="18" charset="0"/>
+                                </a:rPr>
+                                <m:t>𝑆</m:t>
+                              </m:r>
+                            </m:den>
+                          </m:f>
+                          <m:r>
+                            <a:rPr lang="en-US" sz="2000" i="1">
+                              <a:solidFill>
+                                <a:srgbClr val="000000"/>
+                              </a:solidFill>
+                              <a:latin typeface="Cambria Math" panose="02040503050406030204" pitchFamily="18" charset="0"/>
+                            </a:rPr>
+                            <m:t>+</m:t>
+                          </m:r>
+                          <m:f>
+                            <m:fPr>
+                              <m:ctrlPr>
+                                <a:rPr lang="en-US" sz="2000" i="1">
+                                  <a:solidFill>
+                                    <a:srgbClr val="000000"/>
+                                  </a:solidFill>
+                                  <a:latin typeface="Cambria Math" panose="02040503050406030204" pitchFamily="18" charset="0"/>
+                                </a:rPr>
+                              </m:ctrlPr>
+                            </m:fPr>
+                            <m:num>
+                              <m:r>
+                                <a:rPr lang="en-US" sz="2000" i="1">
+                                  <a:solidFill>
+                                    <a:srgbClr val="000000"/>
+                                  </a:solidFill>
+                                  <a:latin typeface="Cambria Math" panose="02040503050406030204" pitchFamily="18" charset="0"/>
+                                </a:rPr>
+                                <m:t>2</m:t>
+                              </m:r>
+                            </m:num>
+                            <m:den>
+                              <m:sSup>
+                                <m:sSupPr>
+                                  <m:ctrlPr>
+                                    <a:rPr lang="en-US" sz="2000" i="1">
+                                      <a:solidFill>
+                                        <a:srgbClr val="000000"/>
+                                      </a:solidFill>
+                                      <a:latin typeface="Cambria Math" panose="02040503050406030204" pitchFamily="18" charset="0"/>
+                                    </a:rPr>
+                                  </m:ctrlPr>
+                                </m:sSupPr>
+                                <m:e>
+                                  <m:r>
+                                    <a:rPr lang="en-US" sz="2000" i="1">
+                                      <a:solidFill>
+                                        <a:srgbClr val="000000"/>
+                                      </a:solidFill>
+                                      <a:latin typeface="Cambria Math" panose="02040503050406030204" pitchFamily="18" charset="0"/>
+                                    </a:rPr>
+                                    <m:t>𝑆</m:t>
+                                  </m:r>
+                                </m:e>
+                                <m:sup>
+                                  <m:r>
+                                    <a:rPr lang="en-US" sz="2000" i="1">
+                                      <a:solidFill>
+                                        <a:srgbClr val="000000"/>
+                                      </a:solidFill>
+                                      <a:latin typeface="Cambria Math" panose="02040503050406030204" pitchFamily="18" charset="0"/>
+                                    </a:rPr>
+                                    <m:t>2</m:t>
+                                  </m:r>
+                                </m:sup>
+                              </m:sSup>
+                            </m:den>
+                          </m:f>
+                          <m:r>
+                            <a:rPr lang="en-US" sz="2000" i="1">
+                              <a:solidFill>
+                                <a:srgbClr val="000000"/>
+                              </a:solidFill>
+                              <a:latin typeface="Cambria Math" panose="02040503050406030204" pitchFamily="18" charset="0"/>
+                            </a:rPr>
+                            <m:t>+</m:t>
+                          </m:r>
+                          <m:f>
+                            <m:fPr>
+                              <m:ctrlPr>
+                                <a:rPr lang="en-US" sz="2000" i="1">
+                                  <a:solidFill>
+                                    <a:srgbClr val="000000"/>
+                                  </a:solidFill>
+                                  <a:latin typeface="Cambria Math" panose="02040503050406030204" pitchFamily="18" charset="0"/>
+                                </a:rPr>
+                              </m:ctrlPr>
+                            </m:fPr>
+                            <m:num>
+                              <m:r>
+                                <a:rPr lang="en-US" sz="2000" i="1">
+                                  <a:solidFill>
+                                    <a:srgbClr val="000000"/>
+                                  </a:solidFill>
+                                  <a:latin typeface="Cambria Math" panose="02040503050406030204" pitchFamily="18" charset="0"/>
+                                </a:rPr>
+                                <m:t>1</m:t>
+                              </m:r>
+                            </m:num>
+                            <m:den>
+                              <m:r>
+                                <a:rPr lang="en-US" sz="2000" i="1">
+                                  <a:solidFill>
+                                    <a:srgbClr val="000000"/>
+                                  </a:solidFill>
+                                  <a:latin typeface="Cambria Math" panose="02040503050406030204" pitchFamily="18" charset="0"/>
+                                </a:rPr>
+                                <m:t>𝑆</m:t>
+                              </m:r>
+                              <m:r>
+                                <a:rPr lang="en-US" sz="2000" i="1">
+                                  <a:solidFill>
+                                    <a:srgbClr val="000000"/>
+                                  </a:solidFill>
+                                  <a:latin typeface="Cambria Math" panose="02040503050406030204" pitchFamily="18" charset="0"/>
+                                </a:rPr>
+                                <m:t>+</m:t>
+                              </m:r>
+                              <m:r>
+                                <a:rPr lang="en-US" sz="2000" i="1">
+                                  <a:solidFill>
+                                    <a:srgbClr val="000000"/>
+                                  </a:solidFill>
+                                  <a:latin typeface="Cambria Math" panose="02040503050406030204" pitchFamily="18" charset="0"/>
+                                </a:rPr>
+                                <m:t>2</m:t>
+                              </m:r>
+                            </m:den>
+                          </m:f>
+                        </m:e>
+                      </m:d>
+                      <m:r>
+                        <a:rPr lang="en-US" sz="2000" b="0" i="1" smtClean="0">
+                          <a:solidFill>
+                            <a:srgbClr val="000000"/>
+                          </a:solidFill>
+                          <a:latin typeface="Cambria Math" panose="02040503050406030204" pitchFamily="18" charset="0"/>
+                        </a:rPr>
+                        <m:t>=</m:t>
+                      </m:r>
+                      <m:d>
+                        <m:dPr>
+                          <m:ctrlPr>
+                            <a:rPr lang="en-US" sz="2000" i="1">
+                              <a:solidFill>
+                                <a:srgbClr val="000000"/>
+                              </a:solidFill>
+                              <a:latin typeface="Cambria Math" panose="02040503050406030204" pitchFamily="18" charset="0"/>
+                            </a:rPr>
+                          </m:ctrlPr>
+                        </m:dPr>
+                        <m:e>
+                          <m:r>
+                            <a:rPr lang="en-US" sz="2000" i="1">
+                              <a:solidFill>
+                                <a:srgbClr val="000000"/>
+                              </a:solidFill>
+                              <a:latin typeface="Cambria Math" panose="02040503050406030204" pitchFamily="18" charset="0"/>
+                            </a:rPr>
+                            <m:t>1</m:t>
+                          </m:r>
+                          <m:r>
+                            <a:rPr lang="en-US" sz="2000" i="1">
+                              <a:solidFill>
+                                <a:srgbClr val="000000"/>
+                              </a:solidFill>
+                              <a:latin typeface="Cambria Math" panose="02040503050406030204" pitchFamily="18" charset="0"/>
+                            </a:rPr>
+                            <m:t>−</m:t>
+                          </m:r>
+                          <m:sSup>
+                            <m:sSupPr>
+                              <m:ctrlPr>
+                                <a:rPr lang="en-US" sz="2000" i="1">
+                                  <a:solidFill>
+                                    <a:srgbClr val="000000"/>
+                                  </a:solidFill>
+                                  <a:latin typeface="Cambria Math" panose="02040503050406030204" pitchFamily="18" charset="0"/>
+                                </a:rPr>
+                              </m:ctrlPr>
+                            </m:sSupPr>
+                            <m:e>
+                              <m:r>
+                                <a:rPr lang="en-US" sz="2000" i="1">
+                                  <a:solidFill>
+                                    <a:srgbClr val="000000"/>
+                                  </a:solidFill>
+                                  <a:latin typeface="Cambria Math" panose="02040503050406030204" pitchFamily="18" charset="0"/>
+                                </a:rPr>
+                                <m:t>𝑍</m:t>
+                              </m:r>
+                            </m:e>
+                            <m:sup>
+                              <m:r>
+                                <a:rPr lang="en-US" sz="2000" i="1">
+                                  <a:solidFill>
+                                    <a:srgbClr val="000000"/>
+                                  </a:solidFill>
+                                  <a:latin typeface="Cambria Math" panose="02040503050406030204" pitchFamily="18" charset="0"/>
+                                </a:rPr>
+                                <m:t>−</m:t>
+                              </m:r>
+                              <m:r>
+                                <a:rPr lang="en-US" sz="2000" i="1">
+                                  <a:solidFill>
+                                    <a:srgbClr val="000000"/>
+                                  </a:solidFill>
+                                  <a:latin typeface="Cambria Math" panose="02040503050406030204" pitchFamily="18" charset="0"/>
+                                </a:rPr>
+                                <m:t>1</m:t>
+                              </m:r>
+                            </m:sup>
+                          </m:sSup>
+                        </m:e>
+                      </m:d>
+                      <m:r>
+                        <m:rPr>
+                          <m:sty m:val="p"/>
+                        </m:rPr>
+                        <a:rPr lang="en-US" sz="2000" i="1">
+                          <a:solidFill>
+                            <a:srgbClr val="000000"/>
+                          </a:solidFill>
+                          <a:latin typeface="Cambria Math" panose="02040503050406030204" pitchFamily="18" charset="0"/>
+                        </a:rPr>
+                        <m:t>Z</m:t>
+                      </m:r>
+                      <m:d>
+                        <m:dPr>
+                          <m:begChr m:val="["/>
+                          <m:endChr m:val="]"/>
+                          <m:ctrlPr>
+                            <a:rPr lang="en-US" sz="2000" i="1">
+                              <a:solidFill>
+                                <a:srgbClr val="000000"/>
+                              </a:solidFill>
+                              <a:latin typeface="Cambria Math" panose="02040503050406030204" pitchFamily="18" charset="0"/>
+                            </a:rPr>
+                          </m:ctrlPr>
+                        </m:dPr>
+                        <m:e>
+                          <m:r>
+                            <a:rPr lang="en-US" sz="2000" i="1">
+                              <a:solidFill>
+                                <a:srgbClr val="000000"/>
+                              </a:solidFill>
+                              <a:latin typeface="Cambria Math" panose="02040503050406030204" pitchFamily="18" charset="0"/>
+                            </a:rPr>
+                            <m:t>−</m:t>
+                          </m:r>
+                          <m:r>
+                            <a:rPr lang="en-US" sz="2000" i="1">
+                              <a:solidFill>
+                                <a:srgbClr val="000000"/>
+                              </a:solidFill>
+                              <a:latin typeface="Cambria Math" panose="02040503050406030204" pitchFamily="18" charset="0"/>
+                            </a:rPr>
+                            <m:t>1</m:t>
+                          </m:r>
+                          <m:r>
+                            <a:rPr lang="en-US" sz="2000" i="1">
+                              <a:solidFill>
+                                <a:srgbClr val="000000"/>
+                              </a:solidFill>
+                              <a:latin typeface="Cambria Math" panose="02040503050406030204" pitchFamily="18" charset="0"/>
+                            </a:rPr>
+                            <m:t>+</m:t>
+                          </m:r>
+                          <m:r>
+                            <a:rPr lang="en-US" sz="2000" i="1">
+                              <a:solidFill>
+                                <a:srgbClr val="000000"/>
+                              </a:solidFill>
+                              <a:latin typeface="Cambria Math" panose="02040503050406030204" pitchFamily="18" charset="0"/>
+                            </a:rPr>
+                            <m:t>2</m:t>
+                          </m:r>
+                          <m:r>
+                            <a:rPr lang="en-US" sz="2000" i="1">
+                              <a:solidFill>
+                                <a:srgbClr val="000000"/>
+                              </a:solidFill>
+                              <a:latin typeface="Cambria Math" panose="02040503050406030204" pitchFamily="18" charset="0"/>
+                            </a:rPr>
+                            <m:t>𝑡</m:t>
+                          </m:r>
+                          <m:r>
+                            <a:rPr lang="en-US" sz="2000" i="1">
+                              <a:solidFill>
+                                <a:srgbClr val="000000"/>
+                              </a:solidFill>
+                              <a:latin typeface="Cambria Math" panose="02040503050406030204" pitchFamily="18" charset="0"/>
+                            </a:rPr>
+                            <m:t>+</m:t>
+                          </m:r>
+                          <m:sSup>
+                            <m:sSupPr>
+                              <m:ctrlPr>
+                                <a:rPr lang="en-US" sz="2000" i="1">
+                                  <a:solidFill>
+                                    <a:srgbClr val="000000"/>
+                                  </a:solidFill>
+                                  <a:latin typeface="Cambria Math" panose="02040503050406030204" pitchFamily="18" charset="0"/>
+                                </a:rPr>
+                              </m:ctrlPr>
+                            </m:sSupPr>
+                            <m:e>
+                              <m:r>
+                                <a:rPr lang="en-US" sz="2000" i="1">
+                                  <a:solidFill>
+                                    <a:srgbClr val="000000"/>
+                                  </a:solidFill>
+                                  <a:latin typeface="Cambria Math" panose="02040503050406030204" pitchFamily="18" charset="0"/>
+                                </a:rPr>
+                                <m:t>𝑒</m:t>
+                              </m:r>
+                            </m:e>
+                            <m:sup>
+                              <m:r>
+                                <a:rPr lang="en-US" sz="2000" i="1">
+                                  <a:solidFill>
+                                    <a:srgbClr val="000000"/>
+                                  </a:solidFill>
+                                  <a:latin typeface="Cambria Math" panose="02040503050406030204" pitchFamily="18" charset="0"/>
+                                </a:rPr>
+                                <m:t>−</m:t>
+                              </m:r>
+                              <m:r>
+                                <a:rPr lang="en-US" sz="2000" i="1">
+                                  <a:solidFill>
+                                    <a:srgbClr val="000000"/>
+                                  </a:solidFill>
+                                  <a:latin typeface="Cambria Math" panose="02040503050406030204" pitchFamily="18" charset="0"/>
+                                </a:rPr>
+                                <m:t>2</m:t>
+                              </m:r>
+                              <m:r>
+                                <a:rPr lang="en-US" sz="2000" i="1">
+                                  <a:solidFill>
+                                    <a:srgbClr val="000000"/>
+                                  </a:solidFill>
+                                  <a:latin typeface="Cambria Math" panose="02040503050406030204" pitchFamily="18" charset="0"/>
+                                </a:rPr>
+                                <m:t>𝑡</m:t>
+                              </m:r>
+                            </m:sup>
+                          </m:sSup>
+                        </m:e>
+                      </m:d>
+                    </m:oMath>
+                  </m:oMathPara>
+                </a14:m>
+                <a:endParaRPr lang="en-US" sz="2000" dirty="0"/>
+              </a:p>
+            </p:txBody>
+          </p:sp>
+        </mc:Choice>
+        <mc:Fallback>
+          <p:sp>
+            <p:nvSpPr>
+              <p:cNvPr id="24" name="Object 5">
+                <a:extLst>
+                  <a:ext uri="{FF2B5EF4-FFF2-40B4-BE49-F238E27FC236}">
+                    <a16:creationId xmlns:a16="http://schemas.microsoft.com/office/drawing/2014/main" id="{346E1B50-10C8-40F6-86D8-35CA4A3E0CAC}"/>
+                  </a:ext>
+                </a:extLst>
+              </p:cNvPr>
+              <p:cNvSpPr txBox="1">
+                <a:spLocks noRot="1" noChangeAspect="1" noMove="1" noResize="1" noEditPoints="1" noAdjustHandles="1" noChangeArrowheads="1" noChangeShapeType="1" noTextEdit="1"/>
+              </p:cNvSpPr>
+              <p:nvPr/>
+            </p:nvSpPr>
+            <p:spPr bwMode="auto">
+              <a:xfrm>
+                <a:off x="2176834" y="4176236"/>
+                <a:ext cx="7838326" cy="919164"/>
+              </a:xfrm>
+              <a:prstGeom prst="rect">
+                <a:avLst/>
+              </a:prstGeom>
+              <a:blipFill>
+                <a:blip r:embed="rId5"/>
+                <a:stretch>
+                  <a:fillRect/>
+                </a:stretch>
+              </a:blipFill>
+            </p:spPr>
+            <p:txBody>
+              <a:bodyPr/>
+              <a:lstStyle/>
+              <a:p>
+                <a:r>
+                  <a:rPr lang="en-US">
+                    <a:noFill/>
+                  </a:rPr>
+                  <a:t> </a:t>
+                </a:r>
+              </a:p>
+            </p:txBody>
+          </p:sp>
+        </mc:Fallback>
+      </mc:AlternateContent>
+      <mc:AlternateContent xmlns:mc="http://schemas.openxmlformats.org/markup-compatibility/2006">
+        <mc:Choice xmlns:a14="http://schemas.microsoft.com/office/drawing/2010/main" Requires="a14">
+          <p:sp>
+            <p:nvSpPr>
+              <p:cNvPr id="33" name="Object 5">
+                <a:extLst>
+                  <a:ext uri="{FF2B5EF4-FFF2-40B4-BE49-F238E27FC236}">
+                    <a16:creationId xmlns:a16="http://schemas.microsoft.com/office/drawing/2014/main" id="{8812AA28-4726-4979-A081-9D01E0BB5B52}"/>
+                  </a:ext>
+                </a:extLst>
+              </p:cNvPr>
+              <p:cNvSpPr txBox="1"/>
+              <p:nvPr/>
+            </p:nvSpPr>
+            <p:spPr bwMode="auto">
+              <a:xfrm>
+                <a:off x="565932" y="5256620"/>
+                <a:ext cx="11060131" cy="830997"/>
+              </a:xfrm>
+              <a:prstGeom prst="rect">
+                <a:avLst/>
+              </a:prstGeom>
+              <a:noFill/>
+            </p:spPr>
+            <p:txBody>
+              <a:bodyPr>
+                <a:normAutofit fontScale="92500"/>
+              </a:bodyPr>
+              <a:lstStyle/>
+              <a:p>
+                <a:pPr/>
+                <a14:m>
+                  <m:oMathPara xmlns:m="http://schemas.openxmlformats.org/officeDocument/2006/math">
+                    <m:oMathParaPr>
+                      <m:jc m:val="center"/>
+                    </m:oMathParaPr>
+                    <m:oMath xmlns:m="http://schemas.openxmlformats.org/officeDocument/2006/math">
+                      <m:r>
+                        <a:rPr lang="en-US" sz="2000" i="1">
+                          <a:solidFill>
+                            <a:srgbClr val="000000"/>
+                          </a:solidFill>
+                          <a:latin typeface="Cambria Math" panose="02040503050406030204" pitchFamily="18" charset="0"/>
+                        </a:rPr>
+                        <m:t>𝐻</m:t>
+                      </m:r>
+                      <m:r>
+                        <a:rPr lang="en-US" sz="2000" i="1">
+                          <a:solidFill>
+                            <a:srgbClr val="000000"/>
+                          </a:solidFill>
+                          <a:latin typeface="Cambria Math" panose="02040503050406030204" pitchFamily="18" charset="0"/>
+                        </a:rPr>
+                        <m:t>(</m:t>
+                      </m:r>
+                      <m:r>
+                        <a:rPr lang="en-US" sz="2000" i="1">
+                          <a:solidFill>
+                            <a:srgbClr val="000000"/>
+                          </a:solidFill>
+                          <a:latin typeface="Cambria Math" panose="02040503050406030204" pitchFamily="18" charset="0"/>
+                        </a:rPr>
+                        <m:t>𝑍</m:t>
+                      </m:r>
+                      <m:r>
+                        <a:rPr lang="en-US" sz="2000" i="1">
+                          <a:solidFill>
+                            <a:srgbClr val="000000"/>
+                          </a:solidFill>
+                          <a:latin typeface="Cambria Math" panose="02040503050406030204" pitchFamily="18" charset="0"/>
+                        </a:rPr>
+                        <m:t>)=</m:t>
+                      </m:r>
+                      <m:d>
+                        <m:dPr>
+                          <m:ctrlPr>
+                            <a:rPr lang="en-US" sz="2000" i="1">
+                              <a:solidFill>
+                                <a:srgbClr val="000000"/>
+                              </a:solidFill>
+                              <a:latin typeface="Cambria Math" panose="02040503050406030204" pitchFamily="18" charset="0"/>
+                            </a:rPr>
+                          </m:ctrlPr>
+                        </m:dPr>
+                        <m:e>
+                          <m:f>
+                            <m:fPr>
+                              <m:ctrlPr>
+                                <a:rPr lang="en-US" sz="2000" i="1">
+                                  <a:solidFill>
+                                    <a:srgbClr val="000000"/>
+                                  </a:solidFill>
+                                  <a:latin typeface="Cambria Math" panose="02040503050406030204" pitchFamily="18" charset="0"/>
+                                </a:rPr>
+                              </m:ctrlPr>
+                            </m:fPr>
+                            <m:num>
+                              <m:r>
+                                <a:rPr lang="en-US" sz="2000" i="1">
+                                  <a:solidFill>
+                                    <a:srgbClr val="000000"/>
+                                  </a:solidFill>
+                                  <a:latin typeface="Cambria Math" panose="02040503050406030204" pitchFamily="18" charset="0"/>
+                                </a:rPr>
+                                <m:t>𝑍</m:t>
+                              </m:r>
+                              <m:r>
+                                <a:rPr lang="en-US" sz="2000" i="1">
+                                  <a:solidFill>
+                                    <a:srgbClr val="000000"/>
+                                  </a:solidFill>
+                                  <a:latin typeface="Cambria Math" panose="02040503050406030204" pitchFamily="18" charset="0"/>
+                                </a:rPr>
+                                <m:t>−</m:t>
+                              </m:r>
+                              <m:r>
+                                <a:rPr lang="en-US" sz="2000" i="1">
+                                  <a:solidFill>
+                                    <a:srgbClr val="000000"/>
+                                  </a:solidFill>
+                                  <a:latin typeface="Cambria Math" panose="02040503050406030204" pitchFamily="18" charset="0"/>
+                                </a:rPr>
+                                <m:t>1</m:t>
+                              </m:r>
+                            </m:num>
+                            <m:den>
+                              <m:r>
+                                <a:rPr lang="en-US" sz="2000" i="1">
+                                  <a:solidFill>
+                                    <a:srgbClr val="000000"/>
+                                  </a:solidFill>
+                                  <a:latin typeface="Cambria Math" panose="02040503050406030204" pitchFamily="18" charset="0"/>
+                                </a:rPr>
+                                <m:t>𝑍</m:t>
+                              </m:r>
+                            </m:den>
+                          </m:f>
+                        </m:e>
+                      </m:d>
+                      <m:d>
+                        <m:dPr>
+                          <m:begChr m:val="["/>
+                          <m:endChr m:val="]"/>
+                          <m:ctrlPr>
+                            <a:rPr lang="en-US" sz="2000" i="1">
+                              <a:solidFill>
+                                <a:srgbClr val="000000"/>
+                              </a:solidFill>
+                              <a:latin typeface="Cambria Math" panose="02040503050406030204" pitchFamily="18" charset="0"/>
+                            </a:rPr>
+                          </m:ctrlPr>
+                        </m:dPr>
+                        <m:e>
+                          <m:r>
+                            <a:rPr lang="en-US" sz="2000" i="1">
+                              <a:solidFill>
+                                <a:srgbClr val="000000"/>
+                              </a:solidFill>
+                              <a:latin typeface="Cambria Math" panose="02040503050406030204" pitchFamily="18" charset="0"/>
+                            </a:rPr>
+                            <m:t>−</m:t>
+                          </m:r>
+                          <m:f>
+                            <m:fPr>
+                              <m:ctrlPr>
+                                <a:rPr lang="en-US" sz="2000" i="1">
+                                  <a:solidFill>
+                                    <a:srgbClr val="000000"/>
+                                  </a:solidFill>
+                                  <a:latin typeface="Cambria Math" panose="02040503050406030204" pitchFamily="18" charset="0"/>
+                                </a:rPr>
+                              </m:ctrlPr>
+                            </m:fPr>
+                            <m:num>
+                              <m:r>
+                                <a:rPr lang="en-US" sz="2000" i="1">
+                                  <a:solidFill>
+                                    <a:srgbClr val="000000"/>
+                                  </a:solidFill>
+                                  <a:latin typeface="Cambria Math" panose="02040503050406030204" pitchFamily="18" charset="0"/>
+                                </a:rPr>
+                                <m:t>𝑍</m:t>
+                              </m:r>
+                            </m:num>
+                            <m:den>
+                              <m:r>
+                                <a:rPr lang="en-US" sz="2000" i="1">
+                                  <a:solidFill>
+                                    <a:srgbClr val="000000"/>
+                                  </a:solidFill>
+                                  <a:latin typeface="Cambria Math" panose="02040503050406030204" pitchFamily="18" charset="0"/>
+                                </a:rPr>
+                                <m:t>𝑍</m:t>
+                              </m:r>
+                              <m:r>
+                                <a:rPr lang="en-US" sz="2000" i="1">
+                                  <a:solidFill>
+                                    <a:srgbClr val="000000"/>
+                                  </a:solidFill>
+                                  <a:latin typeface="Cambria Math" panose="02040503050406030204" pitchFamily="18" charset="0"/>
+                                </a:rPr>
+                                <m:t>−</m:t>
+                              </m:r>
+                              <m:r>
+                                <a:rPr lang="en-US" sz="2000" i="1">
+                                  <a:solidFill>
+                                    <a:srgbClr val="000000"/>
+                                  </a:solidFill>
+                                  <a:latin typeface="Cambria Math" panose="02040503050406030204" pitchFamily="18" charset="0"/>
+                                </a:rPr>
+                                <m:t>1</m:t>
+                              </m:r>
+                            </m:den>
+                          </m:f>
+                          <m:r>
+                            <a:rPr lang="en-US" sz="2000" i="1">
+                              <a:solidFill>
+                                <a:srgbClr val="000000"/>
+                              </a:solidFill>
+                              <a:latin typeface="Cambria Math" panose="02040503050406030204" pitchFamily="18" charset="0"/>
+                            </a:rPr>
+                            <m:t>+</m:t>
+                          </m:r>
+                          <m:f>
+                            <m:fPr>
+                              <m:ctrlPr>
+                                <a:rPr lang="en-US" sz="2000" i="1">
+                                  <a:solidFill>
+                                    <a:srgbClr val="000000"/>
+                                  </a:solidFill>
+                                  <a:latin typeface="Cambria Math" panose="02040503050406030204" pitchFamily="18" charset="0"/>
+                                </a:rPr>
+                              </m:ctrlPr>
+                            </m:fPr>
+                            <m:num>
+                              <m:r>
+                                <a:rPr lang="en-US" sz="2000" i="1">
+                                  <a:solidFill>
+                                    <a:srgbClr val="000000"/>
+                                  </a:solidFill>
+                                  <a:latin typeface="Cambria Math" panose="02040503050406030204" pitchFamily="18" charset="0"/>
+                                </a:rPr>
+                                <m:t>2</m:t>
+                              </m:r>
+                              <m:sSub>
+                                <m:sSubPr>
+                                  <m:ctrlPr>
+                                    <a:rPr lang="en-US" sz="2000" i="1">
+                                      <a:solidFill>
+                                        <a:srgbClr val="000000"/>
+                                      </a:solidFill>
+                                      <a:latin typeface="Cambria Math" panose="02040503050406030204" pitchFamily="18" charset="0"/>
+                                    </a:rPr>
+                                  </m:ctrlPr>
+                                </m:sSubPr>
+                                <m:e>
+                                  <m:r>
+                                    <a:rPr lang="en-US" sz="2000" i="1">
+                                      <a:solidFill>
+                                        <a:srgbClr val="000000"/>
+                                      </a:solidFill>
+                                      <a:latin typeface="Cambria Math" panose="02040503050406030204" pitchFamily="18" charset="0"/>
+                                    </a:rPr>
+                                    <m:t>𝑇</m:t>
+                                  </m:r>
+                                </m:e>
+                                <m:sub>
+                                  <m:r>
+                                    <a:rPr lang="en-US" sz="2000" i="1">
+                                      <a:solidFill>
+                                        <a:srgbClr val="000000"/>
+                                      </a:solidFill>
+                                      <a:latin typeface="Cambria Math" panose="02040503050406030204" pitchFamily="18" charset="0"/>
+                                    </a:rPr>
+                                    <m:t>𝑆</m:t>
+                                  </m:r>
+                                </m:sub>
+                              </m:sSub>
+                              <m:r>
+                                <a:rPr lang="en-US" sz="2000" i="1">
+                                  <a:solidFill>
+                                    <a:srgbClr val="000000"/>
+                                  </a:solidFill>
+                                  <a:latin typeface="Cambria Math" panose="02040503050406030204" pitchFamily="18" charset="0"/>
+                                </a:rPr>
+                                <m:t>𝑍</m:t>
+                              </m:r>
+                            </m:num>
+                            <m:den>
+                              <m:sSup>
+                                <m:sSupPr>
+                                  <m:ctrlPr>
+                                    <a:rPr lang="en-US" sz="2000" i="1">
+                                      <a:solidFill>
+                                        <a:srgbClr val="000000"/>
+                                      </a:solidFill>
+                                      <a:latin typeface="Cambria Math" panose="02040503050406030204" pitchFamily="18" charset="0"/>
+                                    </a:rPr>
+                                  </m:ctrlPr>
+                                </m:sSupPr>
+                                <m:e>
+                                  <m:d>
+                                    <m:dPr>
+                                      <m:ctrlPr>
+                                        <a:rPr lang="en-US" sz="2000" i="1">
+                                          <a:solidFill>
+                                            <a:srgbClr val="000000"/>
+                                          </a:solidFill>
+                                          <a:latin typeface="Cambria Math" panose="02040503050406030204" pitchFamily="18" charset="0"/>
+                                        </a:rPr>
+                                      </m:ctrlPr>
+                                    </m:dPr>
+                                    <m:e>
+                                      <m:r>
+                                        <a:rPr lang="en-US" sz="2000" i="1">
+                                          <a:solidFill>
+                                            <a:srgbClr val="000000"/>
+                                          </a:solidFill>
+                                          <a:latin typeface="Cambria Math" panose="02040503050406030204" pitchFamily="18" charset="0"/>
+                                        </a:rPr>
+                                        <m:t>𝑍</m:t>
+                                      </m:r>
+                                      <m:r>
+                                        <a:rPr lang="en-US" sz="2000" i="1">
+                                          <a:solidFill>
+                                            <a:srgbClr val="000000"/>
+                                          </a:solidFill>
+                                          <a:latin typeface="Cambria Math" panose="02040503050406030204" pitchFamily="18" charset="0"/>
+                                        </a:rPr>
+                                        <m:t>−</m:t>
+                                      </m:r>
+                                      <m:r>
+                                        <a:rPr lang="en-US" sz="2000" i="1">
+                                          <a:solidFill>
+                                            <a:srgbClr val="000000"/>
+                                          </a:solidFill>
+                                          <a:latin typeface="Cambria Math" panose="02040503050406030204" pitchFamily="18" charset="0"/>
+                                        </a:rPr>
+                                        <m:t>1</m:t>
+                                      </m:r>
+                                    </m:e>
+                                  </m:d>
+                                </m:e>
+                                <m:sup>
+                                  <m:r>
+                                    <a:rPr lang="en-US" sz="2000" i="1">
+                                      <a:solidFill>
+                                        <a:srgbClr val="000000"/>
+                                      </a:solidFill>
+                                      <a:latin typeface="Cambria Math" panose="02040503050406030204" pitchFamily="18" charset="0"/>
+                                    </a:rPr>
+                                    <m:t>2</m:t>
+                                  </m:r>
+                                </m:sup>
+                              </m:sSup>
+                            </m:den>
+                          </m:f>
+                          <m:r>
+                            <a:rPr lang="en-US" sz="2000" i="1">
+                              <a:solidFill>
+                                <a:srgbClr val="000000"/>
+                              </a:solidFill>
+                              <a:latin typeface="Cambria Math" panose="02040503050406030204" pitchFamily="18" charset="0"/>
+                            </a:rPr>
+                            <m:t>+</m:t>
+                          </m:r>
+                          <m:f>
+                            <m:fPr>
+                              <m:ctrlPr>
+                                <a:rPr lang="en-US" sz="2000" i="1">
+                                  <a:solidFill>
+                                    <a:srgbClr val="000000"/>
+                                  </a:solidFill>
+                                  <a:latin typeface="Cambria Math" panose="02040503050406030204" pitchFamily="18" charset="0"/>
+                                </a:rPr>
+                              </m:ctrlPr>
+                            </m:fPr>
+                            <m:num>
+                              <m:r>
+                                <a:rPr lang="en-US" sz="2000" i="1">
+                                  <a:solidFill>
+                                    <a:srgbClr val="000000"/>
+                                  </a:solidFill>
+                                  <a:latin typeface="Cambria Math" panose="02040503050406030204" pitchFamily="18" charset="0"/>
+                                </a:rPr>
+                                <m:t>𝑍</m:t>
+                              </m:r>
+                            </m:num>
+                            <m:den>
+                              <m:r>
+                                <a:rPr lang="en-US" sz="2000" i="1">
+                                  <a:solidFill>
+                                    <a:srgbClr val="000000"/>
+                                  </a:solidFill>
+                                  <a:latin typeface="Cambria Math" panose="02040503050406030204" pitchFamily="18" charset="0"/>
+                                </a:rPr>
+                                <m:t>𝑍</m:t>
+                              </m:r>
+                              <m:r>
+                                <a:rPr lang="en-US" sz="2000" i="1">
+                                  <a:solidFill>
+                                    <a:srgbClr val="000000"/>
+                                  </a:solidFill>
+                                  <a:latin typeface="Cambria Math" panose="02040503050406030204" pitchFamily="18" charset="0"/>
+                                </a:rPr>
+                                <m:t>−</m:t>
+                              </m:r>
+                              <m:sSup>
+                                <m:sSupPr>
+                                  <m:ctrlPr>
+                                    <a:rPr lang="en-US" sz="2000" i="1">
+                                      <a:solidFill>
+                                        <a:srgbClr val="000000"/>
+                                      </a:solidFill>
+                                      <a:latin typeface="Cambria Math" panose="02040503050406030204" pitchFamily="18" charset="0"/>
+                                    </a:rPr>
+                                  </m:ctrlPr>
+                                </m:sSupPr>
+                                <m:e>
+                                  <m:r>
+                                    <a:rPr lang="en-US" sz="2000" i="1">
+                                      <a:solidFill>
+                                        <a:srgbClr val="000000"/>
+                                      </a:solidFill>
+                                      <a:latin typeface="Cambria Math" panose="02040503050406030204" pitchFamily="18" charset="0"/>
+                                    </a:rPr>
+                                    <m:t>𝑒</m:t>
+                                  </m:r>
+                                </m:e>
+                                <m:sup>
+                                  <m:r>
+                                    <a:rPr lang="en-US" sz="2000" i="1">
+                                      <a:solidFill>
+                                        <a:srgbClr val="000000"/>
+                                      </a:solidFill>
+                                      <a:latin typeface="Cambria Math" panose="02040503050406030204" pitchFamily="18" charset="0"/>
+                                    </a:rPr>
+                                    <m:t>−</m:t>
+                                  </m:r>
+                                  <m:r>
+                                    <a:rPr lang="en-US" sz="2000" i="1">
+                                      <a:solidFill>
+                                        <a:srgbClr val="000000"/>
+                                      </a:solidFill>
+                                      <a:latin typeface="Cambria Math" panose="02040503050406030204" pitchFamily="18" charset="0"/>
+                                    </a:rPr>
+                                    <m:t>2</m:t>
+                                  </m:r>
+                                  <m:sSub>
+                                    <m:sSubPr>
+                                      <m:ctrlPr>
+                                        <a:rPr lang="en-US" sz="2000" i="1">
+                                          <a:solidFill>
+                                            <a:srgbClr val="000000"/>
+                                          </a:solidFill>
+                                          <a:latin typeface="Cambria Math" panose="02040503050406030204" pitchFamily="18" charset="0"/>
+                                        </a:rPr>
+                                      </m:ctrlPr>
+                                    </m:sSubPr>
+                                    <m:e>
+                                      <m:r>
+                                        <a:rPr lang="en-US" sz="2000" i="1">
+                                          <a:solidFill>
+                                            <a:srgbClr val="000000"/>
+                                          </a:solidFill>
+                                          <a:latin typeface="Cambria Math" panose="02040503050406030204" pitchFamily="18" charset="0"/>
+                                        </a:rPr>
+                                        <m:t>𝑇</m:t>
+                                      </m:r>
+                                    </m:e>
+                                    <m:sub>
+                                      <m:r>
+                                        <a:rPr lang="en-US" sz="2000" i="1">
+                                          <a:solidFill>
+                                            <a:srgbClr val="000000"/>
+                                          </a:solidFill>
+                                          <a:latin typeface="Cambria Math" panose="02040503050406030204" pitchFamily="18" charset="0"/>
+                                        </a:rPr>
+                                        <m:t>𝑆</m:t>
+                                      </m:r>
+                                    </m:sub>
+                                  </m:sSub>
+                                </m:sup>
+                              </m:sSup>
+                            </m:den>
+                          </m:f>
+                        </m:e>
+                      </m:d>
+                      <m:r>
+                        <a:rPr lang="en-US" sz="2000" i="1">
+                          <a:solidFill>
+                            <a:srgbClr val="000000"/>
+                          </a:solidFill>
+                          <a:latin typeface="Cambria Math" panose="02040503050406030204" pitchFamily="18" charset="0"/>
+                        </a:rPr>
+                        <m:t>=−</m:t>
+                      </m:r>
+                      <m:r>
+                        <a:rPr lang="en-US" sz="2000" i="1">
+                          <a:solidFill>
+                            <a:srgbClr val="000000"/>
+                          </a:solidFill>
+                          <a:latin typeface="Cambria Math" panose="02040503050406030204" pitchFamily="18" charset="0"/>
+                        </a:rPr>
+                        <m:t>1</m:t>
+                      </m:r>
+                      <m:r>
+                        <a:rPr lang="en-US" sz="2000" i="1">
+                          <a:solidFill>
+                            <a:srgbClr val="000000"/>
+                          </a:solidFill>
+                          <a:latin typeface="Cambria Math" panose="02040503050406030204" pitchFamily="18" charset="0"/>
+                        </a:rPr>
+                        <m:t>+</m:t>
+                      </m:r>
+                      <m:f>
+                        <m:fPr>
+                          <m:ctrlPr>
+                            <a:rPr lang="en-US" sz="2000" i="1">
+                              <a:solidFill>
+                                <a:srgbClr val="000000"/>
+                              </a:solidFill>
+                              <a:latin typeface="Cambria Math" panose="02040503050406030204" pitchFamily="18" charset="0"/>
+                            </a:rPr>
+                          </m:ctrlPr>
+                        </m:fPr>
+                        <m:num>
+                          <m:r>
+                            <a:rPr lang="en-US" sz="2000" i="1">
+                              <a:solidFill>
+                                <a:srgbClr val="000000"/>
+                              </a:solidFill>
+                              <a:latin typeface="Cambria Math" panose="02040503050406030204" pitchFamily="18" charset="0"/>
+                            </a:rPr>
+                            <m:t>0</m:t>
+                          </m:r>
+                          <m:r>
+                            <a:rPr lang="en-US" sz="2000" i="1">
+                              <a:solidFill>
+                                <a:srgbClr val="000000"/>
+                              </a:solidFill>
+                              <a:latin typeface="Cambria Math" panose="02040503050406030204" pitchFamily="18" charset="0"/>
+                            </a:rPr>
+                            <m:t>.</m:t>
+                          </m:r>
+                          <m:r>
+                            <a:rPr lang="en-US" sz="2000" i="1">
+                              <a:solidFill>
+                                <a:srgbClr val="000000"/>
+                              </a:solidFill>
+                              <a:latin typeface="Cambria Math" panose="02040503050406030204" pitchFamily="18" charset="0"/>
+                            </a:rPr>
+                            <m:t>05</m:t>
+                          </m:r>
+                        </m:num>
+                        <m:den>
+                          <m:r>
+                            <a:rPr lang="en-US" sz="2000" i="1">
+                              <a:solidFill>
+                                <a:srgbClr val="000000"/>
+                              </a:solidFill>
+                              <a:latin typeface="Cambria Math" panose="02040503050406030204" pitchFamily="18" charset="0"/>
+                            </a:rPr>
+                            <m:t>𝑍</m:t>
+                          </m:r>
+                          <m:r>
+                            <a:rPr lang="en-US" sz="2000" i="1">
+                              <a:solidFill>
+                                <a:srgbClr val="000000"/>
+                              </a:solidFill>
+                              <a:latin typeface="Cambria Math" panose="02040503050406030204" pitchFamily="18" charset="0"/>
+                            </a:rPr>
+                            <m:t>−</m:t>
+                          </m:r>
+                          <m:r>
+                            <a:rPr lang="en-US" sz="2000" i="1">
+                              <a:solidFill>
+                                <a:srgbClr val="000000"/>
+                              </a:solidFill>
+                              <a:latin typeface="Cambria Math" panose="02040503050406030204" pitchFamily="18" charset="0"/>
+                            </a:rPr>
+                            <m:t>1</m:t>
+                          </m:r>
+                        </m:den>
+                      </m:f>
+                      <m:r>
+                        <a:rPr lang="en-US" sz="2000" i="1">
+                          <a:solidFill>
+                            <a:srgbClr val="000000"/>
+                          </a:solidFill>
+                          <a:latin typeface="Cambria Math" panose="02040503050406030204" pitchFamily="18" charset="0"/>
+                        </a:rPr>
+                        <m:t>+</m:t>
+                      </m:r>
+                      <m:f>
+                        <m:fPr>
+                          <m:ctrlPr>
+                            <a:rPr lang="en-US" sz="2000" i="1">
+                              <a:solidFill>
+                                <a:srgbClr val="000000"/>
+                              </a:solidFill>
+                              <a:latin typeface="Cambria Math" panose="02040503050406030204" pitchFamily="18" charset="0"/>
+                            </a:rPr>
+                          </m:ctrlPr>
+                        </m:fPr>
+                        <m:num>
+                          <m:r>
+                            <a:rPr lang="en-US" sz="2000" i="1">
+                              <a:solidFill>
+                                <a:srgbClr val="000000"/>
+                              </a:solidFill>
+                              <a:latin typeface="Cambria Math" panose="02040503050406030204" pitchFamily="18" charset="0"/>
+                            </a:rPr>
+                            <m:t>𝑍</m:t>
+                          </m:r>
+                          <m:r>
+                            <a:rPr lang="en-US" sz="2000" i="1">
+                              <a:solidFill>
+                                <a:srgbClr val="000000"/>
+                              </a:solidFill>
+                              <a:latin typeface="Cambria Math" panose="02040503050406030204" pitchFamily="18" charset="0"/>
+                            </a:rPr>
+                            <m:t>−</m:t>
+                          </m:r>
+                          <m:r>
+                            <a:rPr lang="en-US" sz="2000" i="1">
+                              <a:solidFill>
+                                <a:srgbClr val="000000"/>
+                              </a:solidFill>
+                              <a:latin typeface="Cambria Math" panose="02040503050406030204" pitchFamily="18" charset="0"/>
+                            </a:rPr>
+                            <m:t>1</m:t>
+                          </m:r>
+                        </m:num>
+                        <m:den>
+                          <m:r>
+                            <a:rPr lang="en-US" sz="2000" i="1">
+                              <a:solidFill>
+                                <a:srgbClr val="000000"/>
+                              </a:solidFill>
+                              <a:latin typeface="Cambria Math" panose="02040503050406030204" pitchFamily="18" charset="0"/>
+                            </a:rPr>
+                            <m:t>𝑍</m:t>
+                          </m:r>
+                          <m:r>
+                            <a:rPr lang="en-US" sz="2000" i="1">
+                              <a:solidFill>
+                                <a:srgbClr val="000000"/>
+                              </a:solidFill>
+                              <a:latin typeface="Cambria Math" panose="02040503050406030204" pitchFamily="18" charset="0"/>
+                            </a:rPr>
+                            <m:t>−</m:t>
+                          </m:r>
+                          <m:r>
+                            <a:rPr lang="en-US" sz="2000" i="1">
+                              <a:solidFill>
+                                <a:srgbClr val="000000"/>
+                              </a:solidFill>
+                              <a:latin typeface="Cambria Math" panose="02040503050406030204" pitchFamily="18" charset="0"/>
+                            </a:rPr>
+                            <m:t>0</m:t>
+                          </m:r>
+                          <m:r>
+                            <a:rPr lang="en-US" sz="2000" i="1">
+                              <a:solidFill>
+                                <a:srgbClr val="000000"/>
+                              </a:solidFill>
+                              <a:latin typeface="Cambria Math" panose="02040503050406030204" pitchFamily="18" charset="0"/>
+                            </a:rPr>
+                            <m:t>.</m:t>
+                          </m:r>
+                          <m:r>
+                            <a:rPr lang="en-US" sz="2000" i="1">
+                              <a:solidFill>
+                                <a:srgbClr val="000000"/>
+                              </a:solidFill>
+                              <a:latin typeface="Cambria Math" panose="02040503050406030204" pitchFamily="18" charset="0"/>
+                            </a:rPr>
+                            <m:t>9512</m:t>
+                          </m:r>
+                        </m:den>
+                      </m:f>
+                      <m:r>
+                        <a:rPr lang="en-US" sz="2000" i="1">
+                          <a:solidFill>
+                            <a:srgbClr val="000000"/>
+                          </a:solidFill>
+                          <a:latin typeface="Cambria Math" panose="02040503050406030204" pitchFamily="18" charset="0"/>
+                        </a:rPr>
+                        <m:t>=</m:t>
+                      </m:r>
+                      <m:f>
+                        <m:fPr>
+                          <m:ctrlPr>
+                            <a:rPr lang="en-US" sz="2000" i="1">
+                              <a:solidFill>
+                                <a:srgbClr val="000000"/>
+                              </a:solidFill>
+                              <a:latin typeface="Cambria Math" panose="02040503050406030204" pitchFamily="18" charset="0"/>
+                            </a:rPr>
+                          </m:ctrlPr>
+                        </m:fPr>
+                        <m:num>
+                          <m:r>
+                            <a:rPr lang="en-US" sz="2000" i="1">
+                              <a:solidFill>
+                                <a:srgbClr val="000000"/>
+                              </a:solidFill>
+                              <a:latin typeface="Cambria Math" panose="02040503050406030204" pitchFamily="18" charset="0"/>
+                            </a:rPr>
+                            <m:t>0</m:t>
+                          </m:r>
+                          <m:r>
+                            <a:rPr lang="en-US" sz="2000" i="1">
+                              <a:solidFill>
+                                <a:srgbClr val="000000"/>
+                              </a:solidFill>
+                              <a:latin typeface="Cambria Math" panose="02040503050406030204" pitchFamily="18" charset="0"/>
+                            </a:rPr>
+                            <m:t>.</m:t>
+                          </m:r>
+                          <m:r>
+                            <a:rPr lang="en-US" sz="2000" i="1">
+                              <a:solidFill>
+                                <a:srgbClr val="000000"/>
+                              </a:solidFill>
+                              <a:latin typeface="Cambria Math" panose="02040503050406030204" pitchFamily="18" charset="0"/>
+                            </a:rPr>
+                            <m:t>00123</m:t>
+                          </m:r>
+                          <m:r>
+                            <a:rPr lang="en-US" sz="2000" i="1">
+                              <a:solidFill>
+                                <a:srgbClr val="000000"/>
+                              </a:solidFill>
+                              <a:latin typeface="Cambria Math" panose="02040503050406030204" pitchFamily="18" charset="0"/>
+                            </a:rPr>
+                            <m:t>𝑍</m:t>
+                          </m:r>
+                          <m:r>
+                            <a:rPr lang="en-US" sz="2000" i="1">
+                              <a:solidFill>
+                                <a:srgbClr val="000000"/>
+                              </a:solidFill>
+                              <a:latin typeface="Cambria Math" panose="02040503050406030204" pitchFamily="18" charset="0"/>
+                            </a:rPr>
+                            <m:t>+</m:t>
+                          </m:r>
+                          <m:r>
+                            <a:rPr lang="en-US" sz="2000" i="1">
+                              <a:solidFill>
+                                <a:srgbClr val="000000"/>
+                              </a:solidFill>
+                              <a:latin typeface="Cambria Math" panose="02040503050406030204" pitchFamily="18" charset="0"/>
+                            </a:rPr>
+                            <m:t>0</m:t>
+                          </m:r>
+                          <m:r>
+                            <a:rPr lang="en-US" sz="2000" i="1">
+                              <a:solidFill>
+                                <a:srgbClr val="000000"/>
+                              </a:solidFill>
+                              <a:latin typeface="Cambria Math" panose="02040503050406030204" pitchFamily="18" charset="0"/>
+                            </a:rPr>
+                            <m:t>.</m:t>
+                          </m:r>
+                          <m:r>
+                            <a:rPr lang="en-US" sz="2000" i="1">
+                              <a:solidFill>
+                                <a:srgbClr val="000000"/>
+                              </a:solidFill>
+                              <a:latin typeface="Cambria Math" panose="02040503050406030204" pitchFamily="18" charset="0"/>
+                            </a:rPr>
+                            <m:t>00121</m:t>
+                          </m:r>
+                        </m:num>
+                        <m:den>
+                          <m:sSup>
+                            <m:sSupPr>
+                              <m:ctrlPr>
+                                <a:rPr lang="en-US" sz="2000" i="1">
+                                  <a:solidFill>
+                                    <a:srgbClr val="000000"/>
+                                  </a:solidFill>
+                                  <a:latin typeface="Cambria Math" panose="02040503050406030204" pitchFamily="18" charset="0"/>
+                                </a:rPr>
+                              </m:ctrlPr>
+                            </m:sSupPr>
+                            <m:e>
+                              <m:r>
+                                <a:rPr lang="en-US" sz="2000" i="1">
+                                  <a:solidFill>
+                                    <a:srgbClr val="000000"/>
+                                  </a:solidFill>
+                                  <a:latin typeface="Cambria Math" panose="02040503050406030204" pitchFamily="18" charset="0"/>
+                                </a:rPr>
+                                <m:t>𝑍</m:t>
+                              </m:r>
+                            </m:e>
+                            <m:sup>
+                              <m:r>
+                                <a:rPr lang="en-US" sz="2000" i="1">
+                                  <a:solidFill>
+                                    <a:srgbClr val="000000"/>
+                                  </a:solidFill>
+                                  <a:latin typeface="Cambria Math" panose="02040503050406030204" pitchFamily="18" charset="0"/>
+                                </a:rPr>
+                                <m:t>2</m:t>
+                              </m:r>
+                            </m:sup>
+                          </m:sSup>
+                          <m:r>
+                            <a:rPr lang="en-US" sz="2000" i="1">
+                              <a:solidFill>
+                                <a:srgbClr val="000000"/>
+                              </a:solidFill>
+                              <a:latin typeface="Cambria Math" panose="02040503050406030204" pitchFamily="18" charset="0"/>
+                            </a:rPr>
+                            <m:t>−</m:t>
+                          </m:r>
+                          <m:r>
+                            <a:rPr lang="en-US" sz="2000" i="1">
+                              <a:solidFill>
+                                <a:srgbClr val="000000"/>
+                              </a:solidFill>
+                              <a:latin typeface="Cambria Math" panose="02040503050406030204" pitchFamily="18" charset="0"/>
+                            </a:rPr>
+                            <m:t>1</m:t>
+                          </m:r>
+                          <m:r>
+                            <a:rPr lang="en-US" sz="2000" i="1">
+                              <a:solidFill>
+                                <a:srgbClr val="000000"/>
+                              </a:solidFill>
+                              <a:latin typeface="Cambria Math" panose="02040503050406030204" pitchFamily="18" charset="0"/>
+                            </a:rPr>
+                            <m:t>.</m:t>
+                          </m:r>
+                          <m:r>
+                            <a:rPr lang="en-US" sz="2000" i="1">
+                              <a:solidFill>
+                                <a:srgbClr val="000000"/>
+                              </a:solidFill>
+                              <a:latin typeface="Cambria Math" panose="02040503050406030204" pitchFamily="18" charset="0"/>
+                            </a:rPr>
+                            <m:t>95</m:t>
+                          </m:r>
+                          <m:r>
+                            <a:rPr lang="en-US" sz="2000" i="1">
+                              <a:solidFill>
+                                <a:srgbClr val="000000"/>
+                              </a:solidFill>
+                              <a:latin typeface="Cambria Math" panose="02040503050406030204" pitchFamily="18" charset="0"/>
+                            </a:rPr>
+                            <m:t>𝑍</m:t>
+                          </m:r>
+                          <m:r>
+                            <a:rPr lang="en-US" sz="2000" i="1">
+                              <a:solidFill>
+                                <a:srgbClr val="000000"/>
+                              </a:solidFill>
+                              <a:latin typeface="Cambria Math" panose="02040503050406030204" pitchFamily="18" charset="0"/>
+                            </a:rPr>
+                            <m:t>+</m:t>
+                          </m:r>
+                          <m:r>
+                            <a:rPr lang="en-US" sz="2000" i="1">
+                              <a:solidFill>
+                                <a:srgbClr val="000000"/>
+                              </a:solidFill>
+                              <a:latin typeface="Cambria Math" panose="02040503050406030204" pitchFamily="18" charset="0"/>
+                            </a:rPr>
+                            <m:t>0</m:t>
+                          </m:r>
+                          <m:r>
+                            <a:rPr lang="en-US" sz="2000" i="1">
+                              <a:solidFill>
+                                <a:srgbClr val="000000"/>
+                              </a:solidFill>
+                              <a:latin typeface="Cambria Math" panose="02040503050406030204" pitchFamily="18" charset="0"/>
+                            </a:rPr>
+                            <m:t>.</m:t>
+                          </m:r>
+                          <m:r>
+                            <a:rPr lang="en-US" sz="2000" i="1">
+                              <a:solidFill>
+                                <a:srgbClr val="000000"/>
+                              </a:solidFill>
+                              <a:latin typeface="Cambria Math" panose="02040503050406030204" pitchFamily="18" charset="0"/>
+                            </a:rPr>
+                            <m:t>95</m:t>
+                          </m:r>
+                        </m:den>
+                      </m:f>
+                    </m:oMath>
+                  </m:oMathPara>
+                </a14:m>
+                <a:endParaRPr lang="en-US" sz="2000" dirty="0"/>
+              </a:p>
+              <a:p>
+                <a:pPr/>
+                <a:endParaRPr lang="en-US" sz="2000" dirty="0"/>
+              </a:p>
+            </p:txBody>
+          </p:sp>
+        </mc:Choice>
+        <mc:Fallback>
+          <p:sp>
+            <p:nvSpPr>
+              <p:cNvPr id="33" name="Object 5">
+                <a:extLst>
+                  <a:ext uri="{FF2B5EF4-FFF2-40B4-BE49-F238E27FC236}">
+                    <a16:creationId xmlns:a16="http://schemas.microsoft.com/office/drawing/2014/main" id="{8812AA28-4726-4979-A081-9D01E0BB5B52}"/>
+                  </a:ext>
+                </a:extLst>
+              </p:cNvPr>
+              <p:cNvSpPr txBox="1">
+                <a:spLocks noRot="1" noChangeAspect="1" noMove="1" noResize="1" noEditPoints="1" noAdjustHandles="1" noChangeArrowheads="1" noChangeShapeType="1" noTextEdit="1"/>
+              </p:cNvSpPr>
+              <p:nvPr/>
+            </p:nvSpPr>
+            <p:spPr bwMode="auto">
+              <a:xfrm>
+                <a:off x="565932" y="5256620"/>
+                <a:ext cx="11060131" cy="830997"/>
+              </a:xfrm>
+              <a:prstGeom prst="rect">
+                <a:avLst/>
+              </a:prstGeom>
+              <a:blipFill>
+                <a:blip r:embed="rId6"/>
+                <a:stretch>
+                  <a:fillRect/>
+                </a:stretch>
+              </a:blipFill>
+            </p:spPr>
+            <p:txBody>
+              <a:bodyPr/>
+              <a:lstStyle/>
+              <a:p>
+                <a:r>
+                  <a:rPr lang="en-US">
+                    <a:noFill/>
+                  </a:rPr>
+                  <a:t> </a:t>
+                </a:r>
+              </a:p>
+            </p:txBody>
+          </p:sp>
+        </mc:Fallback>
+      </mc:AlternateContent>
+      <p:sp>
+        <p:nvSpPr>
+          <p:cNvPr id="41" name="مربع نص 11">
+            <a:extLst>
+              <a:ext uri="{FF2B5EF4-FFF2-40B4-BE49-F238E27FC236}">
+                <a16:creationId xmlns:a16="http://schemas.microsoft.com/office/drawing/2014/main" id="{A2AFE3F7-862E-4F1E-AB69-02D17FD6FD49}"/>
+              </a:ext>
+            </a:extLst>
+          </p:cNvPr>
+          <p:cNvSpPr txBox="1"/>
+          <p:nvPr/>
+        </p:nvSpPr>
+        <p:spPr>
+          <a:xfrm>
+            <a:off x="615590" y="1894909"/>
+            <a:ext cx="10960813" cy="830997"/>
+          </a:xfrm>
+          <a:prstGeom prst="rect">
+            <a:avLst/>
+          </a:prstGeom>
+          <a:noFill/>
+        </p:spPr>
+        <p:txBody>
+          <a:bodyPr wrap="square" rtlCol="1">
+            <a:spAutoFit/>
+          </a:bodyPr>
+          <a:lstStyle/>
+          <a:p>
+            <a:pPr algn="just" rtl="1"/>
+            <a:r>
+              <a:rPr lang="ar-SY" sz="2400" b="1" dirty="0"/>
+              <a:t>فإذا علمت أن هذا النظام موصول على التسلسل مع دارة تقطيع ومسك من المرتبة </a:t>
+            </a:r>
+            <a:r>
+              <a:rPr lang="ar-SY" sz="2400" b="1" dirty="0" err="1"/>
+              <a:t>صفر</a:t>
+            </a:r>
+            <a:r>
+              <a:rPr lang="ar-SY" sz="2400" b="1" dirty="0" err="1">
+                <a:latin typeface="Times New Roman" pitchFamily="18" charset="0"/>
+              </a:rPr>
+              <a:t>.</a:t>
+            </a:r>
+            <a:r>
+              <a:rPr lang="ar-SY" sz="2400" b="1" dirty="0">
+                <a:latin typeface="Times New Roman" pitchFamily="18" charset="0"/>
+              </a:rPr>
+              <a:t> </a:t>
+            </a:r>
+            <a:r>
+              <a:rPr lang="ar-SY" sz="2400" b="1" dirty="0">
+                <a:latin typeface="Times New Roman" pitchFamily="18" charset="0"/>
+                <a:sym typeface="Symbol"/>
+              </a:rPr>
+              <a:t>المطلوب: أوجد تابع انتقال النظام المتقطع الجديد من أجل </a:t>
+            </a:r>
+            <a:r>
+              <a:rPr lang="en-US" sz="2400" b="1" dirty="0">
+                <a:latin typeface="Times New Roman" pitchFamily="18" charset="0"/>
+                <a:sym typeface="Symbol"/>
+              </a:rPr>
+              <a:t>T</a:t>
+            </a:r>
+            <a:r>
+              <a:rPr lang="en-US" sz="2400" b="1" baseline="-25000" dirty="0">
+                <a:latin typeface="Times New Roman" pitchFamily="18" charset="0"/>
+                <a:sym typeface="Symbol"/>
+              </a:rPr>
+              <a:t>s</a:t>
+            </a:r>
+            <a:r>
+              <a:rPr lang="en-US" sz="2400" b="1" dirty="0">
+                <a:latin typeface="Times New Roman" pitchFamily="18" charset="0"/>
+                <a:sym typeface="Symbol"/>
+              </a:rPr>
+              <a:t>=0.025 sec</a:t>
+            </a:r>
+            <a:r>
+              <a:rPr lang="ar-SY" sz="2400" b="1" dirty="0">
+                <a:latin typeface="Times New Roman" pitchFamily="18" charset="0"/>
+                <a:sym typeface="Symbol"/>
+              </a:rPr>
+              <a:t> ثم أوجد المعادلة </a:t>
+            </a:r>
+            <a:r>
+              <a:rPr lang="ar-SY" sz="2400" b="1" dirty="0" err="1">
+                <a:latin typeface="Times New Roman" pitchFamily="18" charset="0"/>
+                <a:sym typeface="Symbol"/>
+              </a:rPr>
+              <a:t>الفرقية</a:t>
+            </a:r>
+            <a:r>
+              <a:rPr lang="ar-SY" sz="2400" b="1" dirty="0">
+                <a:latin typeface="Times New Roman" pitchFamily="18" charset="0"/>
+                <a:sym typeface="Symbol"/>
+              </a:rPr>
+              <a:t> للنظام.</a:t>
+            </a:r>
+          </a:p>
+        </p:txBody>
+      </p:sp>
+    </p:spTree>
+    <p:extLst>
+      <p:ext uri="{BB962C8B-B14F-4D97-AF65-F5344CB8AC3E}">
+        <p14:creationId xmlns:p14="http://schemas.microsoft.com/office/powerpoint/2010/main" val="3931021681"/>
+      </p:ext>
+    </p:extLst>
+  </p:cSld>
+  <p:clrMapOvr>
+    <a:masterClrMapping/>
+  </p:clrMapOvr>
+  <p:timing>
+    <p:tnLst>
+      <p:par>
+        <p:cTn id="1" dur="indefinite" restart="never" nodeType="tmRoot">
+          <p:childTnLst>
+            <p:seq concurrent="1" nextAc="seek">
+              <p:cTn id="2" dur="indefinite" nodeType="mainSeq">
+                <p:childTnLst>
+                  <p:par>
+                    <p:cTn id="3" fill="hold">
+                      <p:stCondLst>
+                        <p:cond delay="indefinite"/>
+                      </p:stCondLst>
+                      <p:childTnLst>
+                        <p:par>
+                          <p:cTn id="4" fill="hold">
+                            <p:stCondLst>
+                              <p:cond delay="0"/>
+                            </p:stCondLst>
+                            <p:childTnLst>
+                              <p:par>
+                                <p:cTn id="5" presetID="1" presetClass="entr" presetSubtype="0" fill="hold" grpId="0" nodeType="clickEffect">
+                                  <p:stCondLst>
+                                    <p:cond delay="0"/>
+                                  </p:stCondLst>
+                                  <p:childTnLst>
+                                    <p:set>
+                                      <p:cBhvr>
+                                        <p:cTn id="6" dur="1" fill="hold">
+                                          <p:stCondLst>
+                                            <p:cond delay="0"/>
+                                          </p:stCondLst>
+                                        </p:cTn>
+                                        <p:tgtEl>
+                                          <p:spTgt spid="41"/>
+                                        </p:tgtEl>
+                                        <p:attrNameLst>
+                                          <p:attrName>style.visibility</p:attrName>
+                                        </p:attrNameLst>
+                                      </p:cBhvr>
+                                      <p:to>
+                                        <p:strVal val="visible"/>
+                                      </p:to>
+                                    </p:set>
+                                  </p:childTnLst>
+                                </p:cTn>
+                              </p:par>
+                              <p:par>
+                                <p:cTn id="7" presetID="1" presetClass="entr" presetSubtype="0" fill="hold" grpId="0" nodeType="withEffect">
+                                  <p:stCondLst>
+                                    <p:cond delay="0"/>
+                                  </p:stCondLst>
+                                  <p:childTnLst>
+                                    <p:set>
+                                      <p:cBhvr>
+                                        <p:cTn id="8" dur="1" fill="hold">
+                                          <p:stCondLst>
+                                            <p:cond delay="0"/>
+                                          </p:stCondLst>
+                                        </p:cTn>
+                                        <p:tgtEl>
+                                          <p:spTgt spid="15"/>
+                                        </p:tgtEl>
+                                        <p:attrNameLst>
+                                          <p:attrName>style.visibility</p:attrName>
+                                        </p:attrNameLst>
+                                      </p:cBhvr>
+                                      <p:to>
+                                        <p:strVal val="visible"/>
+                                      </p:to>
+                                    </p:set>
+                                  </p:childTnLst>
+                                </p:cTn>
+                              </p:par>
+                              <p:par>
+                                <p:cTn id="9" presetID="1" presetClass="entr" presetSubtype="0" fill="hold" grpId="0" nodeType="withEffect">
+                                  <p:stCondLst>
+                                    <p:cond delay="0"/>
+                                  </p:stCondLst>
+                                  <p:childTnLst>
+                                    <p:set>
+                                      <p:cBhvr>
+                                        <p:cTn id="10" dur="1" fill="hold">
+                                          <p:stCondLst>
+                                            <p:cond delay="0"/>
+                                          </p:stCondLst>
+                                        </p:cTn>
+                                        <p:tgtEl>
+                                          <p:spTgt spid="16"/>
+                                        </p:tgtEl>
+                                        <p:attrNameLst>
+                                          <p:attrName>style.visibility</p:attrName>
+                                        </p:attrNameLst>
+                                      </p:cBhvr>
+                                      <p:to>
+                                        <p:strVal val="visible"/>
+                                      </p:to>
+                                    </p:set>
+                                  </p:childTnLst>
+                                </p:cTn>
+                              </p:par>
+                            </p:childTnLst>
+                          </p:cTn>
+                        </p:par>
+                      </p:childTnLst>
+                    </p:cTn>
+                  </p:par>
+                  <p:par>
+                    <p:cTn id="11" fill="hold">
+                      <p:stCondLst>
+                        <p:cond delay="indefinite"/>
+                      </p:stCondLst>
+                      <p:childTnLst>
+                        <p:par>
+                          <p:cTn id="12" fill="hold">
+                            <p:stCondLst>
+                              <p:cond delay="0"/>
+                            </p:stCondLst>
+                            <p:childTnLst>
+                              <p:par>
+                                <p:cTn id="13" presetID="1" presetClass="entr" presetSubtype="0" fill="hold" grpId="0" nodeType="clickEffect">
+                                  <p:stCondLst>
+                                    <p:cond delay="0"/>
+                                  </p:stCondLst>
+                                  <p:childTnLst>
+                                    <p:set>
+                                      <p:cBhvr>
+                                        <p:cTn id="14" dur="1" fill="hold">
+                                          <p:stCondLst>
+                                            <p:cond delay="0"/>
+                                          </p:stCondLst>
+                                        </p:cTn>
+                                        <p:tgtEl>
+                                          <p:spTgt spid="18"/>
+                                        </p:tgtEl>
+                                        <p:attrNameLst>
+                                          <p:attrName>style.visibility</p:attrName>
+                                        </p:attrNameLst>
+                                      </p:cBhvr>
+                                      <p:to>
+                                        <p:strVal val="visible"/>
+                                      </p:to>
+                                    </p:set>
+                                  </p:childTnLst>
+                                </p:cTn>
+                              </p:par>
+                            </p:childTnLst>
+                          </p:cTn>
+                        </p:par>
+                      </p:childTnLst>
+                    </p:cTn>
+                  </p:par>
+                  <p:par>
+                    <p:cTn id="15" fill="hold">
+                      <p:stCondLst>
+                        <p:cond delay="indefinite"/>
+                      </p:stCondLst>
+                      <p:childTnLst>
+                        <p:par>
+                          <p:cTn id="16" fill="hold">
+                            <p:stCondLst>
+                              <p:cond delay="0"/>
+                            </p:stCondLst>
+                            <p:childTnLst>
+                              <p:par>
+                                <p:cTn id="17" presetID="1" presetClass="entr" presetSubtype="0" fill="hold" grpId="0" nodeType="clickEffect">
+                                  <p:stCondLst>
+                                    <p:cond delay="0"/>
+                                  </p:stCondLst>
+                                  <p:childTnLst>
+                                    <p:set>
+                                      <p:cBhvr>
+                                        <p:cTn id="18" dur="1" fill="hold">
+                                          <p:stCondLst>
+                                            <p:cond delay="0"/>
+                                          </p:stCondLst>
+                                        </p:cTn>
+                                        <p:tgtEl>
+                                          <p:spTgt spid="20"/>
+                                        </p:tgtEl>
+                                        <p:attrNameLst>
+                                          <p:attrName>style.visibility</p:attrName>
+                                        </p:attrNameLst>
+                                      </p:cBhvr>
+                                      <p:to>
+                                        <p:strVal val="visible"/>
+                                      </p:to>
+                                    </p:set>
+                                  </p:childTnLst>
+                                </p:cTn>
+                              </p:par>
+                            </p:childTnLst>
+                          </p:cTn>
+                        </p:par>
+                      </p:childTnLst>
+                    </p:cTn>
+                  </p:par>
+                  <p:par>
+                    <p:cTn id="19" fill="hold">
+                      <p:stCondLst>
+                        <p:cond delay="indefinite"/>
+                      </p:stCondLst>
+                      <p:childTnLst>
+                        <p:par>
+                          <p:cTn id="20" fill="hold">
+                            <p:stCondLst>
+                              <p:cond delay="0"/>
+                            </p:stCondLst>
+                            <p:childTnLst>
+                              <p:par>
+                                <p:cTn id="21" presetID="1" presetClass="entr" presetSubtype="0" fill="hold" grpId="0" nodeType="clickEffect">
+                                  <p:stCondLst>
+                                    <p:cond delay="0"/>
+                                  </p:stCondLst>
+                                  <p:childTnLst>
+                                    <p:set>
+                                      <p:cBhvr>
+                                        <p:cTn id="22" dur="1" fill="hold">
+                                          <p:stCondLst>
+                                            <p:cond delay="0"/>
+                                          </p:stCondLst>
+                                        </p:cTn>
+                                        <p:tgtEl>
+                                          <p:spTgt spid="24"/>
+                                        </p:tgtEl>
+                                        <p:attrNameLst>
+                                          <p:attrName>style.visibility</p:attrName>
+                                        </p:attrNameLst>
+                                      </p:cBhvr>
+                                      <p:to>
+                                        <p:strVal val="visible"/>
+                                      </p:to>
+                                    </p:set>
+                                  </p:childTnLst>
+                                </p:cTn>
+                              </p:par>
+                            </p:childTnLst>
+                          </p:cTn>
+                        </p:par>
+                      </p:childTnLst>
+                    </p:cTn>
+                  </p:par>
+                  <p:par>
+                    <p:cTn id="23" fill="hold">
+                      <p:stCondLst>
+                        <p:cond delay="indefinite"/>
+                      </p:stCondLst>
+                      <p:childTnLst>
+                        <p:par>
+                          <p:cTn id="24" fill="hold">
+                            <p:stCondLst>
+                              <p:cond delay="0"/>
+                            </p:stCondLst>
+                            <p:childTnLst>
+                              <p:par>
+                                <p:cTn id="25" presetID="1" presetClass="entr" presetSubtype="0" fill="hold" grpId="0" nodeType="clickEffect">
+                                  <p:stCondLst>
+                                    <p:cond delay="0"/>
+                                  </p:stCondLst>
+                                  <p:childTnLst>
+                                    <p:set>
+                                      <p:cBhvr>
+                                        <p:cTn id="26" dur="1" fill="hold">
+                                          <p:stCondLst>
+                                            <p:cond delay="0"/>
+                                          </p:stCondLst>
+                                        </p:cTn>
+                                        <p:tgtEl>
+                                          <p:spTgt spid="33"/>
+                                        </p:tgtEl>
+                                        <p:attrNameLst>
+                                          <p:attrName>style.visibility</p:attrName>
+                                        </p:attrNameLst>
+                                      </p:cBhvr>
+                                      <p:to>
+                                        <p:strVal val="visible"/>
+                                      </p:to>
+                                    </p:set>
+                                  </p:childTnLst>
+                                </p:cTn>
+                              </p:par>
+                            </p:childTnLst>
+                          </p:cTn>
+                        </p:par>
+                      </p:childTnLst>
+                    </p:cTn>
+                  </p:par>
+                  <p:par>
+                    <p:cTn id="27" fill="hold">
+                      <p:stCondLst>
+                        <p:cond delay="indefinite"/>
+                      </p:stCondLst>
+                      <p:childTnLst>
+                        <p:par>
+                          <p:cTn id="28" fill="hold">
+                            <p:stCondLst>
+                              <p:cond delay="0"/>
+                            </p:stCondLst>
+                            <p:childTnLst>
+                              <p:par>
+                                <p:cTn id="29" presetID="1" presetClass="entr" presetSubtype="0" fill="hold" grpId="0" nodeType="clickEffect">
+                                  <p:stCondLst>
+                                    <p:cond delay="0"/>
+                                  </p:stCondLst>
+                                  <p:childTnLst>
+                                    <p:set>
+                                      <p:cBhvr>
+                                        <p:cTn id="30" dur="1" fill="hold">
+                                          <p:stCondLst>
+                                            <p:cond delay="0"/>
+                                          </p:stCondLst>
+                                        </p:cTn>
+                                        <p:tgtEl>
+                                          <p:spTgt spid="19"/>
+                                        </p:tgtEl>
+                                        <p:attrNameLst>
+                                          <p:attrName>style.visibility</p:attrName>
+                                        </p:attrNameLst>
+                                      </p:cBhvr>
+                                      <p:to>
+                                        <p:strVal val="visible"/>
+                                      </p:to>
+                                    </p:set>
+                                  </p:childTnLst>
+                                </p:cTn>
+                              </p:par>
+                            </p:childTnLst>
+                          </p:cTn>
+                        </p:par>
+                      </p:childTnLst>
+                    </p:cTn>
+                  </p:par>
+                </p:childTnLst>
+              </p:cTn>
+              <p:prevCondLst>
+                <p:cond evt="onPrev" delay="0">
+                  <p:tgtEl>
+                    <p:sldTgt/>
+                  </p:tgtEl>
+                </p:cond>
+              </p:prevCondLst>
+              <p:nextCondLst>
+                <p:cond evt="onNext" delay="0">
+                  <p:tgtEl>
+                    <p:sldTgt/>
+                  </p:tgtEl>
+                </p:cond>
+              </p:nextCondLst>
+            </p:seq>
+          </p:childTnLst>
+        </p:cTn>
+      </p:par>
+    </p:tnLst>
+    <p:bldLst>
+      <p:bldP spid="15" grpId="0"/>
+      <p:bldP spid="16" grpId="0"/>
+      <p:bldP spid="18" grpId="0"/>
+      <p:bldP spid="19" grpId="0"/>
+      <p:bldP spid="20" grpId="0"/>
+      <p:bldP spid="24" grpId="0"/>
+      <p:bldP spid="33" grpId="0"/>
+      <p:bldP spid="41" grpId="0"/>
+    </p:bldLst>
+  </p:timing>
+</p:sld>
+</file>
+
+<file path=ppt/slides/slide12.xml><?xml version="1.0" encoding="utf-8"?>
+<p:sld xmlns:a="http://schemas.openxmlformats.org/drawingml/2006/main" xmlns:r="http://schemas.openxmlformats.org/officeDocument/2006/relationships" xmlns:p="http://schemas.openxmlformats.org/presentationml/2006/main">
+  <p:cSld>
+    <p:spTree>
+      <p:nvGrpSpPr>
+        <p:cNvPr id="1" name=""/>
+        <p:cNvGrpSpPr/>
+        <p:nvPr/>
+      </p:nvGrpSpPr>
+      <p:grpSpPr>
+        <a:xfrm>
+          <a:off x="0" y="0"/>
+          <a:ext cx="0" cy="0"/>
+          <a:chOff x="0" y="0"/>
+          <a:chExt cx="0" cy="0"/>
+        </a:xfrm>
+      </p:grpSpPr>
+      <p:sp>
+        <p:nvSpPr>
+          <p:cNvPr id="4" name="Title 1">
+            <a:extLst>
+              <a:ext uri="{FF2B5EF4-FFF2-40B4-BE49-F238E27FC236}">
+                <a16:creationId xmlns:a16="http://schemas.microsoft.com/office/drawing/2014/main" id="{E9E81F81-CF43-43F7-9001-964E74EF82BE}"/>
+              </a:ext>
+            </a:extLst>
+          </p:cNvPr>
+          <p:cNvSpPr>
+            <a:spLocks noGrp="1"/>
+          </p:cNvSpPr>
+          <p:nvPr>
+            <p:ph type="title"/>
+          </p:nvPr>
+        </p:nvSpPr>
+        <p:spPr>
+          <a:xfrm>
+            <a:off x="838200" y="0"/>
+            <a:ext cx="10515600" cy="811658"/>
+          </a:xfrm>
+        </p:spPr>
+        <p:txBody>
+          <a:bodyPr>
+            <a:normAutofit/>
+          </a:bodyPr>
+          <a:lstStyle/>
+          <a:p>
+            <a:pPr algn="ctr" rtl="1"/>
+            <a:r>
+              <a:rPr lang="ar-SY" sz="3600" b="1" dirty="0">
+                <a:solidFill>
+                  <a:srgbClr val="FF0000"/>
+                </a:solidFill>
+              </a:rPr>
+              <a:t>الماسك من الدرجة صفر </a:t>
+            </a:r>
+            <a:r>
+              <a:rPr lang="en-US" sz="3600" b="1" dirty="0">
+                <a:solidFill>
+                  <a:srgbClr val="FF0000"/>
+                </a:solidFill>
+              </a:rPr>
+              <a:t>ZOH</a:t>
+            </a:r>
+          </a:p>
+        </p:txBody>
+      </p:sp>
+      <p:sp>
+        <p:nvSpPr>
+          <p:cNvPr id="15" name="مربع نص 9">
+            <a:extLst>
+              <a:ext uri="{FF2B5EF4-FFF2-40B4-BE49-F238E27FC236}">
+                <a16:creationId xmlns:a16="http://schemas.microsoft.com/office/drawing/2014/main" id="{A206645D-6416-422E-8FBA-033E312E6224}"/>
+              </a:ext>
+            </a:extLst>
+          </p:cNvPr>
+          <p:cNvSpPr txBox="1"/>
+          <p:nvPr/>
+        </p:nvSpPr>
+        <p:spPr>
+          <a:xfrm>
+            <a:off x="5415337" y="820463"/>
+            <a:ext cx="6172200" cy="461665"/>
+          </a:xfrm>
+          <a:prstGeom prst="rect">
+            <a:avLst/>
+          </a:prstGeom>
+          <a:noFill/>
+        </p:spPr>
+        <p:txBody>
+          <a:bodyPr wrap="square" rtlCol="1">
+            <a:spAutoFit/>
+          </a:bodyPr>
+          <a:lstStyle/>
+          <a:p>
+            <a:pPr algn="just" rtl="1"/>
+            <a:r>
+              <a:rPr lang="ar-SY" sz="2400" b="1" dirty="0">
+                <a:solidFill>
+                  <a:srgbClr val="FF0000"/>
+                </a:solidFill>
+                <a:latin typeface="Times New Roman" pitchFamily="18" charset="0"/>
+              </a:rPr>
+              <a:t>تمرين: </a:t>
+            </a:r>
+            <a:r>
+              <a:rPr lang="ar-SY" sz="2400" b="1" dirty="0">
+                <a:latin typeface="Times New Roman" pitchFamily="18" charset="0"/>
+              </a:rPr>
+              <a:t>نظام مستمر تابع انتقاله:</a:t>
+            </a:r>
+            <a:endParaRPr lang="ar-SY" sz="2400" b="1" dirty="0">
+              <a:latin typeface="Times New Roman" pitchFamily="18" charset="0"/>
+              <a:sym typeface="Symbol"/>
+            </a:endParaRPr>
+          </a:p>
+        </p:txBody>
+      </p:sp>
+      <p:sp>
+        <p:nvSpPr>
+          <p:cNvPr id="18" name="مربع نص 12">
+            <a:extLst>
+              <a:ext uri="{FF2B5EF4-FFF2-40B4-BE49-F238E27FC236}">
+                <a16:creationId xmlns:a16="http://schemas.microsoft.com/office/drawing/2014/main" id="{C895AD7A-671B-4588-8B86-6ABB2ECAC959}"/>
+              </a:ext>
+            </a:extLst>
+          </p:cNvPr>
+          <p:cNvSpPr txBox="1"/>
+          <p:nvPr/>
+        </p:nvSpPr>
+        <p:spPr>
+          <a:xfrm>
+            <a:off x="9758737" y="2835712"/>
+            <a:ext cx="1828800" cy="461665"/>
+          </a:xfrm>
+          <a:prstGeom prst="rect">
+            <a:avLst/>
+          </a:prstGeom>
+          <a:noFill/>
+        </p:spPr>
+        <p:txBody>
+          <a:bodyPr wrap="square" rtlCol="1">
+            <a:spAutoFit/>
+          </a:bodyPr>
+          <a:lstStyle/>
+          <a:p>
+            <a:pPr algn="just" rtl="1"/>
+            <a:r>
+              <a:rPr lang="ar-SY" sz="2400" b="1" dirty="0" err="1">
+                <a:solidFill>
+                  <a:srgbClr val="FF0000"/>
+                </a:solidFill>
+                <a:latin typeface="Times New Roman" pitchFamily="18" charset="0"/>
+              </a:rPr>
+              <a:t>الجواب:</a:t>
+            </a:r>
+            <a:endParaRPr lang="ar-SY" sz="2400" b="1" dirty="0">
+              <a:latin typeface="Times New Roman" pitchFamily="18" charset="0"/>
+              <a:sym typeface="Symbol"/>
+            </a:endParaRPr>
+          </a:p>
+        </p:txBody>
+      </p:sp>
+      <mc:AlternateContent xmlns:mc="http://schemas.openxmlformats.org/markup-compatibility/2006">
+        <mc:Choice xmlns:a14="http://schemas.microsoft.com/office/drawing/2010/main" Requires="a14">
+          <p:sp>
+            <p:nvSpPr>
+              <p:cNvPr id="19" name="Object 7">
+                <a:extLst>
+                  <a:ext uri="{FF2B5EF4-FFF2-40B4-BE49-F238E27FC236}">
+                    <a16:creationId xmlns:a16="http://schemas.microsoft.com/office/drawing/2014/main" id="{E015AF06-125A-401E-B927-474797073FA9}"/>
+                  </a:ext>
+                </a:extLst>
+              </p:cNvPr>
+              <p:cNvSpPr txBox="1"/>
+              <p:nvPr/>
+            </p:nvSpPr>
+            <p:spPr bwMode="auto">
+              <a:xfrm>
+                <a:off x="793750" y="6210197"/>
+                <a:ext cx="10446677" cy="495072"/>
+              </a:xfrm>
+              <a:prstGeom prst="rect">
+                <a:avLst/>
+              </a:prstGeom>
+              <a:noFill/>
+            </p:spPr>
+            <p:txBody>
+              <a:bodyPr>
+                <a:normAutofit/>
+              </a:bodyPr>
+              <a:lstStyle/>
+              <a:p>
+                <a:pPr algn="ctr"/>
+                <a14:m>
+                  <m:oMathPara xmlns:m="http://schemas.openxmlformats.org/officeDocument/2006/math">
+                    <m:oMathParaPr>
+                      <m:jc m:val="center"/>
+                    </m:oMathParaPr>
+                    <m:oMath xmlns:m="http://schemas.openxmlformats.org/officeDocument/2006/math">
+                      <m:r>
+                        <a:rPr lang="en-US" sz="2000" i="1" smtClean="0">
+                          <a:solidFill>
+                            <a:srgbClr val="FF0000"/>
+                          </a:solidFill>
+                          <a:latin typeface="Cambria Math" panose="02040503050406030204" pitchFamily="18" charset="0"/>
+                        </a:rPr>
+                        <m:t>𝑦</m:t>
+                      </m:r>
+                      <m:d>
+                        <m:dPr>
+                          <m:ctrlPr>
+                            <a:rPr lang="en-US" sz="2000" i="1">
+                              <a:solidFill>
+                                <a:srgbClr val="FF0000"/>
+                              </a:solidFill>
+                              <a:latin typeface="Cambria Math" panose="02040503050406030204" pitchFamily="18" charset="0"/>
+                            </a:rPr>
+                          </m:ctrlPr>
+                        </m:dPr>
+                        <m:e>
+                          <m:r>
+                            <a:rPr lang="en-US" sz="2000" i="1">
+                              <a:solidFill>
+                                <a:srgbClr val="FF0000"/>
+                              </a:solidFill>
+                              <a:latin typeface="Cambria Math" panose="02040503050406030204" pitchFamily="18" charset="0"/>
+                            </a:rPr>
+                            <m:t>𝑘</m:t>
+                          </m:r>
+                        </m:e>
+                      </m:d>
+                      <m:r>
+                        <a:rPr lang="en-US" sz="2000" i="1">
+                          <a:solidFill>
+                            <a:srgbClr val="FF0000"/>
+                          </a:solidFill>
+                          <a:latin typeface="Cambria Math" panose="02040503050406030204" pitchFamily="18" charset="0"/>
+                        </a:rPr>
+                        <m:t>−</m:t>
+                      </m:r>
+                      <m:r>
+                        <a:rPr lang="en-US" sz="2000" i="1">
+                          <a:solidFill>
+                            <a:srgbClr val="FF0000"/>
+                          </a:solidFill>
+                          <a:latin typeface="Cambria Math" panose="02040503050406030204" pitchFamily="18" charset="0"/>
+                        </a:rPr>
+                        <m:t>1</m:t>
+                      </m:r>
+                      <m:r>
+                        <a:rPr lang="en-US" sz="2000" i="1">
+                          <a:solidFill>
+                            <a:srgbClr val="FF0000"/>
+                          </a:solidFill>
+                          <a:latin typeface="Cambria Math" panose="02040503050406030204" pitchFamily="18" charset="0"/>
+                        </a:rPr>
+                        <m:t>.</m:t>
+                      </m:r>
+                      <m:r>
+                        <a:rPr lang="en-US" sz="2000" i="1">
+                          <a:solidFill>
+                            <a:srgbClr val="FF0000"/>
+                          </a:solidFill>
+                          <a:latin typeface="Cambria Math" panose="02040503050406030204" pitchFamily="18" charset="0"/>
+                        </a:rPr>
+                        <m:t>7236</m:t>
+                      </m:r>
+                      <m:r>
+                        <a:rPr lang="en-US" sz="2000" i="1">
+                          <a:solidFill>
+                            <a:srgbClr val="FF0000"/>
+                          </a:solidFill>
+                          <a:latin typeface="Cambria Math" panose="02040503050406030204" pitchFamily="18" charset="0"/>
+                        </a:rPr>
+                        <m:t>𝑦</m:t>
+                      </m:r>
+                      <m:d>
+                        <m:dPr>
+                          <m:ctrlPr>
+                            <a:rPr lang="en-US" sz="2000" i="1">
+                              <a:solidFill>
+                                <a:srgbClr val="FF0000"/>
+                              </a:solidFill>
+                              <a:latin typeface="Cambria Math" panose="02040503050406030204" pitchFamily="18" charset="0"/>
+                            </a:rPr>
+                          </m:ctrlPr>
+                        </m:dPr>
+                        <m:e>
+                          <m:r>
+                            <a:rPr lang="en-US" sz="2000" i="1">
+                              <a:solidFill>
+                                <a:srgbClr val="FF0000"/>
+                              </a:solidFill>
+                              <a:latin typeface="Cambria Math" panose="02040503050406030204" pitchFamily="18" charset="0"/>
+                            </a:rPr>
+                            <m:t>𝑘</m:t>
+                          </m:r>
+                          <m:r>
+                            <a:rPr lang="en-US" sz="2000" i="1">
+                              <a:solidFill>
+                                <a:srgbClr val="FF0000"/>
+                              </a:solidFill>
+                              <a:latin typeface="Cambria Math" panose="02040503050406030204" pitchFamily="18" charset="0"/>
+                            </a:rPr>
+                            <m:t>−</m:t>
+                          </m:r>
+                          <m:r>
+                            <a:rPr lang="en-US" sz="2000" i="1">
+                              <a:solidFill>
+                                <a:srgbClr val="FF0000"/>
+                              </a:solidFill>
+                              <a:latin typeface="Cambria Math" panose="02040503050406030204" pitchFamily="18" charset="0"/>
+                            </a:rPr>
+                            <m:t>1</m:t>
+                          </m:r>
+                        </m:e>
+                      </m:d>
+                      <m:r>
+                        <a:rPr lang="en-US" sz="2000" i="1">
+                          <a:solidFill>
+                            <a:srgbClr val="FF0000"/>
+                          </a:solidFill>
+                          <a:latin typeface="Cambria Math" panose="02040503050406030204" pitchFamily="18" charset="0"/>
+                        </a:rPr>
+                        <m:t>+</m:t>
+                      </m:r>
+                      <m:r>
+                        <a:rPr lang="en-US" sz="2000" i="1">
+                          <a:solidFill>
+                            <a:srgbClr val="FF0000"/>
+                          </a:solidFill>
+                          <a:latin typeface="Cambria Math" panose="02040503050406030204" pitchFamily="18" charset="0"/>
+                        </a:rPr>
+                        <m:t>0</m:t>
+                      </m:r>
+                      <m:r>
+                        <a:rPr lang="en-US" sz="2000" i="1">
+                          <a:solidFill>
+                            <a:srgbClr val="FF0000"/>
+                          </a:solidFill>
+                          <a:latin typeface="Cambria Math" panose="02040503050406030204" pitchFamily="18" charset="0"/>
+                        </a:rPr>
+                        <m:t>.</m:t>
+                      </m:r>
+                      <m:r>
+                        <a:rPr lang="en-US" sz="2000" i="1">
+                          <a:solidFill>
+                            <a:srgbClr val="FF0000"/>
+                          </a:solidFill>
+                          <a:latin typeface="Cambria Math" panose="02040503050406030204" pitchFamily="18" charset="0"/>
+                        </a:rPr>
+                        <m:t>7408</m:t>
+                      </m:r>
+                      <m:r>
+                        <a:rPr lang="en-US" sz="2000" i="1">
+                          <a:solidFill>
+                            <a:srgbClr val="FF0000"/>
+                          </a:solidFill>
+                          <a:latin typeface="Cambria Math" panose="02040503050406030204" pitchFamily="18" charset="0"/>
+                        </a:rPr>
+                        <m:t>𝑦</m:t>
+                      </m:r>
+                      <m:d>
+                        <m:dPr>
+                          <m:ctrlPr>
+                            <a:rPr lang="en-US" sz="2000" i="1">
+                              <a:solidFill>
+                                <a:srgbClr val="FF0000"/>
+                              </a:solidFill>
+                              <a:latin typeface="Cambria Math" panose="02040503050406030204" pitchFamily="18" charset="0"/>
+                            </a:rPr>
+                          </m:ctrlPr>
+                        </m:dPr>
+                        <m:e>
+                          <m:r>
+                            <a:rPr lang="en-US" sz="2000" i="1">
+                              <a:solidFill>
+                                <a:srgbClr val="FF0000"/>
+                              </a:solidFill>
+                              <a:latin typeface="Cambria Math" panose="02040503050406030204" pitchFamily="18" charset="0"/>
+                            </a:rPr>
+                            <m:t>𝑘</m:t>
+                          </m:r>
+                          <m:r>
+                            <a:rPr lang="en-US" sz="2000" i="1">
+                              <a:solidFill>
+                                <a:srgbClr val="FF0000"/>
+                              </a:solidFill>
+                              <a:latin typeface="Cambria Math" panose="02040503050406030204" pitchFamily="18" charset="0"/>
+                            </a:rPr>
+                            <m:t>−</m:t>
+                          </m:r>
+                          <m:r>
+                            <a:rPr lang="en-US" sz="2000" i="1">
+                              <a:solidFill>
+                                <a:srgbClr val="FF0000"/>
+                              </a:solidFill>
+                              <a:latin typeface="Cambria Math" panose="02040503050406030204" pitchFamily="18" charset="0"/>
+                            </a:rPr>
+                            <m:t>2</m:t>
+                          </m:r>
+                        </m:e>
+                      </m:d>
+                      <m:r>
+                        <a:rPr lang="en-US" sz="2000" b="0" i="1" smtClean="0">
+                          <a:solidFill>
+                            <a:srgbClr val="FF0000"/>
+                          </a:solidFill>
+                          <a:latin typeface="Cambria Math" panose="02040503050406030204" pitchFamily="18" charset="0"/>
+                        </a:rPr>
+                        <m:t>=</m:t>
+                      </m:r>
+                      <m:r>
+                        <a:rPr lang="en-US" sz="2000" i="1">
+                          <a:solidFill>
+                            <a:srgbClr val="FF0000"/>
+                          </a:solidFill>
+                          <a:latin typeface="Cambria Math" panose="02040503050406030204" pitchFamily="18" charset="0"/>
+                        </a:rPr>
+                        <m:t>0</m:t>
+                      </m:r>
+                      <m:r>
+                        <a:rPr lang="en-US" sz="2000" i="1">
+                          <a:solidFill>
+                            <a:srgbClr val="FF0000"/>
+                          </a:solidFill>
+                          <a:latin typeface="Cambria Math" panose="02040503050406030204" pitchFamily="18" charset="0"/>
+                        </a:rPr>
+                        <m:t>.</m:t>
+                      </m:r>
+                      <m:r>
+                        <a:rPr lang="en-US" sz="2000" i="1">
+                          <a:solidFill>
+                            <a:srgbClr val="FF0000"/>
+                          </a:solidFill>
+                          <a:latin typeface="Cambria Math" panose="02040503050406030204" pitchFamily="18" charset="0"/>
+                        </a:rPr>
+                        <m:t>1722</m:t>
+                      </m:r>
+                      <m:r>
+                        <a:rPr lang="en-US" sz="2000" i="1">
+                          <a:solidFill>
+                            <a:srgbClr val="FF0000"/>
+                          </a:solidFill>
+                          <a:latin typeface="Cambria Math" panose="02040503050406030204" pitchFamily="18" charset="0"/>
+                        </a:rPr>
+                        <m:t>𝑢</m:t>
+                      </m:r>
+                      <m:r>
+                        <a:rPr lang="en-US" sz="2000" i="1">
+                          <a:solidFill>
+                            <a:srgbClr val="FF0000"/>
+                          </a:solidFill>
+                          <a:latin typeface="Cambria Math" panose="02040503050406030204" pitchFamily="18" charset="0"/>
+                        </a:rPr>
+                        <m:t>(</m:t>
+                      </m:r>
+                      <m:r>
+                        <a:rPr lang="en-US" sz="2000" i="1">
+                          <a:solidFill>
+                            <a:srgbClr val="FF0000"/>
+                          </a:solidFill>
+                          <a:latin typeface="Cambria Math" panose="02040503050406030204" pitchFamily="18" charset="0"/>
+                        </a:rPr>
+                        <m:t>𝑘</m:t>
+                      </m:r>
+                      <m:r>
+                        <a:rPr lang="en-US" sz="2000" i="1">
+                          <a:solidFill>
+                            <a:srgbClr val="FF0000"/>
+                          </a:solidFill>
+                          <a:latin typeface="Cambria Math" panose="02040503050406030204" pitchFamily="18" charset="0"/>
+                        </a:rPr>
+                        <m:t>−</m:t>
+                      </m:r>
+                      <m:r>
+                        <a:rPr lang="en-US" sz="2000" i="1">
+                          <a:solidFill>
+                            <a:srgbClr val="FF0000"/>
+                          </a:solidFill>
+                          <a:latin typeface="Cambria Math" panose="02040503050406030204" pitchFamily="18" charset="0"/>
+                        </a:rPr>
+                        <m:t>1</m:t>
+                      </m:r>
+                      <m:r>
+                        <a:rPr lang="en-US" sz="2000" i="1">
+                          <a:solidFill>
+                            <a:srgbClr val="FF0000"/>
+                          </a:solidFill>
+                          <a:latin typeface="Cambria Math" panose="02040503050406030204" pitchFamily="18" charset="0"/>
+                        </a:rPr>
+                        <m:t>)−</m:t>
+                      </m:r>
+                      <m:r>
+                        <a:rPr lang="en-US" sz="2000" i="1">
+                          <a:solidFill>
+                            <a:srgbClr val="FF0000"/>
+                          </a:solidFill>
+                          <a:latin typeface="Cambria Math" panose="02040503050406030204" pitchFamily="18" charset="0"/>
+                        </a:rPr>
+                        <m:t>0</m:t>
+                      </m:r>
+                      <m:r>
+                        <a:rPr lang="en-US" sz="2000" i="1">
+                          <a:solidFill>
+                            <a:srgbClr val="FF0000"/>
+                          </a:solidFill>
+                          <a:latin typeface="Cambria Math" panose="02040503050406030204" pitchFamily="18" charset="0"/>
+                        </a:rPr>
+                        <m:t>.</m:t>
+                      </m:r>
+                      <m:r>
+                        <a:rPr lang="en-US" sz="2000" i="1">
+                          <a:solidFill>
+                            <a:srgbClr val="FF0000"/>
+                          </a:solidFill>
+                          <a:latin typeface="Cambria Math" panose="02040503050406030204" pitchFamily="18" charset="0"/>
+                        </a:rPr>
+                        <m:t>1722</m:t>
+                      </m:r>
+                      <m:r>
+                        <a:rPr lang="en-US" sz="2000" i="1">
+                          <a:solidFill>
+                            <a:srgbClr val="FF0000"/>
+                          </a:solidFill>
+                          <a:latin typeface="Cambria Math" panose="02040503050406030204" pitchFamily="18" charset="0"/>
+                        </a:rPr>
+                        <m:t>𝑢</m:t>
+                      </m:r>
+                      <m:r>
+                        <a:rPr lang="en-US" sz="2000" i="1">
+                          <a:solidFill>
+                            <a:srgbClr val="FF0000"/>
+                          </a:solidFill>
+                          <a:latin typeface="Cambria Math" panose="02040503050406030204" pitchFamily="18" charset="0"/>
+                        </a:rPr>
+                        <m:t>(</m:t>
+                      </m:r>
+                      <m:r>
+                        <a:rPr lang="en-US" sz="2000" i="1">
+                          <a:solidFill>
+                            <a:srgbClr val="FF0000"/>
+                          </a:solidFill>
+                          <a:latin typeface="Cambria Math" panose="02040503050406030204" pitchFamily="18" charset="0"/>
+                        </a:rPr>
+                        <m:t>𝑘</m:t>
+                      </m:r>
+                      <m:r>
+                        <a:rPr lang="en-US" sz="2000" i="1">
+                          <a:solidFill>
+                            <a:srgbClr val="FF0000"/>
+                          </a:solidFill>
+                          <a:latin typeface="Cambria Math" panose="02040503050406030204" pitchFamily="18" charset="0"/>
+                        </a:rPr>
+                        <m:t>−</m:t>
+                      </m:r>
+                      <m:r>
+                        <a:rPr lang="en-US" sz="2000" i="1">
+                          <a:solidFill>
+                            <a:srgbClr val="FF0000"/>
+                          </a:solidFill>
+                          <a:latin typeface="Cambria Math" panose="02040503050406030204" pitchFamily="18" charset="0"/>
+                        </a:rPr>
+                        <m:t>2</m:t>
+                      </m:r>
+                      <m:r>
+                        <a:rPr lang="en-US" sz="2000" i="1">
+                          <a:solidFill>
+                            <a:srgbClr val="FF0000"/>
+                          </a:solidFill>
+                          <a:latin typeface="Cambria Math" panose="02040503050406030204" pitchFamily="18" charset="0"/>
+                        </a:rPr>
+                        <m:t>)</m:t>
+                      </m:r>
+                    </m:oMath>
+                  </m:oMathPara>
+                </a14:m>
+              </a:p>
+            </p:txBody>
+          </p:sp>
+        </mc:Choice>
+        <mc:Fallback>
+          <p:sp>
+            <p:nvSpPr>
+              <p:cNvPr id="19" name="Object 7">
+                <a:extLst>
+                  <a:ext uri="{FF2B5EF4-FFF2-40B4-BE49-F238E27FC236}">
+                    <a16:creationId xmlns:a16="http://schemas.microsoft.com/office/drawing/2014/main" id="{E015AF06-125A-401E-B927-474797073FA9}"/>
+                  </a:ext>
+                </a:extLst>
+              </p:cNvPr>
+              <p:cNvSpPr txBox="1">
+                <a:spLocks noRot="1" noChangeAspect="1" noMove="1" noResize="1" noEditPoints="1" noAdjustHandles="1" noChangeArrowheads="1" noChangeShapeType="1" noTextEdit="1"/>
+              </p:cNvSpPr>
+              <p:nvPr/>
+            </p:nvSpPr>
+            <p:spPr bwMode="auto">
+              <a:xfrm>
+                <a:off x="793750" y="6210197"/>
+                <a:ext cx="10446677" cy="495072"/>
+              </a:xfrm>
+              <a:prstGeom prst="rect">
+                <a:avLst/>
+              </a:prstGeom>
+              <a:blipFill>
+                <a:blip r:embed="rId2"/>
+                <a:stretch>
+                  <a:fillRect t="-7407" b="-2469"/>
+                </a:stretch>
+              </a:blipFill>
+            </p:spPr>
+            <p:txBody>
+              <a:bodyPr/>
+              <a:lstStyle/>
+              <a:p>
+                <a:r>
+                  <a:rPr lang="en-US">
+                    <a:noFill/>
+                  </a:rPr>
+                  <a:t> </a:t>
+                </a:r>
+              </a:p>
+            </p:txBody>
+          </p:sp>
+        </mc:Fallback>
+      </mc:AlternateContent>
+      <mc:AlternateContent xmlns:mc="http://schemas.openxmlformats.org/markup-compatibility/2006">
+        <mc:Choice xmlns:a14="http://schemas.microsoft.com/office/drawing/2010/main" Requires="a14">
+          <p:sp>
+            <p:nvSpPr>
+              <p:cNvPr id="20" name="Object 8">
+                <a:extLst>
+                  <a:ext uri="{FF2B5EF4-FFF2-40B4-BE49-F238E27FC236}">
+                    <a16:creationId xmlns:a16="http://schemas.microsoft.com/office/drawing/2014/main" id="{A6AEF265-651E-450D-8E75-2CB32AD100B8}"/>
+                  </a:ext>
+                </a:extLst>
+              </p:cNvPr>
+              <p:cNvSpPr txBox="1"/>
+              <p:nvPr/>
+            </p:nvSpPr>
+            <p:spPr bwMode="auto">
+              <a:xfrm>
+                <a:off x="1757736" y="3176409"/>
+                <a:ext cx="8676524" cy="920750"/>
+              </a:xfrm>
+              <a:prstGeom prst="rect">
+                <a:avLst/>
+              </a:prstGeom>
+              <a:noFill/>
+            </p:spPr>
+            <p:txBody>
+              <a:bodyPr>
+                <a:normAutofit/>
+              </a:bodyPr>
+              <a:lstStyle/>
+              <a:p>
+                <a:pPr/>
+                <a14:m>
+                  <m:oMathPara xmlns:m="http://schemas.openxmlformats.org/officeDocument/2006/math">
+                    <m:oMathParaPr>
+                      <m:jc m:val="center"/>
+                    </m:oMathParaPr>
+                    <m:oMath xmlns:m="http://schemas.openxmlformats.org/officeDocument/2006/math">
+                      <m:r>
+                        <a:rPr lang="en-US" sz="2000" i="1" smtClean="0">
+                          <a:solidFill>
+                            <a:srgbClr val="000000"/>
+                          </a:solidFill>
+                          <a:latin typeface="Cambria Math" panose="02040503050406030204" pitchFamily="18" charset="0"/>
+                        </a:rPr>
+                        <m:t>𝐻</m:t>
+                      </m:r>
+                      <m:d>
+                        <m:dPr>
+                          <m:ctrlPr>
+                            <a:rPr lang="en-US" sz="2000" i="1">
+                              <a:solidFill>
+                                <a:srgbClr val="000000"/>
+                              </a:solidFill>
+                              <a:latin typeface="Cambria Math" panose="02040503050406030204" pitchFamily="18" charset="0"/>
+                            </a:rPr>
+                          </m:ctrlPr>
+                        </m:dPr>
+                        <m:e>
+                          <m:r>
+                            <a:rPr lang="en-US" sz="2000" i="1">
+                              <a:solidFill>
+                                <a:srgbClr val="000000"/>
+                              </a:solidFill>
+                              <a:latin typeface="Cambria Math" panose="02040503050406030204" pitchFamily="18" charset="0"/>
+                            </a:rPr>
+                            <m:t>𝑍</m:t>
+                          </m:r>
+                        </m:e>
+                      </m:d>
+                      <m:r>
+                        <a:rPr lang="en-US" sz="2000" b="0" i="1" smtClean="0">
+                          <a:solidFill>
+                            <a:srgbClr val="000000"/>
+                          </a:solidFill>
+                          <a:latin typeface="Cambria Math" panose="02040503050406030204" pitchFamily="18" charset="0"/>
+                        </a:rPr>
+                        <m:t>=</m:t>
+                      </m:r>
+                      <m:d>
+                        <m:dPr>
+                          <m:ctrlPr>
+                            <a:rPr lang="en-US" sz="2000" i="1">
+                              <a:solidFill>
+                                <a:srgbClr val="000000"/>
+                              </a:solidFill>
+                              <a:latin typeface="Cambria Math" panose="02040503050406030204" pitchFamily="18" charset="0"/>
+                            </a:rPr>
+                          </m:ctrlPr>
+                        </m:dPr>
+                        <m:e>
+                          <m:f>
+                            <m:fPr>
+                              <m:ctrlPr>
+                                <a:rPr lang="en-US" sz="2000" i="1">
+                                  <a:solidFill>
+                                    <a:srgbClr val="000000"/>
+                                  </a:solidFill>
+                                  <a:latin typeface="Cambria Math" panose="02040503050406030204" pitchFamily="18" charset="0"/>
+                                </a:rPr>
+                              </m:ctrlPr>
+                            </m:fPr>
+                            <m:num>
+                              <m:r>
+                                <a:rPr lang="en-US" sz="2000" i="1">
+                                  <a:solidFill>
+                                    <a:srgbClr val="000000"/>
+                                  </a:solidFill>
+                                  <a:latin typeface="Cambria Math" panose="02040503050406030204" pitchFamily="18" charset="0"/>
+                                </a:rPr>
+                                <m:t>𝑧</m:t>
+                              </m:r>
+                              <m:r>
+                                <a:rPr lang="en-US" sz="2000" i="1">
+                                  <a:solidFill>
+                                    <a:srgbClr val="000000"/>
+                                  </a:solidFill>
+                                  <a:latin typeface="Cambria Math" panose="02040503050406030204" pitchFamily="18" charset="0"/>
+                                </a:rPr>
+                                <m:t>−</m:t>
+                              </m:r>
+                              <m:r>
+                                <a:rPr lang="en-US" sz="2000" i="1">
+                                  <a:solidFill>
+                                    <a:srgbClr val="000000"/>
+                                  </a:solidFill>
+                                  <a:latin typeface="Cambria Math" panose="02040503050406030204" pitchFamily="18" charset="0"/>
+                                </a:rPr>
+                                <m:t>1</m:t>
+                              </m:r>
+                            </m:num>
+                            <m:den>
+                              <m:r>
+                                <a:rPr lang="en-US" sz="2000" i="1">
+                                  <a:solidFill>
+                                    <a:srgbClr val="000000"/>
+                                  </a:solidFill>
+                                  <a:latin typeface="Cambria Math" panose="02040503050406030204" pitchFamily="18" charset="0"/>
+                                </a:rPr>
+                                <m:t>𝑧</m:t>
+                              </m:r>
+                            </m:den>
+                          </m:f>
+                        </m:e>
+                      </m:d>
+                      <m:r>
+                        <m:rPr>
+                          <m:sty m:val="p"/>
+                        </m:rPr>
+                        <a:rPr lang="en-US" sz="2000" i="1">
+                          <a:solidFill>
+                            <a:srgbClr val="000000"/>
+                          </a:solidFill>
+                          <a:latin typeface="Cambria Math" panose="02040503050406030204" pitchFamily="18" charset="0"/>
+                        </a:rPr>
+                        <m:t>Z</m:t>
+                      </m:r>
+                      <m:d>
+                        <m:dPr>
+                          <m:begChr m:val="["/>
+                          <m:endChr m:val="]"/>
+                          <m:ctrlPr>
+                            <a:rPr lang="en-US" sz="2000" i="1">
+                              <a:solidFill>
+                                <a:srgbClr val="000000"/>
+                              </a:solidFill>
+                              <a:latin typeface="Cambria Math" panose="02040503050406030204" pitchFamily="18" charset="0"/>
+                            </a:rPr>
+                          </m:ctrlPr>
+                        </m:dPr>
+                        <m:e>
+                          <m:f>
+                            <m:fPr>
+                              <m:ctrlPr>
+                                <a:rPr lang="en-US" sz="2000" i="1">
+                                  <a:solidFill>
+                                    <a:srgbClr val="000000"/>
+                                  </a:solidFill>
+                                  <a:latin typeface="Cambria Math" panose="02040503050406030204" pitchFamily="18" charset="0"/>
+                                </a:rPr>
+                              </m:ctrlPr>
+                            </m:fPr>
+                            <m:num>
+                              <m:r>
+                                <a:rPr lang="en-US" sz="2000" b="0" i="1" smtClean="0">
+                                  <a:solidFill>
+                                    <a:srgbClr val="000000"/>
+                                  </a:solidFill>
+                                  <a:latin typeface="Cambria Math" panose="02040503050406030204" pitchFamily="18" charset="0"/>
+                                </a:rPr>
+                                <m:t>𝐻</m:t>
+                              </m:r>
+                              <m:r>
+                                <a:rPr lang="en-US" sz="2000" i="1">
+                                  <a:solidFill>
+                                    <a:srgbClr val="000000"/>
+                                  </a:solidFill>
+                                  <a:latin typeface="Cambria Math" panose="02040503050406030204" pitchFamily="18" charset="0"/>
+                                </a:rPr>
+                                <m:t>(</m:t>
+                              </m:r>
+                              <m:r>
+                                <a:rPr lang="en-US" sz="2000" i="1">
+                                  <a:solidFill>
+                                    <a:srgbClr val="000000"/>
+                                  </a:solidFill>
+                                  <a:latin typeface="Cambria Math" panose="02040503050406030204" pitchFamily="18" charset="0"/>
+                                </a:rPr>
+                                <m:t>𝑆</m:t>
+                              </m:r>
+                              <m:r>
+                                <a:rPr lang="en-US" sz="2000" i="1">
+                                  <a:solidFill>
+                                    <a:srgbClr val="000000"/>
+                                  </a:solidFill>
+                                  <a:latin typeface="Cambria Math" panose="02040503050406030204" pitchFamily="18" charset="0"/>
+                                </a:rPr>
+                                <m:t>)</m:t>
+                              </m:r>
+                            </m:num>
+                            <m:den>
+                              <m:r>
+                                <a:rPr lang="en-US" sz="2000" i="1">
+                                  <a:solidFill>
+                                    <a:srgbClr val="000000"/>
+                                  </a:solidFill>
+                                  <a:latin typeface="Cambria Math" panose="02040503050406030204" pitchFamily="18" charset="0"/>
+                                </a:rPr>
+                                <m:t>𝑆</m:t>
+                              </m:r>
+                            </m:den>
+                          </m:f>
+                        </m:e>
+                      </m:d>
+                      <m:r>
+                        <a:rPr lang="en-US" sz="2000" b="0" i="1" smtClean="0">
+                          <a:solidFill>
+                            <a:srgbClr val="000000"/>
+                          </a:solidFill>
+                          <a:latin typeface="Cambria Math" panose="02040503050406030204" pitchFamily="18" charset="0"/>
+                        </a:rPr>
+                        <m:t>,  </m:t>
+                      </m:r>
+                      <m:f>
+                        <m:fPr>
+                          <m:ctrlPr>
+                            <a:rPr lang="en-US" sz="2000" i="1">
+                              <a:solidFill>
+                                <a:srgbClr val="000000"/>
+                              </a:solidFill>
+                              <a:latin typeface="Cambria Math" panose="02040503050406030204" pitchFamily="18" charset="0"/>
+                            </a:rPr>
+                          </m:ctrlPr>
+                        </m:fPr>
+                        <m:num>
+                          <m:r>
+                            <a:rPr lang="en-US" sz="2000" i="1">
+                              <a:solidFill>
+                                <a:srgbClr val="000000"/>
+                              </a:solidFill>
+                              <a:latin typeface="Cambria Math" panose="02040503050406030204" pitchFamily="18" charset="0"/>
+                            </a:rPr>
+                            <m:t>𝐻</m:t>
+                          </m:r>
+                          <m:r>
+                            <a:rPr lang="en-US" sz="2000" i="1">
+                              <a:solidFill>
+                                <a:srgbClr val="000000"/>
+                              </a:solidFill>
+                              <a:latin typeface="Cambria Math" panose="02040503050406030204" pitchFamily="18" charset="0"/>
+                            </a:rPr>
+                            <m:t>(</m:t>
+                          </m:r>
+                          <m:r>
+                            <a:rPr lang="en-US" sz="2000" i="1">
+                              <a:solidFill>
+                                <a:srgbClr val="000000"/>
+                              </a:solidFill>
+                              <a:latin typeface="Cambria Math" panose="02040503050406030204" pitchFamily="18" charset="0"/>
+                            </a:rPr>
+                            <m:t>𝑆</m:t>
+                          </m:r>
+                          <m:r>
+                            <a:rPr lang="en-US" sz="2000" i="1">
+                              <a:solidFill>
+                                <a:srgbClr val="000000"/>
+                              </a:solidFill>
+                              <a:latin typeface="Cambria Math" panose="02040503050406030204" pitchFamily="18" charset="0"/>
+                            </a:rPr>
+                            <m:t>)</m:t>
+                          </m:r>
+                        </m:num>
+                        <m:den>
+                          <m:r>
+                            <a:rPr lang="en-US" sz="2000" i="1">
+                              <a:solidFill>
+                                <a:srgbClr val="000000"/>
+                              </a:solidFill>
+                              <a:latin typeface="Cambria Math" panose="02040503050406030204" pitchFamily="18" charset="0"/>
+                            </a:rPr>
+                            <m:t>𝑆</m:t>
+                          </m:r>
+                        </m:den>
+                      </m:f>
+                      <m:r>
+                        <a:rPr lang="en-US" sz="2000" i="1">
+                          <a:solidFill>
+                            <a:srgbClr val="000000"/>
+                          </a:solidFill>
+                          <a:latin typeface="Cambria Math" panose="02040503050406030204" pitchFamily="18" charset="0"/>
+                        </a:rPr>
+                        <m:t>=</m:t>
+                      </m:r>
+                      <m:f>
+                        <m:fPr>
+                          <m:ctrlPr>
+                            <a:rPr lang="en-US" sz="2000" i="1">
+                              <a:solidFill>
+                                <a:srgbClr val="000000"/>
+                              </a:solidFill>
+                              <a:latin typeface="Cambria Math" panose="02040503050406030204" pitchFamily="18" charset="0"/>
+                            </a:rPr>
+                          </m:ctrlPr>
+                        </m:fPr>
+                        <m:num>
+                          <m:r>
+                            <a:rPr lang="en-US" sz="2000" i="1">
+                              <a:solidFill>
+                                <a:srgbClr val="000000"/>
+                              </a:solidFill>
+                              <a:latin typeface="Cambria Math" panose="02040503050406030204" pitchFamily="18" charset="0"/>
+                            </a:rPr>
+                            <m:t>2</m:t>
+                          </m:r>
+                        </m:num>
+                        <m:den>
+                          <m:sSup>
+                            <m:sSupPr>
+                              <m:ctrlPr>
+                                <a:rPr lang="en-US" sz="2000" i="1">
+                                  <a:solidFill>
+                                    <a:srgbClr val="000000"/>
+                                  </a:solidFill>
+                                  <a:latin typeface="Cambria Math" panose="02040503050406030204" pitchFamily="18" charset="0"/>
+                                </a:rPr>
+                              </m:ctrlPr>
+                            </m:sSupPr>
+                            <m:e>
+                              <m:r>
+                                <a:rPr lang="en-US" sz="2000" i="1">
+                                  <a:solidFill>
+                                    <a:srgbClr val="000000"/>
+                                  </a:solidFill>
+                                  <a:latin typeface="Cambria Math" panose="02040503050406030204" pitchFamily="18" charset="0"/>
+                                </a:rPr>
+                                <m:t>𝑆</m:t>
+                              </m:r>
+                            </m:e>
+                            <m:sup>
+                              <m:r>
+                                <a:rPr lang="en-US" sz="2000" i="1">
+                                  <a:solidFill>
+                                    <a:srgbClr val="000000"/>
+                                  </a:solidFill>
+                                  <a:latin typeface="Cambria Math" panose="02040503050406030204" pitchFamily="18" charset="0"/>
+                                </a:rPr>
+                                <m:t>2</m:t>
+                              </m:r>
+                            </m:sup>
+                          </m:sSup>
+                          <m:r>
+                            <a:rPr lang="en-US" sz="2000" i="1">
+                              <a:solidFill>
+                                <a:srgbClr val="000000"/>
+                              </a:solidFill>
+                              <a:latin typeface="Cambria Math" panose="02040503050406030204" pitchFamily="18" charset="0"/>
+                            </a:rPr>
+                            <m:t>+</m:t>
+                          </m:r>
+                          <m:r>
+                            <a:rPr lang="en-US" sz="2000" i="1">
+                              <a:solidFill>
+                                <a:srgbClr val="000000"/>
+                              </a:solidFill>
+                              <a:latin typeface="Cambria Math" panose="02040503050406030204" pitchFamily="18" charset="0"/>
+                            </a:rPr>
+                            <m:t>3</m:t>
+                          </m:r>
+                          <m:r>
+                            <a:rPr lang="en-US" sz="2000" i="1">
+                              <a:solidFill>
+                                <a:srgbClr val="000000"/>
+                              </a:solidFill>
+                              <a:latin typeface="Cambria Math" panose="02040503050406030204" pitchFamily="18" charset="0"/>
+                            </a:rPr>
+                            <m:t>𝑆</m:t>
+                          </m:r>
+                          <m:r>
+                            <a:rPr lang="en-US" sz="2000" i="1">
+                              <a:solidFill>
+                                <a:srgbClr val="000000"/>
+                              </a:solidFill>
+                              <a:latin typeface="Cambria Math" panose="02040503050406030204" pitchFamily="18" charset="0"/>
+                            </a:rPr>
+                            <m:t>+</m:t>
+                          </m:r>
+                          <m:r>
+                            <a:rPr lang="en-US" sz="2000" i="1">
+                              <a:solidFill>
+                                <a:srgbClr val="000000"/>
+                              </a:solidFill>
+                              <a:latin typeface="Cambria Math" panose="02040503050406030204" pitchFamily="18" charset="0"/>
+                            </a:rPr>
+                            <m:t>2</m:t>
+                          </m:r>
+                        </m:den>
+                      </m:f>
+                      <m:r>
+                        <a:rPr lang="en-US" sz="2000" i="1">
+                          <a:solidFill>
+                            <a:srgbClr val="000000"/>
+                          </a:solidFill>
+                          <a:latin typeface="Cambria Math" panose="02040503050406030204" pitchFamily="18" charset="0"/>
+                        </a:rPr>
+                        <m:t>=</m:t>
+                      </m:r>
+                      <m:f>
+                        <m:fPr>
+                          <m:ctrlPr>
+                            <a:rPr lang="en-US" sz="2000" i="1">
+                              <a:solidFill>
+                                <a:srgbClr val="000000"/>
+                              </a:solidFill>
+                              <a:latin typeface="Cambria Math" panose="02040503050406030204" pitchFamily="18" charset="0"/>
+                            </a:rPr>
+                          </m:ctrlPr>
+                        </m:fPr>
+                        <m:num>
+                          <m:r>
+                            <a:rPr lang="en-US" sz="2000" i="1">
+                              <a:solidFill>
+                                <a:srgbClr val="000000"/>
+                              </a:solidFill>
+                              <a:latin typeface="Cambria Math" panose="02040503050406030204" pitchFamily="18" charset="0"/>
+                            </a:rPr>
+                            <m:t>−</m:t>
+                          </m:r>
+                          <m:r>
+                            <a:rPr lang="en-US" sz="2000" i="1">
+                              <a:solidFill>
+                                <a:srgbClr val="000000"/>
+                              </a:solidFill>
+                              <a:latin typeface="Cambria Math" panose="02040503050406030204" pitchFamily="18" charset="0"/>
+                            </a:rPr>
+                            <m:t>2</m:t>
+                          </m:r>
+                        </m:num>
+                        <m:den>
+                          <m:r>
+                            <a:rPr lang="en-US" sz="2000" i="1">
+                              <a:solidFill>
+                                <a:srgbClr val="000000"/>
+                              </a:solidFill>
+                              <a:latin typeface="Cambria Math" panose="02040503050406030204" pitchFamily="18" charset="0"/>
+                            </a:rPr>
+                            <m:t>𝑆</m:t>
+                          </m:r>
+                          <m:r>
+                            <a:rPr lang="en-US" sz="2000" i="1">
+                              <a:solidFill>
+                                <a:srgbClr val="000000"/>
+                              </a:solidFill>
+                              <a:latin typeface="Cambria Math" panose="02040503050406030204" pitchFamily="18" charset="0"/>
+                            </a:rPr>
+                            <m:t>+</m:t>
+                          </m:r>
+                          <m:r>
+                            <a:rPr lang="en-US" sz="2000" i="1">
+                              <a:solidFill>
+                                <a:srgbClr val="000000"/>
+                              </a:solidFill>
+                              <a:latin typeface="Cambria Math" panose="02040503050406030204" pitchFamily="18" charset="0"/>
+                            </a:rPr>
+                            <m:t>2</m:t>
+                          </m:r>
+                        </m:den>
+                      </m:f>
+                      <m:r>
+                        <a:rPr lang="en-US" sz="2000" i="1">
+                          <a:solidFill>
+                            <a:srgbClr val="000000"/>
+                          </a:solidFill>
+                          <a:latin typeface="Cambria Math" panose="02040503050406030204" pitchFamily="18" charset="0"/>
+                        </a:rPr>
+                        <m:t>+</m:t>
+                      </m:r>
+                      <m:f>
+                        <m:fPr>
+                          <m:ctrlPr>
+                            <a:rPr lang="en-US" sz="2000" i="1">
+                              <a:solidFill>
+                                <a:srgbClr val="000000"/>
+                              </a:solidFill>
+                              <a:latin typeface="Cambria Math" panose="02040503050406030204" pitchFamily="18" charset="0"/>
+                            </a:rPr>
+                          </m:ctrlPr>
+                        </m:fPr>
+                        <m:num>
+                          <m:r>
+                            <a:rPr lang="en-US" sz="2000" i="1">
+                              <a:solidFill>
+                                <a:srgbClr val="000000"/>
+                              </a:solidFill>
+                              <a:latin typeface="Cambria Math" panose="02040503050406030204" pitchFamily="18" charset="0"/>
+                            </a:rPr>
+                            <m:t>2</m:t>
+                          </m:r>
+                        </m:num>
+                        <m:den>
+                          <m:r>
+                            <a:rPr lang="en-US" sz="2000" i="1">
+                              <a:solidFill>
+                                <a:srgbClr val="000000"/>
+                              </a:solidFill>
+                              <a:latin typeface="Cambria Math" panose="02040503050406030204" pitchFamily="18" charset="0"/>
+                            </a:rPr>
+                            <m:t>𝑆</m:t>
+                          </m:r>
+                          <m:r>
+                            <a:rPr lang="en-US" sz="2000" i="1">
+                              <a:solidFill>
+                                <a:srgbClr val="000000"/>
+                              </a:solidFill>
+                              <a:latin typeface="Cambria Math" panose="02040503050406030204" pitchFamily="18" charset="0"/>
+                            </a:rPr>
+                            <m:t>+</m:t>
+                          </m:r>
+                          <m:r>
+                            <a:rPr lang="en-US" sz="2000" i="1">
+                              <a:solidFill>
+                                <a:srgbClr val="000000"/>
+                              </a:solidFill>
+                              <a:latin typeface="Cambria Math" panose="02040503050406030204" pitchFamily="18" charset="0"/>
+                            </a:rPr>
+                            <m:t>1</m:t>
+                          </m:r>
+                        </m:den>
+                      </m:f>
+                    </m:oMath>
+                  </m:oMathPara>
+                </a14:m>
+                <a:endParaRPr lang="en-US" sz="2000" dirty="0"/>
+              </a:p>
+            </p:txBody>
+          </p:sp>
+        </mc:Choice>
+        <mc:Fallback>
+          <p:sp>
+            <p:nvSpPr>
+              <p:cNvPr id="20" name="Object 8">
+                <a:extLst>
+                  <a:ext uri="{FF2B5EF4-FFF2-40B4-BE49-F238E27FC236}">
+                    <a16:creationId xmlns:a16="http://schemas.microsoft.com/office/drawing/2014/main" id="{A6AEF265-651E-450D-8E75-2CB32AD100B8}"/>
+                  </a:ext>
+                </a:extLst>
+              </p:cNvPr>
+              <p:cNvSpPr txBox="1">
+                <a:spLocks noRot="1" noChangeAspect="1" noMove="1" noResize="1" noEditPoints="1" noAdjustHandles="1" noChangeArrowheads="1" noChangeShapeType="1" noTextEdit="1"/>
+              </p:cNvSpPr>
+              <p:nvPr/>
+            </p:nvSpPr>
+            <p:spPr bwMode="auto">
+              <a:xfrm>
+                <a:off x="1757736" y="3176409"/>
+                <a:ext cx="8676524" cy="920750"/>
+              </a:xfrm>
+              <a:prstGeom prst="rect">
+                <a:avLst/>
+              </a:prstGeom>
+              <a:blipFill>
+                <a:blip r:embed="rId3"/>
+                <a:stretch>
+                  <a:fillRect/>
+                </a:stretch>
+              </a:blipFill>
+            </p:spPr>
+            <p:txBody>
+              <a:bodyPr/>
+              <a:lstStyle/>
+              <a:p>
+                <a:r>
+                  <a:rPr lang="en-US">
+                    <a:noFill/>
+                  </a:rPr>
+                  <a:t> </a:t>
+                </a:r>
+              </a:p>
+            </p:txBody>
+          </p:sp>
+        </mc:Fallback>
+      </mc:AlternateContent>
+      <p:sp>
+        <p:nvSpPr>
+          <p:cNvPr id="22" name="Object 5">
+            <a:extLst>
+              <a:ext uri="{FF2B5EF4-FFF2-40B4-BE49-F238E27FC236}">
+                <a16:creationId xmlns:a16="http://schemas.microsoft.com/office/drawing/2014/main" id="{1B9661DF-D1ED-49B1-AE31-C3B7167E4E30}"/>
+              </a:ext>
+            </a:extLst>
+          </p:cNvPr>
+          <p:cNvSpPr txBox="1"/>
+          <p:nvPr/>
+        </p:nvSpPr>
+        <p:spPr bwMode="auto">
+          <a:xfrm>
+            <a:off x="295275" y="4495800"/>
+            <a:ext cx="2676525" cy="919163"/>
+          </a:xfrm>
+          <a:prstGeom prst="rect">
+            <a:avLst/>
+          </a:prstGeom>
+          <a:noFill/>
+        </p:spPr>
+        <p:txBody>
+          <a:bodyPr>
+            <a:normAutofit/>
+          </a:bodyPr>
+          <a:lstStyle/>
+          <a:p>
+            <a:pPr/>
+            <a:endParaRPr lang="en-US" sz="2400" dirty="0"/>
+          </a:p>
+        </p:txBody>
+      </p:sp>
+      <mc:AlternateContent xmlns:mc="http://schemas.openxmlformats.org/markup-compatibility/2006">
+        <mc:Choice xmlns:a14="http://schemas.microsoft.com/office/drawing/2010/main" Requires="a14">
+          <p:sp>
+            <p:nvSpPr>
+              <p:cNvPr id="24" name="Object 5">
+                <a:extLst>
+                  <a:ext uri="{FF2B5EF4-FFF2-40B4-BE49-F238E27FC236}">
+                    <a16:creationId xmlns:a16="http://schemas.microsoft.com/office/drawing/2014/main" id="{346E1B50-10C8-40F6-86D8-35CA4A3E0CAC}"/>
+                  </a:ext>
+                </a:extLst>
+              </p:cNvPr>
+              <p:cNvSpPr txBox="1"/>
+              <p:nvPr/>
+            </p:nvSpPr>
+            <p:spPr bwMode="auto">
+              <a:xfrm>
+                <a:off x="114300" y="4158570"/>
+                <a:ext cx="12020550" cy="919164"/>
+              </a:xfrm>
+              <a:prstGeom prst="rect">
+                <a:avLst/>
+              </a:prstGeom>
+              <a:noFill/>
+            </p:spPr>
+            <p:txBody>
+              <a:bodyPr>
+                <a:normAutofit/>
+              </a:bodyPr>
+              <a:lstStyle/>
+              <a:p>
+                <a:pPr algn="ctr"/>
+                <a14:m>
+                  <m:oMathPara xmlns:m="http://schemas.openxmlformats.org/officeDocument/2006/math">
+                    <m:oMathParaPr>
+                      <m:jc m:val="center"/>
+                    </m:oMathParaPr>
+                    <m:oMath xmlns:m="http://schemas.openxmlformats.org/officeDocument/2006/math">
+                      <m:r>
+                        <a:rPr lang="en-US" sz="2000" i="1">
+                          <a:solidFill>
+                            <a:srgbClr val="000000"/>
+                          </a:solidFill>
+                          <a:latin typeface="Cambria Math" panose="02040503050406030204" pitchFamily="18" charset="0"/>
+                        </a:rPr>
+                        <m:t>𝐻</m:t>
+                      </m:r>
+                      <m:d>
+                        <m:dPr>
+                          <m:ctrlPr>
+                            <a:rPr lang="en-US" sz="2000" i="1">
+                              <a:solidFill>
+                                <a:srgbClr val="000000"/>
+                              </a:solidFill>
+                              <a:latin typeface="Cambria Math" panose="02040503050406030204" pitchFamily="18" charset="0"/>
+                            </a:rPr>
+                          </m:ctrlPr>
+                        </m:dPr>
+                        <m:e>
+                          <m:r>
+                            <a:rPr lang="en-US" sz="2000" i="1">
+                              <a:solidFill>
+                                <a:srgbClr val="000000"/>
+                              </a:solidFill>
+                              <a:latin typeface="Cambria Math" panose="02040503050406030204" pitchFamily="18" charset="0"/>
+                            </a:rPr>
+                            <m:t>𝑍</m:t>
+                          </m:r>
+                        </m:e>
+                      </m:d>
+                      <m:r>
+                        <a:rPr lang="en-US" sz="2000" i="1">
+                          <a:solidFill>
+                            <a:srgbClr val="000000"/>
+                          </a:solidFill>
+                          <a:latin typeface="Cambria Math" panose="02040503050406030204" pitchFamily="18" charset="0"/>
+                        </a:rPr>
+                        <m:t>=</m:t>
+                      </m:r>
+                      <m:d>
+                        <m:dPr>
+                          <m:ctrlPr>
+                            <a:rPr lang="en-US" sz="2000" i="1">
+                              <a:solidFill>
+                                <a:srgbClr val="000000"/>
+                              </a:solidFill>
+                              <a:latin typeface="Cambria Math" panose="02040503050406030204" pitchFamily="18" charset="0"/>
+                            </a:rPr>
+                          </m:ctrlPr>
+                        </m:dPr>
+                        <m:e>
+                          <m:r>
+                            <a:rPr lang="en-US" sz="2000" i="1">
+                              <a:solidFill>
+                                <a:srgbClr val="000000"/>
+                              </a:solidFill>
+                              <a:latin typeface="Cambria Math" panose="02040503050406030204" pitchFamily="18" charset="0"/>
+                            </a:rPr>
+                            <m:t>1</m:t>
+                          </m:r>
+                          <m:r>
+                            <a:rPr lang="en-US" sz="2000" i="1">
+                              <a:solidFill>
+                                <a:srgbClr val="000000"/>
+                              </a:solidFill>
+                              <a:latin typeface="Cambria Math" panose="02040503050406030204" pitchFamily="18" charset="0"/>
+                            </a:rPr>
+                            <m:t>−</m:t>
+                          </m:r>
+                          <m:sSup>
+                            <m:sSupPr>
+                              <m:ctrlPr>
+                                <a:rPr lang="en-US" sz="2000" i="1">
+                                  <a:solidFill>
+                                    <a:srgbClr val="000000"/>
+                                  </a:solidFill>
+                                  <a:latin typeface="Cambria Math" panose="02040503050406030204" pitchFamily="18" charset="0"/>
+                                </a:rPr>
+                              </m:ctrlPr>
+                            </m:sSupPr>
+                            <m:e>
+                              <m:r>
+                                <a:rPr lang="en-US" sz="2000" i="1">
+                                  <a:solidFill>
+                                    <a:srgbClr val="000000"/>
+                                  </a:solidFill>
+                                  <a:latin typeface="Cambria Math" panose="02040503050406030204" pitchFamily="18" charset="0"/>
+                                </a:rPr>
+                                <m:t>𝑍</m:t>
+                              </m:r>
+                            </m:e>
+                            <m:sup>
+                              <m:r>
+                                <a:rPr lang="en-US" sz="2000" i="1">
+                                  <a:solidFill>
+                                    <a:srgbClr val="000000"/>
+                                  </a:solidFill>
+                                  <a:latin typeface="Cambria Math" panose="02040503050406030204" pitchFamily="18" charset="0"/>
+                                </a:rPr>
+                                <m:t>−</m:t>
+                              </m:r>
+                              <m:r>
+                                <a:rPr lang="en-US" sz="2000" i="1">
+                                  <a:solidFill>
+                                    <a:srgbClr val="000000"/>
+                                  </a:solidFill>
+                                  <a:latin typeface="Cambria Math" panose="02040503050406030204" pitchFamily="18" charset="0"/>
+                                </a:rPr>
+                                <m:t>1</m:t>
+                              </m:r>
+                            </m:sup>
+                          </m:sSup>
+                        </m:e>
+                      </m:d>
+                      <m:r>
+                        <m:rPr>
+                          <m:sty m:val="p"/>
+                        </m:rPr>
+                        <a:rPr lang="en-US" sz="2000" i="1">
+                          <a:solidFill>
+                            <a:srgbClr val="000000"/>
+                          </a:solidFill>
+                          <a:latin typeface="Cambria Math" panose="02040503050406030204" pitchFamily="18" charset="0"/>
+                        </a:rPr>
+                        <m:t>Z</m:t>
+                      </m:r>
+                      <m:d>
+                        <m:dPr>
+                          <m:begChr m:val="["/>
+                          <m:endChr m:val="]"/>
+                          <m:ctrlPr>
+                            <a:rPr lang="en-US" sz="2000" i="1">
+                              <a:solidFill>
+                                <a:srgbClr val="000000"/>
+                              </a:solidFill>
+                              <a:latin typeface="Cambria Math" panose="02040503050406030204" pitchFamily="18" charset="0"/>
+                            </a:rPr>
+                          </m:ctrlPr>
+                        </m:dPr>
+                        <m:e>
+                          <m:f>
+                            <m:fPr>
+                              <m:ctrlPr>
+                                <a:rPr lang="en-US" sz="2000" i="1">
+                                  <a:solidFill>
+                                    <a:srgbClr val="000000"/>
+                                  </a:solidFill>
+                                  <a:latin typeface="Cambria Math" panose="02040503050406030204" pitchFamily="18" charset="0"/>
+                                </a:rPr>
+                              </m:ctrlPr>
+                            </m:fPr>
+                            <m:num>
+                              <m:r>
+                                <a:rPr lang="en-US" sz="2000" i="1">
+                                  <a:solidFill>
+                                    <a:srgbClr val="000000"/>
+                                  </a:solidFill>
+                                  <a:latin typeface="Cambria Math" panose="02040503050406030204" pitchFamily="18" charset="0"/>
+                                </a:rPr>
+                                <m:t>−</m:t>
+                              </m:r>
+                              <m:r>
+                                <a:rPr lang="en-US" sz="2000" i="1">
+                                  <a:solidFill>
+                                    <a:srgbClr val="000000"/>
+                                  </a:solidFill>
+                                  <a:latin typeface="Cambria Math" panose="02040503050406030204" pitchFamily="18" charset="0"/>
+                                </a:rPr>
+                                <m:t>2</m:t>
+                              </m:r>
+                            </m:num>
+                            <m:den>
+                              <m:r>
+                                <a:rPr lang="en-US" sz="2000" i="1">
+                                  <a:solidFill>
+                                    <a:srgbClr val="000000"/>
+                                  </a:solidFill>
+                                  <a:latin typeface="Cambria Math" panose="02040503050406030204" pitchFamily="18" charset="0"/>
+                                </a:rPr>
+                                <m:t>𝑆</m:t>
+                              </m:r>
+                              <m:r>
+                                <a:rPr lang="en-US" sz="2000" i="1">
+                                  <a:solidFill>
+                                    <a:srgbClr val="000000"/>
+                                  </a:solidFill>
+                                  <a:latin typeface="Cambria Math" panose="02040503050406030204" pitchFamily="18" charset="0"/>
+                                </a:rPr>
+                                <m:t>+</m:t>
+                              </m:r>
+                              <m:r>
+                                <a:rPr lang="en-US" sz="2000" i="1">
+                                  <a:solidFill>
+                                    <a:srgbClr val="000000"/>
+                                  </a:solidFill>
+                                  <a:latin typeface="Cambria Math" panose="02040503050406030204" pitchFamily="18" charset="0"/>
+                                </a:rPr>
+                                <m:t>2</m:t>
+                              </m:r>
+                            </m:den>
+                          </m:f>
+                          <m:r>
+                            <a:rPr lang="en-US" sz="2000" i="1">
+                              <a:solidFill>
+                                <a:srgbClr val="000000"/>
+                              </a:solidFill>
+                              <a:latin typeface="Cambria Math" panose="02040503050406030204" pitchFamily="18" charset="0"/>
+                            </a:rPr>
+                            <m:t>+</m:t>
+                          </m:r>
+                          <m:f>
+                            <m:fPr>
+                              <m:ctrlPr>
+                                <a:rPr lang="en-US" sz="2000" i="1">
+                                  <a:solidFill>
+                                    <a:srgbClr val="000000"/>
+                                  </a:solidFill>
+                                  <a:latin typeface="Cambria Math" panose="02040503050406030204" pitchFamily="18" charset="0"/>
+                                </a:rPr>
+                              </m:ctrlPr>
+                            </m:fPr>
+                            <m:num>
+                              <m:r>
+                                <a:rPr lang="en-US" sz="2000" i="1">
+                                  <a:solidFill>
+                                    <a:srgbClr val="000000"/>
+                                  </a:solidFill>
+                                  <a:latin typeface="Cambria Math" panose="02040503050406030204" pitchFamily="18" charset="0"/>
+                                </a:rPr>
+                                <m:t>2</m:t>
+                              </m:r>
+                            </m:num>
+                            <m:den>
+                              <m:r>
+                                <a:rPr lang="en-US" sz="2000" i="1">
+                                  <a:solidFill>
+                                    <a:srgbClr val="000000"/>
+                                  </a:solidFill>
+                                  <a:latin typeface="Cambria Math" panose="02040503050406030204" pitchFamily="18" charset="0"/>
+                                </a:rPr>
+                                <m:t>𝑆</m:t>
+                              </m:r>
+                              <m:r>
+                                <a:rPr lang="en-US" sz="2000" i="1">
+                                  <a:solidFill>
+                                    <a:srgbClr val="000000"/>
+                                  </a:solidFill>
+                                  <a:latin typeface="Cambria Math" panose="02040503050406030204" pitchFamily="18" charset="0"/>
+                                </a:rPr>
+                                <m:t>+</m:t>
+                              </m:r>
+                              <m:r>
+                                <a:rPr lang="en-US" sz="2000" i="1">
+                                  <a:solidFill>
+                                    <a:srgbClr val="000000"/>
+                                  </a:solidFill>
+                                  <a:latin typeface="Cambria Math" panose="02040503050406030204" pitchFamily="18" charset="0"/>
+                                </a:rPr>
+                                <m:t>1</m:t>
+                              </m:r>
+                            </m:den>
+                          </m:f>
+                        </m:e>
+                      </m:d>
+                      <m:r>
+                        <a:rPr lang="en-US" sz="2000" i="1">
+                          <a:solidFill>
+                            <a:srgbClr val="000000"/>
+                          </a:solidFill>
+                          <a:latin typeface="Cambria Math" panose="02040503050406030204" pitchFamily="18" charset="0"/>
+                        </a:rPr>
+                        <m:t>=</m:t>
+                      </m:r>
+                      <m:d>
+                        <m:dPr>
+                          <m:ctrlPr>
+                            <a:rPr lang="en-US" sz="2000" i="1">
+                              <a:solidFill>
+                                <a:srgbClr val="000000"/>
+                              </a:solidFill>
+                              <a:latin typeface="Cambria Math" panose="02040503050406030204" pitchFamily="18" charset="0"/>
+                            </a:rPr>
+                          </m:ctrlPr>
+                        </m:dPr>
+                        <m:e>
+                          <m:r>
+                            <a:rPr lang="en-US" sz="2000" i="1">
+                              <a:solidFill>
+                                <a:srgbClr val="000000"/>
+                              </a:solidFill>
+                              <a:latin typeface="Cambria Math" panose="02040503050406030204" pitchFamily="18" charset="0"/>
+                            </a:rPr>
+                            <m:t>1</m:t>
+                          </m:r>
+                          <m:r>
+                            <a:rPr lang="en-US" sz="2000" i="1">
+                              <a:solidFill>
+                                <a:srgbClr val="000000"/>
+                              </a:solidFill>
+                              <a:latin typeface="Cambria Math" panose="02040503050406030204" pitchFamily="18" charset="0"/>
+                            </a:rPr>
+                            <m:t>−</m:t>
+                          </m:r>
+                          <m:sSup>
+                            <m:sSupPr>
+                              <m:ctrlPr>
+                                <a:rPr lang="en-US" sz="2000" i="1">
+                                  <a:solidFill>
+                                    <a:srgbClr val="000000"/>
+                                  </a:solidFill>
+                                  <a:latin typeface="Cambria Math" panose="02040503050406030204" pitchFamily="18" charset="0"/>
+                                </a:rPr>
+                              </m:ctrlPr>
+                            </m:sSupPr>
+                            <m:e>
+                              <m:r>
+                                <a:rPr lang="en-US" sz="2000" i="1">
+                                  <a:solidFill>
+                                    <a:srgbClr val="000000"/>
+                                  </a:solidFill>
+                                  <a:latin typeface="Cambria Math" panose="02040503050406030204" pitchFamily="18" charset="0"/>
+                                </a:rPr>
+                                <m:t>𝑍</m:t>
+                              </m:r>
+                            </m:e>
+                            <m:sup>
+                              <m:r>
+                                <a:rPr lang="en-US" sz="2000" i="1">
+                                  <a:solidFill>
+                                    <a:srgbClr val="000000"/>
+                                  </a:solidFill>
+                                  <a:latin typeface="Cambria Math" panose="02040503050406030204" pitchFamily="18" charset="0"/>
+                                </a:rPr>
+                                <m:t>−</m:t>
+                              </m:r>
+                              <m:r>
+                                <a:rPr lang="en-US" sz="2000" i="1">
+                                  <a:solidFill>
+                                    <a:srgbClr val="000000"/>
+                                  </a:solidFill>
+                                  <a:latin typeface="Cambria Math" panose="02040503050406030204" pitchFamily="18" charset="0"/>
+                                </a:rPr>
+                                <m:t>1</m:t>
+                              </m:r>
+                            </m:sup>
+                          </m:sSup>
+                        </m:e>
+                      </m:d>
+                      <m:r>
+                        <m:rPr>
+                          <m:sty m:val="p"/>
+                        </m:rPr>
+                        <a:rPr lang="en-US" sz="2000" i="1">
+                          <a:solidFill>
+                            <a:srgbClr val="000000"/>
+                          </a:solidFill>
+                          <a:latin typeface="Cambria Math" panose="02040503050406030204" pitchFamily="18" charset="0"/>
+                        </a:rPr>
+                        <m:t>Z</m:t>
+                      </m:r>
+                      <m:d>
+                        <m:dPr>
+                          <m:begChr m:val="["/>
+                          <m:endChr m:val="]"/>
+                          <m:ctrlPr>
+                            <a:rPr lang="en-US" sz="2000" i="1">
+                              <a:solidFill>
+                                <a:srgbClr val="000000"/>
+                              </a:solidFill>
+                              <a:latin typeface="Cambria Math" panose="02040503050406030204" pitchFamily="18" charset="0"/>
+                            </a:rPr>
+                          </m:ctrlPr>
+                        </m:dPr>
+                        <m:e>
+                          <m:r>
+                            <a:rPr lang="en-US" sz="2000" i="1">
+                              <a:solidFill>
+                                <a:srgbClr val="000000"/>
+                              </a:solidFill>
+                              <a:latin typeface="Cambria Math" panose="02040503050406030204" pitchFamily="18" charset="0"/>
+                            </a:rPr>
+                            <m:t>−</m:t>
+                          </m:r>
+                          <m:r>
+                            <a:rPr lang="en-US" sz="2000" i="1">
+                              <a:solidFill>
+                                <a:srgbClr val="000000"/>
+                              </a:solidFill>
+                              <a:latin typeface="Cambria Math" panose="02040503050406030204" pitchFamily="18" charset="0"/>
+                            </a:rPr>
+                            <m:t>2</m:t>
+                          </m:r>
+                          <m:sSup>
+                            <m:sSupPr>
+                              <m:ctrlPr>
+                                <a:rPr lang="en-US" sz="2000" i="1">
+                                  <a:solidFill>
+                                    <a:srgbClr val="000000"/>
+                                  </a:solidFill>
+                                  <a:latin typeface="Cambria Math" panose="02040503050406030204" pitchFamily="18" charset="0"/>
+                                </a:rPr>
+                              </m:ctrlPr>
+                            </m:sSupPr>
+                            <m:e>
+                              <m:r>
+                                <a:rPr lang="en-US" sz="2000" i="1">
+                                  <a:solidFill>
+                                    <a:srgbClr val="000000"/>
+                                  </a:solidFill>
+                                  <a:latin typeface="Cambria Math" panose="02040503050406030204" pitchFamily="18" charset="0"/>
+                                </a:rPr>
+                                <m:t>𝑒</m:t>
+                              </m:r>
+                            </m:e>
+                            <m:sup>
+                              <m:r>
+                                <a:rPr lang="en-US" sz="2000" i="1">
+                                  <a:solidFill>
+                                    <a:srgbClr val="000000"/>
+                                  </a:solidFill>
+                                  <a:latin typeface="Cambria Math" panose="02040503050406030204" pitchFamily="18" charset="0"/>
+                                </a:rPr>
+                                <m:t>−</m:t>
+                              </m:r>
+                              <m:r>
+                                <a:rPr lang="en-US" sz="2000" i="1">
+                                  <a:solidFill>
+                                    <a:srgbClr val="000000"/>
+                                  </a:solidFill>
+                                  <a:latin typeface="Cambria Math" panose="02040503050406030204" pitchFamily="18" charset="0"/>
+                                </a:rPr>
+                                <m:t>2</m:t>
+                              </m:r>
+                              <m:r>
+                                <a:rPr lang="en-US" sz="2000" i="1">
+                                  <a:solidFill>
+                                    <a:srgbClr val="000000"/>
+                                  </a:solidFill>
+                                  <a:latin typeface="Cambria Math" panose="02040503050406030204" pitchFamily="18" charset="0"/>
+                                </a:rPr>
+                                <m:t>𝑡</m:t>
+                              </m:r>
+                            </m:sup>
+                          </m:sSup>
+                          <m:r>
+                            <a:rPr lang="en-US" sz="2000" i="1">
+                              <a:solidFill>
+                                <a:srgbClr val="000000"/>
+                              </a:solidFill>
+                              <a:latin typeface="Cambria Math" panose="02040503050406030204" pitchFamily="18" charset="0"/>
+                            </a:rPr>
+                            <m:t>+</m:t>
+                          </m:r>
+                          <m:r>
+                            <a:rPr lang="en-US" sz="2000" i="1">
+                              <a:solidFill>
+                                <a:srgbClr val="000000"/>
+                              </a:solidFill>
+                              <a:latin typeface="Cambria Math" panose="02040503050406030204" pitchFamily="18" charset="0"/>
+                            </a:rPr>
+                            <m:t>2</m:t>
+                          </m:r>
+                          <m:sSup>
+                            <m:sSupPr>
+                              <m:ctrlPr>
+                                <a:rPr lang="en-US" sz="2000" i="1">
+                                  <a:solidFill>
+                                    <a:srgbClr val="000000"/>
+                                  </a:solidFill>
+                                  <a:latin typeface="Cambria Math" panose="02040503050406030204" pitchFamily="18" charset="0"/>
+                                </a:rPr>
+                              </m:ctrlPr>
+                            </m:sSupPr>
+                            <m:e>
+                              <m:r>
+                                <a:rPr lang="en-US" sz="2000" i="1">
+                                  <a:solidFill>
+                                    <a:srgbClr val="000000"/>
+                                  </a:solidFill>
+                                  <a:latin typeface="Cambria Math" panose="02040503050406030204" pitchFamily="18" charset="0"/>
+                                </a:rPr>
+                                <m:t>𝑒</m:t>
+                              </m:r>
+                            </m:e>
+                            <m:sup>
+                              <m:r>
+                                <a:rPr lang="en-US" sz="2000" i="1">
+                                  <a:solidFill>
+                                    <a:srgbClr val="000000"/>
+                                  </a:solidFill>
+                                  <a:latin typeface="Cambria Math" panose="02040503050406030204" pitchFamily="18" charset="0"/>
+                                </a:rPr>
+                                <m:t>−</m:t>
+                              </m:r>
+                              <m:r>
+                                <a:rPr lang="en-US" sz="2000" i="1">
+                                  <a:solidFill>
+                                    <a:srgbClr val="000000"/>
+                                  </a:solidFill>
+                                  <a:latin typeface="Cambria Math" panose="02040503050406030204" pitchFamily="18" charset="0"/>
+                                </a:rPr>
+                                <m:t>𝑡</m:t>
+                              </m:r>
+                            </m:sup>
+                          </m:sSup>
+                        </m:e>
+                      </m:d>
+                      <m:r>
+                        <a:rPr lang="en-US" sz="2000" i="1">
+                          <a:solidFill>
+                            <a:srgbClr val="000000"/>
+                          </a:solidFill>
+                          <a:latin typeface="Cambria Math" panose="02040503050406030204" pitchFamily="18" charset="0"/>
+                        </a:rPr>
+                        <m:t>=</m:t>
+                      </m:r>
+                      <m:d>
+                        <m:dPr>
+                          <m:ctrlPr>
+                            <a:rPr lang="en-US" sz="2000" i="1">
+                              <a:solidFill>
+                                <a:srgbClr val="000000"/>
+                              </a:solidFill>
+                              <a:latin typeface="Cambria Math" panose="02040503050406030204" pitchFamily="18" charset="0"/>
+                            </a:rPr>
+                          </m:ctrlPr>
+                        </m:dPr>
+                        <m:e>
+                          <m:r>
+                            <a:rPr lang="en-US" sz="2000" i="1">
+                              <a:solidFill>
+                                <a:srgbClr val="000000"/>
+                              </a:solidFill>
+                              <a:latin typeface="Cambria Math" panose="02040503050406030204" pitchFamily="18" charset="0"/>
+                            </a:rPr>
+                            <m:t>1</m:t>
+                          </m:r>
+                          <m:r>
+                            <a:rPr lang="en-US" sz="2000" i="1">
+                              <a:solidFill>
+                                <a:srgbClr val="000000"/>
+                              </a:solidFill>
+                              <a:latin typeface="Cambria Math" panose="02040503050406030204" pitchFamily="18" charset="0"/>
+                            </a:rPr>
+                            <m:t>−</m:t>
+                          </m:r>
+                          <m:sSup>
+                            <m:sSupPr>
+                              <m:ctrlPr>
+                                <a:rPr lang="en-US" sz="2000" i="1">
+                                  <a:solidFill>
+                                    <a:srgbClr val="000000"/>
+                                  </a:solidFill>
+                                  <a:latin typeface="Cambria Math" panose="02040503050406030204" pitchFamily="18" charset="0"/>
+                                </a:rPr>
+                              </m:ctrlPr>
+                            </m:sSupPr>
+                            <m:e>
+                              <m:r>
+                                <a:rPr lang="en-US" sz="2000" i="1">
+                                  <a:solidFill>
+                                    <a:srgbClr val="000000"/>
+                                  </a:solidFill>
+                                  <a:latin typeface="Cambria Math" panose="02040503050406030204" pitchFamily="18" charset="0"/>
+                                </a:rPr>
+                                <m:t>𝑍</m:t>
+                              </m:r>
+                            </m:e>
+                            <m:sup>
+                              <m:r>
+                                <a:rPr lang="en-US" sz="2000" i="1">
+                                  <a:solidFill>
+                                    <a:srgbClr val="000000"/>
+                                  </a:solidFill>
+                                  <a:latin typeface="Cambria Math" panose="02040503050406030204" pitchFamily="18" charset="0"/>
+                                </a:rPr>
+                                <m:t>−</m:t>
+                              </m:r>
+                              <m:r>
+                                <a:rPr lang="en-US" sz="2000" i="1">
+                                  <a:solidFill>
+                                    <a:srgbClr val="000000"/>
+                                  </a:solidFill>
+                                  <a:latin typeface="Cambria Math" panose="02040503050406030204" pitchFamily="18" charset="0"/>
+                                </a:rPr>
+                                <m:t>1</m:t>
+                              </m:r>
+                            </m:sup>
+                          </m:sSup>
+                        </m:e>
+                      </m:d>
+                      <m:r>
+                        <m:rPr>
+                          <m:sty m:val="p"/>
+                        </m:rPr>
+                        <a:rPr lang="en-US" sz="2000" i="1">
+                          <a:solidFill>
+                            <a:srgbClr val="000000"/>
+                          </a:solidFill>
+                          <a:latin typeface="Cambria Math" panose="02040503050406030204" pitchFamily="18" charset="0"/>
+                        </a:rPr>
+                        <m:t>Z</m:t>
+                      </m:r>
+                      <m:d>
+                        <m:dPr>
+                          <m:begChr m:val="["/>
+                          <m:endChr m:val="]"/>
+                          <m:ctrlPr>
+                            <a:rPr lang="en-US" sz="2000" i="1">
+                              <a:solidFill>
+                                <a:srgbClr val="000000"/>
+                              </a:solidFill>
+                              <a:latin typeface="Cambria Math" panose="02040503050406030204" pitchFamily="18" charset="0"/>
+                            </a:rPr>
+                          </m:ctrlPr>
+                        </m:dPr>
+                        <m:e>
+                          <m:r>
+                            <a:rPr lang="en-US" sz="2000" i="1">
+                              <a:solidFill>
+                                <a:srgbClr val="000000"/>
+                              </a:solidFill>
+                              <a:latin typeface="Cambria Math" panose="02040503050406030204" pitchFamily="18" charset="0"/>
+                            </a:rPr>
+                            <m:t>−</m:t>
+                          </m:r>
+                          <m:r>
+                            <a:rPr lang="en-US" sz="2000" i="1">
+                              <a:solidFill>
+                                <a:srgbClr val="000000"/>
+                              </a:solidFill>
+                              <a:latin typeface="Cambria Math" panose="02040503050406030204" pitchFamily="18" charset="0"/>
+                            </a:rPr>
+                            <m:t>2</m:t>
+                          </m:r>
+                          <m:sSup>
+                            <m:sSupPr>
+                              <m:ctrlPr>
+                                <a:rPr lang="en-US" sz="2000" i="1">
+                                  <a:solidFill>
+                                    <a:srgbClr val="000000"/>
+                                  </a:solidFill>
+                                  <a:latin typeface="Cambria Math" panose="02040503050406030204" pitchFamily="18" charset="0"/>
+                                </a:rPr>
+                              </m:ctrlPr>
+                            </m:sSupPr>
+                            <m:e>
+                              <m:r>
+                                <a:rPr lang="en-US" sz="2000" i="1">
+                                  <a:solidFill>
+                                    <a:srgbClr val="000000"/>
+                                  </a:solidFill>
+                                  <a:latin typeface="Cambria Math" panose="02040503050406030204" pitchFamily="18" charset="0"/>
+                                </a:rPr>
+                                <m:t>𝑒</m:t>
+                              </m:r>
+                            </m:e>
+                            <m:sup>
+                              <m:r>
+                                <a:rPr lang="en-US" sz="2000" i="1">
+                                  <a:solidFill>
+                                    <a:srgbClr val="000000"/>
+                                  </a:solidFill>
+                                  <a:latin typeface="Cambria Math" panose="02040503050406030204" pitchFamily="18" charset="0"/>
+                                </a:rPr>
+                                <m:t>−</m:t>
+                              </m:r>
+                              <m:r>
+                                <a:rPr lang="en-US" sz="2000" i="1">
+                                  <a:solidFill>
+                                    <a:srgbClr val="000000"/>
+                                  </a:solidFill>
+                                  <a:latin typeface="Cambria Math" panose="02040503050406030204" pitchFamily="18" charset="0"/>
+                                </a:rPr>
+                                <m:t>2</m:t>
+                              </m:r>
+                              <m:r>
+                                <a:rPr lang="en-US" sz="2000" i="1">
+                                  <a:solidFill>
+                                    <a:srgbClr val="000000"/>
+                                  </a:solidFill>
+                                  <a:latin typeface="Cambria Math" panose="02040503050406030204" pitchFamily="18" charset="0"/>
+                                </a:rPr>
+                                <m:t>𝐾</m:t>
+                              </m:r>
+                              <m:sSub>
+                                <m:sSubPr>
+                                  <m:ctrlPr>
+                                    <a:rPr lang="en-US" sz="2000" i="1">
+                                      <a:solidFill>
+                                        <a:srgbClr val="000000"/>
+                                      </a:solidFill>
+                                      <a:latin typeface="Cambria Math" panose="02040503050406030204" pitchFamily="18" charset="0"/>
+                                    </a:rPr>
+                                  </m:ctrlPr>
+                                </m:sSubPr>
+                                <m:e>
+                                  <m:r>
+                                    <a:rPr lang="en-US" sz="2000" i="1">
+                                      <a:solidFill>
+                                        <a:srgbClr val="000000"/>
+                                      </a:solidFill>
+                                      <a:latin typeface="Cambria Math" panose="02040503050406030204" pitchFamily="18" charset="0"/>
+                                    </a:rPr>
+                                    <m:t>𝑇</m:t>
+                                  </m:r>
+                                </m:e>
+                                <m:sub>
+                                  <m:r>
+                                    <a:rPr lang="en-US" sz="2000" i="1">
+                                      <a:solidFill>
+                                        <a:srgbClr val="000000"/>
+                                      </a:solidFill>
+                                      <a:latin typeface="Cambria Math" panose="02040503050406030204" pitchFamily="18" charset="0"/>
+                                    </a:rPr>
+                                    <m:t>𝑆</m:t>
+                                  </m:r>
+                                </m:sub>
+                              </m:sSub>
+                            </m:sup>
+                          </m:sSup>
+                          <m:r>
+                            <a:rPr lang="en-US" sz="2000" i="1">
+                              <a:solidFill>
+                                <a:srgbClr val="000000"/>
+                              </a:solidFill>
+                              <a:latin typeface="Cambria Math" panose="02040503050406030204" pitchFamily="18" charset="0"/>
+                            </a:rPr>
+                            <m:t>+</m:t>
+                          </m:r>
+                          <m:r>
+                            <a:rPr lang="en-US" sz="2000" i="1">
+                              <a:solidFill>
+                                <a:srgbClr val="000000"/>
+                              </a:solidFill>
+                              <a:latin typeface="Cambria Math" panose="02040503050406030204" pitchFamily="18" charset="0"/>
+                            </a:rPr>
+                            <m:t>2</m:t>
+                          </m:r>
+                          <m:sSup>
+                            <m:sSupPr>
+                              <m:ctrlPr>
+                                <a:rPr lang="en-US" sz="2000" i="1">
+                                  <a:solidFill>
+                                    <a:srgbClr val="000000"/>
+                                  </a:solidFill>
+                                  <a:latin typeface="Cambria Math" panose="02040503050406030204" pitchFamily="18" charset="0"/>
+                                </a:rPr>
+                              </m:ctrlPr>
+                            </m:sSupPr>
+                            <m:e>
+                              <m:r>
+                                <a:rPr lang="en-US" sz="2000" i="1">
+                                  <a:solidFill>
+                                    <a:srgbClr val="000000"/>
+                                  </a:solidFill>
+                                  <a:latin typeface="Cambria Math" panose="02040503050406030204" pitchFamily="18" charset="0"/>
+                                </a:rPr>
+                                <m:t>𝑒</m:t>
+                              </m:r>
+                            </m:e>
+                            <m:sup>
+                              <m:r>
+                                <a:rPr lang="en-US" sz="2000" i="1">
+                                  <a:solidFill>
+                                    <a:srgbClr val="000000"/>
+                                  </a:solidFill>
+                                  <a:latin typeface="Cambria Math" panose="02040503050406030204" pitchFamily="18" charset="0"/>
+                                </a:rPr>
+                                <m:t>−</m:t>
+                              </m:r>
+                              <m:r>
+                                <a:rPr lang="en-US" sz="2000" i="1">
+                                  <a:solidFill>
+                                    <a:srgbClr val="000000"/>
+                                  </a:solidFill>
+                                  <a:latin typeface="Cambria Math" panose="02040503050406030204" pitchFamily="18" charset="0"/>
+                                </a:rPr>
+                                <m:t>𝐾</m:t>
+                              </m:r>
+                              <m:sSub>
+                                <m:sSubPr>
+                                  <m:ctrlPr>
+                                    <a:rPr lang="en-US" sz="2000" i="1">
+                                      <a:solidFill>
+                                        <a:srgbClr val="000000"/>
+                                      </a:solidFill>
+                                      <a:latin typeface="Cambria Math" panose="02040503050406030204" pitchFamily="18" charset="0"/>
+                                    </a:rPr>
+                                  </m:ctrlPr>
+                                </m:sSubPr>
+                                <m:e>
+                                  <m:r>
+                                    <a:rPr lang="en-US" sz="2000" i="1">
+                                      <a:solidFill>
+                                        <a:srgbClr val="000000"/>
+                                      </a:solidFill>
+                                      <a:latin typeface="Cambria Math" panose="02040503050406030204" pitchFamily="18" charset="0"/>
+                                    </a:rPr>
+                                    <m:t>𝑇</m:t>
+                                  </m:r>
+                                </m:e>
+                                <m:sub>
+                                  <m:r>
+                                    <a:rPr lang="en-US" sz="2000" i="1">
+                                      <a:solidFill>
+                                        <a:srgbClr val="000000"/>
+                                      </a:solidFill>
+                                      <a:latin typeface="Cambria Math" panose="02040503050406030204" pitchFamily="18" charset="0"/>
+                                    </a:rPr>
+                                    <m:t>𝑆</m:t>
+                                  </m:r>
+                                </m:sub>
+                              </m:sSub>
+                            </m:sup>
+                          </m:sSup>
+                        </m:e>
+                      </m:d>
+                    </m:oMath>
+                  </m:oMathPara>
+                </a14:m>
+                <a:endParaRPr lang="en-US" sz="2000" dirty="0"/>
+              </a:p>
+            </p:txBody>
+          </p:sp>
+        </mc:Choice>
+        <mc:Fallback>
+          <p:sp>
+            <p:nvSpPr>
+              <p:cNvPr id="24" name="Object 5">
+                <a:extLst>
+                  <a:ext uri="{FF2B5EF4-FFF2-40B4-BE49-F238E27FC236}">
+                    <a16:creationId xmlns:a16="http://schemas.microsoft.com/office/drawing/2014/main" id="{346E1B50-10C8-40F6-86D8-35CA4A3E0CAC}"/>
+                  </a:ext>
+                </a:extLst>
+              </p:cNvPr>
+              <p:cNvSpPr txBox="1">
+                <a:spLocks noRot="1" noChangeAspect="1" noMove="1" noResize="1" noEditPoints="1" noAdjustHandles="1" noChangeArrowheads="1" noChangeShapeType="1" noTextEdit="1"/>
+              </p:cNvSpPr>
+              <p:nvPr/>
+            </p:nvSpPr>
+            <p:spPr bwMode="auto">
+              <a:xfrm>
+                <a:off x="114300" y="4158570"/>
+                <a:ext cx="12020550" cy="919164"/>
+              </a:xfrm>
+              <a:prstGeom prst="rect">
+                <a:avLst/>
+              </a:prstGeom>
+              <a:blipFill>
+                <a:blip r:embed="rId4"/>
+                <a:stretch>
+                  <a:fillRect/>
+                </a:stretch>
+              </a:blipFill>
+            </p:spPr>
+            <p:txBody>
+              <a:bodyPr/>
+              <a:lstStyle/>
+              <a:p>
+                <a:r>
+                  <a:rPr lang="en-US">
+                    <a:noFill/>
+                  </a:rPr>
+                  <a:t> </a:t>
+                </a:r>
+              </a:p>
+            </p:txBody>
+          </p:sp>
+        </mc:Fallback>
+      </mc:AlternateContent>
+      <mc:AlternateContent xmlns:mc="http://schemas.openxmlformats.org/markup-compatibility/2006">
+        <mc:Choice xmlns:a14="http://schemas.microsoft.com/office/drawing/2010/main" Requires="a14">
+          <p:sp>
+            <p:nvSpPr>
+              <p:cNvPr id="33" name="Object 5">
+                <a:extLst>
+                  <a:ext uri="{FF2B5EF4-FFF2-40B4-BE49-F238E27FC236}">
+                    <a16:creationId xmlns:a16="http://schemas.microsoft.com/office/drawing/2014/main" id="{8812AA28-4726-4979-A081-9D01E0BB5B52}"/>
+                  </a:ext>
+                </a:extLst>
+              </p:cNvPr>
+              <p:cNvSpPr txBox="1"/>
+              <p:nvPr/>
+            </p:nvSpPr>
+            <p:spPr bwMode="auto">
+              <a:xfrm>
+                <a:off x="594509" y="5190656"/>
+                <a:ext cx="11060131" cy="830997"/>
+              </a:xfrm>
+              <a:prstGeom prst="rect">
+                <a:avLst/>
+              </a:prstGeom>
+              <a:noFill/>
+            </p:spPr>
+            <p:txBody>
+              <a:bodyPr>
+                <a:normAutofit/>
+              </a:bodyPr>
+              <a:lstStyle/>
+              <a:p>
+                <a:pPr/>
+                <a14:m>
+                  <m:oMathPara xmlns:m="http://schemas.openxmlformats.org/officeDocument/2006/math">
+                    <m:oMathParaPr>
+                      <m:jc m:val="center"/>
+                    </m:oMathParaPr>
+                    <m:oMath xmlns:m="http://schemas.openxmlformats.org/officeDocument/2006/math">
+                      <m:r>
+                        <a:rPr lang="en-US" sz="2000" i="1">
+                          <a:solidFill>
+                            <a:srgbClr val="000000"/>
+                          </a:solidFill>
+                          <a:latin typeface="Cambria Math" panose="02040503050406030204" pitchFamily="18" charset="0"/>
+                        </a:rPr>
+                        <m:t>𝐻</m:t>
+                      </m:r>
+                      <m:r>
+                        <a:rPr lang="en-US" sz="2000" i="1">
+                          <a:solidFill>
+                            <a:srgbClr val="000000"/>
+                          </a:solidFill>
+                          <a:latin typeface="Cambria Math" panose="02040503050406030204" pitchFamily="18" charset="0"/>
+                        </a:rPr>
+                        <m:t>(</m:t>
+                      </m:r>
+                      <m:r>
+                        <a:rPr lang="en-US" sz="2000" i="1">
+                          <a:solidFill>
+                            <a:srgbClr val="000000"/>
+                          </a:solidFill>
+                          <a:latin typeface="Cambria Math" panose="02040503050406030204" pitchFamily="18" charset="0"/>
+                        </a:rPr>
+                        <m:t>𝑍</m:t>
+                      </m:r>
+                      <m:r>
+                        <a:rPr lang="en-US" sz="2000" i="1">
+                          <a:solidFill>
+                            <a:srgbClr val="000000"/>
+                          </a:solidFill>
+                          <a:latin typeface="Cambria Math" panose="02040503050406030204" pitchFamily="18" charset="0"/>
+                        </a:rPr>
+                        <m:t>)=</m:t>
+                      </m:r>
+                      <m:d>
+                        <m:dPr>
+                          <m:ctrlPr>
+                            <a:rPr lang="en-US" sz="2000" i="1">
+                              <a:solidFill>
+                                <a:srgbClr val="000000"/>
+                              </a:solidFill>
+                              <a:latin typeface="Cambria Math" panose="02040503050406030204" pitchFamily="18" charset="0"/>
+                            </a:rPr>
+                          </m:ctrlPr>
+                        </m:dPr>
+                        <m:e>
+                          <m:f>
+                            <m:fPr>
+                              <m:ctrlPr>
+                                <a:rPr lang="en-US" sz="2000" i="1">
+                                  <a:solidFill>
+                                    <a:srgbClr val="000000"/>
+                                  </a:solidFill>
+                                  <a:latin typeface="Cambria Math" panose="02040503050406030204" pitchFamily="18" charset="0"/>
+                                </a:rPr>
+                              </m:ctrlPr>
+                            </m:fPr>
+                            <m:num>
+                              <m:r>
+                                <a:rPr lang="en-US" sz="2000" i="1">
+                                  <a:solidFill>
+                                    <a:srgbClr val="000000"/>
+                                  </a:solidFill>
+                                  <a:latin typeface="Cambria Math" panose="02040503050406030204" pitchFamily="18" charset="0"/>
+                                </a:rPr>
+                                <m:t>𝑍</m:t>
+                              </m:r>
+                              <m:r>
+                                <a:rPr lang="en-US" sz="2000" i="1">
+                                  <a:solidFill>
+                                    <a:srgbClr val="000000"/>
+                                  </a:solidFill>
+                                  <a:latin typeface="Cambria Math" panose="02040503050406030204" pitchFamily="18" charset="0"/>
+                                </a:rPr>
+                                <m:t>−</m:t>
+                              </m:r>
+                              <m:r>
+                                <a:rPr lang="en-US" sz="2000" i="1">
+                                  <a:solidFill>
+                                    <a:srgbClr val="000000"/>
+                                  </a:solidFill>
+                                  <a:latin typeface="Cambria Math" panose="02040503050406030204" pitchFamily="18" charset="0"/>
+                                </a:rPr>
+                                <m:t>1</m:t>
+                              </m:r>
+                            </m:num>
+                            <m:den>
+                              <m:r>
+                                <a:rPr lang="en-US" sz="2000" i="1">
+                                  <a:solidFill>
+                                    <a:srgbClr val="000000"/>
+                                  </a:solidFill>
+                                  <a:latin typeface="Cambria Math" panose="02040503050406030204" pitchFamily="18" charset="0"/>
+                                </a:rPr>
+                                <m:t>𝑍</m:t>
+                              </m:r>
+                            </m:den>
+                          </m:f>
+                        </m:e>
+                      </m:d>
+                      <m:d>
+                        <m:dPr>
+                          <m:begChr m:val="["/>
+                          <m:endChr m:val="]"/>
+                          <m:ctrlPr>
+                            <a:rPr lang="en-US" sz="2000" i="1">
+                              <a:solidFill>
+                                <a:srgbClr val="000000"/>
+                              </a:solidFill>
+                              <a:latin typeface="Cambria Math" panose="02040503050406030204" pitchFamily="18" charset="0"/>
+                            </a:rPr>
+                          </m:ctrlPr>
+                        </m:dPr>
+                        <m:e>
+                          <m:f>
+                            <m:fPr>
+                              <m:ctrlPr>
+                                <a:rPr lang="en-US" sz="2000" i="1">
+                                  <a:solidFill>
+                                    <a:srgbClr val="000000"/>
+                                  </a:solidFill>
+                                  <a:latin typeface="Cambria Math" panose="02040503050406030204" pitchFamily="18" charset="0"/>
+                                </a:rPr>
+                              </m:ctrlPr>
+                            </m:fPr>
+                            <m:num>
+                              <m:r>
+                                <a:rPr lang="en-US" sz="2000" i="1">
+                                  <a:solidFill>
+                                    <a:srgbClr val="000000"/>
+                                  </a:solidFill>
+                                  <a:latin typeface="Cambria Math" panose="02040503050406030204" pitchFamily="18" charset="0"/>
+                                </a:rPr>
+                                <m:t>−</m:t>
+                              </m:r>
+                              <m:r>
+                                <a:rPr lang="en-US" sz="2000" i="1">
+                                  <a:solidFill>
+                                    <a:srgbClr val="000000"/>
+                                  </a:solidFill>
+                                  <a:latin typeface="Cambria Math" panose="02040503050406030204" pitchFamily="18" charset="0"/>
+                                </a:rPr>
+                                <m:t>2</m:t>
+                              </m:r>
+                              <m:r>
+                                <a:rPr lang="en-US" sz="2000" i="1">
+                                  <a:solidFill>
+                                    <a:srgbClr val="000000"/>
+                                  </a:solidFill>
+                                  <a:latin typeface="Cambria Math" panose="02040503050406030204" pitchFamily="18" charset="0"/>
+                                </a:rPr>
+                                <m:t>𝑍</m:t>
+                              </m:r>
+                            </m:num>
+                            <m:den>
+                              <m:r>
+                                <a:rPr lang="en-US" sz="2000" i="1">
+                                  <a:solidFill>
+                                    <a:srgbClr val="000000"/>
+                                  </a:solidFill>
+                                  <a:latin typeface="Cambria Math" panose="02040503050406030204" pitchFamily="18" charset="0"/>
+                                </a:rPr>
+                                <m:t>𝑍</m:t>
+                              </m:r>
+                              <m:r>
+                                <a:rPr lang="en-US" sz="2000" i="1">
+                                  <a:solidFill>
+                                    <a:srgbClr val="000000"/>
+                                  </a:solidFill>
+                                  <a:latin typeface="Cambria Math" panose="02040503050406030204" pitchFamily="18" charset="0"/>
+                                </a:rPr>
+                                <m:t>−</m:t>
+                              </m:r>
+                              <m:sSup>
+                                <m:sSupPr>
+                                  <m:ctrlPr>
+                                    <a:rPr lang="en-US" sz="2000" i="1">
+                                      <a:solidFill>
+                                        <a:srgbClr val="000000"/>
+                                      </a:solidFill>
+                                      <a:latin typeface="Cambria Math" panose="02040503050406030204" pitchFamily="18" charset="0"/>
+                                    </a:rPr>
+                                  </m:ctrlPr>
+                                </m:sSupPr>
+                                <m:e>
+                                  <m:r>
+                                    <a:rPr lang="en-US" sz="2000" i="1">
+                                      <a:solidFill>
+                                        <a:srgbClr val="000000"/>
+                                      </a:solidFill>
+                                      <a:latin typeface="Cambria Math" panose="02040503050406030204" pitchFamily="18" charset="0"/>
+                                    </a:rPr>
+                                    <m:t>𝑒</m:t>
+                                  </m:r>
+                                </m:e>
+                                <m:sup>
+                                  <m:r>
+                                    <a:rPr lang="en-US" sz="2000" i="1">
+                                      <a:solidFill>
+                                        <a:srgbClr val="000000"/>
+                                      </a:solidFill>
+                                      <a:latin typeface="Cambria Math" panose="02040503050406030204" pitchFamily="18" charset="0"/>
+                                    </a:rPr>
+                                    <m:t>−</m:t>
+                                  </m:r>
+                                  <m:r>
+                                    <a:rPr lang="en-US" sz="2000" i="1">
+                                      <a:solidFill>
+                                        <a:srgbClr val="000000"/>
+                                      </a:solidFill>
+                                      <a:latin typeface="Cambria Math" panose="02040503050406030204" pitchFamily="18" charset="0"/>
+                                    </a:rPr>
+                                    <m:t>2</m:t>
+                                  </m:r>
+                                  <m:sSub>
+                                    <m:sSubPr>
+                                      <m:ctrlPr>
+                                        <a:rPr lang="en-US" sz="2000" i="1">
+                                          <a:solidFill>
+                                            <a:srgbClr val="000000"/>
+                                          </a:solidFill>
+                                          <a:latin typeface="Cambria Math" panose="02040503050406030204" pitchFamily="18" charset="0"/>
+                                        </a:rPr>
+                                      </m:ctrlPr>
+                                    </m:sSubPr>
+                                    <m:e>
+                                      <m:r>
+                                        <a:rPr lang="en-US" sz="2000" i="1">
+                                          <a:solidFill>
+                                            <a:srgbClr val="000000"/>
+                                          </a:solidFill>
+                                          <a:latin typeface="Cambria Math" panose="02040503050406030204" pitchFamily="18" charset="0"/>
+                                        </a:rPr>
+                                        <m:t>𝑇</m:t>
+                                      </m:r>
+                                    </m:e>
+                                    <m:sub>
+                                      <m:r>
+                                        <a:rPr lang="en-US" sz="2000" i="1">
+                                          <a:solidFill>
+                                            <a:srgbClr val="000000"/>
+                                          </a:solidFill>
+                                          <a:latin typeface="Cambria Math" panose="02040503050406030204" pitchFamily="18" charset="0"/>
+                                        </a:rPr>
+                                        <m:t>𝑆</m:t>
+                                      </m:r>
+                                    </m:sub>
+                                  </m:sSub>
+                                </m:sup>
+                              </m:sSup>
+                            </m:den>
+                          </m:f>
+                          <m:r>
+                            <a:rPr lang="en-US" sz="2000" i="1">
+                              <a:solidFill>
+                                <a:srgbClr val="000000"/>
+                              </a:solidFill>
+                              <a:latin typeface="Cambria Math" panose="02040503050406030204" pitchFamily="18" charset="0"/>
+                            </a:rPr>
+                            <m:t>+</m:t>
+                          </m:r>
+                          <m:f>
+                            <m:fPr>
+                              <m:ctrlPr>
+                                <a:rPr lang="en-US" sz="2000" i="1">
+                                  <a:solidFill>
+                                    <a:srgbClr val="000000"/>
+                                  </a:solidFill>
+                                  <a:latin typeface="Cambria Math" panose="02040503050406030204" pitchFamily="18" charset="0"/>
+                                </a:rPr>
+                              </m:ctrlPr>
+                            </m:fPr>
+                            <m:num>
+                              <m:r>
+                                <a:rPr lang="en-US" sz="2000" i="1">
+                                  <a:solidFill>
+                                    <a:srgbClr val="000000"/>
+                                  </a:solidFill>
+                                  <a:latin typeface="Cambria Math" panose="02040503050406030204" pitchFamily="18" charset="0"/>
+                                </a:rPr>
+                                <m:t>2</m:t>
+                              </m:r>
+                              <m:r>
+                                <a:rPr lang="en-US" sz="2000" i="1">
+                                  <a:solidFill>
+                                    <a:srgbClr val="000000"/>
+                                  </a:solidFill>
+                                  <a:latin typeface="Cambria Math" panose="02040503050406030204" pitchFamily="18" charset="0"/>
+                                </a:rPr>
+                                <m:t>𝑍</m:t>
+                              </m:r>
+                            </m:num>
+                            <m:den>
+                              <m:r>
+                                <a:rPr lang="en-US" sz="2000" i="1">
+                                  <a:solidFill>
+                                    <a:srgbClr val="000000"/>
+                                  </a:solidFill>
+                                  <a:latin typeface="Cambria Math" panose="02040503050406030204" pitchFamily="18" charset="0"/>
+                                </a:rPr>
+                                <m:t>𝑍</m:t>
+                              </m:r>
+                              <m:r>
+                                <a:rPr lang="en-US" sz="2000" i="1">
+                                  <a:solidFill>
+                                    <a:srgbClr val="000000"/>
+                                  </a:solidFill>
+                                  <a:latin typeface="Cambria Math" panose="02040503050406030204" pitchFamily="18" charset="0"/>
+                                </a:rPr>
+                                <m:t>−</m:t>
+                              </m:r>
+                              <m:sSup>
+                                <m:sSupPr>
+                                  <m:ctrlPr>
+                                    <a:rPr lang="en-US" sz="2000" i="1">
+                                      <a:solidFill>
+                                        <a:srgbClr val="000000"/>
+                                      </a:solidFill>
+                                      <a:latin typeface="Cambria Math" panose="02040503050406030204" pitchFamily="18" charset="0"/>
+                                    </a:rPr>
+                                  </m:ctrlPr>
+                                </m:sSupPr>
+                                <m:e>
+                                  <m:r>
+                                    <a:rPr lang="en-US" sz="2000" i="1">
+                                      <a:solidFill>
+                                        <a:srgbClr val="000000"/>
+                                      </a:solidFill>
+                                      <a:latin typeface="Cambria Math" panose="02040503050406030204" pitchFamily="18" charset="0"/>
+                                    </a:rPr>
+                                    <m:t>𝑒</m:t>
+                                  </m:r>
+                                </m:e>
+                                <m:sup>
+                                  <m:r>
+                                    <a:rPr lang="en-US" sz="2000" i="1">
+                                      <a:solidFill>
+                                        <a:srgbClr val="000000"/>
+                                      </a:solidFill>
+                                      <a:latin typeface="Cambria Math" panose="02040503050406030204" pitchFamily="18" charset="0"/>
+                                    </a:rPr>
+                                    <m:t>−</m:t>
+                                  </m:r>
+                                  <m:sSub>
+                                    <m:sSubPr>
+                                      <m:ctrlPr>
+                                        <a:rPr lang="en-US" sz="2000" i="1">
+                                          <a:solidFill>
+                                            <a:srgbClr val="000000"/>
+                                          </a:solidFill>
+                                          <a:latin typeface="Cambria Math" panose="02040503050406030204" pitchFamily="18" charset="0"/>
+                                        </a:rPr>
+                                      </m:ctrlPr>
+                                    </m:sSubPr>
+                                    <m:e>
+                                      <m:r>
+                                        <a:rPr lang="en-US" sz="2000" i="1">
+                                          <a:solidFill>
+                                            <a:srgbClr val="000000"/>
+                                          </a:solidFill>
+                                          <a:latin typeface="Cambria Math" panose="02040503050406030204" pitchFamily="18" charset="0"/>
+                                        </a:rPr>
+                                        <m:t>𝑇</m:t>
+                                      </m:r>
+                                    </m:e>
+                                    <m:sub>
+                                      <m:r>
+                                        <a:rPr lang="en-US" sz="2000" i="1">
+                                          <a:solidFill>
+                                            <a:srgbClr val="000000"/>
+                                          </a:solidFill>
+                                          <a:latin typeface="Cambria Math" panose="02040503050406030204" pitchFamily="18" charset="0"/>
+                                        </a:rPr>
+                                        <m:t>𝑆</m:t>
+                                      </m:r>
+                                    </m:sub>
+                                  </m:sSub>
+                                </m:sup>
+                              </m:sSup>
+                            </m:den>
+                          </m:f>
+                        </m:e>
+                      </m:d>
+                      <m:r>
+                        <a:rPr lang="en-US" sz="2000" i="1">
+                          <a:solidFill>
+                            <a:srgbClr val="000000"/>
+                          </a:solidFill>
+                          <a:latin typeface="Cambria Math" panose="02040503050406030204" pitchFamily="18" charset="0"/>
+                        </a:rPr>
+                        <m:t>=</m:t>
+                      </m:r>
+                      <m:f>
+                        <m:fPr>
+                          <m:ctrlPr>
+                            <a:rPr lang="en-US" sz="2000" i="1">
+                              <a:solidFill>
+                                <a:srgbClr val="000000"/>
+                              </a:solidFill>
+                              <a:latin typeface="Cambria Math" panose="02040503050406030204" pitchFamily="18" charset="0"/>
+                            </a:rPr>
+                          </m:ctrlPr>
+                        </m:fPr>
+                        <m:num>
+                          <m:r>
+                            <a:rPr lang="en-US" sz="2000" i="1">
+                              <a:solidFill>
+                                <a:srgbClr val="000000"/>
+                              </a:solidFill>
+                              <a:latin typeface="Cambria Math" panose="02040503050406030204" pitchFamily="18" charset="0"/>
+                            </a:rPr>
+                            <m:t>−</m:t>
+                          </m:r>
+                          <m:r>
+                            <a:rPr lang="en-US" sz="2000" i="1">
+                              <a:solidFill>
+                                <a:srgbClr val="000000"/>
+                              </a:solidFill>
+                              <a:latin typeface="Cambria Math" panose="02040503050406030204" pitchFamily="18" charset="0"/>
+                            </a:rPr>
+                            <m:t>2</m:t>
+                          </m:r>
+                          <m:r>
+                            <a:rPr lang="en-US" sz="2000" i="1">
+                              <a:solidFill>
+                                <a:srgbClr val="000000"/>
+                              </a:solidFill>
+                              <a:latin typeface="Cambria Math" panose="02040503050406030204" pitchFamily="18" charset="0"/>
+                            </a:rPr>
+                            <m:t>(</m:t>
+                          </m:r>
+                          <m:r>
+                            <a:rPr lang="en-US" sz="2000" i="1">
+                              <a:solidFill>
+                                <a:srgbClr val="000000"/>
+                              </a:solidFill>
+                              <a:latin typeface="Cambria Math" panose="02040503050406030204" pitchFamily="18" charset="0"/>
+                            </a:rPr>
+                            <m:t>𝑍</m:t>
+                          </m:r>
+                          <m:r>
+                            <a:rPr lang="en-US" sz="2000" i="1">
+                              <a:solidFill>
+                                <a:srgbClr val="000000"/>
+                              </a:solidFill>
+                              <a:latin typeface="Cambria Math" panose="02040503050406030204" pitchFamily="18" charset="0"/>
+                            </a:rPr>
+                            <m:t>−</m:t>
+                          </m:r>
+                          <m:r>
+                            <a:rPr lang="en-US" sz="2000" i="1">
+                              <a:solidFill>
+                                <a:srgbClr val="000000"/>
+                              </a:solidFill>
+                              <a:latin typeface="Cambria Math" panose="02040503050406030204" pitchFamily="18" charset="0"/>
+                            </a:rPr>
+                            <m:t>1</m:t>
+                          </m:r>
+                          <m:r>
+                            <a:rPr lang="en-US" sz="2000" i="1">
+                              <a:solidFill>
+                                <a:srgbClr val="000000"/>
+                              </a:solidFill>
+                              <a:latin typeface="Cambria Math" panose="02040503050406030204" pitchFamily="18" charset="0"/>
+                            </a:rPr>
+                            <m:t>)</m:t>
+                          </m:r>
+                        </m:num>
+                        <m:den>
+                          <m:r>
+                            <a:rPr lang="en-US" sz="2000" i="1">
+                              <a:solidFill>
+                                <a:srgbClr val="000000"/>
+                              </a:solidFill>
+                              <a:latin typeface="Cambria Math" panose="02040503050406030204" pitchFamily="18" charset="0"/>
+                            </a:rPr>
+                            <m:t>𝑍</m:t>
+                          </m:r>
+                          <m:r>
+                            <a:rPr lang="en-US" sz="2000" i="1">
+                              <a:solidFill>
+                                <a:srgbClr val="000000"/>
+                              </a:solidFill>
+                              <a:latin typeface="Cambria Math" panose="02040503050406030204" pitchFamily="18" charset="0"/>
+                            </a:rPr>
+                            <m:t>−</m:t>
+                          </m:r>
+                          <m:r>
+                            <m:rPr>
+                              <m:nor/>
+                            </m:rPr>
+                            <a:rPr lang="en-US" sz="2000">
+                              <a:solidFill>
+                                <a:srgbClr val="000000"/>
+                              </a:solidFill>
+                              <a:latin typeface="Cambria Math" panose="02040503050406030204" pitchFamily="18" charset="0"/>
+                            </a:rPr>
+                            <m:t>0</m:t>
+                          </m:r>
+                          <m:r>
+                            <m:rPr>
+                              <m:nor/>
+                            </m:rPr>
+                            <a:rPr lang="en-US" sz="2000">
+                              <a:solidFill>
+                                <a:srgbClr val="000000"/>
+                              </a:solidFill>
+                              <a:latin typeface="Cambria Math" panose="02040503050406030204" pitchFamily="18" charset="0"/>
+                            </a:rPr>
+                            <m:t>.</m:t>
+                          </m:r>
+                          <m:r>
+                            <m:rPr>
+                              <m:nor/>
+                            </m:rPr>
+                            <a:rPr lang="en-US" sz="2000">
+                              <a:solidFill>
+                                <a:srgbClr val="000000"/>
+                              </a:solidFill>
+                              <a:latin typeface="Cambria Math" panose="02040503050406030204" pitchFamily="18" charset="0"/>
+                            </a:rPr>
+                            <m:t>8187</m:t>
+                          </m:r>
+                        </m:den>
+                      </m:f>
+                      <m:r>
+                        <a:rPr lang="en-US" sz="2000" i="1">
+                          <a:solidFill>
+                            <a:srgbClr val="000000"/>
+                          </a:solidFill>
+                          <a:latin typeface="Cambria Math" panose="02040503050406030204" pitchFamily="18" charset="0"/>
+                        </a:rPr>
+                        <m:t>+</m:t>
+                      </m:r>
+                      <m:f>
+                        <m:fPr>
+                          <m:ctrlPr>
+                            <a:rPr lang="en-US" sz="2000" i="1">
+                              <a:solidFill>
+                                <a:srgbClr val="000000"/>
+                              </a:solidFill>
+                              <a:latin typeface="Cambria Math" panose="02040503050406030204" pitchFamily="18" charset="0"/>
+                            </a:rPr>
+                          </m:ctrlPr>
+                        </m:fPr>
+                        <m:num>
+                          <m:r>
+                            <a:rPr lang="en-US" sz="2000" i="1">
+                              <a:solidFill>
+                                <a:srgbClr val="000000"/>
+                              </a:solidFill>
+                              <a:latin typeface="Cambria Math" panose="02040503050406030204" pitchFamily="18" charset="0"/>
+                            </a:rPr>
+                            <m:t>2</m:t>
+                          </m:r>
+                          <m:r>
+                            <a:rPr lang="en-US" sz="2000" i="1">
+                              <a:solidFill>
+                                <a:srgbClr val="000000"/>
+                              </a:solidFill>
+                              <a:latin typeface="Cambria Math" panose="02040503050406030204" pitchFamily="18" charset="0"/>
+                            </a:rPr>
+                            <m:t>(</m:t>
+                          </m:r>
+                          <m:r>
+                            <a:rPr lang="en-US" sz="2000" i="1">
+                              <a:solidFill>
+                                <a:srgbClr val="000000"/>
+                              </a:solidFill>
+                              <a:latin typeface="Cambria Math" panose="02040503050406030204" pitchFamily="18" charset="0"/>
+                            </a:rPr>
+                            <m:t>𝑍</m:t>
+                          </m:r>
+                          <m:r>
+                            <a:rPr lang="en-US" sz="2000" i="1">
+                              <a:solidFill>
+                                <a:srgbClr val="000000"/>
+                              </a:solidFill>
+                              <a:latin typeface="Cambria Math" panose="02040503050406030204" pitchFamily="18" charset="0"/>
+                            </a:rPr>
+                            <m:t>−</m:t>
+                          </m:r>
+                          <m:r>
+                            <a:rPr lang="en-US" sz="2000" i="1">
+                              <a:solidFill>
+                                <a:srgbClr val="000000"/>
+                              </a:solidFill>
+                              <a:latin typeface="Cambria Math" panose="02040503050406030204" pitchFamily="18" charset="0"/>
+                            </a:rPr>
+                            <m:t>1</m:t>
+                          </m:r>
+                          <m:r>
+                            <a:rPr lang="en-US" sz="2000" i="1">
+                              <a:solidFill>
+                                <a:srgbClr val="000000"/>
+                              </a:solidFill>
+                              <a:latin typeface="Cambria Math" panose="02040503050406030204" pitchFamily="18" charset="0"/>
+                            </a:rPr>
+                            <m:t>)</m:t>
+                          </m:r>
+                        </m:num>
+                        <m:den>
+                          <m:r>
+                            <a:rPr lang="en-US" sz="2000" i="1">
+                              <a:solidFill>
+                                <a:srgbClr val="000000"/>
+                              </a:solidFill>
+                              <a:latin typeface="Cambria Math" panose="02040503050406030204" pitchFamily="18" charset="0"/>
+                            </a:rPr>
+                            <m:t>𝑍</m:t>
+                          </m:r>
+                          <m:r>
+                            <a:rPr lang="en-US" sz="2000" i="1">
+                              <a:solidFill>
+                                <a:srgbClr val="000000"/>
+                              </a:solidFill>
+                              <a:latin typeface="Cambria Math" panose="02040503050406030204" pitchFamily="18" charset="0"/>
+                            </a:rPr>
+                            <m:t>−</m:t>
+                          </m:r>
+                          <m:r>
+                            <m:rPr>
+                              <m:nor/>
+                            </m:rPr>
+                            <a:rPr lang="en-US" sz="2000">
+                              <a:solidFill>
+                                <a:srgbClr val="000000"/>
+                              </a:solidFill>
+                              <a:latin typeface="Cambria Math" panose="02040503050406030204" pitchFamily="18" charset="0"/>
+                            </a:rPr>
+                            <m:t>0</m:t>
+                          </m:r>
+                          <m:r>
+                            <m:rPr>
+                              <m:nor/>
+                            </m:rPr>
+                            <a:rPr lang="en-US" sz="2000">
+                              <a:solidFill>
+                                <a:srgbClr val="000000"/>
+                              </a:solidFill>
+                              <a:latin typeface="Cambria Math" panose="02040503050406030204" pitchFamily="18" charset="0"/>
+                            </a:rPr>
+                            <m:t>.</m:t>
+                          </m:r>
+                          <m:r>
+                            <m:rPr>
+                              <m:nor/>
+                            </m:rPr>
+                            <a:rPr lang="en-US" sz="2000">
+                              <a:solidFill>
+                                <a:srgbClr val="000000"/>
+                              </a:solidFill>
+                              <a:latin typeface="Cambria Math" panose="02040503050406030204" pitchFamily="18" charset="0"/>
+                            </a:rPr>
+                            <m:t>9048</m:t>
+                          </m:r>
+                        </m:den>
+                      </m:f>
+                      <m:r>
+                        <a:rPr lang="en-US" sz="2000" i="1">
+                          <a:solidFill>
+                            <a:srgbClr val="000000"/>
+                          </a:solidFill>
+                          <a:latin typeface="Cambria Math" panose="02040503050406030204" pitchFamily="18" charset="0"/>
+                        </a:rPr>
+                        <m:t>=</m:t>
+                      </m:r>
+                      <m:f>
+                        <m:fPr>
+                          <m:ctrlPr>
+                            <a:rPr lang="en-US" sz="2000" i="1">
+                              <a:solidFill>
+                                <a:srgbClr val="000000"/>
+                              </a:solidFill>
+                              <a:latin typeface="Cambria Math" panose="02040503050406030204" pitchFamily="18" charset="0"/>
+                            </a:rPr>
+                          </m:ctrlPr>
+                        </m:fPr>
+                        <m:num>
+                          <m:r>
+                            <a:rPr lang="en-US" sz="2000" i="1">
+                              <a:solidFill>
+                                <a:srgbClr val="000000"/>
+                              </a:solidFill>
+                              <a:latin typeface="Cambria Math" panose="02040503050406030204" pitchFamily="18" charset="0"/>
+                            </a:rPr>
+                            <m:t>0</m:t>
+                          </m:r>
+                          <m:r>
+                            <a:rPr lang="en-US" sz="2000" i="1">
+                              <a:solidFill>
+                                <a:srgbClr val="000000"/>
+                              </a:solidFill>
+                              <a:latin typeface="Cambria Math" panose="02040503050406030204" pitchFamily="18" charset="0"/>
+                            </a:rPr>
+                            <m:t>.</m:t>
+                          </m:r>
+                          <m:r>
+                            <a:rPr lang="en-US" sz="2000" i="1">
+                              <a:solidFill>
+                                <a:srgbClr val="000000"/>
+                              </a:solidFill>
+                              <a:latin typeface="Cambria Math" panose="02040503050406030204" pitchFamily="18" charset="0"/>
+                            </a:rPr>
+                            <m:t>1722</m:t>
+                          </m:r>
+                          <m:r>
+                            <a:rPr lang="en-US" sz="2000" i="1">
+                              <a:solidFill>
+                                <a:srgbClr val="000000"/>
+                              </a:solidFill>
+                              <a:latin typeface="Cambria Math" panose="02040503050406030204" pitchFamily="18" charset="0"/>
+                            </a:rPr>
+                            <m:t>𝑍</m:t>
+                          </m:r>
+                          <m:r>
+                            <a:rPr lang="en-US" sz="2000" i="1">
+                              <a:solidFill>
+                                <a:srgbClr val="000000"/>
+                              </a:solidFill>
+                              <a:latin typeface="Cambria Math" panose="02040503050406030204" pitchFamily="18" charset="0"/>
+                            </a:rPr>
+                            <m:t>−</m:t>
+                          </m:r>
+                          <m:r>
+                            <a:rPr lang="en-US" sz="2000" i="1">
+                              <a:solidFill>
+                                <a:srgbClr val="000000"/>
+                              </a:solidFill>
+                              <a:latin typeface="Cambria Math" panose="02040503050406030204" pitchFamily="18" charset="0"/>
+                            </a:rPr>
+                            <m:t>0</m:t>
+                          </m:r>
+                          <m:r>
+                            <a:rPr lang="en-US" sz="2000" i="1">
+                              <a:solidFill>
+                                <a:srgbClr val="000000"/>
+                              </a:solidFill>
+                              <a:latin typeface="Cambria Math" panose="02040503050406030204" pitchFamily="18" charset="0"/>
+                            </a:rPr>
+                            <m:t>.</m:t>
+                          </m:r>
+                          <m:r>
+                            <a:rPr lang="en-US" sz="2000" i="1">
+                              <a:solidFill>
+                                <a:srgbClr val="000000"/>
+                              </a:solidFill>
+                              <a:latin typeface="Cambria Math" panose="02040503050406030204" pitchFamily="18" charset="0"/>
+                            </a:rPr>
+                            <m:t>1722</m:t>
+                          </m:r>
+                        </m:num>
+                        <m:den>
+                          <m:sSup>
+                            <m:sSupPr>
+                              <m:ctrlPr>
+                                <a:rPr lang="en-US" sz="2000" i="1">
+                                  <a:solidFill>
+                                    <a:srgbClr val="000000"/>
+                                  </a:solidFill>
+                                  <a:latin typeface="Cambria Math" panose="02040503050406030204" pitchFamily="18" charset="0"/>
+                                </a:rPr>
+                              </m:ctrlPr>
+                            </m:sSupPr>
+                            <m:e>
+                              <m:r>
+                                <a:rPr lang="en-US" sz="2000" i="1">
+                                  <a:solidFill>
+                                    <a:srgbClr val="000000"/>
+                                  </a:solidFill>
+                                  <a:latin typeface="Cambria Math" panose="02040503050406030204" pitchFamily="18" charset="0"/>
+                                </a:rPr>
+                                <m:t>𝑍</m:t>
+                              </m:r>
+                            </m:e>
+                            <m:sup>
+                              <m:r>
+                                <a:rPr lang="en-US" sz="2000" i="1">
+                                  <a:solidFill>
+                                    <a:srgbClr val="000000"/>
+                                  </a:solidFill>
+                                  <a:latin typeface="Cambria Math" panose="02040503050406030204" pitchFamily="18" charset="0"/>
+                                </a:rPr>
+                                <m:t>2</m:t>
+                              </m:r>
+                            </m:sup>
+                          </m:sSup>
+                          <m:r>
+                            <a:rPr lang="en-US" sz="2000" i="1">
+                              <a:solidFill>
+                                <a:srgbClr val="000000"/>
+                              </a:solidFill>
+                              <a:latin typeface="Cambria Math" panose="02040503050406030204" pitchFamily="18" charset="0"/>
+                            </a:rPr>
+                            <m:t>−</m:t>
+                          </m:r>
+                          <m:r>
+                            <a:rPr lang="en-US" sz="2000" i="1">
+                              <a:solidFill>
+                                <a:srgbClr val="000000"/>
+                              </a:solidFill>
+                              <a:latin typeface="Cambria Math" panose="02040503050406030204" pitchFamily="18" charset="0"/>
+                            </a:rPr>
+                            <m:t>1</m:t>
+                          </m:r>
+                          <m:r>
+                            <a:rPr lang="en-US" sz="2000" i="1">
+                              <a:solidFill>
+                                <a:srgbClr val="000000"/>
+                              </a:solidFill>
+                              <a:latin typeface="Cambria Math" panose="02040503050406030204" pitchFamily="18" charset="0"/>
+                            </a:rPr>
+                            <m:t>.</m:t>
+                          </m:r>
+                          <m:r>
+                            <a:rPr lang="en-US" sz="2000" i="1">
+                              <a:solidFill>
+                                <a:srgbClr val="000000"/>
+                              </a:solidFill>
+                              <a:latin typeface="Cambria Math" panose="02040503050406030204" pitchFamily="18" charset="0"/>
+                            </a:rPr>
+                            <m:t>7236</m:t>
+                          </m:r>
+                          <m:r>
+                            <a:rPr lang="en-US" sz="2000" i="1">
+                              <a:solidFill>
+                                <a:srgbClr val="000000"/>
+                              </a:solidFill>
+                              <a:latin typeface="Cambria Math" panose="02040503050406030204" pitchFamily="18" charset="0"/>
+                            </a:rPr>
+                            <m:t>𝑍</m:t>
+                          </m:r>
+                          <m:r>
+                            <a:rPr lang="en-US" sz="2000" i="1">
+                              <a:solidFill>
+                                <a:srgbClr val="000000"/>
+                              </a:solidFill>
+                              <a:latin typeface="Cambria Math" panose="02040503050406030204" pitchFamily="18" charset="0"/>
+                            </a:rPr>
+                            <m:t>+</m:t>
+                          </m:r>
+                          <m:r>
+                            <a:rPr lang="en-US" sz="2000" i="1">
+                              <a:solidFill>
+                                <a:srgbClr val="000000"/>
+                              </a:solidFill>
+                              <a:latin typeface="Cambria Math" panose="02040503050406030204" pitchFamily="18" charset="0"/>
+                            </a:rPr>
+                            <m:t>0</m:t>
+                          </m:r>
+                          <m:r>
+                            <a:rPr lang="en-US" sz="2000" i="1">
+                              <a:solidFill>
+                                <a:srgbClr val="000000"/>
+                              </a:solidFill>
+                              <a:latin typeface="Cambria Math" panose="02040503050406030204" pitchFamily="18" charset="0"/>
+                            </a:rPr>
+                            <m:t>.</m:t>
+                          </m:r>
+                          <m:r>
+                            <a:rPr lang="en-US" sz="2000" i="1">
+                              <a:solidFill>
+                                <a:srgbClr val="000000"/>
+                              </a:solidFill>
+                              <a:latin typeface="Cambria Math" panose="02040503050406030204" pitchFamily="18" charset="0"/>
+                            </a:rPr>
+                            <m:t>7408</m:t>
+                          </m:r>
+                        </m:den>
+                      </m:f>
+                    </m:oMath>
+                  </m:oMathPara>
+                </a14:m>
+                <a:endParaRPr lang="en-US" sz="2000" dirty="0"/>
+              </a:p>
+              <a:p>
+                <a:pPr/>
+                <a:endParaRPr lang="en-US" sz="2000" dirty="0"/>
+              </a:p>
+            </p:txBody>
+          </p:sp>
+        </mc:Choice>
+        <mc:Fallback>
+          <p:sp>
+            <p:nvSpPr>
+              <p:cNvPr id="33" name="Object 5">
+                <a:extLst>
+                  <a:ext uri="{FF2B5EF4-FFF2-40B4-BE49-F238E27FC236}">
+                    <a16:creationId xmlns:a16="http://schemas.microsoft.com/office/drawing/2014/main" id="{8812AA28-4726-4979-A081-9D01E0BB5B52}"/>
+                  </a:ext>
+                </a:extLst>
+              </p:cNvPr>
+              <p:cNvSpPr txBox="1">
+                <a:spLocks noRot="1" noChangeAspect="1" noMove="1" noResize="1" noEditPoints="1" noAdjustHandles="1" noChangeArrowheads="1" noChangeShapeType="1" noTextEdit="1"/>
+              </p:cNvSpPr>
+              <p:nvPr/>
+            </p:nvSpPr>
+            <p:spPr bwMode="auto">
+              <a:xfrm>
+                <a:off x="594509" y="5190656"/>
+                <a:ext cx="11060131" cy="830997"/>
+              </a:xfrm>
+              <a:prstGeom prst="rect">
+                <a:avLst/>
+              </a:prstGeom>
+              <a:blipFill>
+                <a:blip r:embed="rId5"/>
+                <a:stretch>
+                  <a:fillRect/>
+                </a:stretch>
+              </a:blipFill>
+            </p:spPr>
+            <p:txBody>
+              <a:bodyPr/>
+              <a:lstStyle/>
+              <a:p>
+                <a:r>
+                  <a:rPr lang="en-US">
+                    <a:noFill/>
+                  </a:rPr>
+                  <a:t> </a:t>
+                </a:r>
+              </a:p>
+            </p:txBody>
+          </p:sp>
+        </mc:Fallback>
+      </mc:AlternateContent>
+      <p:sp>
+        <p:nvSpPr>
+          <p:cNvPr id="41" name="مربع نص 11">
+            <a:extLst>
+              <a:ext uri="{FF2B5EF4-FFF2-40B4-BE49-F238E27FC236}">
+                <a16:creationId xmlns:a16="http://schemas.microsoft.com/office/drawing/2014/main" id="{A2AFE3F7-862E-4F1E-AB69-02D17FD6FD49}"/>
+              </a:ext>
+            </a:extLst>
+          </p:cNvPr>
+          <p:cNvSpPr txBox="1"/>
+          <p:nvPr/>
+        </p:nvSpPr>
+        <p:spPr>
+          <a:xfrm>
+            <a:off x="615589" y="1947574"/>
+            <a:ext cx="10960813" cy="830997"/>
+          </a:xfrm>
+          <a:prstGeom prst="rect">
+            <a:avLst/>
+          </a:prstGeom>
+          <a:noFill/>
+        </p:spPr>
+        <p:txBody>
+          <a:bodyPr wrap="square" rtlCol="1">
+            <a:spAutoFit/>
+          </a:bodyPr>
+          <a:lstStyle/>
+          <a:p>
+            <a:pPr algn="just" rtl="1"/>
+            <a:r>
+              <a:rPr lang="ar-SY" sz="2400" b="1" dirty="0"/>
+              <a:t>فإذا علمت أن هذا النظام موصول على التسلسل مع دارة تقطيع ومسك من المرتبة </a:t>
+            </a:r>
+            <a:r>
+              <a:rPr lang="ar-SY" sz="2400" b="1" dirty="0" err="1"/>
+              <a:t>صفر</a:t>
+            </a:r>
+            <a:r>
+              <a:rPr lang="ar-SY" sz="2400" b="1" dirty="0" err="1">
+                <a:latin typeface="Times New Roman" pitchFamily="18" charset="0"/>
+              </a:rPr>
+              <a:t>.</a:t>
+            </a:r>
+            <a:r>
+              <a:rPr lang="ar-SY" sz="2400" b="1" dirty="0">
+                <a:latin typeface="Times New Roman" pitchFamily="18" charset="0"/>
+              </a:rPr>
+              <a:t> </a:t>
+            </a:r>
+            <a:r>
+              <a:rPr lang="ar-SY" sz="2400" b="1" dirty="0">
+                <a:latin typeface="Times New Roman" pitchFamily="18" charset="0"/>
+                <a:sym typeface="Symbol"/>
+              </a:rPr>
+              <a:t>المطلوب: أوجد تابع انتقال النظام المتقطع الجديد من أجل </a:t>
+            </a:r>
+            <a:r>
+              <a:rPr lang="en-US" sz="2400" b="1" dirty="0">
+                <a:latin typeface="Times New Roman" pitchFamily="18" charset="0"/>
+                <a:sym typeface="Symbol"/>
+              </a:rPr>
+              <a:t>T</a:t>
+            </a:r>
+            <a:r>
+              <a:rPr lang="en-US" sz="2400" b="1" baseline="-25000" dirty="0">
+                <a:latin typeface="Times New Roman" pitchFamily="18" charset="0"/>
+                <a:sym typeface="Symbol"/>
+              </a:rPr>
+              <a:t>s</a:t>
+            </a:r>
+            <a:r>
+              <a:rPr lang="en-US" sz="2400" b="1" dirty="0">
+                <a:latin typeface="Times New Roman" pitchFamily="18" charset="0"/>
+                <a:sym typeface="Symbol"/>
+              </a:rPr>
+              <a:t>=0.1 sec</a:t>
+            </a:r>
+            <a:r>
+              <a:rPr lang="ar-SY" sz="2400" b="1" dirty="0">
+                <a:latin typeface="Times New Roman" pitchFamily="18" charset="0"/>
+                <a:sym typeface="Symbol"/>
+              </a:rPr>
+              <a:t> ثم أوجد المعادلة </a:t>
+            </a:r>
+            <a:r>
+              <a:rPr lang="ar-SY" sz="2400" b="1" dirty="0" err="1">
+                <a:latin typeface="Times New Roman" pitchFamily="18" charset="0"/>
+                <a:sym typeface="Symbol"/>
+              </a:rPr>
+              <a:t>الفرقية</a:t>
+            </a:r>
+            <a:r>
+              <a:rPr lang="ar-SY" sz="2400" b="1" dirty="0">
+                <a:latin typeface="Times New Roman" pitchFamily="18" charset="0"/>
+                <a:sym typeface="Symbol"/>
+              </a:rPr>
+              <a:t> للنظام.</a:t>
+            </a:r>
+          </a:p>
+        </p:txBody>
+      </p:sp>
+      <mc:AlternateContent xmlns:mc="http://schemas.openxmlformats.org/markup-compatibility/2006">
+        <mc:Choice xmlns:a14="http://schemas.microsoft.com/office/drawing/2010/main" Requires="a14">
+          <p:sp>
+            <p:nvSpPr>
+              <p:cNvPr id="13" name="Object 5">
+                <a:extLst>
+                  <a:ext uri="{FF2B5EF4-FFF2-40B4-BE49-F238E27FC236}">
+                    <a16:creationId xmlns:a16="http://schemas.microsoft.com/office/drawing/2014/main" id="{23298AE1-E39B-4B08-95E6-6FAA52ADF722}"/>
+                  </a:ext>
+                </a:extLst>
+              </p:cNvPr>
+              <p:cNvSpPr txBox="1"/>
+              <p:nvPr/>
+            </p:nvSpPr>
+            <p:spPr bwMode="auto">
+              <a:xfrm>
+                <a:off x="4608509" y="1083431"/>
+                <a:ext cx="2974975" cy="919163"/>
+              </a:xfrm>
+              <a:prstGeom prst="rect">
+                <a:avLst/>
+              </a:prstGeom>
+              <a:noFill/>
+            </p:spPr>
+            <p:txBody>
+              <a:bodyPr>
+                <a:normAutofit/>
+              </a:bodyPr>
+              <a:lstStyle/>
+              <a:p>
+                <a:pPr/>
+                <a14:m>
+                  <m:oMathPara xmlns:m="http://schemas.openxmlformats.org/officeDocument/2006/math">
+                    <m:oMathParaPr>
+                      <m:jc m:val="center"/>
+                    </m:oMathParaPr>
+                    <m:oMath xmlns:m="http://schemas.openxmlformats.org/officeDocument/2006/math">
+                      <m:r>
+                        <a:rPr lang="en-US" sz="2400" i="1">
+                          <a:solidFill>
+                            <a:srgbClr val="000000"/>
+                          </a:solidFill>
+                          <a:latin typeface="Cambria Math" panose="02040503050406030204" pitchFamily="18" charset="0"/>
+                        </a:rPr>
+                        <m:t>𝐻</m:t>
+                      </m:r>
+                      <m:r>
+                        <a:rPr lang="en-US" sz="2400" i="1">
+                          <a:solidFill>
+                            <a:srgbClr val="000000"/>
+                          </a:solidFill>
+                          <a:latin typeface="Cambria Math" panose="02040503050406030204" pitchFamily="18" charset="0"/>
+                        </a:rPr>
+                        <m:t>(</m:t>
+                      </m:r>
+                      <m:r>
+                        <a:rPr lang="en-US" sz="2400" i="1">
+                          <a:solidFill>
+                            <a:srgbClr val="000000"/>
+                          </a:solidFill>
+                          <a:latin typeface="Cambria Math" panose="02040503050406030204" pitchFamily="18" charset="0"/>
+                        </a:rPr>
+                        <m:t>𝑆</m:t>
+                      </m:r>
+                      <m:r>
+                        <a:rPr lang="en-US" sz="2400" i="1">
+                          <a:solidFill>
+                            <a:srgbClr val="000000"/>
+                          </a:solidFill>
+                          <a:latin typeface="Cambria Math" panose="02040503050406030204" pitchFamily="18" charset="0"/>
+                        </a:rPr>
+                        <m:t>)=</m:t>
+                      </m:r>
+                      <m:f>
+                        <m:fPr>
+                          <m:ctrlPr>
+                            <a:rPr lang="en-US" sz="2400" i="1">
+                              <a:solidFill>
+                                <a:srgbClr val="000000"/>
+                              </a:solidFill>
+                              <a:latin typeface="Cambria Math" panose="02040503050406030204" pitchFamily="18" charset="0"/>
+                            </a:rPr>
+                          </m:ctrlPr>
+                        </m:fPr>
+                        <m:num>
+                          <m:r>
+                            <a:rPr lang="en-US" sz="2400" i="1">
+                              <a:solidFill>
+                                <a:srgbClr val="000000"/>
+                              </a:solidFill>
+                              <a:latin typeface="Cambria Math" panose="02040503050406030204" pitchFamily="18" charset="0"/>
+                            </a:rPr>
+                            <m:t>2</m:t>
+                          </m:r>
+                          <m:r>
+                            <a:rPr lang="en-US" sz="2400" i="1">
+                              <a:solidFill>
+                                <a:srgbClr val="000000"/>
+                              </a:solidFill>
+                              <a:latin typeface="Cambria Math" panose="02040503050406030204" pitchFamily="18" charset="0"/>
+                            </a:rPr>
+                            <m:t>𝑆</m:t>
+                          </m:r>
+                        </m:num>
+                        <m:den>
+                          <m:sSup>
+                            <m:sSupPr>
+                              <m:ctrlPr>
+                                <a:rPr lang="en-US" sz="2400" i="1">
+                                  <a:solidFill>
+                                    <a:srgbClr val="000000"/>
+                                  </a:solidFill>
+                                  <a:latin typeface="Cambria Math" panose="02040503050406030204" pitchFamily="18" charset="0"/>
+                                </a:rPr>
+                              </m:ctrlPr>
+                            </m:sSupPr>
+                            <m:e>
+                              <m:r>
+                                <a:rPr lang="en-US" sz="2400" i="1">
+                                  <a:solidFill>
+                                    <a:srgbClr val="000000"/>
+                                  </a:solidFill>
+                                  <a:latin typeface="Cambria Math" panose="02040503050406030204" pitchFamily="18" charset="0"/>
+                                </a:rPr>
+                                <m:t>𝑆</m:t>
+                              </m:r>
+                            </m:e>
+                            <m:sup>
+                              <m:r>
+                                <a:rPr lang="en-US" sz="2400" i="1">
+                                  <a:solidFill>
+                                    <a:srgbClr val="000000"/>
+                                  </a:solidFill>
+                                  <a:latin typeface="Cambria Math" panose="02040503050406030204" pitchFamily="18" charset="0"/>
+                                </a:rPr>
+                                <m:t>2</m:t>
+                              </m:r>
+                            </m:sup>
+                          </m:sSup>
+                          <m:r>
+                            <a:rPr lang="en-US" sz="2400" i="1">
+                              <a:solidFill>
+                                <a:srgbClr val="000000"/>
+                              </a:solidFill>
+                              <a:latin typeface="Cambria Math" panose="02040503050406030204" pitchFamily="18" charset="0"/>
+                            </a:rPr>
+                            <m:t>+</m:t>
+                          </m:r>
+                          <m:r>
+                            <a:rPr lang="en-US" sz="2400" i="1">
+                              <a:solidFill>
+                                <a:srgbClr val="000000"/>
+                              </a:solidFill>
+                              <a:latin typeface="Cambria Math" panose="02040503050406030204" pitchFamily="18" charset="0"/>
+                            </a:rPr>
+                            <m:t>3</m:t>
+                          </m:r>
+                          <m:r>
+                            <a:rPr lang="en-US" sz="2400" i="1">
+                              <a:solidFill>
+                                <a:srgbClr val="000000"/>
+                              </a:solidFill>
+                              <a:latin typeface="Cambria Math" panose="02040503050406030204" pitchFamily="18" charset="0"/>
+                            </a:rPr>
+                            <m:t>𝑆</m:t>
+                          </m:r>
+                          <m:r>
+                            <a:rPr lang="en-US" sz="2400" i="1">
+                              <a:solidFill>
+                                <a:srgbClr val="000000"/>
+                              </a:solidFill>
+                              <a:latin typeface="Cambria Math" panose="02040503050406030204" pitchFamily="18" charset="0"/>
+                            </a:rPr>
+                            <m:t>+</m:t>
+                          </m:r>
+                          <m:r>
+                            <a:rPr lang="en-US" sz="2400" i="1">
+                              <a:solidFill>
+                                <a:srgbClr val="000000"/>
+                              </a:solidFill>
+                              <a:latin typeface="Cambria Math" panose="02040503050406030204" pitchFamily="18" charset="0"/>
+                            </a:rPr>
+                            <m:t>2</m:t>
+                          </m:r>
+                        </m:den>
+                      </m:f>
+                    </m:oMath>
+                  </m:oMathPara>
+                </a14:m>
+                <a:endParaRPr lang="en-US" sz="2400" dirty="0"/>
+              </a:p>
+            </p:txBody>
+          </p:sp>
+        </mc:Choice>
+        <mc:Fallback>
+          <p:sp>
+            <p:nvSpPr>
+              <p:cNvPr id="13" name="Object 5">
+                <a:extLst>
+                  <a:ext uri="{FF2B5EF4-FFF2-40B4-BE49-F238E27FC236}">
+                    <a16:creationId xmlns:a16="http://schemas.microsoft.com/office/drawing/2014/main" id="{23298AE1-E39B-4B08-95E6-6FAA52ADF722}"/>
+                  </a:ext>
+                </a:extLst>
+              </p:cNvPr>
+              <p:cNvSpPr txBox="1">
+                <a:spLocks noRot="1" noChangeAspect="1" noMove="1" noResize="1" noEditPoints="1" noAdjustHandles="1" noChangeArrowheads="1" noChangeShapeType="1" noTextEdit="1"/>
+              </p:cNvSpPr>
+              <p:nvPr/>
+            </p:nvSpPr>
+            <p:spPr bwMode="auto">
+              <a:xfrm>
+                <a:off x="4608509" y="1083431"/>
+                <a:ext cx="2974975" cy="919163"/>
+              </a:xfrm>
+              <a:prstGeom prst="rect">
+                <a:avLst/>
+              </a:prstGeom>
+              <a:blipFill>
+                <a:blip r:embed="rId6"/>
+                <a:stretch>
+                  <a:fillRect/>
+                </a:stretch>
+              </a:blipFill>
+            </p:spPr>
+            <p:txBody>
+              <a:bodyPr/>
+              <a:lstStyle/>
+              <a:p>
+                <a:r>
+                  <a:rPr lang="en-US">
+                    <a:noFill/>
+                  </a:rPr>
+                  <a:t> </a:t>
+                </a:r>
+              </a:p>
+            </p:txBody>
+          </p:sp>
+        </mc:Fallback>
+      </mc:AlternateContent>
+    </p:spTree>
+    <p:extLst>
+      <p:ext uri="{BB962C8B-B14F-4D97-AF65-F5344CB8AC3E}">
+        <p14:creationId xmlns:p14="http://schemas.microsoft.com/office/powerpoint/2010/main" val="3823493045"/>
+      </p:ext>
+    </p:extLst>
+  </p:cSld>
+  <p:clrMapOvr>
+    <a:masterClrMapping/>
+  </p:clrMapOvr>
+  <p:timing>
+    <p:tnLst>
+      <p:par>
+        <p:cTn id="1" dur="indefinite" restart="never" nodeType="tmRoot">
+          <p:childTnLst>
+            <p:seq concurrent="1" nextAc="seek">
+              <p:cTn id="2" dur="indefinite" nodeType="mainSeq">
+                <p:childTnLst>
+                  <p:par>
+                    <p:cTn id="3" fill="hold">
+                      <p:stCondLst>
+                        <p:cond delay="indefinite"/>
+                      </p:stCondLst>
+                      <p:childTnLst>
+                        <p:par>
+                          <p:cTn id="4" fill="hold">
+                            <p:stCondLst>
+                              <p:cond delay="0"/>
+                            </p:stCondLst>
+                            <p:childTnLst>
+                              <p:par>
+                                <p:cTn id="5" presetID="1" presetClass="entr" presetSubtype="0" fill="hold" grpId="0" nodeType="clickEffect">
+                                  <p:stCondLst>
+                                    <p:cond delay="0"/>
+                                  </p:stCondLst>
+                                  <p:childTnLst>
+                                    <p:set>
+                                      <p:cBhvr>
+                                        <p:cTn id="6" dur="1" fill="hold">
+                                          <p:stCondLst>
+                                            <p:cond delay="0"/>
+                                          </p:stCondLst>
+                                        </p:cTn>
+                                        <p:tgtEl>
+                                          <p:spTgt spid="41"/>
+                                        </p:tgtEl>
+                                        <p:attrNameLst>
+                                          <p:attrName>style.visibility</p:attrName>
+                                        </p:attrNameLst>
+                                      </p:cBhvr>
+                                      <p:to>
+                                        <p:strVal val="visible"/>
+                                      </p:to>
+                                    </p:set>
+                                  </p:childTnLst>
+                                </p:cTn>
+                              </p:par>
+                              <p:par>
+                                <p:cTn id="7" presetID="1" presetClass="entr" presetSubtype="0" fill="hold" grpId="0" nodeType="withEffect">
+                                  <p:stCondLst>
+                                    <p:cond delay="0"/>
+                                  </p:stCondLst>
+                                  <p:childTnLst>
+                                    <p:set>
+                                      <p:cBhvr>
+                                        <p:cTn id="8" dur="1" fill="hold">
+                                          <p:stCondLst>
+                                            <p:cond delay="0"/>
+                                          </p:stCondLst>
+                                        </p:cTn>
+                                        <p:tgtEl>
+                                          <p:spTgt spid="15"/>
+                                        </p:tgtEl>
+                                        <p:attrNameLst>
+                                          <p:attrName>style.visibility</p:attrName>
+                                        </p:attrNameLst>
+                                      </p:cBhvr>
+                                      <p:to>
+                                        <p:strVal val="visible"/>
+                                      </p:to>
+                                    </p:set>
+                                  </p:childTnLst>
+                                </p:cTn>
+                              </p:par>
+                              <p:par>
+                                <p:cTn id="9" presetID="1" presetClass="entr" presetSubtype="0" fill="hold" grpId="0" nodeType="withEffect">
+                                  <p:stCondLst>
+                                    <p:cond delay="0"/>
+                                  </p:stCondLst>
+                                  <p:childTnLst>
+                                    <p:set>
+                                      <p:cBhvr>
+                                        <p:cTn id="10" dur="1" fill="hold">
+                                          <p:stCondLst>
+                                            <p:cond delay="0"/>
+                                          </p:stCondLst>
+                                        </p:cTn>
+                                        <p:tgtEl>
+                                          <p:spTgt spid="13"/>
+                                        </p:tgtEl>
+                                        <p:attrNameLst>
+                                          <p:attrName>style.visibility</p:attrName>
+                                        </p:attrNameLst>
+                                      </p:cBhvr>
+                                      <p:to>
+                                        <p:strVal val="visible"/>
+                                      </p:to>
+                                    </p:set>
+                                  </p:childTnLst>
+                                </p:cTn>
+                              </p:par>
+                            </p:childTnLst>
+                          </p:cTn>
+                        </p:par>
+                      </p:childTnLst>
+                    </p:cTn>
+                  </p:par>
+                  <p:par>
+                    <p:cTn id="11" fill="hold">
+                      <p:stCondLst>
+                        <p:cond delay="indefinite"/>
+                      </p:stCondLst>
+                      <p:childTnLst>
+                        <p:par>
+                          <p:cTn id="12" fill="hold">
+                            <p:stCondLst>
+                              <p:cond delay="0"/>
+                            </p:stCondLst>
+                            <p:childTnLst>
+                              <p:par>
+                                <p:cTn id="13" presetID="1" presetClass="entr" presetSubtype="0" fill="hold" grpId="0" nodeType="clickEffect">
+                                  <p:stCondLst>
+                                    <p:cond delay="0"/>
+                                  </p:stCondLst>
+                                  <p:childTnLst>
+                                    <p:set>
+                                      <p:cBhvr>
+                                        <p:cTn id="14" dur="1" fill="hold">
+                                          <p:stCondLst>
+                                            <p:cond delay="0"/>
+                                          </p:stCondLst>
+                                        </p:cTn>
+                                        <p:tgtEl>
+                                          <p:spTgt spid="18"/>
+                                        </p:tgtEl>
+                                        <p:attrNameLst>
+                                          <p:attrName>style.visibility</p:attrName>
+                                        </p:attrNameLst>
+                                      </p:cBhvr>
+                                      <p:to>
+                                        <p:strVal val="visible"/>
+                                      </p:to>
+                                    </p:set>
+                                  </p:childTnLst>
+                                </p:cTn>
+                              </p:par>
+                            </p:childTnLst>
+                          </p:cTn>
+                        </p:par>
+                      </p:childTnLst>
+                    </p:cTn>
+                  </p:par>
+                  <p:par>
+                    <p:cTn id="15" fill="hold">
+                      <p:stCondLst>
+                        <p:cond delay="indefinite"/>
+                      </p:stCondLst>
+                      <p:childTnLst>
+                        <p:par>
+                          <p:cTn id="16" fill="hold">
+                            <p:stCondLst>
+                              <p:cond delay="0"/>
+                            </p:stCondLst>
+                            <p:childTnLst>
+                              <p:par>
+                                <p:cTn id="17" presetID="1" presetClass="entr" presetSubtype="0" fill="hold" grpId="0" nodeType="clickEffect">
+                                  <p:stCondLst>
+                                    <p:cond delay="0"/>
+                                  </p:stCondLst>
+                                  <p:childTnLst>
+                                    <p:set>
+                                      <p:cBhvr>
+                                        <p:cTn id="18" dur="1" fill="hold">
+                                          <p:stCondLst>
+                                            <p:cond delay="0"/>
+                                          </p:stCondLst>
+                                        </p:cTn>
+                                        <p:tgtEl>
+                                          <p:spTgt spid="20"/>
+                                        </p:tgtEl>
+                                        <p:attrNameLst>
+                                          <p:attrName>style.visibility</p:attrName>
+                                        </p:attrNameLst>
+                                      </p:cBhvr>
+                                      <p:to>
+                                        <p:strVal val="visible"/>
+                                      </p:to>
+                                    </p:set>
+                                  </p:childTnLst>
+                                </p:cTn>
+                              </p:par>
+                            </p:childTnLst>
+                          </p:cTn>
+                        </p:par>
+                      </p:childTnLst>
+                    </p:cTn>
+                  </p:par>
+                  <p:par>
+                    <p:cTn id="19" fill="hold">
+                      <p:stCondLst>
+                        <p:cond delay="indefinite"/>
+                      </p:stCondLst>
+                      <p:childTnLst>
+                        <p:par>
+                          <p:cTn id="20" fill="hold">
+                            <p:stCondLst>
+                              <p:cond delay="0"/>
+                            </p:stCondLst>
+                            <p:childTnLst>
+                              <p:par>
+                                <p:cTn id="21" presetID="1" presetClass="entr" presetSubtype="0" fill="hold" grpId="0" nodeType="clickEffect">
+                                  <p:stCondLst>
+                                    <p:cond delay="0"/>
+                                  </p:stCondLst>
+                                  <p:childTnLst>
+                                    <p:set>
+                                      <p:cBhvr>
+                                        <p:cTn id="22" dur="1" fill="hold">
+                                          <p:stCondLst>
+                                            <p:cond delay="0"/>
+                                          </p:stCondLst>
+                                        </p:cTn>
+                                        <p:tgtEl>
+                                          <p:spTgt spid="24"/>
+                                        </p:tgtEl>
+                                        <p:attrNameLst>
+                                          <p:attrName>style.visibility</p:attrName>
+                                        </p:attrNameLst>
+                                      </p:cBhvr>
+                                      <p:to>
+                                        <p:strVal val="visible"/>
+                                      </p:to>
+                                    </p:set>
+                                  </p:childTnLst>
+                                </p:cTn>
+                              </p:par>
+                            </p:childTnLst>
+                          </p:cTn>
+                        </p:par>
+                      </p:childTnLst>
+                    </p:cTn>
+                  </p:par>
+                  <p:par>
+                    <p:cTn id="23" fill="hold">
+                      <p:stCondLst>
+                        <p:cond delay="indefinite"/>
+                      </p:stCondLst>
+                      <p:childTnLst>
+                        <p:par>
+                          <p:cTn id="24" fill="hold">
+                            <p:stCondLst>
+                              <p:cond delay="0"/>
+                            </p:stCondLst>
+                            <p:childTnLst>
+                              <p:par>
+                                <p:cTn id="25" presetID="1" presetClass="entr" presetSubtype="0" fill="hold" grpId="0" nodeType="clickEffect">
+                                  <p:stCondLst>
+                                    <p:cond delay="0"/>
+                                  </p:stCondLst>
+                                  <p:childTnLst>
+                                    <p:set>
+                                      <p:cBhvr>
+                                        <p:cTn id="26" dur="1" fill="hold">
+                                          <p:stCondLst>
+                                            <p:cond delay="0"/>
+                                          </p:stCondLst>
+                                        </p:cTn>
+                                        <p:tgtEl>
+                                          <p:spTgt spid="33"/>
+                                        </p:tgtEl>
+                                        <p:attrNameLst>
+                                          <p:attrName>style.visibility</p:attrName>
+                                        </p:attrNameLst>
+                                      </p:cBhvr>
+                                      <p:to>
+                                        <p:strVal val="visible"/>
+                                      </p:to>
+                                    </p:set>
+                                  </p:childTnLst>
+                                </p:cTn>
+                              </p:par>
+                            </p:childTnLst>
+                          </p:cTn>
+                        </p:par>
+                      </p:childTnLst>
+                    </p:cTn>
+                  </p:par>
+                  <p:par>
+                    <p:cTn id="27" fill="hold">
+                      <p:stCondLst>
+                        <p:cond delay="indefinite"/>
+                      </p:stCondLst>
+                      <p:childTnLst>
+                        <p:par>
+                          <p:cTn id="28" fill="hold">
+                            <p:stCondLst>
+                              <p:cond delay="0"/>
+                            </p:stCondLst>
+                            <p:childTnLst>
+                              <p:par>
+                                <p:cTn id="29" presetID="1" presetClass="entr" presetSubtype="0" fill="hold" grpId="0" nodeType="clickEffect">
+                                  <p:stCondLst>
+                                    <p:cond delay="0"/>
+                                  </p:stCondLst>
+                                  <p:childTnLst>
+                                    <p:set>
+                                      <p:cBhvr>
+                                        <p:cTn id="30" dur="1" fill="hold">
+                                          <p:stCondLst>
+                                            <p:cond delay="0"/>
+                                          </p:stCondLst>
+                                        </p:cTn>
+                                        <p:tgtEl>
+                                          <p:spTgt spid="19"/>
+                                        </p:tgtEl>
+                                        <p:attrNameLst>
+                                          <p:attrName>style.visibility</p:attrName>
+                                        </p:attrNameLst>
+                                      </p:cBhvr>
+                                      <p:to>
+                                        <p:strVal val="visible"/>
+                                      </p:to>
+                                    </p:set>
+                                  </p:childTnLst>
+                                </p:cTn>
+                              </p:par>
+                            </p:childTnLst>
+                          </p:cTn>
+                        </p:par>
+                      </p:childTnLst>
+                    </p:cTn>
+                  </p:par>
+                </p:childTnLst>
+              </p:cTn>
+              <p:prevCondLst>
+                <p:cond evt="onPrev" delay="0">
+                  <p:tgtEl>
+                    <p:sldTgt/>
+                  </p:tgtEl>
+                </p:cond>
+              </p:prevCondLst>
+              <p:nextCondLst>
+                <p:cond evt="onNext" delay="0">
+                  <p:tgtEl>
+                    <p:sldTgt/>
+                  </p:tgtEl>
+                </p:cond>
+              </p:nextCondLst>
+            </p:seq>
+          </p:childTnLst>
+        </p:cTn>
+      </p:par>
+    </p:tnLst>
+    <p:bldLst>
+      <p:bldP spid="15" grpId="0"/>
+      <p:bldP spid="18" grpId="0"/>
+      <p:bldP spid="19" grpId="0"/>
+      <p:bldP spid="20" grpId="0"/>
+      <p:bldP spid="24" grpId="0"/>
+      <p:bldP spid="33" grpId="0"/>
+      <p:bldP spid="41" grpId="0"/>
+      <p:bldP spid="13" grpId="0"/>
+    </p:bldLst>
+  </p:timing>
+</p:sld>
+</file>
+
+<file path=ppt/slides/slide13.xml><?xml version="1.0" encoding="utf-8"?>
+<p:sld xmlns:a="http://schemas.openxmlformats.org/drawingml/2006/main" xmlns:r="http://schemas.openxmlformats.org/officeDocument/2006/relationships" xmlns:p="http://schemas.openxmlformats.org/presentationml/2006/main">
+  <p:cSld>
+    <p:spTree>
+      <p:nvGrpSpPr>
+        <p:cNvPr id="1" name=""/>
+        <p:cNvGrpSpPr/>
+        <p:nvPr/>
+      </p:nvGrpSpPr>
+      <p:grpSpPr>
+        <a:xfrm>
+          <a:off x="0" y="0"/>
+          <a:ext cx="0" cy="0"/>
+          <a:chOff x="0" y="0"/>
+          <a:chExt cx="0" cy="0"/>
+        </a:xfrm>
+      </p:grpSpPr>
+      <p:sp>
+        <p:nvSpPr>
+          <p:cNvPr id="4" name="Title 1">
+            <a:extLst>
+              <a:ext uri="{FF2B5EF4-FFF2-40B4-BE49-F238E27FC236}">
+                <a16:creationId xmlns:a16="http://schemas.microsoft.com/office/drawing/2014/main" id="{E9E81F81-CF43-43F7-9001-964E74EF82BE}"/>
+              </a:ext>
+            </a:extLst>
+          </p:cNvPr>
+          <p:cNvSpPr>
+            <a:spLocks noGrp="1"/>
+          </p:cNvSpPr>
+          <p:nvPr>
+            <p:ph type="title"/>
+          </p:nvPr>
+        </p:nvSpPr>
+        <p:spPr>
+          <a:xfrm>
+            <a:off x="838200" y="0"/>
+            <a:ext cx="10515600" cy="811658"/>
+          </a:xfrm>
+        </p:spPr>
+        <p:txBody>
+          <a:bodyPr>
+            <a:normAutofit/>
+          </a:bodyPr>
+          <a:lstStyle/>
+          <a:p>
+            <a:pPr algn="ctr" rtl="1"/>
+            <a:r>
+              <a:rPr lang="ar-SY" sz="3600" b="1" dirty="0">
+                <a:solidFill>
+                  <a:srgbClr val="FF0000"/>
+                </a:solidFill>
+              </a:rPr>
               <a:t>التكميم </a:t>
             </a:r>
             <a:r>
@@ -4550,7 +11973,7 @@
 </p:sld>
 </file>
 
-<file path=ppt/slides/slide12.xml><?xml version="1.0" encoding="utf-8"?>
+<file path=ppt/slides/slide14.xml><?xml version="1.0" encoding="utf-8"?>
 <p:sld xmlns:a="http://schemas.openxmlformats.org/drawingml/2006/main" xmlns:r="http://schemas.openxmlformats.org/officeDocument/2006/relationships" xmlns:p="http://schemas.openxmlformats.org/presentationml/2006/main">
   <p:cSld>
     <p:spTree>
@@ -5875,7 +13298,7 @@
 </p:sld>
 </file>
 
-<file path=ppt/slides/slide13.xml><?xml version="1.0" encoding="utf-8"?>
+<file path=ppt/slides/slide15.xml><?xml version="1.0" encoding="utf-8"?>
 <p:sld xmlns:a="http://schemas.openxmlformats.org/drawingml/2006/main" xmlns:r="http://schemas.openxmlformats.org/officeDocument/2006/relationships" xmlns:p="http://schemas.openxmlformats.org/presentationml/2006/main">
   <p:cSld>
     <p:spTree>
@@ -5940,8 +13363,8 @@
           </a:p>
         </p:txBody>
       </p:sp>
-      <mc:AlternateContent xmlns:mc="http://schemas.openxmlformats.org/markup-compatibility/2006">
-        <mc:Choice xmlns:a14="http://schemas.microsoft.com/office/drawing/2010/main" Requires="a14">
+      <mc:AlternateContent xmlns:mc="http://schemas.openxmlformats.org/markup-compatibility/2006" xmlns:a14="http://schemas.microsoft.com/office/drawing/2010/main">
+        <mc:Choice Requires="a14">
           <p:sp>
             <p:nvSpPr>
               <p:cNvPr id="3" name="Rectangle 2">
@@ -6647,7 +14070,7 @@
             </p:txBody>
           </p:sp>
         </mc:Choice>
-        <mc:Fallback>
+        <mc:Fallback xmlns="">
           <p:sp>
             <p:nvSpPr>
               <p:cNvPr id="3" name="Rectangle 2">
@@ -7585,7 +15008,7 @@
 </p:sld>
 </file>
 
-<file path=ppt/slides/slide14.xml><?xml version="1.0" encoding="utf-8"?>
+<file path=ppt/slides/slide16.xml><?xml version="1.0" encoding="utf-8"?>
 <p:sld xmlns:a="http://schemas.openxmlformats.org/drawingml/2006/main" xmlns:r="http://schemas.openxmlformats.org/officeDocument/2006/relationships" xmlns:p="http://schemas.openxmlformats.org/presentationml/2006/main">
   <p:cSld>
     <p:spTree>
@@ -8188,7 +15611,7 @@
 </p:sld>
 </file>
 
-<file path=ppt/slides/slide15.xml><?xml version="1.0" encoding="utf-8"?>
+<file path=ppt/slides/slide17.xml><?xml version="1.0" encoding="utf-8"?>
 <p:sld xmlns:a="http://schemas.openxmlformats.org/drawingml/2006/main" xmlns:r="http://schemas.openxmlformats.org/officeDocument/2006/relationships" xmlns:p="http://schemas.openxmlformats.org/presentationml/2006/main">
   <p:cSld>
     <p:spTree>
@@ -9468,8 +16891,8 @@
           </a:p>
         </p:txBody>
       </p:sp>
-      <mc:AlternateContent xmlns:mc="http://schemas.openxmlformats.org/markup-compatibility/2006">
-        <mc:Choice xmlns:a14="http://schemas.microsoft.com/office/drawing/2010/main" Requires="a14">
+      <mc:AlternateContent xmlns:mc="http://schemas.openxmlformats.org/markup-compatibility/2006" xmlns:a14="http://schemas.microsoft.com/office/drawing/2010/main">
+        <mc:Choice Requires="a14">
           <p:sp>
             <p:nvSpPr>
               <p:cNvPr id="6" name="Object 11">
@@ -9758,7 +17181,7 @@
             </p:txBody>
           </p:sp>
         </mc:Choice>
-        <mc:Fallback>
+        <mc:Fallback xmlns="">
           <p:sp>
             <p:nvSpPr>
               <p:cNvPr id="6" name="Object 11">
@@ -9803,8 +17226,8 @@
           </p:sp>
         </mc:Fallback>
       </mc:AlternateContent>
-      <mc:AlternateContent xmlns:mc="http://schemas.openxmlformats.org/markup-compatibility/2006">
-        <mc:Choice xmlns:a14="http://schemas.microsoft.com/office/drawing/2010/main" Requires="a14">
+      <mc:AlternateContent xmlns:mc="http://schemas.openxmlformats.org/markup-compatibility/2006" xmlns:a14="http://schemas.microsoft.com/office/drawing/2010/main">
+        <mc:Choice Requires="a14">
           <p:sp>
             <p:nvSpPr>
               <p:cNvPr id="7" name="مربع نص 5">
@@ -10133,7 +17556,7 @@
             </p:txBody>
           </p:sp>
         </mc:Choice>
-        <mc:Fallback>
+        <mc:Fallback xmlns="">
           <p:sp>
             <p:nvSpPr>
               <p:cNvPr id="7" name="مربع نص 5">
@@ -14323,8 +21746,8 @@
           </a:p>
         </p:txBody>
       </p:sp>
-      <mc:AlternateContent xmlns:mc="http://schemas.openxmlformats.org/markup-compatibility/2006">
-        <mc:Choice xmlns:a14="http://schemas.microsoft.com/office/drawing/2010/main" Requires="a14">
+      <mc:AlternateContent xmlns:mc="http://schemas.openxmlformats.org/markup-compatibility/2006" xmlns:a14="http://schemas.microsoft.com/office/drawing/2010/main">
+        <mc:Choice Requires="a14">
           <p:sp>
             <p:nvSpPr>
               <p:cNvPr id="5" name="Rectangle 4">
@@ -14473,7 +21896,7 @@
             </p:txBody>
           </p:sp>
         </mc:Choice>
-        <mc:Fallback>
+        <mc:Fallback xmlns="">
           <p:sp>
             <p:nvSpPr>
               <p:cNvPr id="5" name="Rectangle 4">
@@ -14565,8 +21988,8 @@
           </a:extLst>
         </p:spPr>
       </p:pic>
-      <mc:AlternateContent xmlns:mc="http://schemas.openxmlformats.org/markup-compatibility/2006">
-        <mc:Choice xmlns:a14="http://schemas.microsoft.com/office/drawing/2010/main" Requires="a14">
+      <mc:AlternateContent xmlns:mc="http://schemas.openxmlformats.org/markup-compatibility/2006" xmlns:a14="http://schemas.microsoft.com/office/drawing/2010/main">
+        <mc:Choice Requires="a14">
           <p:sp>
             <p:nvSpPr>
               <p:cNvPr id="7" name="مربع نص 6">
@@ -14763,7 +22186,7 @@
             </p:txBody>
           </p:sp>
         </mc:Choice>
-        <mc:Fallback>
+        <mc:Fallback xmlns="">
           <p:sp>
             <p:nvSpPr>
               <p:cNvPr id="7" name="مربع نص 6">
@@ -16331,8 +23754,8 @@
           </a:graphicData>
         </a:graphic>
       </p:graphicFrame>
-      <mc:AlternateContent xmlns:mc="http://schemas.openxmlformats.org/markup-compatibility/2006">
-        <mc:Choice xmlns:a14="http://schemas.microsoft.com/office/drawing/2010/main" Requires="a14">
+      <mc:AlternateContent xmlns:mc="http://schemas.openxmlformats.org/markup-compatibility/2006" xmlns:a14="http://schemas.microsoft.com/office/drawing/2010/main">
+        <mc:Choice Requires="a14">
           <p:sp>
             <p:nvSpPr>
               <p:cNvPr id="2" name="Rectangle 1">
@@ -16360,6 +23783,7 @@
               </a:bodyPr>
               <a:lstStyle/>
               <a:p>
+                <a:pPr/>
                 <a14:m>
                   <m:oMathPara xmlns:m="http://schemas.openxmlformats.org/officeDocument/2006/math">
                     <m:oMathParaPr>
@@ -16435,7 +23859,7 @@
             </p:txBody>
           </p:sp>
         </mc:Choice>
-        <mc:Fallback>
+        <mc:Fallback xmlns="">
           <p:sp>
             <p:nvSpPr>
               <p:cNvPr id="2" name="Rectangle 1">
@@ -16480,8 +23904,8 @@
           </p:sp>
         </mc:Fallback>
       </mc:AlternateContent>
-      <mc:AlternateContent xmlns:mc="http://schemas.openxmlformats.org/markup-compatibility/2006">
-        <mc:Choice xmlns:a14="http://schemas.microsoft.com/office/drawing/2010/main" Requires="a14">
+      <mc:AlternateContent xmlns:mc="http://schemas.openxmlformats.org/markup-compatibility/2006" xmlns:a14="http://schemas.microsoft.com/office/drawing/2010/main">
+        <mc:Choice Requires="a14">
           <p:sp>
             <p:nvSpPr>
               <p:cNvPr id="11" name="Rectangle 10">
@@ -16509,6 +23933,7 @@
               </a:bodyPr>
               <a:lstStyle/>
               <a:p>
+                <a:pPr/>
                 <a14:m>
                   <m:oMathPara xmlns:m="http://schemas.openxmlformats.org/officeDocument/2006/math">
                     <m:oMathParaPr>
@@ -16690,7 +24115,7 @@
             </p:txBody>
           </p:sp>
         </mc:Choice>
-        <mc:Fallback>
+        <mc:Fallback xmlns="">
           <p:sp>
             <p:nvSpPr>
               <p:cNvPr id="11" name="Rectangle 10">
@@ -17553,8 +24978,8 @@
           </a:p>
         </p:txBody>
       </p:sp>
-      <mc:AlternateContent xmlns:mc="http://schemas.openxmlformats.org/markup-compatibility/2006">
-        <mc:Choice xmlns:a14="http://schemas.microsoft.com/office/drawing/2010/main" Requires="a14">
+      <mc:AlternateContent xmlns:mc="http://schemas.openxmlformats.org/markup-compatibility/2006" xmlns:a14="http://schemas.microsoft.com/office/drawing/2010/main">
+        <mc:Choice Requires="a14">
           <p:sp>
             <p:nvSpPr>
               <p:cNvPr id="6" name="Object 5">
@@ -17789,7 +25214,7 @@
             </p:txBody>
           </p:sp>
         </mc:Choice>
-        <mc:Fallback>
+        <mc:Fallback xmlns="">
           <p:sp>
             <p:nvSpPr>
               <p:cNvPr id="6" name="Object 5">
@@ -17834,8 +25259,8 @@
           </p:sp>
         </mc:Fallback>
       </mc:AlternateContent>
-      <mc:AlternateContent xmlns:mc="http://schemas.openxmlformats.org/markup-compatibility/2006">
-        <mc:Choice xmlns:a14="http://schemas.microsoft.com/office/drawing/2010/main" Requires="a14">
+      <mc:AlternateContent xmlns:mc="http://schemas.openxmlformats.org/markup-compatibility/2006" xmlns:a14="http://schemas.microsoft.com/office/drawing/2010/main">
+        <mc:Choice Requires="a14">
           <p:sp>
             <p:nvSpPr>
               <p:cNvPr id="9" name="Object 5">
@@ -18104,7 +25529,7 @@
             </p:txBody>
           </p:sp>
         </mc:Choice>
-        <mc:Fallback>
+        <mc:Fallback xmlns="">
           <p:sp>
             <p:nvSpPr>
               <p:cNvPr id="9" name="Object 5">
@@ -18727,8 +26152,8 @@
           </a:p>
         </p:txBody>
       </p:sp>
-      <mc:AlternateContent xmlns:mc="http://schemas.openxmlformats.org/markup-compatibility/2006">
-        <mc:Choice xmlns:a14="http://schemas.microsoft.com/office/drawing/2010/main" Requires="a14">
+      <mc:AlternateContent xmlns:mc="http://schemas.openxmlformats.org/markup-compatibility/2006" xmlns:a14="http://schemas.microsoft.com/office/drawing/2010/main">
+        <mc:Choice Requires="a14">
           <p:sp>
             <p:nvSpPr>
               <p:cNvPr id="12" name="Object 11">
@@ -19229,7 +26654,7 @@
             </p:txBody>
           </p:sp>
         </mc:Choice>
-        <mc:Fallback>
+        <mc:Fallback xmlns="">
           <p:sp>
             <p:nvSpPr>
               <p:cNvPr id="12" name="Object 11">

--- a/Digital control - lecture 4.pptx
+++ b/Digital control - lecture 4.pptx
@@ -275,7 +275,7 @@
           <a:p>
             <a:fld id="{EE9644A6-59D6-464D-AD1A-3A8F82524950}" type="datetimeFigureOut">
               <a:rPr lang="en-US" smtClean="0"/>
-              <a:t>3/17/2019</a:t>
+              <a:t>10/25/2019</a:t>
             </a:fld>
             <a:endParaRPr lang="en-US"/>
           </a:p>
@@ -473,7 +473,7 @@
           <a:p>
             <a:fld id="{EE9644A6-59D6-464D-AD1A-3A8F82524950}" type="datetimeFigureOut">
               <a:rPr lang="en-US" smtClean="0"/>
-              <a:t>3/17/2019</a:t>
+              <a:t>10/25/2019</a:t>
             </a:fld>
             <a:endParaRPr lang="en-US"/>
           </a:p>
@@ -681,7 +681,7 @@
           <a:p>
             <a:fld id="{EE9644A6-59D6-464D-AD1A-3A8F82524950}" type="datetimeFigureOut">
               <a:rPr lang="en-US" smtClean="0"/>
-              <a:t>3/17/2019</a:t>
+              <a:t>10/25/2019</a:t>
             </a:fld>
             <a:endParaRPr lang="en-US"/>
           </a:p>
@@ -879,7 +879,7 @@
           <a:p>
             <a:fld id="{EE9644A6-59D6-464D-AD1A-3A8F82524950}" type="datetimeFigureOut">
               <a:rPr lang="en-US" smtClean="0"/>
-              <a:t>3/17/2019</a:t>
+              <a:t>10/25/2019</a:t>
             </a:fld>
             <a:endParaRPr lang="en-US"/>
           </a:p>
@@ -1154,7 +1154,7 @@
           <a:p>
             <a:fld id="{EE9644A6-59D6-464D-AD1A-3A8F82524950}" type="datetimeFigureOut">
               <a:rPr lang="en-US" smtClean="0"/>
-              <a:t>3/17/2019</a:t>
+              <a:t>10/25/2019</a:t>
             </a:fld>
             <a:endParaRPr lang="en-US"/>
           </a:p>
@@ -1419,7 +1419,7 @@
           <a:p>
             <a:fld id="{EE9644A6-59D6-464D-AD1A-3A8F82524950}" type="datetimeFigureOut">
               <a:rPr lang="en-US" smtClean="0"/>
-              <a:t>3/17/2019</a:t>
+              <a:t>10/25/2019</a:t>
             </a:fld>
             <a:endParaRPr lang="en-US"/>
           </a:p>
@@ -1831,7 +1831,7 @@
           <a:p>
             <a:fld id="{EE9644A6-59D6-464D-AD1A-3A8F82524950}" type="datetimeFigureOut">
               <a:rPr lang="en-US" smtClean="0"/>
-              <a:t>3/17/2019</a:t>
+              <a:t>10/25/2019</a:t>
             </a:fld>
             <a:endParaRPr lang="en-US"/>
           </a:p>
@@ -1972,7 +1972,7 @@
           <a:p>
             <a:fld id="{EE9644A6-59D6-464D-AD1A-3A8F82524950}" type="datetimeFigureOut">
               <a:rPr lang="en-US" smtClean="0"/>
-              <a:t>3/17/2019</a:t>
+              <a:t>10/25/2019</a:t>
             </a:fld>
             <a:endParaRPr lang="en-US"/>
           </a:p>
@@ -2085,7 +2085,7 @@
           <a:p>
             <a:fld id="{EE9644A6-59D6-464D-AD1A-3A8F82524950}" type="datetimeFigureOut">
               <a:rPr lang="en-US" smtClean="0"/>
-              <a:t>3/17/2019</a:t>
+              <a:t>10/25/2019</a:t>
             </a:fld>
             <a:endParaRPr lang="en-US"/>
           </a:p>
@@ -2396,7 +2396,7 @@
           <a:p>
             <a:fld id="{EE9644A6-59D6-464D-AD1A-3A8F82524950}" type="datetimeFigureOut">
               <a:rPr lang="en-US" smtClean="0"/>
-              <a:t>3/17/2019</a:t>
+              <a:t>10/25/2019</a:t>
             </a:fld>
             <a:endParaRPr lang="en-US"/>
           </a:p>
@@ -2684,7 +2684,7 @@
           <a:p>
             <a:fld id="{EE9644A6-59D6-464D-AD1A-3A8F82524950}" type="datetimeFigureOut">
               <a:rPr lang="en-US" smtClean="0"/>
-              <a:t>3/17/2019</a:t>
+              <a:t>10/25/2019</a:t>
             </a:fld>
             <a:endParaRPr lang="en-US"/>
           </a:p>
@@ -2925,7 +2925,7 @@
           <a:p>
             <a:fld id="{EE9644A6-59D6-464D-AD1A-3A8F82524950}" type="datetimeFigureOut">
               <a:rPr lang="en-US" smtClean="0"/>
-              <a:t>3/17/2019</a:t>
+              <a:t>10/25/2019</a:t>
             </a:fld>
             <a:endParaRPr lang="en-US"/>
           </a:p>
@@ -3999,8 +3999,8 @@
           </a:p>
         </p:txBody>
       </p:sp>
-      <mc:AlternateContent xmlns:mc="http://schemas.openxmlformats.org/markup-compatibility/2006">
-        <mc:Choice xmlns:a14="http://schemas.microsoft.com/office/drawing/2010/main" Requires="a14">
+      <mc:AlternateContent xmlns:mc="http://schemas.openxmlformats.org/markup-compatibility/2006" xmlns:a14="http://schemas.microsoft.com/office/drawing/2010/main">
+        <mc:Choice Requires="a14">
           <p:sp>
             <p:nvSpPr>
               <p:cNvPr id="16" name="Object 5">
@@ -4166,7 +4166,7 @@
             </p:txBody>
           </p:sp>
         </mc:Choice>
-        <mc:Fallback>
+        <mc:Fallback xmlns="">
           <p:sp>
             <p:nvSpPr>
               <p:cNvPr id="16" name="Object 5">
@@ -4256,8 +4256,8 @@
           </a:p>
         </p:txBody>
       </p:sp>
-      <mc:AlternateContent xmlns:mc="http://schemas.openxmlformats.org/markup-compatibility/2006">
-        <mc:Choice xmlns:a14="http://schemas.microsoft.com/office/drawing/2010/main" Requires="a14">
+      <mc:AlternateContent xmlns:mc="http://schemas.openxmlformats.org/markup-compatibility/2006" xmlns:a14="http://schemas.microsoft.com/office/drawing/2010/main">
+        <mc:Choice Requires="a14">
           <p:sp>
             <p:nvSpPr>
               <p:cNvPr id="19" name="Object 7">
@@ -4665,7 +4665,7 @@
             </p:txBody>
           </p:sp>
         </mc:Choice>
-        <mc:Fallback>
+        <mc:Fallback xmlns="">
           <p:sp>
             <p:nvSpPr>
               <p:cNvPr id="19" name="Object 7">
@@ -4880,8 +4880,8 @@
                           </m:ctrlPr>
                         </m:dPr>
                         <m:e>
-                          <m:f>
-                            <m:fPr>
+                          <m:sSup>
+                            <m:sSupPr>
                               <m:ctrlPr>
                                 <a:rPr lang="en-US" sz="2000" i="1">
                                   <a:solidFill>
@@ -4890,16 +4890,28 @@
                                   <a:latin typeface="Cambria Math" panose="02040503050406030204" pitchFamily="18" charset="0"/>
                                 </a:rPr>
                               </m:ctrlPr>
-                            </m:fPr>
-                            <m:num>
+                            </m:sSupPr>
+                            <m:e>
                               <m:r>
-                                <a:rPr lang="en-US" sz="2000" b="0" i="1" smtClean="0">
+                                <a:rPr lang="en-US" sz="2000" i="1">
+                                  <a:solidFill>
+                                    <a:srgbClr val="000000"/>
+                                  </a:solidFill>
+                                  <a:latin typeface="Cambria Math" panose="02040503050406030204" pitchFamily="18" charset="0"/>
+                                  <a:ea typeface="Cambria Math" panose="02040503050406030204" pitchFamily="18" charset="0"/>
+                                </a:rPr>
+                                <m:t>ℒ</m:t>
+                              </m:r>
+                            </m:e>
+                            <m:sup>
+                              <m:r>
+                                <a:rPr lang="en-US" sz="2000" i="1">
                                   <a:solidFill>
                                     <a:srgbClr val="000000"/>
                                   </a:solidFill>
                                   <a:latin typeface="Cambria Math" panose="02040503050406030204" pitchFamily="18" charset="0"/>
                                 </a:rPr>
-                                <m:t>𝐻</m:t>
+                                <m:t>−</m:t>
                               </m:r>
                               <m:r>
                                 <a:rPr lang="en-US" sz="2000" i="1">
@@ -4908,39 +4920,86 @@
                                   </a:solidFill>
                                   <a:latin typeface="Cambria Math" panose="02040503050406030204" pitchFamily="18" charset="0"/>
                                 </a:rPr>
-                                <m:t>(</m:t>
+                                <m:t>1</m:t>
                               </m:r>
-                              <m:r>
+                            </m:sup>
+                          </m:sSup>
+                          <m:d>
+                            <m:dPr>
+                              <m:ctrlPr>
                                 <a:rPr lang="en-US" sz="2000" i="1">
                                   <a:solidFill>
                                     <a:srgbClr val="000000"/>
                                   </a:solidFill>
                                   <a:latin typeface="Cambria Math" panose="02040503050406030204" pitchFamily="18" charset="0"/>
+                                  <a:ea typeface="Cambria Math" panose="02040503050406030204" pitchFamily="18" charset="0"/>
                                 </a:rPr>
-                                <m:t>𝑆</m:t>
-                              </m:r>
-                              <m:r>
-                                <a:rPr lang="en-US" sz="2000" i="1">
-                                  <a:solidFill>
-                                    <a:srgbClr val="000000"/>
-                                  </a:solidFill>
-                                  <a:latin typeface="Cambria Math" panose="02040503050406030204" pitchFamily="18" charset="0"/>
-                                </a:rPr>
-                                <m:t>)</m:t>
-                              </m:r>
-                            </m:num>
-                            <m:den>
-                              <m:r>
-                                <a:rPr lang="en-US" sz="2000" i="1">
-                                  <a:solidFill>
-                                    <a:srgbClr val="000000"/>
-                                  </a:solidFill>
-                                  <a:latin typeface="Cambria Math" panose="02040503050406030204" pitchFamily="18" charset="0"/>
-                                </a:rPr>
-                                <m:t>𝑆</m:t>
-                              </m:r>
-                            </m:den>
-                          </m:f>
+                              </m:ctrlPr>
+                            </m:dPr>
+                            <m:e>
+                              <m:f>
+                                <m:fPr>
+                                  <m:ctrlPr>
+                                    <a:rPr lang="en-US" sz="2000" i="1">
+                                      <a:solidFill>
+                                        <a:srgbClr val="000000"/>
+                                      </a:solidFill>
+                                      <a:latin typeface="Cambria Math" panose="02040503050406030204" pitchFamily="18" charset="0"/>
+                                    </a:rPr>
+                                  </m:ctrlPr>
+                                </m:fPr>
+                                <m:num>
+                                  <m:r>
+                                    <a:rPr lang="en-US" sz="2000" b="0" i="1" smtClean="0">
+                                      <a:solidFill>
+                                        <a:srgbClr val="000000"/>
+                                      </a:solidFill>
+                                      <a:latin typeface="Cambria Math" panose="02040503050406030204" pitchFamily="18" charset="0"/>
+                                    </a:rPr>
+                                    <m:t>𝐻</m:t>
+                                  </m:r>
+                                  <m:r>
+                                    <a:rPr lang="en-US" sz="2000" i="1">
+                                      <a:solidFill>
+                                        <a:srgbClr val="000000"/>
+                                      </a:solidFill>
+                                      <a:latin typeface="Cambria Math" panose="02040503050406030204" pitchFamily="18" charset="0"/>
+                                    </a:rPr>
+                                    <m:t>(</m:t>
+                                  </m:r>
+                                  <m:r>
+                                    <a:rPr lang="en-US" sz="2000" i="1">
+                                      <a:solidFill>
+                                        <a:srgbClr val="000000"/>
+                                      </a:solidFill>
+                                      <a:latin typeface="Cambria Math" panose="02040503050406030204" pitchFamily="18" charset="0"/>
+                                    </a:rPr>
+                                    <m:t>𝑆</m:t>
+                                  </m:r>
+                                  <m:r>
+                                    <a:rPr lang="en-US" sz="2000" i="1">
+                                      <a:solidFill>
+                                        <a:srgbClr val="000000"/>
+                                      </a:solidFill>
+                                      <a:latin typeface="Cambria Math" panose="02040503050406030204" pitchFamily="18" charset="0"/>
+                                    </a:rPr>
+                                    <m:t>)</m:t>
+                                  </m:r>
+                                </m:num>
+                                <m:den>
+                                  <m:r>
+                                    <a:rPr lang="en-US" sz="2000" i="1">
+                                      <a:solidFill>
+                                        <a:srgbClr val="000000"/>
+                                      </a:solidFill>
+                                      <a:latin typeface="Cambria Math" panose="02040503050406030204" pitchFamily="18" charset="0"/>
+                                    </a:rPr>
+                                    <m:t>𝑆</m:t>
+                                  </m:r>
+                                </m:den>
+                              </m:f>
+                            </m:e>
+                          </m:d>
                         </m:e>
                       </m:d>
                       <m:r>
@@ -5367,39 +5426,6 @@
           </p:sp>
         </mc:Fallback>
       </mc:AlternateContent>
-      <p:sp>
-        <p:nvSpPr>
-          <p:cNvPr id="22" name="Object 5">
-            <a:extLst>
-              <a:ext uri="{FF2B5EF4-FFF2-40B4-BE49-F238E27FC236}">
-                <a16:creationId xmlns:a16="http://schemas.microsoft.com/office/drawing/2014/main" id="{1B9661DF-D1ED-49B1-AE31-C3B7167E4E30}"/>
-              </a:ext>
-            </a:extLst>
-          </p:cNvPr>
-          <p:cNvSpPr txBox="1"/>
-          <p:nvPr/>
-        </p:nvSpPr>
-        <p:spPr bwMode="auto">
-          <a:xfrm>
-            <a:off x="295275" y="4495800"/>
-            <a:ext cx="2676525" cy="919163"/>
-          </a:xfrm>
-          <a:prstGeom prst="rect">
-            <a:avLst/>
-          </a:prstGeom>
-          <a:noFill/>
-        </p:spPr>
-        <p:txBody>
-          <a:bodyPr>
-            <a:normAutofit/>
-          </a:bodyPr>
-          <a:lstStyle/>
-          <a:p>
-            <a:pPr/>
-            <a:endParaRPr lang="en-US" sz="2400" dirty="0"/>
-          </a:p>
-        </p:txBody>
-      </p:sp>
       <mc:AlternateContent xmlns:mc="http://schemas.openxmlformats.org/markup-compatibility/2006">
         <mc:Choice xmlns:a14="http://schemas.microsoft.com/office/drawing/2010/main" Requires="a14">
           <p:sp>
@@ -5416,8 +5442,8 @@
             </p:nvSpPr>
             <p:spPr bwMode="auto">
               <a:xfrm>
-                <a:off x="2176834" y="4176236"/>
-                <a:ext cx="7838326" cy="919164"/>
+                <a:off x="1338636" y="4176236"/>
+                <a:ext cx="8676524" cy="919164"/>
               </a:xfrm>
               <a:prstGeom prst="rect">
                 <a:avLst/>
@@ -5579,8 +5605,8 @@
                           </m:ctrlPr>
                         </m:dPr>
                         <m:e>
-                          <m:f>
-                            <m:fPr>
+                          <m:sSup>
+                            <m:sSupPr>
                               <m:ctrlPr>
                                 <a:rPr lang="en-US" sz="2000" i="1">
                                   <a:solidFill>
@@ -5589,8 +5615,20 @@
                                   <a:latin typeface="Cambria Math" panose="02040503050406030204" pitchFamily="18" charset="0"/>
                                 </a:rPr>
                               </m:ctrlPr>
-                            </m:fPr>
-                            <m:num>
+                            </m:sSupPr>
+                            <m:e>
+                              <m:r>
+                                <a:rPr lang="en-US" sz="2000" i="1">
+                                  <a:solidFill>
+                                    <a:srgbClr val="000000"/>
+                                  </a:solidFill>
+                                  <a:latin typeface="Cambria Math" panose="02040503050406030204" pitchFamily="18" charset="0"/>
+                                  <a:ea typeface="Cambria Math" panose="02040503050406030204" pitchFamily="18" charset="0"/>
+                                </a:rPr>
+                                <m:t>ℒ</m:t>
+                              </m:r>
+                            </m:e>
+                            <m:sup>
                               <m:r>
                                 <a:rPr lang="en-US" sz="2000" i="1">
                                   <a:solidFill>
@@ -5609,53 +5647,22 @@
                                 </a:rPr>
                                 <m:t>1</m:t>
                               </m:r>
-                            </m:num>
-                            <m:den>
-                              <m:r>
-                                <a:rPr lang="en-US" sz="2000" i="1">
-                                  <a:solidFill>
-                                    <a:srgbClr val="000000"/>
-                                  </a:solidFill>
-                                  <a:latin typeface="Cambria Math" panose="02040503050406030204" pitchFamily="18" charset="0"/>
-                                </a:rPr>
-                                <m:t>𝑆</m:t>
-                              </m:r>
-                            </m:den>
-                          </m:f>
-                          <m:r>
-                            <a:rPr lang="en-US" sz="2000" i="1">
-                              <a:solidFill>
-                                <a:srgbClr val="000000"/>
-                              </a:solidFill>
-                              <a:latin typeface="Cambria Math" panose="02040503050406030204" pitchFamily="18" charset="0"/>
-                            </a:rPr>
-                            <m:t>+</m:t>
-                          </m:r>
-                          <m:f>
-                            <m:fPr>
+                            </m:sup>
+                          </m:sSup>
+                          <m:d>
+                            <m:dPr>
                               <m:ctrlPr>
-                                <a:rPr lang="en-US" sz="2000" i="1">
+                                <a:rPr lang="en-US" sz="2000" i="1" smtClean="0">
                                   <a:solidFill>
                                     <a:srgbClr val="000000"/>
                                   </a:solidFill>
                                   <a:latin typeface="Cambria Math" panose="02040503050406030204" pitchFamily="18" charset="0"/>
                                 </a:rPr>
                               </m:ctrlPr>
-                            </m:fPr>
-                            <m:num>
-                              <m:r>
-                                <a:rPr lang="en-US" sz="2000" i="1">
-                                  <a:solidFill>
-                                    <a:srgbClr val="000000"/>
-                                  </a:solidFill>
-                                  <a:latin typeface="Cambria Math" panose="02040503050406030204" pitchFamily="18" charset="0"/>
-                                </a:rPr>
-                                <m:t>2</m:t>
-                              </m:r>
-                            </m:num>
-                            <m:den>
-                              <m:sSup>
-                                <m:sSupPr>
+                            </m:dPr>
+                            <m:e>
+                              <m:f>
+                                <m:fPr>
                                   <m:ctrlPr>
                                     <a:rPr lang="en-US" sz="2000" i="1">
                                       <a:solidFill>
@@ -5664,8 +5671,28 @@
                                       <a:latin typeface="Cambria Math" panose="02040503050406030204" pitchFamily="18" charset="0"/>
                                     </a:rPr>
                                   </m:ctrlPr>
-                                </m:sSupPr>
-                                <m:e>
+                                </m:fPr>
+                                <m:num>
+                                  <m:r>
+                                    <a:rPr lang="en-US" sz="2000" i="1">
+                                      <a:solidFill>
+                                        <a:srgbClr val="000000"/>
+                                      </a:solidFill>
+                                      <a:latin typeface="Cambria Math" panose="02040503050406030204" pitchFamily="18" charset="0"/>
+                                    </a:rPr>
+                                    <m:t>−</m:t>
+                                  </m:r>
+                                  <m:r>
+                                    <a:rPr lang="en-US" sz="2000" i="1">
+                                      <a:solidFill>
+                                        <a:srgbClr val="000000"/>
+                                      </a:solidFill>
+                                      <a:latin typeface="Cambria Math" panose="02040503050406030204" pitchFamily="18" charset="0"/>
+                                    </a:rPr>
+                                    <m:t>1</m:t>
+                                  </m:r>
+                                </m:num>
+                                <m:den>
                                   <m:r>
                                     <a:rPr lang="en-US" sz="2000" i="1">
                                       <a:solidFill>
@@ -5675,8 +5702,29 @@
                                     </a:rPr>
                                     <m:t>𝑆</m:t>
                                   </m:r>
-                                </m:e>
-                                <m:sup>
+                                </m:den>
+                              </m:f>
+                              <m:r>
+                                <a:rPr lang="en-US" sz="2000" i="1">
+                                  <a:solidFill>
+                                    <a:srgbClr val="000000"/>
+                                  </a:solidFill>
+                                  <a:latin typeface="Cambria Math" panose="02040503050406030204" pitchFamily="18" charset="0"/>
+                                </a:rPr>
+                                <m:t>+</m:t>
+                              </m:r>
+                              <m:f>
+                                <m:fPr>
+                                  <m:ctrlPr>
+                                    <a:rPr lang="en-US" sz="2000" i="1">
+                                      <a:solidFill>
+                                        <a:srgbClr val="000000"/>
+                                      </a:solidFill>
+                                      <a:latin typeface="Cambria Math" panose="02040503050406030204" pitchFamily="18" charset="0"/>
+                                    </a:rPr>
+                                  </m:ctrlPr>
+                                </m:fPr>
+                                <m:num>
                                   <m:r>
                                     <a:rPr lang="en-US" sz="2000" i="1">
                                       <a:solidFill>
@@ -5686,51 +5734,44 @@
                                     </a:rPr>
                                     <m:t>2</m:t>
                                   </m:r>
-                                </m:sup>
-                              </m:sSup>
-                            </m:den>
-                          </m:f>
-                          <m:r>
-                            <a:rPr lang="en-US" sz="2000" i="1">
-                              <a:solidFill>
-                                <a:srgbClr val="000000"/>
-                              </a:solidFill>
-                              <a:latin typeface="Cambria Math" panose="02040503050406030204" pitchFamily="18" charset="0"/>
-                            </a:rPr>
-                            <m:t>+</m:t>
-                          </m:r>
-                          <m:f>
-                            <m:fPr>
-                              <m:ctrlPr>
-                                <a:rPr lang="en-US" sz="2000" i="1">
-                                  <a:solidFill>
-                                    <a:srgbClr val="000000"/>
-                                  </a:solidFill>
-                                  <a:latin typeface="Cambria Math" panose="02040503050406030204" pitchFamily="18" charset="0"/>
-                                </a:rPr>
-                              </m:ctrlPr>
-                            </m:fPr>
-                            <m:num>
-                              <m:r>
-                                <a:rPr lang="en-US" sz="2000" i="1">
-                                  <a:solidFill>
-                                    <a:srgbClr val="000000"/>
-                                  </a:solidFill>
-                                  <a:latin typeface="Cambria Math" panose="02040503050406030204" pitchFamily="18" charset="0"/>
-                                </a:rPr>
-                                <m:t>1</m:t>
-                              </m:r>
-                            </m:num>
-                            <m:den>
-                              <m:r>
-                                <a:rPr lang="en-US" sz="2000" i="1">
-                                  <a:solidFill>
-                                    <a:srgbClr val="000000"/>
-                                  </a:solidFill>
-                                  <a:latin typeface="Cambria Math" panose="02040503050406030204" pitchFamily="18" charset="0"/>
-                                </a:rPr>
-                                <m:t>𝑆</m:t>
-                              </m:r>
+                                </m:num>
+                                <m:den>
+                                  <m:sSup>
+                                    <m:sSupPr>
+                                      <m:ctrlPr>
+                                        <a:rPr lang="en-US" sz="2000" i="1">
+                                          <a:solidFill>
+                                            <a:srgbClr val="000000"/>
+                                          </a:solidFill>
+                                          <a:latin typeface="Cambria Math" panose="02040503050406030204" pitchFamily="18" charset="0"/>
+                                        </a:rPr>
+                                      </m:ctrlPr>
+                                    </m:sSupPr>
+                                    <m:e>
+                                      <m:r>
+                                        <a:rPr lang="en-US" sz="2000" i="1">
+                                          <a:solidFill>
+                                            <a:srgbClr val="000000"/>
+                                          </a:solidFill>
+                                          <a:latin typeface="Cambria Math" panose="02040503050406030204" pitchFamily="18" charset="0"/>
+                                        </a:rPr>
+                                        <m:t>𝑆</m:t>
+                                      </m:r>
+                                    </m:e>
+                                    <m:sup>
+                                      <m:r>
+                                        <a:rPr lang="en-US" sz="2000" i="1">
+                                          <a:solidFill>
+                                            <a:srgbClr val="000000"/>
+                                          </a:solidFill>
+                                          <a:latin typeface="Cambria Math" panose="02040503050406030204" pitchFamily="18" charset="0"/>
+                                        </a:rPr>
+                                        <m:t>2</m:t>
+                                      </m:r>
+                                    </m:sup>
+                                  </m:sSup>
+                                </m:den>
+                              </m:f>
                               <m:r>
                                 <a:rPr lang="en-US" sz="2000" i="1">
                                   <a:solidFill>
@@ -5740,17 +5781,60 @@
                                 </a:rPr>
                                 <m:t>+</m:t>
                               </m:r>
-                              <m:r>
-                                <a:rPr lang="en-US" sz="2000" i="1">
-                                  <a:solidFill>
-                                    <a:srgbClr val="000000"/>
-                                  </a:solidFill>
-                                  <a:latin typeface="Cambria Math" panose="02040503050406030204" pitchFamily="18" charset="0"/>
-                                </a:rPr>
-                                <m:t>2</m:t>
-                              </m:r>
-                            </m:den>
-                          </m:f>
+                              <m:f>
+                                <m:fPr>
+                                  <m:ctrlPr>
+                                    <a:rPr lang="en-US" sz="2000" i="1">
+                                      <a:solidFill>
+                                        <a:srgbClr val="000000"/>
+                                      </a:solidFill>
+                                      <a:latin typeface="Cambria Math" panose="02040503050406030204" pitchFamily="18" charset="0"/>
+                                    </a:rPr>
+                                  </m:ctrlPr>
+                                </m:fPr>
+                                <m:num>
+                                  <m:r>
+                                    <a:rPr lang="en-US" sz="2000" i="1">
+                                      <a:solidFill>
+                                        <a:srgbClr val="000000"/>
+                                      </a:solidFill>
+                                      <a:latin typeface="Cambria Math" panose="02040503050406030204" pitchFamily="18" charset="0"/>
+                                    </a:rPr>
+                                    <m:t>1</m:t>
+                                  </m:r>
+                                </m:num>
+                                <m:den>
+                                  <m:r>
+                                    <a:rPr lang="en-US" sz="2000" i="1">
+                                      <a:solidFill>
+                                        <a:srgbClr val="000000"/>
+                                      </a:solidFill>
+                                      <a:latin typeface="Cambria Math" panose="02040503050406030204" pitchFamily="18" charset="0"/>
+                                    </a:rPr>
+                                    <m:t>𝑆</m:t>
+                                  </m:r>
+                                  <m:r>
+                                    <a:rPr lang="en-US" sz="2000" i="1">
+                                      <a:solidFill>
+                                        <a:srgbClr val="000000"/>
+                                      </a:solidFill>
+                                      <a:latin typeface="Cambria Math" panose="02040503050406030204" pitchFamily="18" charset="0"/>
+                                    </a:rPr>
+                                    <m:t>+</m:t>
+                                  </m:r>
+                                  <m:r>
+                                    <a:rPr lang="en-US" sz="2000" i="1">
+                                      <a:solidFill>
+                                        <a:srgbClr val="000000"/>
+                                      </a:solidFill>
+                                      <a:latin typeface="Cambria Math" panose="02040503050406030204" pitchFamily="18" charset="0"/>
+                                    </a:rPr>
+                                    <m:t>2</m:t>
+                                  </m:r>
+                                </m:den>
+                              </m:f>
+                            </m:e>
+                          </m:d>
                         </m:e>
                       </m:d>
                       <m:r>
@@ -5996,8 +6080,8 @@
             </p:nvSpPr>
             <p:spPr bwMode="auto">
               <a:xfrm>
-                <a:off x="2176834" y="4176236"/>
-                <a:ext cx="7838326" cy="919164"/>
+                <a:off x="1338636" y="4176236"/>
+                <a:ext cx="8676524" cy="919164"/>
               </a:xfrm>
               <a:prstGeom prst="rect">
                 <a:avLst/>
@@ -6024,8 +6108,8 @@
           </p:sp>
         </mc:Fallback>
       </mc:AlternateContent>
-      <mc:AlternateContent xmlns:mc="http://schemas.openxmlformats.org/markup-compatibility/2006">
-        <mc:Choice xmlns:a14="http://schemas.microsoft.com/office/drawing/2010/main" Requires="a14">
+      <mc:AlternateContent xmlns:mc="http://schemas.openxmlformats.org/markup-compatibility/2006" xmlns:a14="http://schemas.microsoft.com/office/drawing/2010/main">
+        <mc:Choice Requires="a14">
           <p:sp>
             <p:nvSpPr>
               <p:cNvPr id="33" name="Object 5">
@@ -6924,13 +7008,12 @@
                 <a:endParaRPr lang="en-US" sz="2000" dirty="0"/>
               </a:p>
               <a:p>
-                <a:pPr/>
                 <a:endParaRPr lang="en-US" sz="2000" dirty="0"/>
               </a:p>
             </p:txBody>
           </p:sp>
         </mc:Choice>
-        <mc:Fallback>
+        <mc:Fallback xmlns="">
           <p:sp>
             <p:nvSpPr>
               <p:cNvPr id="33" name="Object 5">
@@ -7614,8 +7697,8 @@
           </a:p>
         </p:txBody>
       </p:sp>
-      <mc:AlternateContent xmlns:mc="http://schemas.openxmlformats.org/markup-compatibility/2006">
-        <mc:Choice xmlns:a14="http://schemas.microsoft.com/office/drawing/2010/main" Requires="a14">
+      <mc:AlternateContent xmlns:mc="http://schemas.openxmlformats.org/markup-compatibility/2006" xmlns:a14="http://schemas.microsoft.com/office/drawing/2010/main">
+        <mc:Choice Requires="a14">
           <p:sp>
             <p:nvSpPr>
               <p:cNvPr id="19" name="Object 7">
@@ -8029,11 +8112,12 @@
                     </m:oMath>
                   </m:oMathPara>
                 </a14:m>
+                <a:endParaRPr/>
               </a:p>
             </p:txBody>
           </p:sp>
         </mc:Choice>
-        <mc:Fallback>
+        <mc:Fallback xmlns="">
           <p:sp>
             <p:nvSpPr>
               <p:cNvPr id="19" name="Object 7">
@@ -8248,8 +8332,8 @@
                           </m:ctrlPr>
                         </m:dPr>
                         <m:e>
-                          <m:f>
-                            <m:fPr>
+                          <m:sSup>
+                            <m:sSupPr>
                               <m:ctrlPr>
                                 <a:rPr lang="en-US" sz="2000" i="1">
                                   <a:solidFill>
@@ -8258,16 +8342,28 @@
                                   <a:latin typeface="Cambria Math" panose="02040503050406030204" pitchFamily="18" charset="0"/>
                                 </a:rPr>
                               </m:ctrlPr>
-                            </m:fPr>
-                            <m:num>
+                            </m:sSupPr>
+                            <m:e>
                               <m:r>
-                                <a:rPr lang="en-US" sz="2000" b="0" i="1" smtClean="0">
+                                <a:rPr lang="en-US" sz="2000" i="1">
+                                  <a:solidFill>
+                                    <a:srgbClr val="000000"/>
+                                  </a:solidFill>
+                                  <a:latin typeface="Cambria Math" panose="02040503050406030204" pitchFamily="18" charset="0"/>
+                                  <a:ea typeface="Cambria Math" panose="02040503050406030204" pitchFamily="18" charset="0"/>
+                                </a:rPr>
+                                <m:t>ℒ</m:t>
+                              </m:r>
+                            </m:e>
+                            <m:sup>
+                              <m:r>
+                                <a:rPr lang="en-US" sz="2000" i="1">
                                   <a:solidFill>
                                     <a:srgbClr val="000000"/>
                                   </a:solidFill>
                                   <a:latin typeface="Cambria Math" panose="02040503050406030204" pitchFamily="18" charset="0"/>
                                 </a:rPr>
-                                <m:t>𝐻</m:t>
+                                <m:t>−</m:t>
                               </m:r>
                               <m:r>
                                 <a:rPr lang="en-US" sz="2000" i="1">
@@ -8276,39 +8372,86 @@
                                   </a:solidFill>
                                   <a:latin typeface="Cambria Math" panose="02040503050406030204" pitchFamily="18" charset="0"/>
                                 </a:rPr>
-                                <m:t>(</m:t>
+                                <m:t>1</m:t>
                               </m:r>
-                              <m:r>
+                            </m:sup>
+                          </m:sSup>
+                          <m:d>
+                            <m:dPr>
+                              <m:ctrlPr>
                                 <a:rPr lang="en-US" sz="2000" i="1">
                                   <a:solidFill>
                                     <a:srgbClr val="000000"/>
                                   </a:solidFill>
                                   <a:latin typeface="Cambria Math" panose="02040503050406030204" pitchFamily="18" charset="0"/>
+                                  <a:ea typeface="Cambria Math" panose="02040503050406030204" pitchFamily="18" charset="0"/>
                                 </a:rPr>
-                                <m:t>𝑆</m:t>
-                              </m:r>
-                              <m:r>
-                                <a:rPr lang="en-US" sz="2000" i="1">
-                                  <a:solidFill>
-                                    <a:srgbClr val="000000"/>
-                                  </a:solidFill>
-                                  <a:latin typeface="Cambria Math" panose="02040503050406030204" pitchFamily="18" charset="0"/>
-                                </a:rPr>
-                                <m:t>)</m:t>
-                              </m:r>
-                            </m:num>
-                            <m:den>
-                              <m:r>
-                                <a:rPr lang="en-US" sz="2000" i="1">
-                                  <a:solidFill>
-                                    <a:srgbClr val="000000"/>
-                                  </a:solidFill>
-                                  <a:latin typeface="Cambria Math" panose="02040503050406030204" pitchFamily="18" charset="0"/>
-                                </a:rPr>
-                                <m:t>𝑆</m:t>
-                              </m:r>
-                            </m:den>
-                          </m:f>
+                              </m:ctrlPr>
+                            </m:dPr>
+                            <m:e>
+                              <m:f>
+                                <m:fPr>
+                                  <m:ctrlPr>
+                                    <a:rPr lang="en-US" sz="2000" i="1">
+                                      <a:solidFill>
+                                        <a:srgbClr val="000000"/>
+                                      </a:solidFill>
+                                      <a:latin typeface="Cambria Math" panose="02040503050406030204" pitchFamily="18" charset="0"/>
+                                    </a:rPr>
+                                  </m:ctrlPr>
+                                </m:fPr>
+                                <m:num>
+                                  <m:r>
+                                    <a:rPr lang="en-US" sz="2000" b="0" i="1" smtClean="0">
+                                      <a:solidFill>
+                                        <a:srgbClr val="000000"/>
+                                      </a:solidFill>
+                                      <a:latin typeface="Cambria Math" panose="02040503050406030204" pitchFamily="18" charset="0"/>
+                                    </a:rPr>
+                                    <m:t>𝐻</m:t>
+                                  </m:r>
+                                  <m:r>
+                                    <a:rPr lang="en-US" sz="2000" i="1">
+                                      <a:solidFill>
+                                        <a:srgbClr val="000000"/>
+                                      </a:solidFill>
+                                      <a:latin typeface="Cambria Math" panose="02040503050406030204" pitchFamily="18" charset="0"/>
+                                    </a:rPr>
+                                    <m:t>(</m:t>
+                                  </m:r>
+                                  <m:r>
+                                    <a:rPr lang="en-US" sz="2000" i="1">
+                                      <a:solidFill>
+                                        <a:srgbClr val="000000"/>
+                                      </a:solidFill>
+                                      <a:latin typeface="Cambria Math" panose="02040503050406030204" pitchFamily="18" charset="0"/>
+                                    </a:rPr>
+                                    <m:t>𝑆</m:t>
+                                  </m:r>
+                                  <m:r>
+                                    <a:rPr lang="en-US" sz="2000" i="1">
+                                      <a:solidFill>
+                                        <a:srgbClr val="000000"/>
+                                      </a:solidFill>
+                                      <a:latin typeface="Cambria Math" panose="02040503050406030204" pitchFamily="18" charset="0"/>
+                                    </a:rPr>
+                                    <m:t>)</m:t>
+                                  </m:r>
+                                </m:num>
+                                <m:den>
+                                  <m:r>
+                                    <a:rPr lang="en-US" sz="2000" i="1">
+                                      <a:solidFill>
+                                        <a:srgbClr val="000000"/>
+                                      </a:solidFill>
+                                      <a:latin typeface="Cambria Math" panose="02040503050406030204" pitchFamily="18" charset="0"/>
+                                    </a:rPr>
+                                    <m:t>𝑆</m:t>
+                                  </m:r>
+                                </m:den>
+                              </m:f>
+                            </m:e>
+                          </m:d>
                         </m:e>
                       </m:d>
                       <m:r>
@@ -8706,7 +8849,6 @@
           </a:bodyPr>
           <a:lstStyle/>
           <a:p>
-            <a:pPr/>
             <a:endParaRPr lang="en-US" sz="2400" dirty="0"/>
           </a:p>
         </p:txBody>
@@ -8890,8 +9032,8 @@
                           </m:ctrlPr>
                         </m:dPr>
                         <m:e>
-                          <m:f>
-                            <m:fPr>
+                          <m:sSup>
+                            <m:sSupPr>
                               <m:ctrlPr>
                                 <a:rPr lang="en-US" sz="2000" i="1">
                                   <a:solidFill>
@@ -8900,8 +9042,20 @@
                                   <a:latin typeface="Cambria Math" panose="02040503050406030204" pitchFamily="18" charset="0"/>
                                 </a:rPr>
                               </m:ctrlPr>
-                            </m:fPr>
-                            <m:num>
+                            </m:sSupPr>
+                            <m:e>
+                              <m:r>
+                                <a:rPr lang="en-US" sz="2000" i="1">
+                                  <a:solidFill>
+                                    <a:srgbClr val="000000"/>
+                                  </a:solidFill>
+                                  <a:latin typeface="Cambria Math" panose="02040503050406030204" pitchFamily="18" charset="0"/>
+                                  <a:ea typeface="Cambria Math" panose="02040503050406030204" pitchFamily="18" charset="0"/>
+                                </a:rPr>
+                                <m:t>ℒ</m:t>
+                              </m:r>
+                            </m:e>
+                            <m:sup>
                               <m:r>
                                 <a:rPr lang="en-US" sz="2000" i="1">
                                   <a:solidFill>
@@ -8918,19 +9072,83 @@
                                   </a:solidFill>
                                   <a:latin typeface="Cambria Math" panose="02040503050406030204" pitchFamily="18" charset="0"/>
                                 </a:rPr>
-                                <m:t>2</m:t>
+                                <m:t>1</m:t>
                               </m:r>
-                            </m:num>
-                            <m:den>
-                              <m:r>
-                                <a:rPr lang="en-US" sz="2000" i="1">
+                            </m:sup>
+                          </m:sSup>
+                          <m:d>
+                            <m:dPr>
+                              <m:ctrlPr>
+                                <a:rPr lang="en-US" sz="2000" i="1" smtClean="0">
                                   <a:solidFill>
                                     <a:srgbClr val="000000"/>
                                   </a:solidFill>
                                   <a:latin typeface="Cambria Math" panose="02040503050406030204" pitchFamily="18" charset="0"/>
                                 </a:rPr>
-                                <m:t>𝑆</m:t>
-                              </m:r>
+                              </m:ctrlPr>
+                            </m:dPr>
+                            <m:e>
+                              <m:f>
+                                <m:fPr>
+                                  <m:ctrlPr>
+                                    <a:rPr lang="en-US" sz="2000" i="1">
+                                      <a:solidFill>
+                                        <a:srgbClr val="000000"/>
+                                      </a:solidFill>
+                                      <a:latin typeface="Cambria Math" panose="02040503050406030204" pitchFamily="18" charset="0"/>
+                                    </a:rPr>
+                                  </m:ctrlPr>
+                                </m:fPr>
+                                <m:num>
+                                  <m:r>
+                                    <a:rPr lang="en-US" sz="2000" i="1">
+                                      <a:solidFill>
+                                        <a:srgbClr val="000000"/>
+                                      </a:solidFill>
+                                      <a:latin typeface="Cambria Math" panose="02040503050406030204" pitchFamily="18" charset="0"/>
+                                    </a:rPr>
+                                    <m:t>−</m:t>
+                                  </m:r>
+                                  <m:r>
+                                    <a:rPr lang="en-US" sz="2000" i="1">
+                                      <a:solidFill>
+                                        <a:srgbClr val="000000"/>
+                                      </a:solidFill>
+                                      <a:latin typeface="Cambria Math" panose="02040503050406030204" pitchFamily="18" charset="0"/>
+                                    </a:rPr>
+                                    <m:t>2</m:t>
+                                  </m:r>
+                                </m:num>
+                                <m:den>
+                                  <m:r>
+                                    <a:rPr lang="en-US" sz="2000" i="1">
+                                      <a:solidFill>
+                                        <a:srgbClr val="000000"/>
+                                      </a:solidFill>
+                                      <a:latin typeface="Cambria Math" panose="02040503050406030204" pitchFamily="18" charset="0"/>
+                                    </a:rPr>
+                                    <m:t>𝑆</m:t>
+                                  </m:r>
+                                  <m:r>
+                                    <a:rPr lang="en-US" sz="2000" i="1">
+                                      <a:solidFill>
+                                        <a:srgbClr val="000000"/>
+                                      </a:solidFill>
+                                      <a:latin typeface="Cambria Math" panose="02040503050406030204" pitchFamily="18" charset="0"/>
+                                    </a:rPr>
+                                    <m:t>+</m:t>
+                                  </m:r>
+                                  <m:r>
+                                    <a:rPr lang="en-US" sz="2000" i="1">
+                                      <a:solidFill>
+                                        <a:srgbClr val="000000"/>
+                                      </a:solidFill>
+                                      <a:latin typeface="Cambria Math" panose="02040503050406030204" pitchFamily="18" charset="0"/>
+                                    </a:rPr>
+                                    <m:t>2</m:t>
+                                  </m:r>
+                                </m:den>
+                              </m:f>
                               <m:r>
                                 <a:rPr lang="en-US" sz="2000" i="1">
                                   <a:solidFill>
@@ -8940,78 +9158,60 @@
                                 </a:rPr>
                                 <m:t>+</m:t>
                               </m:r>
-                              <m:r>
-                                <a:rPr lang="en-US" sz="2000" i="1">
-                                  <a:solidFill>
-                                    <a:srgbClr val="000000"/>
-                                  </a:solidFill>
-                                  <a:latin typeface="Cambria Math" panose="02040503050406030204" pitchFamily="18" charset="0"/>
-                                </a:rPr>
-                                <m:t>2</m:t>
-                              </m:r>
-                            </m:den>
-                          </m:f>
-                          <m:r>
-                            <a:rPr lang="en-US" sz="2000" i="1">
-                              <a:solidFill>
-                                <a:srgbClr val="000000"/>
-                              </a:solidFill>
-                              <a:latin typeface="Cambria Math" panose="02040503050406030204" pitchFamily="18" charset="0"/>
-                            </a:rPr>
-                            <m:t>+</m:t>
-                          </m:r>
-                          <m:f>
-                            <m:fPr>
-                              <m:ctrlPr>
-                                <a:rPr lang="en-US" sz="2000" i="1">
-                                  <a:solidFill>
-                                    <a:srgbClr val="000000"/>
-                                  </a:solidFill>
-                                  <a:latin typeface="Cambria Math" panose="02040503050406030204" pitchFamily="18" charset="0"/>
-                                </a:rPr>
-                              </m:ctrlPr>
-                            </m:fPr>
-                            <m:num>
-                              <m:r>
-                                <a:rPr lang="en-US" sz="2000" i="1">
-                                  <a:solidFill>
-                                    <a:srgbClr val="000000"/>
-                                  </a:solidFill>
-                                  <a:latin typeface="Cambria Math" panose="02040503050406030204" pitchFamily="18" charset="0"/>
-                                </a:rPr>
-                                <m:t>2</m:t>
-                              </m:r>
-                            </m:num>
-                            <m:den>
-                              <m:r>
-                                <a:rPr lang="en-US" sz="2000" i="1">
-                                  <a:solidFill>
-                                    <a:srgbClr val="000000"/>
-                                  </a:solidFill>
-                                  <a:latin typeface="Cambria Math" panose="02040503050406030204" pitchFamily="18" charset="0"/>
-                                </a:rPr>
-                                <m:t>𝑆</m:t>
-                              </m:r>
-                              <m:r>
-                                <a:rPr lang="en-US" sz="2000" i="1">
-                                  <a:solidFill>
-                                    <a:srgbClr val="000000"/>
-                                  </a:solidFill>
-                                  <a:latin typeface="Cambria Math" panose="02040503050406030204" pitchFamily="18" charset="0"/>
-                                </a:rPr>
-                                <m:t>+</m:t>
-                              </m:r>
-                              <m:r>
-                                <a:rPr lang="en-US" sz="2000" i="1">
-                                  <a:solidFill>
-                                    <a:srgbClr val="000000"/>
-                                  </a:solidFill>
-                                  <a:latin typeface="Cambria Math" panose="02040503050406030204" pitchFamily="18" charset="0"/>
-                                </a:rPr>
-                                <m:t>1</m:t>
-                              </m:r>
-                            </m:den>
-                          </m:f>
+                              <m:f>
+                                <m:fPr>
+                                  <m:ctrlPr>
+                                    <a:rPr lang="en-US" sz="2000" i="1">
+                                      <a:solidFill>
+                                        <a:srgbClr val="000000"/>
+                                      </a:solidFill>
+                                      <a:latin typeface="Cambria Math" panose="02040503050406030204" pitchFamily="18" charset="0"/>
+                                    </a:rPr>
+                                  </m:ctrlPr>
+                                </m:fPr>
+                                <m:num>
+                                  <m:r>
+                                    <a:rPr lang="en-US" sz="2000" i="1">
+                                      <a:solidFill>
+                                        <a:srgbClr val="000000"/>
+                                      </a:solidFill>
+                                      <a:latin typeface="Cambria Math" panose="02040503050406030204" pitchFamily="18" charset="0"/>
+                                    </a:rPr>
+                                    <m:t>2</m:t>
+                                  </m:r>
+                                </m:num>
+                                <m:den>
+                                  <m:r>
+                                    <a:rPr lang="en-US" sz="2000" i="1">
+                                      <a:solidFill>
+                                        <a:srgbClr val="000000"/>
+                                      </a:solidFill>
+                                      <a:latin typeface="Cambria Math" panose="02040503050406030204" pitchFamily="18" charset="0"/>
+                                    </a:rPr>
+                                    <m:t>𝑆</m:t>
+                                  </m:r>
+                                  <m:r>
+                                    <a:rPr lang="en-US" sz="2000" i="1">
+                                      <a:solidFill>
+                                        <a:srgbClr val="000000"/>
+                                      </a:solidFill>
+                                      <a:latin typeface="Cambria Math" panose="02040503050406030204" pitchFamily="18" charset="0"/>
+                                    </a:rPr>
+                                    <m:t>+</m:t>
+                                  </m:r>
+                                  <m:r>
+                                    <a:rPr lang="en-US" sz="2000" i="1">
+                                      <a:solidFill>
+                                        <a:srgbClr val="000000"/>
+                                      </a:solidFill>
+                                      <a:latin typeface="Cambria Math" panose="02040503050406030204" pitchFamily="18" charset="0"/>
+                                    </a:rPr>
+                                    <m:t>1</m:t>
+                                  </m:r>
+                                </m:den>
+                              </m:f>
+                            </m:e>
+                          </m:d>
                         </m:e>
                       </m:d>
                       <m:r>
@@ -9621,8 +9821,8 @@
           </p:sp>
         </mc:Fallback>
       </mc:AlternateContent>
-      <mc:AlternateContent xmlns:mc="http://schemas.openxmlformats.org/markup-compatibility/2006">
-        <mc:Choice xmlns:a14="http://schemas.microsoft.com/office/drawing/2010/main" Requires="a14">
+      <mc:AlternateContent xmlns:mc="http://schemas.openxmlformats.org/markup-compatibility/2006" xmlns:a14="http://schemas.microsoft.com/office/drawing/2010/main">
+        <mc:Choice Requires="a14">
           <p:sp>
             <p:nvSpPr>
               <p:cNvPr id="33" name="Object 5">
@@ -10536,13 +10736,12 @@
                 <a:endParaRPr lang="en-US" sz="2000" dirty="0"/>
               </a:p>
               <a:p>
-                <a:pPr/>
                 <a:endParaRPr lang="en-US" sz="2000" dirty="0"/>
               </a:p>
             </p:txBody>
           </p:sp>
         </mc:Choice>
-        <mc:Fallback>
+        <mc:Fallback xmlns="">
           <p:sp>
             <p:nvSpPr>
               <p:cNvPr id="33" name="Object 5">
@@ -10688,8 +10887,8 @@
           </a:p>
         </p:txBody>
       </p:sp>
-      <mc:AlternateContent xmlns:mc="http://schemas.openxmlformats.org/markup-compatibility/2006">
-        <mc:Choice xmlns:a14="http://schemas.microsoft.com/office/drawing/2010/main" Requires="a14">
+      <mc:AlternateContent xmlns:mc="http://schemas.openxmlformats.org/markup-compatibility/2006" xmlns:a14="http://schemas.microsoft.com/office/drawing/2010/main">
+        <mc:Choice Requires="a14">
           <p:sp>
             <p:nvSpPr>
               <p:cNvPr id="13" name="Object 5">
@@ -10882,7 +11081,7 @@
             </p:txBody>
           </p:sp>
         </mc:Choice>
-        <mc:Fallback>
+        <mc:Fallback xmlns="">
           <p:sp>
             <p:nvSpPr>
               <p:cNvPr id="13" name="Object 5">
@@ -11533,7 +11732,7 @@
             </a:pPr>
             <a:r>
               <a:rPr lang="ar-SY" sz="2400" b="1" dirty="0"/>
-              <a:t>تقرب قيم الإشارة المتقطعة الواقعة بين مستويين من مستويات التكميم فإنها تقرب إلى </a:t>
+              <a:t>تقرب قيم الإشارة المتقطعة الواقعة بين مستويين من مستويات التكميم إلى </a:t>
             </a:r>
             <a:r>
               <a:rPr lang="ar-SY" sz="2400" b="1" dirty="0">
@@ -15275,21 +15474,8 @@
                   <a:srgbClr val="FF0000"/>
                 </a:solidFill>
               </a:rPr>
-              <a:t>Anti-aliasing Filters</a:t>
-            </a:r>
-            <a:r>
-              <a:rPr lang="ar-SY" sz="3600" b="1" dirty="0">
-                <a:solidFill>
-                  <a:srgbClr val="FF0000"/>
-                </a:solidFill>
-              </a:rPr>
-              <a:t> </a:t>
-            </a:r>
-            <a:endParaRPr lang="en-US" sz="3600" b="1" dirty="0">
-              <a:solidFill>
-                <a:srgbClr val="FF0000"/>
-              </a:solidFill>
-            </a:endParaRPr>
+              <a:t>Anti-aliasing Filter</a:t>
+            </a:r>
           </a:p>
         </p:txBody>
       </p:sp>
@@ -21746,8 +21932,8 @@
           </a:p>
         </p:txBody>
       </p:sp>
-      <mc:AlternateContent xmlns:mc="http://schemas.openxmlformats.org/markup-compatibility/2006" xmlns:a14="http://schemas.microsoft.com/office/drawing/2010/main">
-        <mc:Choice Requires="a14">
+      <mc:AlternateContent xmlns:mc="http://schemas.openxmlformats.org/markup-compatibility/2006">
+        <mc:Choice xmlns:a14="http://schemas.microsoft.com/office/drawing/2010/main" Requires="a14">
           <p:sp>
             <p:nvSpPr>
               <p:cNvPr id="5" name="Rectangle 4">
@@ -21796,7 +21982,19 @@
                 </a:r>
                 <a:r>
                   <a:rPr lang="ar-SY" sz="2400" b="1" dirty="0"/>
-                  <a:t>ضعف أعلى تردد للإشارة (تردد </a:t>
+                  <a:t>ضعف </a:t>
+                </a:r>
+                <a:r>
+                  <a:rPr lang="ar-SY" sz="2400" b="1" dirty="0">
+                    <a:solidFill>
+                      <a:srgbClr val="FF0000"/>
+                    </a:solidFill>
+                  </a:rPr>
+                  <a:t>أعلى</a:t>
+                </a:r>
+                <a:r>
+                  <a:rPr lang="ar-SY" sz="2400" b="1" dirty="0"/>
+                  <a:t> تردد للإشارة (تردد </a:t>
                 </a:r>
                 <a:r>
                   <a:rPr lang="ar-SY" sz="2400" b="1" dirty="0" err="1"/>
@@ -21896,7 +22094,7 @@
             </p:txBody>
           </p:sp>
         </mc:Choice>
-        <mc:Fallback xmlns="">
+        <mc:Fallback>
           <p:sp>
             <p:nvSpPr>
               <p:cNvPr id="5" name="Rectangle 4">
@@ -24978,8 +25176,8 @@
           </a:p>
         </p:txBody>
       </p:sp>
-      <mc:AlternateContent xmlns:mc="http://schemas.openxmlformats.org/markup-compatibility/2006" xmlns:a14="http://schemas.microsoft.com/office/drawing/2010/main">
-        <mc:Choice Requires="a14">
+      <mc:AlternateContent xmlns:mc="http://schemas.openxmlformats.org/markup-compatibility/2006">
+        <mc:Choice xmlns:a14="http://schemas.microsoft.com/office/drawing/2010/main" Requires="a14">
           <p:sp>
             <p:nvSpPr>
               <p:cNvPr id="6" name="Object 5">
@@ -25004,7 +25202,7 @@
             </p:spPr>
             <p:txBody>
               <a:bodyPr>
-                <a:normAutofit/>
+                <a:normAutofit fontScale="92500"/>
               </a:bodyPr>
               <a:lstStyle/>
               <a:p>
@@ -25143,67 +25341,126 @@
                           </m:ctrlPr>
                         </m:dPr>
                         <m:e>
-                          <m:f>
-                            <m:fPr>
+                          <m:sSup>
+                            <m:sSupPr>
                               <m:ctrlPr>
-                                <a:rPr lang="en-US" sz="2400" i="1">
+                                <a:rPr lang="en-US" sz="2400" i="1" smtClean="0">
                                   <a:solidFill>
                                     <a:srgbClr val="000000"/>
                                   </a:solidFill>
                                   <a:latin typeface="Cambria Math" panose="02040503050406030204" pitchFamily="18" charset="0"/>
                                 </a:rPr>
                               </m:ctrlPr>
-                            </m:fPr>
-                            <m:num>
+                            </m:sSupPr>
+                            <m:e>
                               <m:r>
                                 <a:rPr lang="en-US" sz="2400" i="1">
                                   <a:solidFill>
                                     <a:srgbClr val="000000"/>
                                   </a:solidFill>
                                   <a:latin typeface="Cambria Math" panose="02040503050406030204" pitchFamily="18" charset="0"/>
+                                  <a:ea typeface="Cambria Math" panose="02040503050406030204" pitchFamily="18" charset="0"/>
                                 </a:rPr>
-                                <m:t>𝐺</m:t>
+                                <m:t>ℒ</m:t>
                               </m:r>
+                            </m:e>
+                            <m:sup>
                               <m:r>
-                                <a:rPr lang="en-US" sz="2400" i="1">
+                                <a:rPr lang="en-US" sz="2400" b="0" i="1" smtClean="0">
                                   <a:solidFill>
                                     <a:srgbClr val="000000"/>
                                   </a:solidFill>
                                   <a:latin typeface="Cambria Math" panose="02040503050406030204" pitchFamily="18" charset="0"/>
                                 </a:rPr>
-                                <m:t>(</m:t>
+                                <m:t>−</m:t>
                               </m:r>
                               <m:r>
-                                <a:rPr lang="en-US" sz="2400" i="1">
+                                <a:rPr lang="en-US" sz="2400" b="0" i="1" smtClean="0">
                                   <a:solidFill>
                                     <a:srgbClr val="000000"/>
                                   </a:solidFill>
                                   <a:latin typeface="Cambria Math" panose="02040503050406030204" pitchFamily="18" charset="0"/>
                                 </a:rPr>
-                                <m:t>𝑆</m:t>
+                                <m:t>1</m:t>
                               </m:r>
-                              <m:r>
-                                <a:rPr lang="en-US" sz="2400" i="1">
+                            </m:sup>
+                          </m:sSup>
+                          <m:d>
+                            <m:dPr>
+                              <m:ctrlPr>
+                                <a:rPr lang="en-US" sz="2400" i="1" smtClean="0">
                                   <a:solidFill>
                                     <a:srgbClr val="000000"/>
                                   </a:solidFill>
                                   <a:latin typeface="Cambria Math" panose="02040503050406030204" pitchFamily="18" charset="0"/>
+                                  <a:ea typeface="Cambria Math" panose="02040503050406030204" pitchFamily="18" charset="0"/>
                                 </a:rPr>
-                                <m:t>)</m:t>
-                              </m:r>
-                            </m:num>
-                            <m:den>
-                              <m:r>
-                                <a:rPr lang="en-US" sz="2400" i="1">
-                                  <a:solidFill>
-                                    <a:srgbClr val="000000"/>
-                                  </a:solidFill>
-                                  <a:latin typeface="Cambria Math" panose="02040503050406030204" pitchFamily="18" charset="0"/>
-                                </a:rPr>
-                                <m:t>𝑆</m:t>
-                              </m:r>
-                            </m:den>
-                          </m:f>
+                              </m:ctrlPr>
+                            </m:dPr>
+                            <m:e>
+                              <m:f>
+                                <m:fPr>
+                                  <m:ctrlPr>
+                                    <a:rPr lang="en-US" sz="2400" i="1">
+                                      <a:solidFill>
+                                        <a:srgbClr val="000000"/>
+                                      </a:solidFill>
+                                      <a:latin typeface="Cambria Math" panose="02040503050406030204" pitchFamily="18" charset="0"/>
+                                    </a:rPr>
+                                  </m:ctrlPr>
+                                </m:fPr>
+                                <m:num>
+                                  <m:r>
+                                    <a:rPr lang="en-US" sz="2400" i="1">
+                                      <a:solidFill>
+                                        <a:srgbClr val="000000"/>
+                                      </a:solidFill>
+                                      <a:latin typeface="Cambria Math" panose="02040503050406030204" pitchFamily="18" charset="0"/>
+                                    </a:rPr>
+                                    <m:t>𝐺</m:t>
+                                  </m:r>
+                                  <m:r>
+                                    <a:rPr lang="en-US" sz="2400" i="1">
+                                      <a:solidFill>
+                                        <a:srgbClr val="000000"/>
+                                      </a:solidFill>
+                                      <a:latin typeface="Cambria Math" panose="02040503050406030204" pitchFamily="18" charset="0"/>
+                                    </a:rPr>
+                                    <m:t>(</m:t>
+                                  </m:r>
+                                  <m:r>
+                                    <a:rPr lang="en-US" sz="2400" i="1">
+                                      <a:solidFill>
+                                        <a:srgbClr val="000000"/>
+                                      </a:solidFill>
+                                      <a:latin typeface="Cambria Math" panose="02040503050406030204" pitchFamily="18" charset="0"/>
+                                    </a:rPr>
+                                    <m:t>𝑆</m:t>
+                                  </m:r>
+                                  <m:r>
+                                    <a:rPr lang="en-US" sz="2400" i="1">
+                                      <a:solidFill>
+                                        <a:srgbClr val="000000"/>
+                                      </a:solidFill>
+                                      <a:latin typeface="Cambria Math" panose="02040503050406030204" pitchFamily="18" charset="0"/>
+                                    </a:rPr>
+                                    <m:t>)</m:t>
+                                  </m:r>
+                                </m:num>
+                                <m:den>
+                                  <m:r>
+                                    <a:rPr lang="en-US" sz="2400" i="1">
+                                      <a:solidFill>
+                                        <a:srgbClr val="000000"/>
+                                      </a:solidFill>
+                                      <a:latin typeface="Cambria Math" panose="02040503050406030204" pitchFamily="18" charset="0"/>
+                                    </a:rPr>
+                                    <m:t>𝑆</m:t>
+                                  </m:r>
+                                </m:den>
+                              </m:f>
+                            </m:e>
+                          </m:d>
                         </m:e>
                       </m:d>
                     </m:oMath>
@@ -25214,7 +25471,7 @@
             </p:txBody>
           </p:sp>
         </mc:Choice>
-        <mc:Fallback xmlns="">
+        <mc:Fallback>
           <p:sp>
             <p:nvSpPr>
               <p:cNvPr id="6" name="Object 5">
@@ -25259,8 +25516,8 @@
           </p:sp>
         </mc:Fallback>
       </mc:AlternateContent>
-      <mc:AlternateContent xmlns:mc="http://schemas.openxmlformats.org/markup-compatibility/2006" xmlns:a14="http://schemas.microsoft.com/office/drawing/2010/main">
-        <mc:Choice Requires="a14">
+      <mc:AlternateContent xmlns:mc="http://schemas.openxmlformats.org/markup-compatibility/2006">
+        <mc:Choice xmlns:a14="http://schemas.microsoft.com/office/drawing/2010/main" Requires="a14">
           <p:sp>
             <p:nvSpPr>
               <p:cNvPr id="9" name="Object 5">
@@ -25285,7 +25542,7 @@
             </p:spPr>
             <p:txBody>
               <a:bodyPr>
-                <a:normAutofit/>
+                <a:normAutofit fontScale="92500"/>
               </a:bodyPr>
               <a:lstStyle/>
               <a:p>
@@ -25433,8 +25690,8 @@
                           </m:ctrlPr>
                         </m:dPr>
                         <m:e>
-                          <m:f>
-                            <m:fPr>
+                          <m:sSup>
+                            <m:sSupPr>
                               <m:ctrlPr>
                                 <a:rPr lang="en-US" sz="2400" i="1">
                                   <a:solidFill>
@@ -25443,8 +25700,20 @@
                                   <a:latin typeface="Cambria Math" panose="02040503050406030204" pitchFamily="18" charset="0"/>
                                 </a:rPr>
                               </m:ctrlPr>
-                            </m:fPr>
-                            <m:num>
+                            </m:sSupPr>
+                            <m:e>
+                              <m:r>
+                                <a:rPr lang="en-US" sz="2400" i="1">
+                                  <a:solidFill>
+                                    <a:srgbClr val="000000"/>
+                                  </a:solidFill>
+                                  <a:latin typeface="Cambria Math" panose="02040503050406030204" pitchFamily="18" charset="0"/>
+                                  <a:ea typeface="Cambria Math" panose="02040503050406030204" pitchFamily="18" charset="0"/>
+                                </a:rPr>
+                                <m:t>ℒ</m:t>
+                              </m:r>
+                            </m:e>
+                            <m:sup>
                               <m:r>
                                 <a:rPr lang="en-US" sz="2400" i="1">
                                   <a:solidFill>
@@ -25452,7 +25721,7 @@
                                   </a:solidFill>
                                   <a:latin typeface="Cambria Math" panose="02040503050406030204" pitchFamily="18" charset="0"/>
                                 </a:rPr>
-                                <m:t>𝐺</m:t>
+                                <m:t>−</m:t>
                               </m:r>
                               <m:r>
                                 <a:rPr lang="en-US" sz="2400" i="1">
@@ -25461,42 +25730,55 @@
                                   </a:solidFill>
                                   <a:latin typeface="Cambria Math" panose="02040503050406030204" pitchFamily="18" charset="0"/>
                                 </a:rPr>
-                                <m:t>(</m:t>
+                                <m:t>1</m:t>
                               </m:r>
-                              <m:r>
+                            </m:sup>
+                          </m:sSup>
+                          <m:d>
+                            <m:dPr>
+                              <m:ctrlPr>
                                 <a:rPr lang="en-US" sz="2400" i="1">
                                   <a:solidFill>
                                     <a:srgbClr val="000000"/>
                                   </a:solidFill>
                                   <a:latin typeface="Cambria Math" panose="02040503050406030204" pitchFamily="18" charset="0"/>
+                                  <a:ea typeface="Cambria Math" panose="02040503050406030204" pitchFamily="18" charset="0"/>
                                 </a:rPr>
-                                <m:t>𝑆</m:t>
-                              </m:r>
-                              <m:r>
-                                <a:rPr lang="en-US" sz="2400" i="1">
-                                  <a:solidFill>
-                                    <a:srgbClr val="000000"/>
-                                  </a:solidFill>
-                                  <a:latin typeface="Cambria Math" panose="02040503050406030204" pitchFamily="18" charset="0"/>
-                                </a:rPr>
-                                <m:t>)</m:t>
-                              </m:r>
-                            </m:num>
-                            <m:den>
-                              <m:sSup>
-                                <m:sSupPr>
+                              </m:ctrlPr>
+                            </m:dPr>
+                            <m:e>
+                              <m:f>
+                                <m:fPr>
                                   <m:ctrlPr>
-                                    <a:rPr lang="en-US" sz="2400" i="1" smtClean="0">
+                                    <a:rPr lang="en-US" sz="2400" i="1">
                                       <a:solidFill>
                                         <a:srgbClr val="000000"/>
                                       </a:solidFill>
                                       <a:latin typeface="Cambria Math" panose="02040503050406030204" pitchFamily="18" charset="0"/>
                                     </a:rPr>
                                   </m:ctrlPr>
-                                </m:sSupPr>
-                                <m:e>
+                                </m:fPr>
+                                <m:num>
                                   <m:r>
-                                    <a:rPr lang="en-US" sz="2400" b="0" i="1" smtClean="0">
+                                    <a:rPr lang="en-US" sz="2400" i="1">
+                                      <a:solidFill>
+                                        <a:srgbClr val="000000"/>
+                                      </a:solidFill>
+                                      <a:latin typeface="Cambria Math" panose="02040503050406030204" pitchFamily="18" charset="0"/>
+                                    </a:rPr>
+                                    <m:t>𝐺</m:t>
+                                  </m:r>
+                                  <m:r>
+                                    <a:rPr lang="en-US" sz="2400" i="1">
+                                      <a:solidFill>
+                                        <a:srgbClr val="000000"/>
+                                      </a:solidFill>
+                                      <a:latin typeface="Cambria Math" panose="02040503050406030204" pitchFamily="18" charset="0"/>
+                                    </a:rPr>
+                                    <m:t>(</m:t>
+                                  </m:r>
+                                  <m:r>
+                                    <a:rPr lang="en-US" sz="2400" i="1">
                                       <a:solidFill>
                                         <a:srgbClr val="000000"/>
                                       </a:solidFill>
@@ -25504,21 +25786,30 @@
                                     </a:rPr>
                                     <m:t>𝑆</m:t>
                                   </m:r>
-                                </m:e>
-                                <m:sup>
                                   <m:r>
-                                    <a:rPr lang="en-US" sz="2400" b="0" i="1" smtClean="0">
+                                    <a:rPr lang="en-US" sz="2400" i="1">
                                       <a:solidFill>
                                         <a:srgbClr val="000000"/>
                                       </a:solidFill>
                                       <a:latin typeface="Cambria Math" panose="02040503050406030204" pitchFamily="18" charset="0"/>
                                     </a:rPr>
-                                    <m:t>2</m:t>
+                                    <m:t>)</m:t>
                                   </m:r>
-                                </m:sup>
-                              </m:sSup>
-                            </m:den>
-                          </m:f>
+                                </m:num>
+                                <m:den>
+                                  <m:r>
+                                    <a:rPr lang="en-US" sz="2400" i="1">
+                                      <a:solidFill>
+                                        <a:srgbClr val="000000"/>
+                                      </a:solidFill>
+                                      <a:latin typeface="Cambria Math" panose="02040503050406030204" pitchFamily="18" charset="0"/>
+                                    </a:rPr>
+                                    <m:t>𝑆</m:t>
+                                  </m:r>
+                                </m:den>
+                              </m:f>
+                            </m:e>
+                          </m:d>
                         </m:e>
                       </m:d>
                     </m:oMath>
@@ -25529,7 +25820,7 @@
             </p:txBody>
           </p:sp>
         </mc:Choice>
-        <mc:Fallback xmlns="">
+        <mc:Fallback>
           <p:sp>
             <p:nvSpPr>
               <p:cNvPr id="9" name="Object 5">

--- a/Digital control - lecture 4.pptx
+++ b/Digital control - lecture 4.pptx
@@ -275,7 +275,7 @@
           <a:p>
             <a:fld id="{EE9644A6-59D6-464D-AD1A-3A8F82524950}" type="datetimeFigureOut">
               <a:rPr lang="en-US" smtClean="0"/>
-              <a:t>10/25/2019</a:t>
+              <a:t>10/27/2019</a:t>
             </a:fld>
             <a:endParaRPr lang="en-US"/>
           </a:p>
@@ -473,7 +473,7 @@
           <a:p>
             <a:fld id="{EE9644A6-59D6-464D-AD1A-3A8F82524950}" type="datetimeFigureOut">
               <a:rPr lang="en-US" smtClean="0"/>
-              <a:t>10/25/2019</a:t>
+              <a:t>10/27/2019</a:t>
             </a:fld>
             <a:endParaRPr lang="en-US"/>
           </a:p>
@@ -681,7 +681,7 @@
           <a:p>
             <a:fld id="{EE9644A6-59D6-464D-AD1A-3A8F82524950}" type="datetimeFigureOut">
               <a:rPr lang="en-US" smtClean="0"/>
-              <a:t>10/25/2019</a:t>
+              <a:t>10/27/2019</a:t>
             </a:fld>
             <a:endParaRPr lang="en-US"/>
           </a:p>
@@ -879,7 +879,7 @@
           <a:p>
             <a:fld id="{EE9644A6-59D6-464D-AD1A-3A8F82524950}" type="datetimeFigureOut">
               <a:rPr lang="en-US" smtClean="0"/>
-              <a:t>10/25/2019</a:t>
+              <a:t>10/27/2019</a:t>
             </a:fld>
             <a:endParaRPr lang="en-US"/>
           </a:p>
@@ -1154,7 +1154,7 @@
           <a:p>
             <a:fld id="{EE9644A6-59D6-464D-AD1A-3A8F82524950}" type="datetimeFigureOut">
               <a:rPr lang="en-US" smtClean="0"/>
-              <a:t>10/25/2019</a:t>
+              <a:t>10/27/2019</a:t>
             </a:fld>
             <a:endParaRPr lang="en-US"/>
           </a:p>
@@ -1419,7 +1419,7 @@
           <a:p>
             <a:fld id="{EE9644A6-59D6-464D-AD1A-3A8F82524950}" type="datetimeFigureOut">
               <a:rPr lang="en-US" smtClean="0"/>
-              <a:t>10/25/2019</a:t>
+              <a:t>10/27/2019</a:t>
             </a:fld>
             <a:endParaRPr lang="en-US"/>
           </a:p>
@@ -1831,7 +1831,7 @@
           <a:p>
             <a:fld id="{EE9644A6-59D6-464D-AD1A-3A8F82524950}" type="datetimeFigureOut">
               <a:rPr lang="en-US" smtClean="0"/>
-              <a:t>10/25/2019</a:t>
+              <a:t>10/27/2019</a:t>
             </a:fld>
             <a:endParaRPr lang="en-US"/>
           </a:p>
@@ -1972,7 +1972,7 @@
           <a:p>
             <a:fld id="{EE9644A6-59D6-464D-AD1A-3A8F82524950}" type="datetimeFigureOut">
               <a:rPr lang="en-US" smtClean="0"/>
-              <a:t>10/25/2019</a:t>
+              <a:t>10/27/2019</a:t>
             </a:fld>
             <a:endParaRPr lang="en-US"/>
           </a:p>
@@ -2085,7 +2085,7 @@
           <a:p>
             <a:fld id="{EE9644A6-59D6-464D-AD1A-3A8F82524950}" type="datetimeFigureOut">
               <a:rPr lang="en-US" smtClean="0"/>
-              <a:t>10/25/2019</a:t>
+              <a:t>10/27/2019</a:t>
             </a:fld>
             <a:endParaRPr lang="en-US"/>
           </a:p>
@@ -2396,7 +2396,7 @@
           <a:p>
             <a:fld id="{EE9644A6-59D6-464D-AD1A-3A8F82524950}" type="datetimeFigureOut">
               <a:rPr lang="en-US" smtClean="0"/>
-              <a:t>10/25/2019</a:t>
+              <a:t>10/27/2019</a:t>
             </a:fld>
             <a:endParaRPr lang="en-US"/>
           </a:p>
@@ -2684,7 +2684,7 @@
           <a:p>
             <a:fld id="{EE9644A6-59D6-464D-AD1A-3A8F82524950}" type="datetimeFigureOut">
               <a:rPr lang="en-US" smtClean="0"/>
-              <a:t>10/25/2019</a:t>
+              <a:t>10/27/2019</a:t>
             </a:fld>
             <a:endParaRPr lang="en-US"/>
           </a:p>
@@ -2925,7 +2925,7 @@
           <a:p>
             <a:fld id="{EE9644A6-59D6-464D-AD1A-3A8F82524950}" type="datetimeFigureOut">
               <a:rPr lang="en-US" smtClean="0"/>
-              <a:t>10/25/2019</a:t>
+              <a:t>10/27/2019</a:t>
             </a:fld>
             <a:endParaRPr lang="en-US"/>
           </a:p>
@@ -4710,8 +4710,8 @@
           </p:sp>
         </mc:Fallback>
       </mc:AlternateContent>
-      <mc:AlternateContent xmlns:mc="http://schemas.openxmlformats.org/markup-compatibility/2006">
-        <mc:Choice xmlns:a14="http://schemas.microsoft.com/office/drawing/2010/main" Requires="a14">
+      <mc:AlternateContent xmlns:mc="http://schemas.openxmlformats.org/markup-compatibility/2006" xmlns:a14="http://schemas.microsoft.com/office/drawing/2010/main">
+        <mc:Choice Requires="a14">
           <p:sp>
             <p:nvSpPr>
               <p:cNvPr id="20" name="Object 8">
@@ -5381,7 +5381,7 @@
             </p:txBody>
           </p:sp>
         </mc:Choice>
-        <mc:Fallback>
+        <mc:Fallback xmlns="">
           <p:sp>
             <p:nvSpPr>
               <p:cNvPr id="20" name="Object 8">
@@ -5426,8 +5426,8 @@
           </p:sp>
         </mc:Fallback>
       </mc:AlternateContent>
-      <mc:AlternateContent xmlns:mc="http://schemas.openxmlformats.org/markup-compatibility/2006">
-        <mc:Choice xmlns:a14="http://schemas.microsoft.com/office/drawing/2010/main" Requires="a14">
+      <mc:AlternateContent xmlns:mc="http://schemas.openxmlformats.org/markup-compatibility/2006" xmlns:a14="http://schemas.microsoft.com/office/drawing/2010/main">
+        <mc:Choice Requires="a14">
           <p:sp>
             <p:nvSpPr>
               <p:cNvPr id="24" name="Object 5">
@@ -6063,7 +6063,7 @@
             </p:txBody>
           </p:sp>
         </mc:Choice>
-        <mc:Fallback>
+        <mc:Fallback xmlns="">
           <p:sp>
             <p:nvSpPr>
               <p:cNvPr id="24" name="Object 5">
@@ -8162,8 +8162,8 @@
           </p:sp>
         </mc:Fallback>
       </mc:AlternateContent>
-      <mc:AlternateContent xmlns:mc="http://schemas.openxmlformats.org/markup-compatibility/2006">
-        <mc:Choice xmlns:a14="http://schemas.microsoft.com/office/drawing/2010/main" Requires="a14">
+      <mc:AlternateContent xmlns:mc="http://schemas.openxmlformats.org/markup-compatibility/2006" xmlns:a14="http://schemas.microsoft.com/office/drawing/2010/main">
+        <mc:Choice Requires="a14">
           <p:sp>
             <p:nvSpPr>
               <p:cNvPr id="20" name="Object 8">
@@ -8776,7 +8776,7 @@
             </p:txBody>
           </p:sp>
         </mc:Choice>
-        <mc:Fallback>
+        <mc:Fallback xmlns="">
           <p:sp>
             <p:nvSpPr>
               <p:cNvPr id="20" name="Object 8">
@@ -8853,8 +8853,8 @@
           </a:p>
         </p:txBody>
       </p:sp>
-      <mc:AlternateContent xmlns:mc="http://schemas.openxmlformats.org/markup-compatibility/2006">
-        <mc:Choice xmlns:a14="http://schemas.microsoft.com/office/drawing/2010/main" Requires="a14">
+      <mc:AlternateContent xmlns:mc="http://schemas.openxmlformats.org/markup-compatibility/2006" xmlns:a14="http://schemas.microsoft.com/office/drawing/2010/main">
+        <mc:Choice Requires="a14">
           <p:sp>
             <p:nvSpPr>
               <p:cNvPr id="24" name="Object 5">
@@ -9776,7 +9776,7 @@
             </p:txBody>
           </p:sp>
         </mc:Choice>
-        <mc:Fallback>
+        <mc:Fallback xmlns="">
           <p:sp>
             <p:nvSpPr>
               <p:cNvPr id="24" name="Object 5">
@@ -21932,8 +21932,8 @@
           </a:p>
         </p:txBody>
       </p:sp>
-      <mc:AlternateContent xmlns:mc="http://schemas.openxmlformats.org/markup-compatibility/2006">
-        <mc:Choice xmlns:a14="http://schemas.microsoft.com/office/drawing/2010/main" Requires="a14">
+      <mc:AlternateContent xmlns:mc="http://schemas.openxmlformats.org/markup-compatibility/2006" xmlns:a14="http://schemas.microsoft.com/office/drawing/2010/main">
+        <mc:Choice Requires="a14">
           <p:sp>
             <p:nvSpPr>
               <p:cNvPr id="5" name="Rectangle 4">
@@ -22094,7 +22094,7 @@
             </p:txBody>
           </p:sp>
         </mc:Choice>
-        <mc:Fallback>
+        <mc:Fallback xmlns="">
           <p:sp>
             <p:nvSpPr>
               <p:cNvPr id="5" name="Rectangle 4">
@@ -25176,8 +25176,8 @@
           </a:p>
         </p:txBody>
       </p:sp>
-      <mc:AlternateContent xmlns:mc="http://schemas.openxmlformats.org/markup-compatibility/2006">
-        <mc:Choice xmlns:a14="http://schemas.microsoft.com/office/drawing/2010/main" Requires="a14">
+      <mc:AlternateContent xmlns:mc="http://schemas.openxmlformats.org/markup-compatibility/2006" xmlns:a14="http://schemas.microsoft.com/office/drawing/2010/main">
+        <mc:Choice Requires="a14">
           <p:sp>
             <p:nvSpPr>
               <p:cNvPr id="6" name="Object 5">
@@ -25471,7 +25471,7 @@
             </p:txBody>
           </p:sp>
         </mc:Choice>
-        <mc:Fallback>
+        <mc:Fallback xmlns="">
           <p:sp>
             <p:nvSpPr>
               <p:cNvPr id="6" name="Object 5">
@@ -25797,15 +25797,40 @@
                                   </m:r>
                                 </m:num>
                                 <m:den>
-                                  <m:r>
-                                    <a:rPr lang="en-US" sz="2400" i="1">
-                                      <a:solidFill>
-                                        <a:srgbClr val="000000"/>
-                                      </a:solidFill>
-                                      <a:latin typeface="Cambria Math" panose="02040503050406030204" pitchFamily="18" charset="0"/>
-                                    </a:rPr>
-                                    <m:t>𝑆</m:t>
-                                  </m:r>
+                                  <m:sSup>
+                                    <m:sSupPr>
+                                      <m:ctrlPr>
+                                        <a:rPr lang="en-US" sz="2400" i="1" smtClean="0">
+                                          <a:solidFill>
+                                            <a:srgbClr val="000000"/>
+                                          </a:solidFill>
+                                          <a:latin typeface="Cambria Math" panose="02040503050406030204" pitchFamily="18" charset="0"/>
+                                        </a:rPr>
+                                      </m:ctrlPr>
+                                    </m:sSupPr>
+                                    <m:e>
+                                      <m:r>
+                                        <a:rPr lang="en-US" sz="2400" b="0" i="1" smtClean="0">
+                                          <a:solidFill>
+                                            <a:srgbClr val="000000"/>
+                                          </a:solidFill>
+                                          <a:latin typeface="Cambria Math" panose="02040503050406030204" pitchFamily="18" charset="0"/>
+                                        </a:rPr>
+                                        <m:t>𝑆</m:t>
+                                      </m:r>
+                                    </m:e>
+                                    <m:sup>
+                                      <m:r>
+                                        <a:rPr lang="en-US" sz="2400" b="0" i="1" smtClean="0">
+                                          <a:solidFill>
+                                            <a:srgbClr val="000000"/>
+                                          </a:solidFill>
+                                          <a:latin typeface="Cambria Math" panose="02040503050406030204" pitchFamily="18" charset="0"/>
+                                        </a:rPr>
+                                        <m:t>2</m:t>
+                                      </m:r>
+                                    </m:sup>
+                                  </m:sSup>
                                 </m:den>
                               </m:f>
                             </m:e>
